--- a/Project 1 - Group 2 - Statewide Bicycle Crash Analysis.pptx
+++ b/Project 1 - Group 2 - Statewide Bicycle Crash Analysis.pptx
@@ -2,16 +2,27 @@
 <file path=ppt/presentation.xml><?xml version="1.0" encoding="utf-8"?>
 <p:presentation xmlns:a="http://schemas.openxmlformats.org/drawingml/2006/main" xmlns:r="http://schemas.openxmlformats.org/officeDocument/2006/relationships" xmlns:p="http://schemas.openxmlformats.org/presentationml/2006/main" saveSubsetFonts="1">
   <p:sldMasterIdLst>
-    <p:sldMasterId id="2147483648" r:id="rId1"/>
+    <p:sldMasterId id="2147483672" r:id="rId1"/>
   </p:sldMasterIdLst>
   <p:sldIdLst>
     <p:sldId id="256" r:id="rId2"/>
-    <p:sldId id="258" r:id="rId3"/>
-    <p:sldId id="257" r:id="rId4"/>
-    <p:sldId id="259" r:id="rId5"/>
-    <p:sldId id="260" r:id="rId6"/>
-    <p:sldId id="261" r:id="rId7"/>
-    <p:sldId id="262" r:id="rId8"/>
+    <p:sldId id="266" r:id="rId3"/>
+    <p:sldId id="267" r:id="rId4"/>
+    <p:sldId id="268" r:id="rId5"/>
+    <p:sldId id="271" r:id="rId6"/>
+    <p:sldId id="269" r:id="rId7"/>
+    <p:sldId id="272" r:id="rId8"/>
+    <p:sldId id="273" r:id="rId9"/>
+    <p:sldId id="274" r:id="rId10"/>
+    <p:sldId id="270" r:id="rId11"/>
+    <p:sldId id="264" r:id="rId12"/>
+    <p:sldId id="258" r:id="rId13"/>
+    <p:sldId id="257" r:id="rId14"/>
+    <p:sldId id="259" r:id="rId15"/>
+    <p:sldId id="260" r:id="rId16"/>
+    <p:sldId id="261" r:id="rId17"/>
+    <p:sldId id="262" r:id="rId18"/>
+    <p:sldId id="265" r:id="rId19"/>
   </p:sldIdLst>
   <p:sldSz cx="12192000" cy="6858000"/>
   <p:notesSz cx="6858000" cy="9144000"/>
@@ -19,7 +30,7 @@
     <a:defPPr>
       <a:defRPr lang="en-US"/>
     </a:defPPr>
-    <a:lvl1pPr marL="0" algn="l" defTabSz="914400" rtl="0" eaLnBrk="1" latinLnBrk="0" hangingPunct="1">
+    <a:lvl1pPr marL="0" algn="l" defTabSz="457200" rtl="0" eaLnBrk="1" latinLnBrk="0" hangingPunct="1">
       <a:defRPr sz="1800" kern="1200">
         <a:solidFill>
           <a:schemeClr val="tx1"/>
@@ -29,7 +40,7 @@
         <a:cs typeface="+mn-cs"/>
       </a:defRPr>
     </a:lvl1pPr>
-    <a:lvl2pPr marL="457200" algn="l" defTabSz="914400" rtl="0" eaLnBrk="1" latinLnBrk="0" hangingPunct="1">
+    <a:lvl2pPr marL="457200" algn="l" defTabSz="457200" rtl="0" eaLnBrk="1" latinLnBrk="0" hangingPunct="1">
       <a:defRPr sz="1800" kern="1200">
         <a:solidFill>
           <a:schemeClr val="tx1"/>
@@ -39,7 +50,7 @@
         <a:cs typeface="+mn-cs"/>
       </a:defRPr>
     </a:lvl2pPr>
-    <a:lvl3pPr marL="914400" algn="l" defTabSz="914400" rtl="0" eaLnBrk="1" latinLnBrk="0" hangingPunct="1">
+    <a:lvl3pPr marL="914400" algn="l" defTabSz="457200" rtl="0" eaLnBrk="1" latinLnBrk="0" hangingPunct="1">
       <a:defRPr sz="1800" kern="1200">
         <a:solidFill>
           <a:schemeClr val="tx1"/>
@@ -49,7 +60,7 @@
         <a:cs typeface="+mn-cs"/>
       </a:defRPr>
     </a:lvl3pPr>
-    <a:lvl4pPr marL="1371600" algn="l" defTabSz="914400" rtl="0" eaLnBrk="1" latinLnBrk="0" hangingPunct="1">
+    <a:lvl4pPr marL="1371600" algn="l" defTabSz="457200" rtl="0" eaLnBrk="1" latinLnBrk="0" hangingPunct="1">
       <a:defRPr sz="1800" kern="1200">
         <a:solidFill>
           <a:schemeClr val="tx1"/>
@@ -59,7 +70,7 @@
         <a:cs typeface="+mn-cs"/>
       </a:defRPr>
     </a:lvl4pPr>
-    <a:lvl5pPr marL="1828800" algn="l" defTabSz="914400" rtl="0" eaLnBrk="1" latinLnBrk="0" hangingPunct="1">
+    <a:lvl5pPr marL="1828800" algn="l" defTabSz="457200" rtl="0" eaLnBrk="1" latinLnBrk="0" hangingPunct="1">
       <a:defRPr sz="1800" kern="1200">
         <a:solidFill>
           <a:schemeClr val="tx1"/>
@@ -69,7 +80,7 @@
         <a:cs typeface="+mn-cs"/>
       </a:defRPr>
     </a:lvl5pPr>
-    <a:lvl6pPr marL="2286000" algn="l" defTabSz="914400" rtl="0" eaLnBrk="1" latinLnBrk="0" hangingPunct="1">
+    <a:lvl6pPr marL="2286000" algn="l" defTabSz="457200" rtl="0" eaLnBrk="1" latinLnBrk="0" hangingPunct="1">
       <a:defRPr sz="1800" kern="1200">
         <a:solidFill>
           <a:schemeClr val="tx1"/>
@@ -79,7 +90,7 @@
         <a:cs typeface="+mn-cs"/>
       </a:defRPr>
     </a:lvl6pPr>
-    <a:lvl7pPr marL="2743200" algn="l" defTabSz="914400" rtl="0" eaLnBrk="1" latinLnBrk="0" hangingPunct="1">
+    <a:lvl7pPr marL="2743200" algn="l" defTabSz="457200" rtl="0" eaLnBrk="1" latinLnBrk="0" hangingPunct="1">
       <a:defRPr sz="1800" kern="1200">
         <a:solidFill>
           <a:schemeClr val="tx1"/>
@@ -89,7 +100,7 @@
         <a:cs typeface="+mn-cs"/>
       </a:defRPr>
     </a:lvl7pPr>
-    <a:lvl8pPr marL="3200400" algn="l" defTabSz="914400" rtl="0" eaLnBrk="1" latinLnBrk="0" hangingPunct="1">
+    <a:lvl8pPr marL="3200400" algn="l" defTabSz="457200" rtl="0" eaLnBrk="1" latinLnBrk="0" hangingPunct="1">
       <a:defRPr sz="1800" kern="1200">
         <a:solidFill>
           <a:schemeClr val="tx1"/>
@@ -99,7 +110,7 @@
         <a:cs typeface="+mn-cs"/>
       </a:defRPr>
     </a:lvl8pPr>
-    <a:lvl9pPr marL="3657600" algn="l" defTabSz="914400" rtl="0" eaLnBrk="1" latinLnBrk="0" hangingPunct="1">
+    <a:lvl9pPr marL="3657600" algn="l" defTabSz="457200" rtl="0" eaLnBrk="1" latinLnBrk="0" hangingPunct="1">
       <a:defRPr sz="1800" kern="1200">
         <a:solidFill>
           <a:schemeClr val="tx1"/>
@@ -110,6 +121,11 @@
       </a:defRPr>
     </a:lvl9pPr>
   </p:defaultTextStyle>
+  <p:extLst>
+    <p:ext uri="{EFAFB233-063F-42B5-8137-9DF3F51BA10A}">
+      <p15:sldGuideLst xmlns:p15="http://schemas.microsoft.com/office/powerpoint/2012/main"/>
+    </p:ext>
+  </p:extLst>
 </p:presentation>
 </file>
 
@@ -132,13 +148,83 @@
       </p:grpSpPr>
       <p:sp>
         <p:nvSpPr>
-          <p:cNvPr id="2" name="Title 1">
-            <a:extLst>
-              <a:ext uri="{FF2B5EF4-FFF2-40B4-BE49-F238E27FC236}">
-                <a16:creationId xmlns:a16="http://schemas.microsoft.com/office/drawing/2014/main" id="{7E4DCD20-EE21-4609-A9E7-FEAFD261BEBE}"/>
-              </a:ext>
-            </a:extLst>
-          </p:cNvPr>
+          <p:cNvPr id="7" name="Rectangle 6"/>
+          <p:cNvSpPr/>
+          <p:nvPr/>
+        </p:nvSpPr>
+        <p:spPr>
+          <a:xfrm>
+            <a:off x="1" y="6400800"/>
+            <a:ext cx="12192000" cy="457200"/>
+          </a:xfrm>
+          <a:prstGeom prst="rect">
+            <a:avLst/>
+          </a:prstGeom>
+          <a:solidFill>
+            <a:schemeClr val="accent2"/>
+          </a:solidFill>
+          <a:ln>
+            <a:noFill/>
+          </a:ln>
+        </p:spPr>
+        <p:style>
+          <a:lnRef idx="2">
+            <a:schemeClr val="accent1">
+              <a:shade val="50000"/>
+            </a:schemeClr>
+          </a:lnRef>
+          <a:fillRef idx="1">
+            <a:schemeClr val="accent1"/>
+          </a:fillRef>
+          <a:effectRef idx="0">
+            <a:schemeClr val="accent1"/>
+          </a:effectRef>
+          <a:fontRef idx="minor">
+            <a:schemeClr val="lt1"/>
+          </a:fontRef>
+        </p:style>
+      </p:sp>
+      <p:sp>
+        <p:nvSpPr>
+          <p:cNvPr id="8" name="Rectangle 7"/>
+          <p:cNvSpPr/>
+          <p:nvPr/>
+        </p:nvSpPr>
+        <p:spPr>
+          <a:xfrm>
+            <a:off x="1" y="6334316"/>
+            <a:ext cx="12192000" cy="66484"/>
+          </a:xfrm>
+          <a:prstGeom prst="rect">
+            <a:avLst/>
+          </a:prstGeom>
+          <a:solidFill>
+            <a:schemeClr val="accent1"/>
+          </a:solidFill>
+          <a:ln>
+            <a:noFill/>
+          </a:ln>
+        </p:spPr>
+        <p:style>
+          <a:lnRef idx="2">
+            <a:schemeClr val="accent1">
+              <a:shade val="50000"/>
+            </a:schemeClr>
+          </a:lnRef>
+          <a:fillRef idx="1">
+            <a:schemeClr val="accent1"/>
+          </a:fillRef>
+          <a:effectRef idx="0">
+            <a:schemeClr val="accent1"/>
+          </a:effectRef>
+          <a:fontRef idx="minor">
+            <a:schemeClr val="lt1"/>
+          </a:fontRef>
+        </p:style>
+      </p:sp>
+      <p:sp>
+        <p:nvSpPr>
+          <p:cNvPr id="2" name="Title 1"/>
           <p:cNvSpPr>
             <a:spLocks noGrp="1"/>
           </p:cNvSpPr>
@@ -148,20 +234,32 @@
         </p:nvSpPr>
         <p:spPr>
           <a:xfrm>
-            <a:off x="1524000" y="1122363"/>
-            <a:ext cx="9144000" cy="2387600"/>
-          </a:xfrm>
-        </p:spPr>
-        <p:txBody>
-          <a:bodyPr anchor="b"/>
+            <a:off x="1066800" y="1259379"/>
+            <a:ext cx="10058400" cy="2211137"/>
+          </a:xfrm>
+        </p:spPr>
+        <p:txBody>
+          <a:bodyPr anchor="ctr">
+            <a:normAutofit/>
+          </a:bodyPr>
           <a:lstStyle>
-            <a:lvl1pPr algn="ctr">
-              <a:defRPr sz="6000"/>
+            <a:lvl1pPr algn="l">
+              <a:lnSpc>
+                <a:spcPct val="85000"/>
+              </a:lnSpc>
+              <a:defRPr sz="5400" spc="-50" baseline="0">
+                <a:solidFill>
+                  <a:schemeClr val="tx1">
+                    <a:lumMod val="85000"/>
+                    <a:lumOff val="15000"/>
+                  </a:schemeClr>
+                </a:solidFill>
+              </a:defRPr>
             </a:lvl1pPr>
           </a:lstStyle>
           <a:p>
             <a:r>
-              <a:rPr lang="en-US"/>
+              <a:rPr lang="en-US" dirty="0"/>
               <a:t>Click to edit Master title style</a:t>
             </a:r>
           </a:p>
@@ -169,13 +267,7 @@
       </p:sp>
       <p:sp>
         <p:nvSpPr>
-          <p:cNvPr id="3" name="Subtitle 2">
-            <a:extLst>
-              <a:ext uri="{FF2B5EF4-FFF2-40B4-BE49-F238E27FC236}">
-                <a16:creationId xmlns:a16="http://schemas.microsoft.com/office/drawing/2014/main" id="{92A870FA-F7FD-4624-962D-1A6269F3221C}"/>
-              </a:ext>
-            </a:extLst>
-          </p:cNvPr>
+          <p:cNvPr id="3" name="Subtitle 2"/>
           <p:cNvSpPr>
             <a:spLocks noGrp="1"/>
           </p:cNvSpPr>
@@ -185,48 +277,55 @@
         </p:nvSpPr>
         <p:spPr>
           <a:xfrm>
-            <a:off x="1524000" y="3602038"/>
-            <a:ext cx="9144000" cy="1655762"/>
-          </a:xfrm>
-        </p:spPr>
-        <p:txBody>
-          <a:bodyPr/>
+            <a:off x="1100051" y="4455621"/>
+            <a:ext cx="10058400" cy="1143000"/>
+          </a:xfrm>
+        </p:spPr>
+        <p:txBody>
+          <a:bodyPr lIns="91440" rIns="91440">
+            <a:normAutofit/>
+          </a:bodyPr>
           <a:lstStyle>
-            <a:lvl1pPr marL="0" indent="0" algn="ctr">
+            <a:lvl1pPr marL="0" indent="0" algn="l">
               <a:buNone/>
-              <a:defRPr sz="2400"/>
+              <a:defRPr sz="2400" cap="all" spc="200" baseline="0">
+                <a:solidFill>
+                  <a:schemeClr val="tx2"/>
+                </a:solidFill>
+                <a:latin typeface="+mj-lt"/>
+              </a:defRPr>
             </a:lvl1pPr>
             <a:lvl2pPr marL="457200" indent="0" algn="ctr">
               <a:buNone/>
-              <a:defRPr sz="2000"/>
+              <a:defRPr sz="2400"/>
             </a:lvl2pPr>
             <a:lvl3pPr marL="914400" indent="0" algn="ctr">
               <a:buNone/>
-              <a:defRPr sz="1800"/>
+              <a:defRPr sz="2400"/>
             </a:lvl3pPr>
             <a:lvl4pPr marL="1371600" indent="0" algn="ctr">
               <a:buNone/>
-              <a:defRPr sz="1600"/>
+              <a:defRPr sz="2000"/>
             </a:lvl4pPr>
             <a:lvl5pPr marL="1828800" indent="0" algn="ctr">
               <a:buNone/>
-              <a:defRPr sz="1600"/>
+              <a:defRPr sz="2000"/>
             </a:lvl5pPr>
             <a:lvl6pPr marL="2286000" indent="0" algn="ctr">
               <a:buNone/>
-              <a:defRPr sz="1600"/>
+              <a:defRPr sz="2000"/>
             </a:lvl6pPr>
             <a:lvl7pPr marL="2743200" indent="0" algn="ctr">
               <a:buNone/>
-              <a:defRPr sz="1600"/>
+              <a:defRPr sz="2000"/>
             </a:lvl7pPr>
             <a:lvl8pPr marL="3200400" indent="0" algn="ctr">
               <a:buNone/>
-              <a:defRPr sz="1600"/>
+              <a:defRPr sz="2000"/>
             </a:lvl8pPr>
             <a:lvl9pPr marL="3657600" indent="0" algn="ctr">
               <a:buNone/>
-              <a:defRPr sz="1600"/>
+              <a:defRPr sz="2000"/>
             </a:lvl9pPr>
           </a:lstStyle>
           <a:p>
@@ -234,18 +333,13 @@
               <a:rPr lang="en-US"/>
               <a:t>Click to edit Master subtitle style</a:t>
             </a:r>
-          </a:p>
-        </p:txBody>
-      </p:sp>
-      <p:sp>
-        <p:nvSpPr>
-          <p:cNvPr id="4" name="Date Placeholder 3">
-            <a:extLst>
-              <a:ext uri="{FF2B5EF4-FFF2-40B4-BE49-F238E27FC236}">
-                <a16:creationId xmlns:a16="http://schemas.microsoft.com/office/drawing/2014/main" id="{EC361110-4FBB-4317-AD01-5933F47D1FA4}"/>
-              </a:ext>
-            </a:extLst>
-          </p:cNvPr>
+            <a:endParaRPr lang="en-US" dirty="0"/>
+          </a:p>
+        </p:txBody>
+      </p:sp>
+      <p:sp>
+        <p:nvSpPr>
+          <p:cNvPr id="4" name="Date Placeholder 3"/>
           <p:cNvSpPr>
             <a:spLocks noGrp="1"/>
           </p:cNvSpPr>
@@ -260,7 +354,7 @@
           <a:p>
             <a:fld id="{D3996415-E807-4F2E-835D-D1F91F69986F}" type="datetimeFigureOut">
               <a:rPr lang="en-US" smtClean="0"/>
-              <a:t>4/9/2020</a:t>
+              <a:t>4/13/2020</a:t>
             </a:fld>
             <a:endParaRPr lang="en-US"/>
           </a:p>
@@ -268,13 +362,7 @@
       </p:sp>
       <p:sp>
         <p:nvSpPr>
-          <p:cNvPr id="5" name="Footer Placeholder 4">
-            <a:extLst>
-              <a:ext uri="{FF2B5EF4-FFF2-40B4-BE49-F238E27FC236}">
-                <a16:creationId xmlns:a16="http://schemas.microsoft.com/office/drawing/2014/main" id="{9B509595-1986-4FEA-B127-E89338277411}"/>
-              </a:ext>
-            </a:extLst>
-          </p:cNvPr>
+          <p:cNvPr id="5" name="Footer Placeholder 4"/>
           <p:cNvSpPr>
             <a:spLocks noGrp="1"/>
           </p:cNvSpPr>
@@ -293,13 +381,7 @@
       </p:sp>
       <p:sp>
         <p:nvSpPr>
-          <p:cNvPr id="6" name="Slide Number Placeholder 5">
-            <a:extLst>
-              <a:ext uri="{FF2B5EF4-FFF2-40B4-BE49-F238E27FC236}">
-                <a16:creationId xmlns:a16="http://schemas.microsoft.com/office/drawing/2014/main" id="{29523CB6-7A49-496B-815C-11D8CC15543E}"/>
-              </a:ext>
-            </a:extLst>
-          </p:cNvPr>
+          <p:cNvPr id="6" name="Slide Number Placeholder 5"/>
           <p:cNvSpPr>
             <a:spLocks noGrp="1"/>
           </p:cNvSpPr>
@@ -320,10 +402,48 @@
           </a:p>
         </p:txBody>
       </p:sp>
+      <p:cxnSp>
+        <p:nvCxnSpPr>
+          <p:cNvPr id="9" name="Straight Connector 8"/>
+          <p:cNvCxnSpPr/>
+          <p:nvPr/>
+        </p:nvCxnSpPr>
+        <p:spPr>
+          <a:xfrm>
+            <a:off x="1207658" y="4343400"/>
+            <a:ext cx="9875520" cy="0"/>
+          </a:xfrm>
+          <a:prstGeom prst="line">
+            <a:avLst/>
+          </a:prstGeom>
+          <a:ln w="6350">
+            <a:solidFill>
+              <a:schemeClr val="tx1">
+                <a:lumMod val="50000"/>
+                <a:lumOff val="50000"/>
+              </a:schemeClr>
+            </a:solidFill>
+          </a:ln>
+        </p:spPr>
+        <p:style>
+          <a:lnRef idx="1">
+            <a:schemeClr val="accent1"/>
+          </a:lnRef>
+          <a:fillRef idx="0">
+            <a:schemeClr val="accent1"/>
+          </a:fillRef>
+          <a:effectRef idx="0">
+            <a:schemeClr val="accent1"/>
+          </a:effectRef>
+          <a:fontRef idx="minor">
+            <a:schemeClr val="tx1"/>
+          </a:fontRef>
+        </p:style>
+      </p:cxnSp>
     </p:spTree>
     <p:extLst>
       <p:ext uri="{BB962C8B-B14F-4D97-AF65-F5344CB8AC3E}">
-        <p14:creationId xmlns:p14="http://schemas.microsoft.com/office/powerpoint/2010/main" val="3178429637"/>
+        <p14:creationId xmlns:p14="http://schemas.microsoft.com/office/powerpoint/2010/main" val="3913997854"/>
       </p:ext>
     </p:extLst>
   </p:cSld>
@@ -352,13 +472,7 @@
       </p:grpSpPr>
       <p:sp>
         <p:nvSpPr>
-          <p:cNvPr id="2" name="Title 1">
-            <a:extLst>
-              <a:ext uri="{FF2B5EF4-FFF2-40B4-BE49-F238E27FC236}">
-                <a16:creationId xmlns:a16="http://schemas.microsoft.com/office/drawing/2014/main" id="{E2957802-1DDE-401F-8E58-9DA47970E22C}"/>
-              </a:ext>
-            </a:extLst>
-          </p:cNvPr>
+          <p:cNvPr id="2" name="Title 1"/>
           <p:cNvSpPr>
             <a:spLocks noGrp="1"/>
           </p:cNvSpPr>
@@ -375,18 +489,13 @@
               <a:rPr lang="en-US"/>
               <a:t>Click to edit Master title style</a:t>
             </a:r>
-          </a:p>
-        </p:txBody>
-      </p:sp>
-      <p:sp>
-        <p:nvSpPr>
-          <p:cNvPr id="3" name="Vertical Text Placeholder 2">
-            <a:extLst>
-              <a:ext uri="{FF2B5EF4-FFF2-40B4-BE49-F238E27FC236}">
-                <a16:creationId xmlns:a16="http://schemas.microsoft.com/office/drawing/2014/main" id="{2B958FB6-4346-45D1-B817-02BC2569DD66}"/>
-              </a:ext>
-            </a:extLst>
-          </p:cNvPr>
+            <a:endParaRPr lang="en-US" dirty="0"/>
+          </a:p>
+        </p:txBody>
+      </p:sp>
+      <p:sp>
+        <p:nvSpPr>
+          <p:cNvPr id="3" name="Vertical Text Placeholder 2"/>
           <p:cNvSpPr>
             <a:spLocks noGrp="1"/>
           </p:cNvSpPr>
@@ -396,7 +505,7 @@
         </p:nvSpPr>
         <p:spPr/>
         <p:txBody>
-          <a:bodyPr vert="eaVert"/>
+          <a:bodyPr vert="eaVert" lIns="45720" tIns="0" rIns="45720" bIns="0"/>
           <a:lstStyle/>
           <a:p>
             <a:pPr lvl="0"/>
@@ -432,18 +541,13 @@
               <a:rPr lang="en-US"/>
               <a:t>Fifth level</a:t>
             </a:r>
-          </a:p>
-        </p:txBody>
-      </p:sp>
-      <p:sp>
-        <p:nvSpPr>
-          <p:cNvPr id="4" name="Date Placeholder 3">
-            <a:extLst>
-              <a:ext uri="{FF2B5EF4-FFF2-40B4-BE49-F238E27FC236}">
-                <a16:creationId xmlns:a16="http://schemas.microsoft.com/office/drawing/2014/main" id="{7EEE25AC-F1FA-48F4-B3BA-BF9D94433415}"/>
-              </a:ext>
-            </a:extLst>
-          </p:cNvPr>
+            <a:endParaRPr lang="en-US" dirty="0"/>
+          </a:p>
+        </p:txBody>
+      </p:sp>
+      <p:sp>
+        <p:nvSpPr>
+          <p:cNvPr id="4" name="Date Placeholder 3"/>
           <p:cNvSpPr>
             <a:spLocks noGrp="1"/>
           </p:cNvSpPr>
@@ -458,7 +562,7 @@
           <a:p>
             <a:fld id="{D3996415-E807-4F2E-835D-D1F91F69986F}" type="datetimeFigureOut">
               <a:rPr lang="en-US" smtClean="0"/>
-              <a:t>4/9/2020</a:t>
+              <a:t>4/13/2020</a:t>
             </a:fld>
             <a:endParaRPr lang="en-US"/>
           </a:p>
@@ -466,13 +570,7 @@
       </p:sp>
       <p:sp>
         <p:nvSpPr>
-          <p:cNvPr id="5" name="Footer Placeholder 4">
-            <a:extLst>
-              <a:ext uri="{FF2B5EF4-FFF2-40B4-BE49-F238E27FC236}">
-                <a16:creationId xmlns:a16="http://schemas.microsoft.com/office/drawing/2014/main" id="{677A16C3-F79B-4680-BB65-1E2B405C2909}"/>
-              </a:ext>
-            </a:extLst>
-          </p:cNvPr>
+          <p:cNvPr id="5" name="Footer Placeholder 4"/>
           <p:cNvSpPr>
             <a:spLocks noGrp="1"/>
           </p:cNvSpPr>
@@ -491,13 +589,7 @@
       </p:sp>
       <p:sp>
         <p:nvSpPr>
-          <p:cNvPr id="6" name="Slide Number Placeholder 5">
-            <a:extLst>
-              <a:ext uri="{FF2B5EF4-FFF2-40B4-BE49-F238E27FC236}">
-                <a16:creationId xmlns:a16="http://schemas.microsoft.com/office/drawing/2014/main" id="{ADAAF8BA-4524-4E3E-9EBF-D0EA6BC70725}"/>
-              </a:ext>
-            </a:extLst>
-          </p:cNvPr>
+          <p:cNvPr id="6" name="Slide Number Placeholder 5"/>
           <p:cNvSpPr>
             <a:spLocks noGrp="1"/>
           </p:cNvSpPr>
@@ -521,7 +613,7 @@
     </p:spTree>
     <p:extLst>
       <p:ext uri="{BB962C8B-B14F-4D97-AF65-F5344CB8AC3E}">
-        <p14:creationId xmlns:p14="http://schemas.microsoft.com/office/powerpoint/2010/main" val="2663250480"/>
+        <p14:creationId xmlns:p14="http://schemas.microsoft.com/office/powerpoint/2010/main" val="2025604845"/>
       </p:ext>
     </p:extLst>
   </p:cSld>
@@ -550,13 +642,83 @@
       </p:grpSpPr>
       <p:sp>
         <p:nvSpPr>
-          <p:cNvPr id="2" name="Vertical Title 1">
-            <a:extLst>
-              <a:ext uri="{FF2B5EF4-FFF2-40B4-BE49-F238E27FC236}">
-                <a16:creationId xmlns:a16="http://schemas.microsoft.com/office/drawing/2014/main" id="{14AC751D-8F10-4986-9506-B9AB6669052D}"/>
-              </a:ext>
-            </a:extLst>
-          </p:cNvPr>
+          <p:cNvPr id="7" name="Rectangle 6"/>
+          <p:cNvSpPr/>
+          <p:nvPr/>
+        </p:nvSpPr>
+        <p:spPr>
+          <a:xfrm>
+            <a:off x="3175" y="6400800"/>
+            <a:ext cx="12188825" cy="457200"/>
+          </a:xfrm>
+          <a:prstGeom prst="rect">
+            <a:avLst/>
+          </a:prstGeom>
+          <a:solidFill>
+            <a:schemeClr val="accent2"/>
+          </a:solidFill>
+          <a:ln>
+            <a:noFill/>
+          </a:ln>
+        </p:spPr>
+        <p:style>
+          <a:lnRef idx="2">
+            <a:schemeClr val="accent1">
+              <a:shade val="50000"/>
+            </a:schemeClr>
+          </a:lnRef>
+          <a:fillRef idx="1">
+            <a:schemeClr val="accent1"/>
+          </a:fillRef>
+          <a:effectRef idx="0">
+            <a:schemeClr val="accent1"/>
+          </a:effectRef>
+          <a:fontRef idx="minor">
+            <a:schemeClr val="lt1"/>
+          </a:fontRef>
+        </p:style>
+      </p:sp>
+      <p:sp>
+        <p:nvSpPr>
+          <p:cNvPr id="8" name="Rectangle 7"/>
+          <p:cNvSpPr/>
+          <p:nvPr/>
+        </p:nvSpPr>
+        <p:spPr>
+          <a:xfrm>
+            <a:off x="15" y="6334316"/>
+            <a:ext cx="12188825" cy="64008"/>
+          </a:xfrm>
+          <a:prstGeom prst="rect">
+            <a:avLst/>
+          </a:prstGeom>
+          <a:solidFill>
+            <a:schemeClr val="accent1"/>
+          </a:solidFill>
+          <a:ln>
+            <a:noFill/>
+          </a:ln>
+        </p:spPr>
+        <p:style>
+          <a:lnRef idx="2">
+            <a:schemeClr val="accent1">
+              <a:shade val="50000"/>
+            </a:schemeClr>
+          </a:lnRef>
+          <a:fillRef idx="1">
+            <a:schemeClr val="accent1"/>
+          </a:fillRef>
+          <a:effectRef idx="0">
+            <a:schemeClr val="accent1"/>
+          </a:effectRef>
+          <a:fontRef idx="minor">
+            <a:schemeClr val="lt1"/>
+          </a:fontRef>
+        </p:style>
+      </p:sp>
+      <p:sp>
+        <p:nvSpPr>
+          <p:cNvPr id="2" name="Vertical Title 1"/>
           <p:cNvSpPr>
             <a:spLocks noGrp="1"/>
           </p:cNvSpPr>
@@ -566,8 +728,8 @@
         </p:nvSpPr>
         <p:spPr>
           <a:xfrm>
-            <a:off x="8724900" y="365125"/>
-            <a:ext cx="2628900" cy="5811838"/>
+            <a:off x="8724900" y="412302"/>
+            <a:ext cx="2628900" cy="5759898"/>
           </a:xfrm>
         </p:spPr>
         <p:txBody>
@@ -578,18 +740,13 @@
               <a:rPr lang="en-US"/>
               <a:t>Click to edit Master title style</a:t>
             </a:r>
-          </a:p>
-        </p:txBody>
-      </p:sp>
-      <p:sp>
-        <p:nvSpPr>
-          <p:cNvPr id="3" name="Vertical Text Placeholder 2">
-            <a:extLst>
-              <a:ext uri="{FF2B5EF4-FFF2-40B4-BE49-F238E27FC236}">
-                <a16:creationId xmlns:a16="http://schemas.microsoft.com/office/drawing/2014/main" id="{E3ACC01C-10B2-4662-B16F-3CFAD20024FF}"/>
-              </a:ext>
-            </a:extLst>
-          </p:cNvPr>
+            <a:endParaRPr lang="en-US" dirty="0"/>
+          </a:p>
+        </p:txBody>
+      </p:sp>
+      <p:sp>
+        <p:nvSpPr>
+          <p:cNvPr id="3" name="Vertical Text Placeholder 2"/>
           <p:cNvSpPr>
             <a:spLocks noGrp="1"/>
           </p:cNvSpPr>
@@ -599,12 +756,12 @@
         </p:nvSpPr>
         <p:spPr>
           <a:xfrm>
-            <a:off x="838200" y="365125"/>
-            <a:ext cx="7734300" cy="5811838"/>
-          </a:xfrm>
-        </p:spPr>
-        <p:txBody>
-          <a:bodyPr vert="eaVert"/>
+            <a:off x="838200" y="412302"/>
+            <a:ext cx="7734300" cy="5759898"/>
+          </a:xfrm>
+        </p:spPr>
+        <p:txBody>
+          <a:bodyPr vert="eaVert" lIns="45720" tIns="0" rIns="45720" bIns="0"/>
           <a:lstStyle/>
           <a:p>
             <a:pPr lvl="0"/>
@@ -640,18 +797,13 @@
               <a:rPr lang="en-US"/>
               <a:t>Fifth level</a:t>
             </a:r>
-          </a:p>
-        </p:txBody>
-      </p:sp>
-      <p:sp>
-        <p:nvSpPr>
-          <p:cNvPr id="4" name="Date Placeholder 3">
-            <a:extLst>
-              <a:ext uri="{FF2B5EF4-FFF2-40B4-BE49-F238E27FC236}">
-                <a16:creationId xmlns:a16="http://schemas.microsoft.com/office/drawing/2014/main" id="{3C002EB4-8C53-43D6-94AA-030ABA34D15F}"/>
-              </a:ext>
-            </a:extLst>
-          </p:cNvPr>
+            <a:endParaRPr lang="en-US" dirty="0"/>
+          </a:p>
+        </p:txBody>
+      </p:sp>
+      <p:sp>
+        <p:nvSpPr>
+          <p:cNvPr id="4" name="Date Placeholder 3"/>
           <p:cNvSpPr>
             <a:spLocks noGrp="1"/>
           </p:cNvSpPr>
@@ -666,7 +818,7 @@
           <a:p>
             <a:fld id="{D3996415-E807-4F2E-835D-D1F91F69986F}" type="datetimeFigureOut">
               <a:rPr lang="en-US" smtClean="0"/>
-              <a:t>4/9/2020</a:t>
+              <a:t>4/13/2020</a:t>
             </a:fld>
             <a:endParaRPr lang="en-US"/>
           </a:p>
@@ -674,13 +826,7 @@
       </p:sp>
       <p:sp>
         <p:nvSpPr>
-          <p:cNvPr id="5" name="Footer Placeholder 4">
-            <a:extLst>
-              <a:ext uri="{FF2B5EF4-FFF2-40B4-BE49-F238E27FC236}">
-                <a16:creationId xmlns:a16="http://schemas.microsoft.com/office/drawing/2014/main" id="{A3B29AAF-D89F-453F-8F75-FAF66DFE6893}"/>
-              </a:ext>
-            </a:extLst>
-          </p:cNvPr>
+          <p:cNvPr id="5" name="Footer Placeholder 4"/>
           <p:cNvSpPr>
             <a:spLocks noGrp="1"/>
           </p:cNvSpPr>
@@ -699,13 +845,7 @@
       </p:sp>
       <p:sp>
         <p:nvSpPr>
-          <p:cNvPr id="6" name="Slide Number Placeholder 5">
-            <a:extLst>
-              <a:ext uri="{FF2B5EF4-FFF2-40B4-BE49-F238E27FC236}">
-                <a16:creationId xmlns:a16="http://schemas.microsoft.com/office/drawing/2014/main" id="{556005D8-3532-45E3-85DC-A84FB91DE58E}"/>
-              </a:ext>
-            </a:extLst>
-          </p:cNvPr>
+          <p:cNvPr id="6" name="Slide Number Placeholder 5"/>
           <p:cNvSpPr>
             <a:spLocks noGrp="1"/>
           </p:cNvSpPr>
@@ -729,7 +869,7 @@
     </p:spTree>
     <p:extLst>
       <p:ext uri="{BB962C8B-B14F-4D97-AF65-F5344CB8AC3E}">
-        <p14:creationId xmlns:p14="http://schemas.microsoft.com/office/powerpoint/2010/main" val="3416350749"/>
+        <p14:creationId xmlns:p14="http://schemas.microsoft.com/office/powerpoint/2010/main" val="68275527"/>
       </p:ext>
     </p:extLst>
   </p:cSld>
@@ -758,13 +898,7 @@
       </p:grpSpPr>
       <p:sp>
         <p:nvSpPr>
-          <p:cNvPr id="2" name="Title 1">
-            <a:extLst>
-              <a:ext uri="{FF2B5EF4-FFF2-40B4-BE49-F238E27FC236}">
-                <a16:creationId xmlns:a16="http://schemas.microsoft.com/office/drawing/2014/main" id="{C7E32C7B-1B1D-40FE-A3FB-2DE050ACF167}"/>
-              </a:ext>
-            </a:extLst>
-          </p:cNvPr>
+          <p:cNvPr id="2" name="Title 1"/>
           <p:cNvSpPr>
             <a:spLocks noGrp="1"/>
           </p:cNvSpPr>
@@ -781,18 +915,13 @@
               <a:rPr lang="en-US"/>
               <a:t>Click to edit Master title style</a:t>
             </a:r>
-          </a:p>
-        </p:txBody>
-      </p:sp>
-      <p:sp>
-        <p:nvSpPr>
-          <p:cNvPr id="3" name="Content Placeholder 2">
-            <a:extLst>
-              <a:ext uri="{FF2B5EF4-FFF2-40B4-BE49-F238E27FC236}">
-                <a16:creationId xmlns:a16="http://schemas.microsoft.com/office/drawing/2014/main" id="{49F0FC65-3D48-4955-B8AF-9FDACF9F2D03}"/>
-              </a:ext>
-            </a:extLst>
-          </p:cNvPr>
+            <a:endParaRPr lang="en-US" dirty="0"/>
+          </a:p>
+        </p:txBody>
+      </p:sp>
+      <p:sp>
+        <p:nvSpPr>
+          <p:cNvPr id="3" name="Content Placeholder 2"/>
           <p:cNvSpPr>
             <a:spLocks noGrp="1"/>
           </p:cNvSpPr>
@@ -838,18 +967,13 @@
               <a:rPr lang="en-US"/>
               <a:t>Fifth level</a:t>
             </a:r>
-          </a:p>
-        </p:txBody>
-      </p:sp>
-      <p:sp>
-        <p:nvSpPr>
-          <p:cNvPr id="4" name="Date Placeholder 3">
-            <a:extLst>
-              <a:ext uri="{FF2B5EF4-FFF2-40B4-BE49-F238E27FC236}">
-                <a16:creationId xmlns:a16="http://schemas.microsoft.com/office/drawing/2014/main" id="{2320BE42-7262-4DB9-8C04-C90B84CF056F}"/>
-              </a:ext>
-            </a:extLst>
-          </p:cNvPr>
+            <a:endParaRPr lang="en-US" dirty="0"/>
+          </a:p>
+        </p:txBody>
+      </p:sp>
+      <p:sp>
+        <p:nvSpPr>
+          <p:cNvPr id="4" name="Date Placeholder 3"/>
           <p:cNvSpPr>
             <a:spLocks noGrp="1"/>
           </p:cNvSpPr>
@@ -864,7 +988,7 @@
           <a:p>
             <a:fld id="{D3996415-E807-4F2E-835D-D1F91F69986F}" type="datetimeFigureOut">
               <a:rPr lang="en-US" smtClean="0"/>
-              <a:t>4/9/2020</a:t>
+              <a:t>4/13/2020</a:t>
             </a:fld>
             <a:endParaRPr lang="en-US"/>
           </a:p>
@@ -872,13 +996,7 @@
       </p:sp>
       <p:sp>
         <p:nvSpPr>
-          <p:cNvPr id="5" name="Footer Placeholder 4">
-            <a:extLst>
-              <a:ext uri="{FF2B5EF4-FFF2-40B4-BE49-F238E27FC236}">
-                <a16:creationId xmlns:a16="http://schemas.microsoft.com/office/drawing/2014/main" id="{D33EF359-C66F-49F6-ABD0-62629F16A2F5}"/>
-              </a:ext>
-            </a:extLst>
-          </p:cNvPr>
+          <p:cNvPr id="5" name="Footer Placeholder 4"/>
           <p:cNvSpPr>
             <a:spLocks noGrp="1"/>
           </p:cNvSpPr>
@@ -897,13 +1015,7 @@
       </p:sp>
       <p:sp>
         <p:nvSpPr>
-          <p:cNvPr id="6" name="Slide Number Placeholder 5">
-            <a:extLst>
-              <a:ext uri="{FF2B5EF4-FFF2-40B4-BE49-F238E27FC236}">
-                <a16:creationId xmlns:a16="http://schemas.microsoft.com/office/drawing/2014/main" id="{4AE67298-13F7-4897-B0B0-87B71314B220}"/>
-              </a:ext>
-            </a:extLst>
-          </p:cNvPr>
+          <p:cNvPr id="6" name="Slide Number Placeholder 5"/>
           <p:cNvSpPr>
             <a:spLocks noGrp="1"/>
           </p:cNvSpPr>
@@ -927,7 +1039,7 @@
     </p:spTree>
     <p:extLst>
       <p:ext uri="{BB962C8B-B14F-4D97-AF65-F5344CB8AC3E}">
-        <p14:creationId xmlns:p14="http://schemas.microsoft.com/office/powerpoint/2010/main" val="3891305978"/>
+        <p14:creationId xmlns:p14="http://schemas.microsoft.com/office/powerpoint/2010/main" val="1433483990"/>
       </p:ext>
     </p:extLst>
   </p:cSld>
@@ -956,13 +1068,83 @@
       </p:grpSpPr>
       <p:sp>
         <p:nvSpPr>
-          <p:cNvPr id="2" name="Title 1">
-            <a:extLst>
-              <a:ext uri="{FF2B5EF4-FFF2-40B4-BE49-F238E27FC236}">
-                <a16:creationId xmlns:a16="http://schemas.microsoft.com/office/drawing/2014/main" id="{19322E65-75DB-4440-97AF-D87B0B05338D}"/>
-              </a:ext>
-            </a:extLst>
-          </p:cNvPr>
+          <p:cNvPr id="7" name="Rectangle 6"/>
+          <p:cNvSpPr/>
+          <p:nvPr/>
+        </p:nvSpPr>
+        <p:spPr>
+          <a:xfrm>
+            <a:off x="3175" y="6400800"/>
+            <a:ext cx="12188825" cy="457200"/>
+          </a:xfrm>
+          <a:prstGeom prst="rect">
+            <a:avLst/>
+          </a:prstGeom>
+          <a:solidFill>
+            <a:schemeClr val="accent2"/>
+          </a:solidFill>
+          <a:ln>
+            <a:noFill/>
+          </a:ln>
+        </p:spPr>
+        <p:style>
+          <a:lnRef idx="2">
+            <a:schemeClr val="accent1">
+              <a:shade val="50000"/>
+            </a:schemeClr>
+          </a:lnRef>
+          <a:fillRef idx="1">
+            <a:schemeClr val="accent1"/>
+          </a:fillRef>
+          <a:effectRef idx="0">
+            <a:schemeClr val="accent1"/>
+          </a:effectRef>
+          <a:fontRef idx="minor">
+            <a:schemeClr val="lt1"/>
+          </a:fontRef>
+        </p:style>
+      </p:sp>
+      <p:sp>
+        <p:nvSpPr>
+          <p:cNvPr id="8" name="Rectangle 7"/>
+          <p:cNvSpPr/>
+          <p:nvPr/>
+        </p:nvSpPr>
+        <p:spPr>
+          <a:xfrm>
+            <a:off x="15" y="6334316"/>
+            <a:ext cx="12188825" cy="64008"/>
+          </a:xfrm>
+          <a:prstGeom prst="rect">
+            <a:avLst/>
+          </a:prstGeom>
+          <a:solidFill>
+            <a:schemeClr val="accent1"/>
+          </a:solidFill>
+          <a:ln>
+            <a:noFill/>
+          </a:ln>
+        </p:spPr>
+        <p:style>
+          <a:lnRef idx="2">
+            <a:schemeClr val="accent1">
+              <a:shade val="50000"/>
+            </a:schemeClr>
+          </a:lnRef>
+          <a:fillRef idx="1">
+            <a:schemeClr val="accent1"/>
+          </a:fillRef>
+          <a:effectRef idx="0">
+            <a:schemeClr val="accent1"/>
+          </a:effectRef>
+          <a:fontRef idx="minor">
+            <a:schemeClr val="lt1"/>
+          </a:fontRef>
+        </p:style>
+      </p:sp>
+      <p:sp>
+        <p:nvSpPr>
+          <p:cNvPr id="2" name="Title 1"/>
           <p:cNvSpPr>
             <a:spLocks noGrp="1"/>
           </p:cNvSpPr>
@@ -972,15 +1154,27 @@
         </p:nvSpPr>
         <p:spPr>
           <a:xfrm>
-            <a:off x="831850" y="1709738"/>
-            <a:ext cx="10515600" cy="2852737"/>
-          </a:xfrm>
-        </p:spPr>
-        <p:txBody>
-          <a:bodyPr anchor="b"/>
+            <a:off x="1097280" y="758952"/>
+            <a:ext cx="10058400" cy="3566160"/>
+          </a:xfrm>
+        </p:spPr>
+        <p:txBody>
+          <a:bodyPr anchor="b" anchorCtr="0">
+            <a:normAutofit/>
+          </a:bodyPr>
           <a:lstStyle>
             <a:lvl1pPr>
-              <a:defRPr sz="6000"/>
+              <a:lnSpc>
+                <a:spcPct val="85000"/>
+              </a:lnSpc>
+              <a:defRPr sz="8000" b="0">
+                <a:solidFill>
+                  <a:schemeClr val="tx1">
+                    <a:lumMod val="85000"/>
+                    <a:lumOff val="15000"/>
+                  </a:schemeClr>
+                </a:solidFill>
+              </a:defRPr>
             </a:lvl1pPr>
           </a:lstStyle>
           <a:p>
@@ -988,18 +1182,13 @@
               <a:rPr lang="en-US"/>
               <a:t>Click to edit Master title style</a:t>
             </a:r>
-          </a:p>
-        </p:txBody>
-      </p:sp>
-      <p:sp>
-        <p:nvSpPr>
-          <p:cNvPr id="3" name="Text Placeholder 2">
-            <a:extLst>
-              <a:ext uri="{FF2B5EF4-FFF2-40B4-BE49-F238E27FC236}">
-                <a16:creationId xmlns:a16="http://schemas.microsoft.com/office/drawing/2014/main" id="{E12CB941-FFE6-4FB7-8CB9-59F75324913F}"/>
-              </a:ext>
-            </a:extLst>
-          </p:cNvPr>
+            <a:endParaRPr lang="en-US" dirty="0"/>
+          </a:p>
+        </p:txBody>
+      </p:sp>
+      <p:sp>
+        <p:nvSpPr>
+          <p:cNvPr id="3" name="Text Placeholder 2"/>
           <p:cNvSpPr>
             <a:spLocks noGrp="1"/>
           </p:cNvSpPr>
@@ -1009,26 +1198,27 @@
         </p:nvSpPr>
         <p:spPr>
           <a:xfrm>
-            <a:off x="831850" y="4589463"/>
-            <a:ext cx="10515600" cy="1500187"/>
-          </a:xfrm>
-        </p:spPr>
-        <p:txBody>
-          <a:bodyPr/>
+            <a:off x="1097280" y="4453128"/>
+            <a:ext cx="10058400" cy="1143000"/>
+          </a:xfrm>
+        </p:spPr>
+        <p:txBody>
+          <a:bodyPr lIns="91440" rIns="91440" anchor="t" anchorCtr="0">
+            <a:normAutofit/>
+          </a:bodyPr>
           <a:lstStyle>
             <a:lvl1pPr marL="0" indent="0">
               <a:buNone/>
-              <a:defRPr sz="2400">
+              <a:defRPr sz="2400" cap="all" spc="200" baseline="0">
                 <a:solidFill>
-                  <a:schemeClr val="tx1">
-                    <a:tint val="75000"/>
-                  </a:schemeClr>
+                  <a:schemeClr val="tx2"/>
                 </a:solidFill>
+                <a:latin typeface="+mj-lt"/>
               </a:defRPr>
             </a:lvl1pPr>
             <a:lvl2pPr marL="457200" indent="0">
               <a:buNone/>
-              <a:defRPr sz="2000">
+              <a:defRPr sz="1800">
                 <a:solidFill>
                   <a:schemeClr val="tx1">
                     <a:tint val="75000"/>
@@ -1038,7 +1228,7 @@
             </a:lvl2pPr>
             <a:lvl3pPr marL="914400" indent="0">
               <a:buNone/>
-              <a:defRPr sz="1800">
+              <a:defRPr sz="1600">
                 <a:solidFill>
                   <a:schemeClr val="tx1">
                     <a:tint val="75000"/>
@@ -1048,7 +1238,7 @@
             </a:lvl3pPr>
             <a:lvl4pPr marL="1371600" indent="0">
               <a:buNone/>
-              <a:defRPr sz="1600">
+              <a:defRPr sz="1400">
                 <a:solidFill>
                   <a:schemeClr val="tx1">
                     <a:tint val="75000"/>
@@ -1058,7 +1248,7 @@
             </a:lvl4pPr>
             <a:lvl5pPr marL="1828800" indent="0">
               <a:buNone/>
-              <a:defRPr sz="1600">
+              <a:defRPr sz="1400">
                 <a:solidFill>
                   <a:schemeClr val="tx1">
                     <a:tint val="75000"/>
@@ -1068,7 +1258,7 @@
             </a:lvl5pPr>
             <a:lvl6pPr marL="2286000" indent="0">
               <a:buNone/>
-              <a:defRPr sz="1600">
+              <a:defRPr sz="1400">
                 <a:solidFill>
                   <a:schemeClr val="tx1">
                     <a:tint val="75000"/>
@@ -1078,7 +1268,7 @@
             </a:lvl6pPr>
             <a:lvl7pPr marL="2743200" indent="0">
               <a:buNone/>
-              <a:defRPr sz="1600">
+              <a:defRPr sz="1400">
                 <a:solidFill>
                   <a:schemeClr val="tx1">
                     <a:tint val="75000"/>
@@ -1088,7 +1278,7 @@
             </a:lvl7pPr>
             <a:lvl8pPr marL="3200400" indent="0">
               <a:buNone/>
-              <a:defRPr sz="1600">
+              <a:defRPr sz="1400">
                 <a:solidFill>
                   <a:schemeClr val="tx1">
                     <a:tint val="75000"/>
@@ -1098,7 +1288,7 @@
             </a:lvl8pPr>
             <a:lvl9pPr marL="3657600" indent="0">
               <a:buNone/>
-              <a:defRPr sz="1600">
+              <a:defRPr sz="1400">
                 <a:solidFill>
                   <a:schemeClr val="tx1">
                     <a:tint val="75000"/>
@@ -1118,13 +1308,7 @@
       </p:sp>
       <p:sp>
         <p:nvSpPr>
-          <p:cNvPr id="4" name="Date Placeholder 3">
-            <a:extLst>
-              <a:ext uri="{FF2B5EF4-FFF2-40B4-BE49-F238E27FC236}">
-                <a16:creationId xmlns:a16="http://schemas.microsoft.com/office/drawing/2014/main" id="{887CCC0F-675A-45D6-A8B7-9B75BC5D879F}"/>
-              </a:ext>
-            </a:extLst>
-          </p:cNvPr>
+          <p:cNvPr id="4" name="Date Placeholder 3"/>
           <p:cNvSpPr>
             <a:spLocks noGrp="1"/>
           </p:cNvSpPr>
@@ -1139,7 +1323,7 @@
           <a:p>
             <a:fld id="{D3996415-E807-4F2E-835D-D1F91F69986F}" type="datetimeFigureOut">
               <a:rPr lang="en-US" smtClean="0"/>
-              <a:t>4/9/2020</a:t>
+              <a:t>4/13/2020</a:t>
             </a:fld>
             <a:endParaRPr lang="en-US"/>
           </a:p>
@@ -1147,13 +1331,7 @@
       </p:sp>
       <p:sp>
         <p:nvSpPr>
-          <p:cNvPr id="5" name="Footer Placeholder 4">
-            <a:extLst>
-              <a:ext uri="{FF2B5EF4-FFF2-40B4-BE49-F238E27FC236}">
-                <a16:creationId xmlns:a16="http://schemas.microsoft.com/office/drawing/2014/main" id="{EB75ED32-50D3-4B90-AB77-B16463890EF6}"/>
-              </a:ext>
-            </a:extLst>
-          </p:cNvPr>
+          <p:cNvPr id="5" name="Footer Placeholder 4"/>
           <p:cNvSpPr>
             <a:spLocks noGrp="1"/>
           </p:cNvSpPr>
@@ -1172,13 +1350,7 @@
       </p:sp>
       <p:sp>
         <p:nvSpPr>
-          <p:cNvPr id="6" name="Slide Number Placeholder 5">
-            <a:extLst>
-              <a:ext uri="{FF2B5EF4-FFF2-40B4-BE49-F238E27FC236}">
-                <a16:creationId xmlns:a16="http://schemas.microsoft.com/office/drawing/2014/main" id="{7A6FAD07-077B-4F0A-850B-C808D0A62923}"/>
-              </a:ext>
-            </a:extLst>
-          </p:cNvPr>
+          <p:cNvPr id="6" name="Slide Number Placeholder 5"/>
           <p:cNvSpPr>
             <a:spLocks noGrp="1"/>
           </p:cNvSpPr>
@@ -1199,10 +1371,48 @@
           </a:p>
         </p:txBody>
       </p:sp>
+      <p:cxnSp>
+        <p:nvCxnSpPr>
+          <p:cNvPr id="9" name="Straight Connector 8"/>
+          <p:cNvCxnSpPr/>
+          <p:nvPr/>
+        </p:nvCxnSpPr>
+        <p:spPr>
+          <a:xfrm>
+            <a:off x="1207658" y="4343400"/>
+            <a:ext cx="9875520" cy="0"/>
+          </a:xfrm>
+          <a:prstGeom prst="line">
+            <a:avLst/>
+          </a:prstGeom>
+          <a:ln w="6350">
+            <a:solidFill>
+              <a:schemeClr val="tx1">
+                <a:lumMod val="50000"/>
+                <a:lumOff val="50000"/>
+              </a:schemeClr>
+            </a:solidFill>
+          </a:ln>
+        </p:spPr>
+        <p:style>
+          <a:lnRef idx="1">
+            <a:schemeClr val="accent1"/>
+          </a:lnRef>
+          <a:fillRef idx="0">
+            <a:schemeClr val="accent1"/>
+          </a:fillRef>
+          <a:effectRef idx="0">
+            <a:schemeClr val="accent1"/>
+          </a:effectRef>
+          <a:fontRef idx="minor">
+            <a:schemeClr val="tx1"/>
+          </a:fontRef>
+        </p:style>
+      </p:cxnSp>
     </p:spTree>
     <p:extLst>
       <p:ext uri="{BB962C8B-B14F-4D97-AF65-F5344CB8AC3E}">
-        <p14:creationId xmlns:p14="http://schemas.microsoft.com/office/powerpoint/2010/main" val="2972783899"/>
+        <p14:creationId xmlns:p14="http://schemas.microsoft.com/office/powerpoint/2010/main" val="2511085638"/>
       </p:ext>
     </p:extLst>
   </p:cSld>
@@ -1231,13 +1441,7 @@
       </p:grpSpPr>
       <p:sp>
         <p:nvSpPr>
-          <p:cNvPr id="2" name="Title 1">
-            <a:extLst>
-              <a:ext uri="{FF2B5EF4-FFF2-40B4-BE49-F238E27FC236}">
-                <a16:creationId xmlns:a16="http://schemas.microsoft.com/office/drawing/2014/main" id="{94CEE5EC-6420-4A2C-9F7A-AB74F0CBECCD}"/>
-              </a:ext>
-            </a:extLst>
-          </p:cNvPr>
+          <p:cNvPr id="8" name="Title 7"/>
           <p:cNvSpPr>
             <a:spLocks noGrp="1"/>
           </p:cNvSpPr>
@@ -1245,7 +1449,12 @@
             <p:ph type="title"/>
           </p:nvPr>
         </p:nvSpPr>
-        <p:spPr/>
+        <p:spPr>
+          <a:xfrm>
+            <a:off x="1097280" y="286603"/>
+            <a:ext cx="10058400" cy="1450757"/>
+          </a:xfrm>
+        </p:spPr>
         <p:txBody>
           <a:bodyPr/>
           <a:lstStyle/>
@@ -1254,18 +1463,13 @@
               <a:rPr lang="en-US"/>
               <a:t>Click to edit Master title style</a:t>
             </a:r>
-          </a:p>
-        </p:txBody>
-      </p:sp>
-      <p:sp>
-        <p:nvSpPr>
-          <p:cNvPr id="3" name="Content Placeholder 2">
-            <a:extLst>
-              <a:ext uri="{FF2B5EF4-FFF2-40B4-BE49-F238E27FC236}">
-                <a16:creationId xmlns:a16="http://schemas.microsoft.com/office/drawing/2014/main" id="{F4C9BFBF-72CF-40B2-89EA-184C40A897F5}"/>
-              </a:ext>
-            </a:extLst>
-          </p:cNvPr>
+            <a:endParaRPr lang="en-US" dirty="0"/>
+          </a:p>
+        </p:txBody>
+      </p:sp>
+      <p:sp>
+        <p:nvSpPr>
+          <p:cNvPr id="3" name="Content Placeholder 2"/>
           <p:cNvSpPr>
             <a:spLocks noGrp="1"/>
           </p:cNvSpPr>
@@ -1275,8 +1479,8 @@
         </p:nvSpPr>
         <p:spPr>
           <a:xfrm>
-            <a:off x="838200" y="1825625"/>
-            <a:ext cx="5181600" cy="4351338"/>
+            <a:off x="1097280" y="1845734"/>
+            <a:ext cx="4937760" cy="4023359"/>
           </a:xfrm>
         </p:spPr>
         <p:txBody>
@@ -1316,18 +1520,13 @@
               <a:rPr lang="en-US"/>
               <a:t>Fifth level</a:t>
             </a:r>
-          </a:p>
-        </p:txBody>
-      </p:sp>
-      <p:sp>
-        <p:nvSpPr>
-          <p:cNvPr id="4" name="Content Placeholder 3">
-            <a:extLst>
-              <a:ext uri="{FF2B5EF4-FFF2-40B4-BE49-F238E27FC236}">
-                <a16:creationId xmlns:a16="http://schemas.microsoft.com/office/drawing/2014/main" id="{748C320E-5C51-47AE-90CC-9915BC1421E0}"/>
-              </a:ext>
-            </a:extLst>
-          </p:cNvPr>
+            <a:endParaRPr lang="en-US" dirty="0"/>
+          </a:p>
+        </p:txBody>
+      </p:sp>
+      <p:sp>
+        <p:nvSpPr>
+          <p:cNvPr id="4" name="Content Placeholder 3"/>
           <p:cNvSpPr>
             <a:spLocks noGrp="1"/>
           </p:cNvSpPr>
@@ -1337,8 +1536,8 @@
         </p:nvSpPr>
         <p:spPr>
           <a:xfrm>
-            <a:off x="6172200" y="1825625"/>
-            <a:ext cx="5181600" cy="4351338"/>
+            <a:off x="6217920" y="1845735"/>
+            <a:ext cx="4937760" cy="4023360"/>
           </a:xfrm>
         </p:spPr>
         <p:txBody>
@@ -1378,18 +1577,13 @@
               <a:rPr lang="en-US"/>
               <a:t>Fifth level</a:t>
             </a:r>
-          </a:p>
-        </p:txBody>
-      </p:sp>
-      <p:sp>
-        <p:nvSpPr>
-          <p:cNvPr id="5" name="Date Placeholder 4">
-            <a:extLst>
-              <a:ext uri="{FF2B5EF4-FFF2-40B4-BE49-F238E27FC236}">
-                <a16:creationId xmlns:a16="http://schemas.microsoft.com/office/drawing/2014/main" id="{91C49939-96EB-4573-A9DD-998B0B3C40F1}"/>
-              </a:ext>
-            </a:extLst>
-          </p:cNvPr>
+            <a:endParaRPr lang="en-US" dirty="0"/>
+          </a:p>
+        </p:txBody>
+      </p:sp>
+      <p:sp>
+        <p:nvSpPr>
+          <p:cNvPr id="5" name="Date Placeholder 4"/>
           <p:cNvSpPr>
             <a:spLocks noGrp="1"/>
           </p:cNvSpPr>
@@ -1404,7 +1598,7 @@
           <a:p>
             <a:fld id="{D3996415-E807-4F2E-835D-D1F91F69986F}" type="datetimeFigureOut">
               <a:rPr lang="en-US" smtClean="0"/>
-              <a:t>4/9/2020</a:t>
+              <a:t>4/13/2020</a:t>
             </a:fld>
             <a:endParaRPr lang="en-US"/>
           </a:p>
@@ -1412,13 +1606,7 @@
       </p:sp>
       <p:sp>
         <p:nvSpPr>
-          <p:cNvPr id="6" name="Footer Placeholder 5">
-            <a:extLst>
-              <a:ext uri="{FF2B5EF4-FFF2-40B4-BE49-F238E27FC236}">
-                <a16:creationId xmlns:a16="http://schemas.microsoft.com/office/drawing/2014/main" id="{76126FDF-F66F-454D-9AAA-E2F346D6609B}"/>
-              </a:ext>
-            </a:extLst>
-          </p:cNvPr>
+          <p:cNvPr id="6" name="Footer Placeholder 5"/>
           <p:cNvSpPr>
             <a:spLocks noGrp="1"/>
           </p:cNvSpPr>
@@ -1437,13 +1625,7 @@
       </p:sp>
       <p:sp>
         <p:nvSpPr>
-          <p:cNvPr id="7" name="Slide Number Placeholder 6">
-            <a:extLst>
-              <a:ext uri="{FF2B5EF4-FFF2-40B4-BE49-F238E27FC236}">
-                <a16:creationId xmlns:a16="http://schemas.microsoft.com/office/drawing/2014/main" id="{6161EFEC-FAB8-4B43-BD65-0DE7620C52CC}"/>
-              </a:ext>
-            </a:extLst>
-          </p:cNvPr>
+          <p:cNvPr id="7" name="Slide Number Placeholder 6"/>
           <p:cNvSpPr>
             <a:spLocks noGrp="1"/>
           </p:cNvSpPr>
@@ -1467,7 +1649,7 @@
     </p:spTree>
     <p:extLst>
       <p:ext uri="{BB962C8B-B14F-4D97-AF65-F5344CB8AC3E}">
-        <p14:creationId xmlns:p14="http://schemas.microsoft.com/office/powerpoint/2010/main" val="3480859932"/>
+        <p14:creationId xmlns:p14="http://schemas.microsoft.com/office/powerpoint/2010/main" val="3268721584"/>
       </p:ext>
     </p:extLst>
   </p:cSld>
@@ -1496,13 +1678,7 @@
       </p:grpSpPr>
       <p:sp>
         <p:nvSpPr>
-          <p:cNvPr id="2" name="Title 1">
-            <a:extLst>
-              <a:ext uri="{FF2B5EF4-FFF2-40B4-BE49-F238E27FC236}">
-                <a16:creationId xmlns:a16="http://schemas.microsoft.com/office/drawing/2014/main" id="{E0CF91EE-8987-449D-B61D-AD709DFB28BC}"/>
-              </a:ext>
-            </a:extLst>
-          </p:cNvPr>
+          <p:cNvPr id="10" name="Title 9"/>
           <p:cNvSpPr>
             <a:spLocks noGrp="1"/>
           </p:cNvSpPr>
@@ -1512,8 +1688,8 @@
         </p:nvSpPr>
         <p:spPr>
           <a:xfrm>
-            <a:off x="839788" y="365125"/>
-            <a:ext cx="10515600" cy="1325563"/>
+            <a:off x="1097280" y="286603"/>
+            <a:ext cx="10058400" cy="1450757"/>
           </a:xfrm>
         </p:spPr>
         <p:txBody>
@@ -1524,18 +1700,13 @@
               <a:rPr lang="en-US"/>
               <a:t>Click to edit Master title style</a:t>
             </a:r>
-          </a:p>
-        </p:txBody>
-      </p:sp>
-      <p:sp>
-        <p:nvSpPr>
-          <p:cNvPr id="3" name="Text Placeholder 2">
-            <a:extLst>
-              <a:ext uri="{FF2B5EF4-FFF2-40B4-BE49-F238E27FC236}">
-                <a16:creationId xmlns:a16="http://schemas.microsoft.com/office/drawing/2014/main" id="{1982FACB-F751-42F9-8EB0-C3128C8DDC1A}"/>
-              </a:ext>
-            </a:extLst>
-          </p:cNvPr>
+            <a:endParaRPr lang="en-US" dirty="0"/>
+          </a:p>
+        </p:txBody>
+      </p:sp>
+      <p:sp>
+        <p:nvSpPr>
+          <p:cNvPr id="3" name="Text Placeholder 2"/>
           <p:cNvSpPr>
             <a:spLocks noGrp="1"/>
           </p:cNvSpPr>
@@ -1545,16 +1716,22 @@
         </p:nvSpPr>
         <p:spPr>
           <a:xfrm>
-            <a:off x="839788" y="1681163"/>
-            <a:ext cx="5157787" cy="823912"/>
-          </a:xfrm>
-        </p:spPr>
-        <p:txBody>
-          <a:bodyPr anchor="b"/>
+            <a:off x="1097280" y="1846052"/>
+            <a:ext cx="4937760" cy="736282"/>
+          </a:xfrm>
+        </p:spPr>
+        <p:txBody>
+          <a:bodyPr lIns="91440" rIns="91440" anchor="ctr">
+            <a:normAutofit/>
+          </a:bodyPr>
           <a:lstStyle>
             <a:lvl1pPr marL="0" indent="0">
               <a:buNone/>
-              <a:defRPr sz="2400" b="1"/>
+              <a:defRPr sz="2000" b="0" cap="all" baseline="0">
+                <a:solidFill>
+                  <a:schemeClr val="tx2"/>
+                </a:solidFill>
+              </a:defRPr>
             </a:lvl1pPr>
             <a:lvl2pPr marL="457200" indent="0">
               <a:buNone/>
@@ -1600,13 +1777,7 @@
       </p:sp>
       <p:sp>
         <p:nvSpPr>
-          <p:cNvPr id="4" name="Content Placeholder 3">
-            <a:extLst>
-              <a:ext uri="{FF2B5EF4-FFF2-40B4-BE49-F238E27FC236}">
-                <a16:creationId xmlns:a16="http://schemas.microsoft.com/office/drawing/2014/main" id="{8383794C-E671-47BD-BBDC-4986D92F3A76}"/>
-              </a:ext>
-            </a:extLst>
-          </p:cNvPr>
+          <p:cNvPr id="4" name="Content Placeholder 3"/>
           <p:cNvSpPr>
             <a:spLocks noGrp="1"/>
           </p:cNvSpPr>
@@ -1616,8 +1787,8 @@
         </p:nvSpPr>
         <p:spPr>
           <a:xfrm>
-            <a:off x="839788" y="2505075"/>
-            <a:ext cx="5157787" cy="3684588"/>
+            <a:off x="1097280" y="2582335"/>
+            <a:ext cx="4937760" cy="3286760"/>
           </a:xfrm>
         </p:spPr>
         <p:txBody>
@@ -1657,18 +1828,13 @@
               <a:rPr lang="en-US"/>
               <a:t>Fifth level</a:t>
             </a:r>
-          </a:p>
-        </p:txBody>
-      </p:sp>
-      <p:sp>
-        <p:nvSpPr>
-          <p:cNvPr id="5" name="Text Placeholder 4">
-            <a:extLst>
-              <a:ext uri="{FF2B5EF4-FFF2-40B4-BE49-F238E27FC236}">
-                <a16:creationId xmlns:a16="http://schemas.microsoft.com/office/drawing/2014/main" id="{279FDBEC-E934-449C-A2B8-CF02082E9BBE}"/>
-              </a:ext>
-            </a:extLst>
-          </p:cNvPr>
+            <a:endParaRPr lang="en-US" dirty="0"/>
+          </a:p>
+        </p:txBody>
+      </p:sp>
+      <p:sp>
+        <p:nvSpPr>
+          <p:cNvPr id="5" name="Text Placeholder 4"/>
           <p:cNvSpPr>
             <a:spLocks noGrp="1"/>
           </p:cNvSpPr>
@@ -1678,16 +1844,22 @@
         </p:nvSpPr>
         <p:spPr>
           <a:xfrm>
-            <a:off x="6172200" y="1681163"/>
-            <a:ext cx="5183188" cy="823912"/>
-          </a:xfrm>
-        </p:spPr>
-        <p:txBody>
-          <a:bodyPr anchor="b"/>
+            <a:off x="6217920" y="1846052"/>
+            <a:ext cx="4937760" cy="736282"/>
+          </a:xfrm>
+        </p:spPr>
+        <p:txBody>
+          <a:bodyPr lIns="91440" rIns="91440" anchor="ctr">
+            <a:normAutofit/>
+          </a:bodyPr>
           <a:lstStyle>
             <a:lvl1pPr marL="0" indent="0">
               <a:buNone/>
-              <a:defRPr sz="2400" b="1"/>
+              <a:defRPr sz="2000" b="0" cap="all" baseline="0">
+                <a:solidFill>
+                  <a:schemeClr val="tx2"/>
+                </a:solidFill>
+              </a:defRPr>
             </a:lvl1pPr>
             <a:lvl2pPr marL="457200" indent="0">
               <a:buNone/>
@@ -1733,13 +1905,7 @@
       </p:sp>
       <p:sp>
         <p:nvSpPr>
-          <p:cNvPr id="6" name="Content Placeholder 5">
-            <a:extLst>
-              <a:ext uri="{FF2B5EF4-FFF2-40B4-BE49-F238E27FC236}">
-                <a16:creationId xmlns:a16="http://schemas.microsoft.com/office/drawing/2014/main" id="{BAC149E1-95E7-454C-A04A-09F42442ED62}"/>
-              </a:ext>
-            </a:extLst>
-          </p:cNvPr>
+          <p:cNvPr id="6" name="Content Placeholder 5"/>
           <p:cNvSpPr>
             <a:spLocks noGrp="1"/>
           </p:cNvSpPr>
@@ -1749,8 +1915,8 @@
         </p:nvSpPr>
         <p:spPr>
           <a:xfrm>
-            <a:off x="6172200" y="2505075"/>
-            <a:ext cx="5183188" cy="3684588"/>
+            <a:off x="6217920" y="2582334"/>
+            <a:ext cx="4937760" cy="3286760"/>
           </a:xfrm>
         </p:spPr>
         <p:txBody>
@@ -1790,18 +1956,13 @@
               <a:rPr lang="en-US"/>
               <a:t>Fifth level</a:t>
             </a:r>
-          </a:p>
-        </p:txBody>
-      </p:sp>
-      <p:sp>
-        <p:nvSpPr>
-          <p:cNvPr id="7" name="Date Placeholder 6">
-            <a:extLst>
-              <a:ext uri="{FF2B5EF4-FFF2-40B4-BE49-F238E27FC236}">
-                <a16:creationId xmlns:a16="http://schemas.microsoft.com/office/drawing/2014/main" id="{462B4E07-255B-4571-960F-DF85D0FF8A3A}"/>
-              </a:ext>
-            </a:extLst>
-          </p:cNvPr>
+            <a:endParaRPr lang="en-US" dirty="0"/>
+          </a:p>
+        </p:txBody>
+      </p:sp>
+      <p:sp>
+        <p:nvSpPr>
+          <p:cNvPr id="7" name="Date Placeholder 6"/>
           <p:cNvSpPr>
             <a:spLocks noGrp="1"/>
           </p:cNvSpPr>
@@ -1816,7 +1977,7 @@
           <a:p>
             <a:fld id="{D3996415-E807-4F2E-835D-D1F91F69986F}" type="datetimeFigureOut">
               <a:rPr lang="en-US" smtClean="0"/>
-              <a:t>4/9/2020</a:t>
+              <a:t>4/13/2020</a:t>
             </a:fld>
             <a:endParaRPr lang="en-US"/>
           </a:p>
@@ -1824,13 +1985,7 @@
       </p:sp>
       <p:sp>
         <p:nvSpPr>
-          <p:cNvPr id="8" name="Footer Placeholder 7">
-            <a:extLst>
-              <a:ext uri="{FF2B5EF4-FFF2-40B4-BE49-F238E27FC236}">
-                <a16:creationId xmlns:a16="http://schemas.microsoft.com/office/drawing/2014/main" id="{9CF5D9C4-7EB4-4FDE-9596-404BFA2AB304}"/>
-              </a:ext>
-            </a:extLst>
-          </p:cNvPr>
+          <p:cNvPr id="8" name="Footer Placeholder 7"/>
           <p:cNvSpPr>
             <a:spLocks noGrp="1"/>
           </p:cNvSpPr>
@@ -1849,13 +2004,7 @@
       </p:sp>
       <p:sp>
         <p:nvSpPr>
-          <p:cNvPr id="9" name="Slide Number Placeholder 8">
-            <a:extLst>
-              <a:ext uri="{FF2B5EF4-FFF2-40B4-BE49-F238E27FC236}">
-                <a16:creationId xmlns:a16="http://schemas.microsoft.com/office/drawing/2014/main" id="{18E27871-14FD-401C-BBA3-AB5CBA9DB63B}"/>
-              </a:ext>
-            </a:extLst>
-          </p:cNvPr>
+          <p:cNvPr id="9" name="Slide Number Placeholder 8"/>
           <p:cNvSpPr>
             <a:spLocks noGrp="1"/>
           </p:cNvSpPr>
@@ -1879,7 +2028,7 @@
     </p:spTree>
     <p:extLst>
       <p:ext uri="{BB962C8B-B14F-4D97-AF65-F5344CB8AC3E}">
-        <p14:creationId xmlns:p14="http://schemas.microsoft.com/office/powerpoint/2010/main" val="286440915"/>
+        <p14:creationId xmlns:p14="http://schemas.microsoft.com/office/powerpoint/2010/main" val="10299698"/>
       </p:ext>
     </p:extLst>
   </p:cSld>
@@ -1908,13 +2057,7 @@
       </p:grpSpPr>
       <p:sp>
         <p:nvSpPr>
-          <p:cNvPr id="2" name="Title 1">
-            <a:extLst>
-              <a:ext uri="{FF2B5EF4-FFF2-40B4-BE49-F238E27FC236}">
-                <a16:creationId xmlns:a16="http://schemas.microsoft.com/office/drawing/2014/main" id="{72A4B411-CF2F-4B63-9BB1-EE0AB23EE69E}"/>
-              </a:ext>
-            </a:extLst>
-          </p:cNvPr>
+          <p:cNvPr id="2" name="Title 1"/>
           <p:cNvSpPr>
             <a:spLocks noGrp="1"/>
           </p:cNvSpPr>
@@ -1922,7 +2065,12 @@
             <p:ph type="title"/>
           </p:nvPr>
         </p:nvSpPr>
-        <p:spPr/>
+        <p:spPr>
+          <a:xfrm>
+            <a:off x="384810" y="191354"/>
+            <a:ext cx="10058400" cy="789722"/>
+          </a:xfrm>
+        </p:spPr>
         <p:txBody>
           <a:bodyPr/>
           <a:lstStyle/>
@@ -1931,18 +2079,13 @@
               <a:rPr lang="en-US"/>
               <a:t>Click to edit Master title style</a:t>
             </a:r>
-          </a:p>
-        </p:txBody>
-      </p:sp>
-      <p:sp>
-        <p:nvSpPr>
-          <p:cNvPr id="3" name="Date Placeholder 2">
-            <a:extLst>
-              <a:ext uri="{FF2B5EF4-FFF2-40B4-BE49-F238E27FC236}">
-                <a16:creationId xmlns:a16="http://schemas.microsoft.com/office/drawing/2014/main" id="{62297BA0-4BFC-4926-8DE9-1B4A9E7BDA42}"/>
-              </a:ext>
-            </a:extLst>
-          </p:cNvPr>
+            <a:endParaRPr lang="en-US" dirty="0"/>
+          </a:p>
+        </p:txBody>
+      </p:sp>
+      <p:sp>
+        <p:nvSpPr>
+          <p:cNvPr id="3" name="Date Placeholder 2"/>
           <p:cNvSpPr>
             <a:spLocks noGrp="1"/>
           </p:cNvSpPr>
@@ -1957,7 +2100,7 @@
           <a:p>
             <a:fld id="{D3996415-E807-4F2E-835D-D1F91F69986F}" type="datetimeFigureOut">
               <a:rPr lang="en-US" smtClean="0"/>
-              <a:t>4/9/2020</a:t>
+              <a:t>4/13/2020</a:t>
             </a:fld>
             <a:endParaRPr lang="en-US"/>
           </a:p>
@@ -1965,13 +2108,7 @@
       </p:sp>
       <p:sp>
         <p:nvSpPr>
-          <p:cNvPr id="4" name="Footer Placeholder 3">
-            <a:extLst>
-              <a:ext uri="{FF2B5EF4-FFF2-40B4-BE49-F238E27FC236}">
-                <a16:creationId xmlns:a16="http://schemas.microsoft.com/office/drawing/2014/main" id="{E07E81FC-44A7-4C40-B67B-B3E9E037563C}"/>
-              </a:ext>
-            </a:extLst>
-          </p:cNvPr>
+          <p:cNvPr id="4" name="Footer Placeholder 3"/>
           <p:cNvSpPr>
             <a:spLocks noGrp="1"/>
           </p:cNvSpPr>
@@ -1990,13 +2127,7 @@
       </p:sp>
       <p:sp>
         <p:nvSpPr>
-          <p:cNvPr id="5" name="Slide Number Placeholder 4">
-            <a:extLst>
-              <a:ext uri="{FF2B5EF4-FFF2-40B4-BE49-F238E27FC236}">
-                <a16:creationId xmlns:a16="http://schemas.microsoft.com/office/drawing/2014/main" id="{BF03838C-47CD-4F6F-8587-5B92512BF976}"/>
-              </a:ext>
-            </a:extLst>
-          </p:cNvPr>
+          <p:cNvPr id="5" name="Slide Number Placeholder 4"/>
           <p:cNvSpPr>
             <a:spLocks noGrp="1"/>
           </p:cNvSpPr>
@@ -2020,7 +2151,7 @@
     </p:spTree>
     <p:extLst>
       <p:ext uri="{BB962C8B-B14F-4D97-AF65-F5344CB8AC3E}">
-        <p14:creationId xmlns:p14="http://schemas.microsoft.com/office/powerpoint/2010/main" val="2787383032"/>
+        <p14:creationId xmlns:p14="http://schemas.microsoft.com/office/powerpoint/2010/main" val="679634200"/>
       </p:ext>
     </p:extLst>
   </p:cSld>
@@ -2049,13 +2180,83 @@
       </p:grpSpPr>
       <p:sp>
         <p:nvSpPr>
-          <p:cNvPr id="2" name="Date Placeholder 1">
-            <a:extLst>
-              <a:ext uri="{FF2B5EF4-FFF2-40B4-BE49-F238E27FC236}">
-                <a16:creationId xmlns:a16="http://schemas.microsoft.com/office/drawing/2014/main" id="{76BC9E74-2384-4017-9DB1-1549BB334EB8}"/>
-              </a:ext>
-            </a:extLst>
-          </p:cNvPr>
+          <p:cNvPr id="5" name="Rectangle 4"/>
+          <p:cNvSpPr/>
+          <p:nvPr/>
+        </p:nvSpPr>
+        <p:spPr>
+          <a:xfrm>
+            <a:off x="3175" y="6400800"/>
+            <a:ext cx="12188825" cy="457200"/>
+          </a:xfrm>
+          <a:prstGeom prst="rect">
+            <a:avLst/>
+          </a:prstGeom>
+          <a:solidFill>
+            <a:schemeClr val="accent2"/>
+          </a:solidFill>
+          <a:ln>
+            <a:noFill/>
+          </a:ln>
+        </p:spPr>
+        <p:style>
+          <a:lnRef idx="2">
+            <a:schemeClr val="accent1">
+              <a:shade val="50000"/>
+            </a:schemeClr>
+          </a:lnRef>
+          <a:fillRef idx="1">
+            <a:schemeClr val="accent1"/>
+          </a:fillRef>
+          <a:effectRef idx="0">
+            <a:schemeClr val="accent1"/>
+          </a:effectRef>
+          <a:fontRef idx="minor">
+            <a:schemeClr val="lt1"/>
+          </a:fontRef>
+        </p:style>
+      </p:sp>
+      <p:sp>
+        <p:nvSpPr>
+          <p:cNvPr id="6" name="Rectangle 5"/>
+          <p:cNvSpPr/>
+          <p:nvPr/>
+        </p:nvSpPr>
+        <p:spPr>
+          <a:xfrm>
+            <a:off x="15" y="6334316"/>
+            <a:ext cx="12188825" cy="64008"/>
+          </a:xfrm>
+          <a:prstGeom prst="rect">
+            <a:avLst/>
+          </a:prstGeom>
+          <a:solidFill>
+            <a:schemeClr val="accent1"/>
+          </a:solidFill>
+          <a:ln>
+            <a:noFill/>
+          </a:ln>
+        </p:spPr>
+        <p:style>
+          <a:lnRef idx="2">
+            <a:schemeClr val="accent1">
+              <a:shade val="50000"/>
+            </a:schemeClr>
+          </a:lnRef>
+          <a:fillRef idx="1">
+            <a:schemeClr val="accent1"/>
+          </a:fillRef>
+          <a:effectRef idx="0">
+            <a:schemeClr val="accent1"/>
+          </a:effectRef>
+          <a:fontRef idx="minor">
+            <a:schemeClr val="lt1"/>
+          </a:fontRef>
+        </p:style>
+      </p:sp>
+      <p:sp>
+        <p:nvSpPr>
+          <p:cNvPr id="7" name="Date Placeholder 6"/>
           <p:cNvSpPr>
             <a:spLocks noGrp="1"/>
           </p:cNvSpPr>
@@ -2070,7 +2271,7 @@
           <a:p>
             <a:fld id="{D3996415-E807-4F2E-835D-D1F91F69986F}" type="datetimeFigureOut">
               <a:rPr lang="en-US" smtClean="0"/>
-              <a:t>4/9/2020</a:t>
+              <a:t>4/13/2020</a:t>
             </a:fld>
             <a:endParaRPr lang="en-US"/>
           </a:p>
@@ -2078,13 +2279,7 @@
       </p:sp>
       <p:sp>
         <p:nvSpPr>
-          <p:cNvPr id="3" name="Footer Placeholder 2">
-            <a:extLst>
-              <a:ext uri="{FF2B5EF4-FFF2-40B4-BE49-F238E27FC236}">
-                <a16:creationId xmlns:a16="http://schemas.microsoft.com/office/drawing/2014/main" id="{A7E23D67-24E9-4D62-8D53-15A692BBA31F}"/>
-              </a:ext>
-            </a:extLst>
-          </p:cNvPr>
+          <p:cNvPr id="8" name="Footer Placeholder 7"/>
           <p:cNvSpPr>
             <a:spLocks noGrp="1"/>
           </p:cNvSpPr>
@@ -2095,7 +2290,15 @@
         <p:spPr/>
         <p:txBody>
           <a:bodyPr/>
-          <a:lstStyle/>
+          <a:lstStyle>
+            <a:lvl1pPr>
+              <a:defRPr>
+                <a:solidFill>
+                  <a:srgbClr val="FFFFFF"/>
+                </a:solidFill>
+              </a:defRPr>
+            </a:lvl1pPr>
+          </a:lstStyle>
           <a:p>
             <a:endParaRPr lang="en-US"/>
           </a:p>
@@ -2103,13 +2306,7 @@
       </p:sp>
       <p:sp>
         <p:nvSpPr>
-          <p:cNvPr id="4" name="Slide Number Placeholder 3">
-            <a:extLst>
-              <a:ext uri="{FF2B5EF4-FFF2-40B4-BE49-F238E27FC236}">
-                <a16:creationId xmlns:a16="http://schemas.microsoft.com/office/drawing/2014/main" id="{24C39717-57B7-4AF0-B36D-71EDD9A28990}"/>
-              </a:ext>
-            </a:extLst>
-          </p:cNvPr>
+          <p:cNvPr id="9" name="Slide Number Placeholder 8"/>
           <p:cNvSpPr>
             <a:spLocks noGrp="1"/>
           </p:cNvSpPr>
@@ -2133,7 +2330,7 @@
     </p:spTree>
     <p:extLst>
       <p:ext uri="{BB962C8B-B14F-4D97-AF65-F5344CB8AC3E}">
-        <p14:creationId xmlns:p14="http://schemas.microsoft.com/office/powerpoint/2010/main" val="3361159678"/>
+        <p14:creationId xmlns:p14="http://schemas.microsoft.com/office/powerpoint/2010/main" val="2327053562"/>
       </p:ext>
     </p:extLst>
   </p:cSld>
@@ -2162,13 +2359,83 @@
       </p:grpSpPr>
       <p:sp>
         <p:nvSpPr>
-          <p:cNvPr id="2" name="Title 1">
-            <a:extLst>
-              <a:ext uri="{FF2B5EF4-FFF2-40B4-BE49-F238E27FC236}">
-                <a16:creationId xmlns:a16="http://schemas.microsoft.com/office/drawing/2014/main" id="{AC78D789-43BE-479D-A26F-5280531B5311}"/>
-              </a:ext>
-            </a:extLst>
-          </p:cNvPr>
+          <p:cNvPr id="8" name="Rectangle 7"/>
+          <p:cNvSpPr/>
+          <p:nvPr/>
+        </p:nvSpPr>
+        <p:spPr>
+          <a:xfrm>
+            <a:off x="16" y="0"/>
+            <a:ext cx="4050791" cy="6858000"/>
+          </a:xfrm>
+          <a:prstGeom prst="rect">
+            <a:avLst/>
+          </a:prstGeom>
+          <a:solidFill>
+            <a:schemeClr val="accent2"/>
+          </a:solidFill>
+          <a:ln>
+            <a:noFill/>
+          </a:ln>
+        </p:spPr>
+        <p:style>
+          <a:lnRef idx="2">
+            <a:schemeClr val="accent1">
+              <a:shade val="50000"/>
+            </a:schemeClr>
+          </a:lnRef>
+          <a:fillRef idx="1">
+            <a:schemeClr val="accent1"/>
+          </a:fillRef>
+          <a:effectRef idx="0">
+            <a:schemeClr val="accent1"/>
+          </a:effectRef>
+          <a:fontRef idx="minor">
+            <a:schemeClr val="lt1"/>
+          </a:fontRef>
+        </p:style>
+      </p:sp>
+      <p:sp>
+        <p:nvSpPr>
+          <p:cNvPr id="9" name="Rectangle 8"/>
+          <p:cNvSpPr/>
+          <p:nvPr/>
+        </p:nvSpPr>
+        <p:spPr>
+          <a:xfrm>
+            <a:off x="4040071" y="0"/>
+            <a:ext cx="64008" cy="6858000"/>
+          </a:xfrm>
+          <a:prstGeom prst="rect">
+            <a:avLst/>
+          </a:prstGeom>
+          <a:solidFill>
+            <a:schemeClr val="accent1"/>
+          </a:solidFill>
+          <a:ln>
+            <a:noFill/>
+          </a:ln>
+        </p:spPr>
+        <p:style>
+          <a:lnRef idx="2">
+            <a:schemeClr val="accent1">
+              <a:shade val="50000"/>
+            </a:schemeClr>
+          </a:lnRef>
+          <a:fillRef idx="1">
+            <a:schemeClr val="accent1"/>
+          </a:fillRef>
+          <a:effectRef idx="0">
+            <a:schemeClr val="accent1"/>
+          </a:effectRef>
+          <a:fontRef idx="minor">
+            <a:schemeClr val="lt1"/>
+          </a:fontRef>
+        </p:style>
+      </p:sp>
+      <p:sp>
+        <p:nvSpPr>
+          <p:cNvPr id="2" name="Title 1"/>
           <p:cNvSpPr>
             <a:spLocks noGrp="1"/>
           </p:cNvSpPr>
@@ -2178,15 +2445,21 @@
         </p:nvSpPr>
         <p:spPr>
           <a:xfrm>
-            <a:off x="839788" y="457200"/>
-            <a:ext cx="3932237" cy="1600200"/>
-          </a:xfrm>
-        </p:spPr>
-        <p:txBody>
-          <a:bodyPr anchor="b"/>
+            <a:off x="457200" y="594359"/>
+            <a:ext cx="3200400" cy="2286000"/>
+          </a:xfrm>
+        </p:spPr>
+        <p:txBody>
+          <a:bodyPr anchor="b">
+            <a:normAutofit/>
+          </a:bodyPr>
           <a:lstStyle>
             <a:lvl1pPr>
-              <a:defRPr sz="3200"/>
+              <a:defRPr sz="3600" b="0">
+                <a:solidFill>
+                  <a:srgbClr val="FFFFFF"/>
+                </a:solidFill>
+              </a:defRPr>
             </a:lvl1pPr>
           </a:lstStyle>
           <a:p>
@@ -2194,18 +2467,13 @@
               <a:rPr lang="en-US"/>
               <a:t>Click to edit Master title style</a:t>
             </a:r>
-          </a:p>
-        </p:txBody>
-      </p:sp>
-      <p:sp>
-        <p:nvSpPr>
-          <p:cNvPr id="3" name="Content Placeholder 2">
-            <a:extLst>
-              <a:ext uri="{FF2B5EF4-FFF2-40B4-BE49-F238E27FC236}">
-                <a16:creationId xmlns:a16="http://schemas.microsoft.com/office/drawing/2014/main" id="{990BC8D3-5913-4FBE-ABEA-2188C18EBD23}"/>
-              </a:ext>
-            </a:extLst>
-          </p:cNvPr>
+            <a:endParaRPr lang="en-US" dirty="0"/>
+          </a:p>
+        </p:txBody>
+      </p:sp>
+      <p:sp>
+        <p:nvSpPr>
+          <p:cNvPr id="3" name="Content Placeholder 2"/>
           <p:cNvSpPr>
             <a:spLocks noGrp="1"/>
           </p:cNvSpPr>
@@ -2215,41 +2483,13 @@
         </p:nvSpPr>
         <p:spPr>
           <a:xfrm>
-            <a:off x="5183188" y="987425"/>
-            <a:ext cx="6172200" cy="4873625"/>
+            <a:off x="4800600" y="731520"/>
+            <a:ext cx="6492240" cy="5257800"/>
           </a:xfrm>
         </p:spPr>
         <p:txBody>
           <a:bodyPr/>
-          <a:lstStyle>
-            <a:lvl1pPr>
-              <a:defRPr sz="3200"/>
-            </a:lvl1pPr>
-            <a:lvl2pPr>
-              <a:defRPr sz="2800"/>
-            </a:lvl2pPr>
-            <a:lvl3pPr>
-              <a:defRPr sz="2400"/>
-            </a:lvl3pPr>
-            <a:lvl4pPr>
-              <a:defRPr sz="2000"/>
-            </a:lvl4pPr>
-            <a:lvl5pPr>
-              <a:defRPr sz="2000"/>
-            </a:lvl5pPr>
-            <a:lvl6pPr>
-              <a:defRPr sz="2000"/>
-            </a:lvl6pPr>
-            <a:lvl7pPr>
-              <a:defRPr sz="2000"/>
-            </a:lvl7pPr>
-            <a:lvl8pPr>
-              <a:defRPr sz="2000"/>
-            </a:lvl8pPr>
-            <a:lvl9pPr>
-              <a:defRPr sz="2000"/>
-            </a:lvl9pPr>
-          </a:lstStyle>
+          <a:lstStyle/>
           <a:p>
             <a:pPr lvl="0"/>
             <a:r>
@@ -2284,18 +2524,13 @@
               <a:rPr lang="en-US"/>
               <a:t>Fifth level</a:t>
             </a:r>
-          </a:p>
-        </p:txBody>
-      </p:sp>
-      <p:sp>
-        <p:nvSpPr>
-          <p:cNvPr id="4" name="Text Placeholder 3">
-            <a:extLst>
-              <a:ext uri="{FF2B5EF4-FFF2-40B4-BE49-F238E27FC236}">
-                <a16:creationId xmlns:a16="http://schemas.microsoft.com/office/drawing/2014/main" id="{0AB0D50A-D048-4DB0-B3F6-CE8FE48DCC48}"/>
-              </a:ext>
-            </a:extLst>
-          </p:cNvPr>
+            <a:endParaRPr lang="en-US" dirty="0"/>
+          </a:p>
+        </p:txBody>
+      </p:sp>
+      <p:sp>
+        <p:nvSpPr>
+          <p:cNvPr id="4" name="Text Placeholder 3"/>
           <p:cNvSpPr>
             <a:spLocks noGrp="1"/>
           </p:cNvSpPr>
@@ -2305,48 +2540,54 @@
         </p:nvSpPr>
         <p:spPr>
           <a:xfrm>
-            <a:off x="839788" y="2057400"/>
-            <a:ext cx="3932237" cy="3811588"/>
-          </a:xfrm>
-        </p:spPr>
-        <p:txBody>
-          <a:bodyPr/>
+            <a:off x="457200" y="2926080"/>
+            <a:ext cx="3200400" cy="3379124"/>
+          </a:xfrm>
+        </p:spPr>
+        <p:txBody>
+          <a:bodyPr lIns="91440" rIns="91440">
+            <a:normAutofit/>
+          </a:bodyPr>
           <a:lstStyle>
             <a:lvl1pPr marL="0" indent="0">
               <a:buNone/>
-              <a:defRPr sz="1600"/>
+              <a:defRPr sz="1500">
+                <a:solidFill>
+                  <a:srgbClr val="FFFFFF"/>
+                </a:solidFill>
+              </a:defRPr>
             </a:lvl1pPr>
             <a:lvl2pPr marL="457200" indent="0">
               <a:buNone/>
-              <a:defRPr sz="1400"/>
+              <a:defRPr sz="1200"/>
             </a:lvl2pPr>
             <a:lvl3pPr marL="914400" indent="0">
               <a:buNone/>
-              <a:defRPr sz="1200"/>
+              <a:defRPr sz="1000"/>
             </a:lvl3pPr>
             <a:lvl4pPr marL="1371600" indent="0">
               <a:buNone/>
-              <a:defRPr sz="1000"/>
+              <a:defRPr sz="900"/>
             </a:lvl4pPr>
             <a:lvl5pPr marL="1828800" indent="0">
               <a:buNone/>
-              <a:defRPr sz="1000"/>
+              <a:defRPr sz="900"/>
             </a:lvl5pPr>
             <a:lvl6pPr marL="2286000" indent="0">
               <a:buNone/>
-              <a:defRPr sz="1000"/>
+              <a:defRPr sz="900"/>
             </a:lvl6pPr>
             <a:lvl7pPr marL="2743200" indent="0">
               <a:buNone/>
-              <a:defRPr sz="1000"/>
+              <a:defRPr sz="900"/>
             </a:lvl7pPr>
             <a:lvl8pPr marL="3200400" indent="0">
               <a:buNone/>
-              <a:defRPr sz="1000"/>
+              <a:defRPr sz="900"/>
             </a:lvl8pPr>
             <a:lvl9pPr marL="3657600" indent="0">
               <a:buNone/>
-              <a:defRPr sz="1000"/>
+              <a:defRPr sz="900"/>
             </a:lvl9pPr>
           </a:lstStyle>
           <a:p>
@@ -2360,13 +2601,7 @@
       </p:sp>
       <p:sp>
         <p:nvSpPr>
-          <p:cNvPr id="5" name="Date Placeholder 4">
-            <a:extLst>
-              <a:ext uri="{FF2B5EF4-FFF2-40B4-BE49-F238E27FC236}">
-                <a16:creationId xmlns:a16="http://schemas.microsoft.com/office/drawing/2014/main" id="{B6480024-F454-4855-8081-2D4380FEC6DD}"/>
-              </a:ext>
-            </a:extLst>
-          </p:cNvPr>
+          <p:cNvPr id="5" name="Date Placeholder 4"/>
           <p:cNvSpPr>
             <a:spLocks noGrp="1"/>
           </p:cNvSpPr>
@@ -2374,14 +2609,23 @@
             <p:ph type="dt" sz="half" idx="10"/>
           </p:nvPr>
         </p:nvSpPr>
-        <p:spPr/>
+        <p:spPr>
+          <a:xfrm>
+            <a:off x="465512" y="6459785"/>
+            <a:ext cx="2618510" cy="365125"/>
+          </a:xfrm>
+        </p:spPr>
         <p:txBody>
           <a:bodyPr/>
-          <a:lstStyle/>
+          <a:lstStyle>
+            <a:lvl1pPr algn="l">
+              <a:defRPr/>
+            </a:lvl1pPr>
+          </a:lstStyle>
           <a:p>
             <a:fld id="{D3996415-E807-4F2E-835D-D1F91F69986F}" type="datetimeFigureOut">
               <a:rPr lang="en-US" smtClean="0"/>
-              <a:t>4/9/2020</a:t>
+              <a:t>4/13/2020</a:t>
             </a:fld>
             <a:endParaRPr lang="en-US"/>
           </a:p>
@@ -2389,13 +2633,7 @@
       </p:sp>
       <p:sp>
         <p:nvSpPr>
-          <p:cNvPr id="6" name="Footer Placeholder 5">
-            <a:extLst>
-              <a:ext uri="{FF2B5EF4-FFF2-40B4-BE49-F238E27FC236}">
-                <a16:creationId xmlns:a16="http://schemas.microsoft.com/office/drawing/2014/main" id="{5E5A82DD-E273-4718-B3AB-A091BA72BF26}"/>
-              </a:ext>
-            </a:extLst>
-          </p:cNvPr>
+          <p:cNvPr id="6" name="Footer Placeholder 5"/>
           <p:cNvSpPr>
             <a:spLocks noGrp="1"/>
           </p:cNvSpPr>
@@ -2403,10 +2641,23 @@
             <p:ph type="ftr" sz="quarter" idx="11"/>
           </p:nvPr>
         </p:nvSpPr>
-        <p:spPr/>
+        <p:spPr>
+          <a:xfrm>
+            <a:off x="4800600" y="6459785"/>
+            <a:ext cx="4648200" cy="365125"/>
+          </a:xfrm>
+        </p:spPr>
         <p:txBody>
           <a:bodyPr/>
-          <a:lstStyle/>
+          <a:lstStyle>
+            <a:lvl1pPr algn="l">
+              <a:defRPr>
+                <a:solidFill>
+                  <a:schemeClr val="tx2"/>
+                </a:solidFill>
+              </a:defRPr>
+            </a:lvl1pPr>
+          </a:lstStyle>
           <a:p>
             <a:endParaRPr lang="en-US"/>
           </a:p>
@@ -2414,13 +2665,7 @@
       </p:sp>
       <p:sp>
         <p:nvSpPr>
-          <p:cNvPr id="7" name="Slide Number Placeholder 6">
-            <a:extLst>
-              <a:ext uri="{FF2B5EF4-FFF2-40B4-BE49-F238E27FC236}">
-                <a16:creationId xmlns:a16="http://schemas.microsoft.com/office/drawing/2014/main" id="{A6712558-DF0B-4EC7-BCF4-C8ACD400A034}"/>
-              </a:ext>
-            </a:extLst>
-          </p:cNvPr>
+          <p:cNvPr id="7" name="Slide Number Placeholder 6"/>
           <p:cNvSpPr>
             <a:spLocks noGrp="1"/>
           </p:cNvSpPr>
@@ -2431,7 +2676,15 @@
         <p:spPr/>
         <p:txBody>
           <a:bodyPr/>
-          <a:lstStyle/>
+          <a:lstStyle>
+            <a:lvl1pPr>
+              <a:defRPr>
+                <a:solidFill>
+                  <a:schemeClr val="tx2"/>
+                </a:solidFill>
+              </a:defRPr>
+            </a:lvl1pPr>
+          </a:lstStyle>
           <a:p>
             <a:fld id="{FC0254F6-2034-44F8-8A7C-C71F5A1DE8FB}" type="slidenum">
               <a:rPr lang="en-US" smtClean="0"/>
@@ -2444,7 +2697,7 @@
     </p:spTree>
     <p:extLst>
       <p:ext uri="{BB962C8B-B14F-4D97-AF65-F5344CB8AC3E}">
-        <p14:creationId xmlns:p14="http://schemas.microsoft.com/office/powerpoint/2010/main" val="1105040934"/>
+        <p14:creationId xmlns:p14="http://schemas.microsoft.com/office/powerpoint/2010/main" val="3027302882"/>
       </p:ext>
     </p:extLst>
   </p:cSld>
@@ -2473,13 +2726,83 @@
       </p:grpSpPr>
       <p:sp>
         <p:nvSpPr>
-          <p:cNvPr id="2" name="Title 1">
-            <a:extLst>
-              <a:ext uri="{FF2B5EF4-FFF2-40B4-BE49-F238E27FC236}">
-                <a16:creationId xmlns:a16="http://schemas.microsoft.com/office/drawing/2014/main" id="{02798595-F3C3-487A-AD8A-191A11D09FC5}"/>
-              </a:ext>
-            </a:extLst>
-          </p:cNvPr>
+          <p:cNvPr id="8" name="Rectangle 7"/>
+          <p:cNvSpPr/>
+          <p:nvPr/>
+        </p:nvSpPr>
+        <p:spPr>
+          <a:xfrm>
+            <a:off x="0" y="4953000"/>
+            <a:ext cx="12188825" cy="1905000"/>
+          </a:xfrm>
+          <a:prstGeom prst="rect">
+            <a:avLst/>
+          </a:prstGeom>
+          <a:solidFill>
+            <a:schemeClr val="accent2"/>
+          </a:solidFill>
+          <a:ln>
+            <a:noFill/>
+          </a:ln>
+        </p:spPr>
+        <p:style>
+          <a:lnRef idx="2">
+            <a:schemeClr val="accent1">
+              <a:shade val="50000"/>
+            </a:schemeClr>
+          </a:lnRef>
+          <a:fillRef idx="1">
+            <a:schemeClr val="accent1"/>
+          </a:fillRef>
+          <a:effectRef idx="0">
+            <a:schemeClr val="accent1"/>
+          </a:effectRef>
+          <a:fontRef idx="minor">
+            <a:schemeClr val="lt1"/>
+          </a:fontRef>
+        </p:style>
+      </p:sp>
+      <p:sp>
+        <p:nvSpPr>
+          <p:cNvPr id="9" name="Rectangle 8"/>
+          <p:cNvSpPr/>
+          <p:nvPr/>
+        </p:nvSpPr>
+        <p:spPr>
+          <a:xfrm>
+            <a:off x="15" y="4915076"/>
+            <a:ext cx="12188825" cy="64008"/>
+          </a:xfrm>
+          <a:prstGeom prst="rect">
+            <a:avLst/>
+          </a:prstGeom>
+          <a:solidFill>
+            <a:schemeClr val="accent1"/>
+          </a:solidFill>
+          <a:ln>
+            <a:noFill/>
+          </a:ln>
+        </p:spPr>
+        <p:style>
+          <a:lnRef idx="2">
+            <a:schemeClr val="accent1">
+              <a:shade val="50000"/>
+            </a:schemeClr>
+          </a:lnRef>
+          <a:fillRef idx="1">
+            <a:schemeClr val="accent1"/>
+          </a:fillRef>
+          <a:effectRef idx="0">
+            <a:schemeClr val="accent1"/>
+          </a:effectRef>
+          <a:fontRef idx="minor">
+            <a:schemeClr val="lt1"/>
+          </a:fontRef>
+        </p:style>
+      </p:sp>
+      <p:sp>
+        <p:nvSpPr>
+          <p:cNvPr id="2" name="Title 1"/>
           <p:cNvSpPr>
             <a:spLocks noGrp="1"/>
           </p:cNvSpPr>
@@ -2489,15 +2812,21 @@
         </p:nvSpPr>
         <p:spPr>
           <a:xfrm>
-            <a:off x="839788" y="457200"/>
-            <a:ext cx="3932237" cy="1600200"/>
-          </a:xfrm>
-        </p:spPr>
-        <p:txBody>
-          <a:bodyPr anchor="b"/>
+            <a:off x="1097280" y="5074920"/>
+            <a:ext cx="10113645" cy="822960"/>
+          </a:xfrm>
+        </p:spPr>
+        <p:txBody>
+          <a:bodyPr tIns="0" bIns="0" anchor="b">
+            <a:noAutofit/>
+          </a:bodyPr>
           <a:lstStyle>
             <a:lvl1pPr>
-              <a:defRPr sz="3200"/>
+              <a:defRPr sz="3600" b="0">
+                <a:solidFill>
+                  <a:srgbClr val="FFFFFF"/>
+                </a:solidFill>
+              </a:defRPr>
             </a:lvl1pPr>
           </a:lstStyle>
           <a:p>
@@ -2505,20 +2834,15 @@
               <a:rPr lang="en-US"/>
               <a:t>Click to edit Master title style</a:t>
             </a:r>
-          </a:p>
-        </p:txBody>
-      </p:sp>
-      <p:sp>
-        <p:nvSpPr>
-          <p:cNvPr id="3" name="Picture Placeholder 2">
-            <a:extLst>
-              <a:ext uri="{FF2B5EF4-FFF2-40B4-BE49-F238E27FC236}">
-                <a16:creationId xmlns:a16="http://schemas.microsoft.com/office/drawing/2014/main" id="{7F31DD80-085B-4974-AC77-D4CB877F6333}"/>
-              </a:ext>
-            </a:extLst>
-          </p:cNvPr>
+            <a:endParaRPr lang="en-US" dirty="0"/>
+          </a:p>
+        </p:txBody>
+      </p:sp>
+      <p:sp>
+        <p:nvSpPr>
+          <p:cNvPr id="3" name="Picture Placeholder 2"/>
           <p:cNvSpPr>
-            <a:spLocks noGrp="1"/>
+            <a:spLocks noGrp="1" noChangeAspect="1"/>
           </p:cNvSpPr>
           <p:nvPr>
             <p:ph type="pic" idx="1"/>
@@ -2526,12 +2850,17 @@
         </p:nvSpPr>
         <p:spPr>
           <a:xfrm>
-            <a:off x="5183188" y="987425"/>
-            <a:ext cx="6172200" cy="4873625"/>
-          </a:xfrm>
-        </p:spPr>
-        <p:txBody>
-          <a:bodyPr/>
+            <a:off x="15" y="0"/>
+            <a:ext cx="12191985" cy="4915076"/>
+          </a:xfrm>
+          <a:solidFill>
+            <a:schemeClr val="bg2">
+              <a:lumMod val="90000"/>
+            </a:schemeClr>
+          </a:solidFill>
+        </p:spPr>
+        <p:txBody>
+          <a:bodyPr lIns="457200" tIns="457200" anchor="t"/>
           <a:lstStyle>
             <a:lvl1pPr marL="0" indent="0">
               <a:buNone/>
@@ -2571,19 +2900,17 @@
             </a:lvl9pPr>
           </a:lstStyle>
           <a:p>
-            <a:endParaRPr lang="en-US"/>
-          </a:p>
-        </p:txBody>
-      </p:sp>
-      <p:sp>
-        <p:nvSpPr>
-          <p:cNvPr id="4" name="Text Placeholder 3">
-            <a:extLst>
-              <a:ext uri="{FF2B5EF4-FFF2-40B4-BE49-F238E27FC236}">
-                <a16:creationId xmlns:a16="http://schemas.microsoft.com/office/drawing/2014/main" id="{6C60641F-F3B9-4D67-83BF-2E4FAF77C803}"/>
-              </a:ext>
-            </a:extLst>
-          </p:cNvPr>
+            <a:r>
+              <a:rPr lang="en-US"/>
+              <a:t>Click icon to add picture</a:t>
+            </a:r>
+            <a:endParaRPr lang="en-US" dirty="0"/>
+          </a:p>
+        </p:txBody>
+      </p:sp>
+      <p:sp>
+        <p:nvSpPr>
+          <p:cNvPr id="4" name="Text Placeholder 3"/>
           <p:cNvSpPr>
             <a:spLocks noGrp="1"/>
           </p:cNvSpPr>
@@ -2593,48 +2920,60 @@
         </p:nvSpPr>
         <p:spPr>
           <a:xfrm>
-            <a:off x="839788" y="2057400"/>
-            <a:ext cx="3932237" cy="3811588"/>
-          </a:xfrm>
-        </p:spPr>
-        <p:txBody>
-          <a:bodyPr/>
+            <a:off x="1097280" y="5907024"/>
+            <a:ext cx="10113264" cy="594360"/>
+          </a:xfrm>
+        </p:spPr>
+        <p:txBody>
+          <a:bodyPr lIns="91440" tIns="0" rIns="91440" bIns="0">
+            <a:normAutofit/>
+          </a:bodyPr>
           <a:lstStyle>
             <a:lvl1pPr marL="0" indent="0">
+              <a:spcBef>
+                <a:spcPts val="0"/>
+              </a:spcBef>
+              <a:spcAft>
+                <a:spcPts val="600"/>
+              </a:spcAft>
               <a:buNone/>
-              <a:defRPr sz="1600"/>
+              <a:defRPr sz="1500">
+                <a:solidFill>
+                  <a:srgbClr val="FFFFFF"/>
+                </a:solidFill>
+              </a:defRPr>
             </a:lvl1pPr>
             <a:lvl2pPr marL="457200" indent="0">
               <a:buNone/>
-              <a:defRPr sz="1400"/>
+              <a:defRPr sz="1200"/>
             </a:lvl2pPr>
             <a:lvl3pPr marL="914400" indent="0">
               <a:buNone/>
-              <a:defRPr sz="1200"/>
+              <a:defRPr sz="1000"/>
             </a:lvl3pPr>
             <a:lvl4pPr marL="1371600" indent="0">
               <a:buNone/>
-              <a:defRPr sz="1000"/>
+              <a:defRPr sz="900"/>
             </a:lvl4pPr>
             <a:lvl5pPr marL="1828800" indent="0">
               <a:buNone/>
-              <a:defRPr sz="1000"/>
+              <a:defRPr sz="900"/>
             </a:lvl5pPr>
             <a:lvl6pPr marL="2286000" indent="0">
               <a:buNone/>
-              <a:defRPr sz="1000"/>
+              <a:defRPr sz="900"/>
             </a:lvl6pPr>
             <a:lvl7pPr marL="2743200" indent="0">
               <a:buNone/>
-              <a:defRPr sz="1000"/>
+              <a:defRPr sz="900"/>
             </a:lvl7pPr>
             <a:lvl8pPr marL="3200400" indent="0">
               <a:buNone/>
-              <a:defRPr sz="1000"/>
+              <a:defRPr sz="900"/>
             </a:lvl8pPr>
             <a:lvl9pPr marL="3657600" indent="0">
               <a:buNone/>
-              <a:defRPr sz="1000"/>
+              <a:defRPr sz="900"/>
             </a:lvl9pPr>
           </a:lstStyle>
           <a:p>
@@ -2648,13 +2987,7 @@
       </p:sp>
       <p:sp>
         <p:nvSpPr>
-          <p:cNvPr id="5" name="Date Placeholder 4">
-            <a:extLst>
-              <a:ext uri="{FF2B5EF4-FFF2-40B4-BE49-F238E27FC236}">
-                <a16:creationId xmlns:a16="http://schemas.microsoft.com/office/drawing/2014/main" id="{BA39215D-DA32-4A97-815B-AD10D2FB1E03}"/>
-              </a:ext>
-            </a:extLst>
-          </p:cNvPr>
+          <p:cNvPr id="5" name="Date Placeholder 4"/>
           <p:cNvSpPr>
             <a:spLocks noGrp="1"/>
           </p:cNvSpPr>
@@ -2669,7 +3002,7 @@
           <a:p>
             <a:fld id="{D3996415-E807-4F2E-835D-D1F91F69986F}" type="datetimeFigureOut">
               <a:rPr lang="en-US" smtClean="0"/>
-              <a:t>4/9/2020</a:t>
+              <a:t>4/13/2020</a:t>
             </a:fld>
             <a:endParaRPr lang="en-US"/>
           </a:p>
@@ -2677,13 +3010,7 @@
       </p:sp>
       <p:sp>
         <p:nvSpPr>
-          <p:cNvPr id="6" name="Footer Placeholder 5">
-            <a:extLst>
-              <a:ext uri="{FF2B5EF4-FFF2-40B4-BE49-F238E27FC236}">
-                <a16:creationId xmlns:a16="http://schemas.microsoft.com/office/drawing/2014/main" id="{29544450-FCA5-4F7C-8B08-A47FEBCCC911}"/>
-              </a:ext>
-            </a:extLst>
-          </p:cNvPr>
+          <p:cNvPr id="6" name="Footer Placeholder 5"/>
           <p:cNvSpPr>
             <a:spLocks noGrp="1"/>
           </p:cNvSpPr>
@@ -2702,13 +3029,7 @@
       </p:sp>
       <p:sp>
         <p:nvSpPr>
-          <p:cNvPr id="7" name="Slide Number Placeholder 6">
-            <a:extLst>
-              <a:ext uri="{FF2B5EF4-FFF2-40B4-BE49-F238E27FC236}">
-                <a16:creationId xmlns:a16="http://schemas.microsoft.com/office/drawing/2014/main" id="{EF434B43-24E2-4EE4-A21F-15A0773FE5BF}"/>
-              </a:ext>
-            </a:extLst>
-          </p:cNvPr>
+          <p:cNvPr id="7" name="Slide Number Placeholder 6"/>
           <p:cNvSpPr>
             <a:spLocks noGrp="1"/>
           </p:cNvSpPr>
@@ -2732,7 +3053,7 @@
     </p:spTree>
     <p:extLst>
       <p:ext uri="{BB962C8B-B14F-4D97-AF65-F5344CB8AC3E}">
-        <p14:creationId xmlns:p14="http://schemas.microsoft.com/office/powerpoint/2010/main" val="3867951226"/>
+        <p14:creationId xmlns:p14="http://schemas.microsoft.com/office/powerpoint/2010/main" val="2775545332"/>
       </p:ext>
     </p:extLst>
   </p:cSld>
@@ -2766,13 +3087,83 @@
       </p:grpSpPr>
       <p:sp>
         <p:nvSpPr>
-          <p:cNvPr id="2" name="Title Placeholder 1">
-            <a:extLst>
-              <a:ext uri="{FF2B5EF4-FFF2-40B4-BE49-F238E27FC236}">
-                <a16:creationId xmlns:a16="http://schemas.microsoft.com/office/drawing/2014/main" id="{B60284E7-08A0-4CE9-8F5D-7E559C3F83D4}"/>
-              </a:ext>
-            </a:extLst>
-          </p:cNvPr>
+          <p:cNvPr id="7" name="Rectangle 6"/>
+          <p:cNvSpPr/>
+          <p:nvPr/>
+        </p:nvSpPr>
+        <p:spPr>
+          <a:xfrm>
+            <a:off x="0" y="6497716"/>
+            <a:ext cx="12188825" cy="457200"/>
+          </a:xfrm>
+          <a:prstGeom prst="rect">
+            <a:avLst/>
+          </a:prstGeom>
+          <a:solidFill>
+            <a:schemeClr val="accent2"/>
+          </a:solidFill>
+          <a:ln>
+            <a:noFill/>
+          </a:ln>
+        </p:spPr>
+        <p:style>
+          <a:lnRef idx="2">
+            <a:schemeClr val="accent1">
+              <a:shade val="50000"/>
+            </a:schemeClr>
+          </a:lnRef>
+          <a:fillRef idx="1">
+            <a:schemeClr val="accent1"/>
+          </a:fillRef>
+          <a:effectRef idx="0">
+            <a:schemeClr val="accent1"/>
+          </a:effectRef>
+          <a:fontRef idx="minor">
+            <a:schemeClr val="lt1"/>
+          </a:fontRef>
+        </p:style>
+      </p:sp>
+      <p:sp>
+        <p:nvSpPr>
+          <p:cNvPr id="9" name="Rectangle 8"/>
+          <p:cNvSpPr/>
+          <p:nvPr/>
+        </p:nvSpPr>
+        <p:spPr>
+          <a:xfrm>
+            <a:off x="15" y="6334316"/>
+            <a:ext cx="12188825" cy="64008"/>
+          </a:xfrm>
+          <a:prstGeom prst="rect">
+            <a:avLst/>
+          </a:prstGeom>
+          <a:solidFill>
+            <a:schemeClr val="accent1"/>
+          </a:solidFill>
+          <a:ln>
+            <a:noFill/>
+          </a:ln>
+        </p:spPr>
+        <p:style>
+          <a:lnRef idx="2">
+            <a:schemeClr val="accent1">
+              <a:shade val="50000"/>
+            </a:schemeClr>
+          </a:lnRef>
+          <a:fillRef idx="1">
+            <a:schemeClr val="accent1"/>
+          </a:fillRef>
+          <a:effectRef idx="0">
+            <a:schemeClr val="accent1"/>
+          </a:effectRef>
+          <a:fontRef idx="minor">
+            <a:schemeClr val="lt1"/>
+          </a:fontRef>
+        </p:style>
+      </p:sp>
+      <p:sp>
+        <p:nvSpPr>
+          <p:cNvPr id="2" name="Title Placeholder 1"/>
           <p:cNvSpPr>
             <a:spLocks noGrp="1"/>
           </p:cNvSpPr>
@@ -2782,21 +3173,21 @@
         </p:nvSpPr>
         <p:spPr>
           <a:xfrm>
-            <a:off x="838200" y="365125"/>
-            <a:ext cx="10515600" cy="1325563"/>
+            <a:off x="354329" y="218234"/>
+            <a:ext cx="11580493" cy="770672"/>
           </a:xfrm>
           <a:prstGeom prst="rect">
             <a:avLst/>
           </a:prstGeom>
         </p:spPr>
         <p:txBody>
-          <a:bodyPr vert="horz" lIns="91440" tIns="45720" rIns="91440" bIns="45720" rtlCol="0" anchor="ctr">
+          <a:bodyPr vert="horz" lIns="91440" tIns="45720" rIns="91440" bIns="45720" rtlCol="0" anchor="b">
             <a:normAutofit/>
           </a:bodyPr>
           <a:lstStyle/>
           <a:p>
             <a:r>
-              <a:rPr lang="en-US"/>
+              <a:rPr lang="en-US" dirty="0"/>
               <a:t>Click to edit Master title style</a:t>
             </a:r>
           </a:p>
@@ -2804,13 +3195,7 @@
       </p:sp>
       <p:sp>
         <p:nvSpPr>
-          <p:cNvPr id="3" name="Text Placeholder 2">
-            <a:extLst>
-              <a:ext uri="{FF2B5EF4-FFF2-40B4-BE49-F238E27FC236}">
-                <a16:creationId xmlns:a16="http://schemas.microsoft.com/office/drawing/2014/main" id="{F0AAFB8A-7977-4203-9763-E7261093748D}"/>
-              </a:ext>
-            </a:extLst>
-          </p:cNvPr>
+          <p:cNvPr id="3" name="Text Placeholder 2"/>
           <p:cNvSpPr>
             <a:spLocks noGrp="1"/>
           </p:cNvSpPr>
@@ -2820,50 +3205,50 @@
         </p:nvSpPr>
         <p:spPr>
           <a:xfrm>
-            <a:off x="838200" y="1825625"/>
-            <a:ext cx="10515600" cy="4351338"/>
+            <a:off x="354330" y="1274234"/>
+            <a:ext cx="11580494" cy="3869228"/>
           </a:xfrm>
           <a:prstGeom prst="rect">
             <a:avLst/>
           </a:prstGeom>
         </p:spPr>
         <p:txBody>
-          <a:bodyPr vert="horz" lIns="91440" tIns="45720" rIns="91440" bIns="45720" rtlCol="0">
+          <a:bodyPr vert="horz" lIns="0" tIns="45720" rIns="0" bIns="45720" rtlCol="0">
             <a:normAutofit/>
           </a:bodyPr>
           <a:lstStyle/>
           <a:p>
             <a:pPr lvl="0"/>
             <a:r>
-              <a:rPr lang="en-US"/>
+              <a:rPr lang="en-US" dirty="0"/>
               <a:t>Click to edit Master text styles</a:t>
             </a:r>
           </a:p>
           <a:p>
             <a:pPr lvl="1"/>
             <a:r>
-              <a:rPr lang="en-US"/>
+              <a:rPr lang="en-US" dirty="0"/>
               <a:t>Second level</a:t>
             </a:r>
           </a:p>
           <a:p>
             <a:pPr lvl="2"/>
             <a:r>
-              <a:rPr lang="en-US"/>
+              <a:rPr lang="en-US" dirty="0"/>
               <a:t>Third level</a:t>
             </a:r>
           </a:p>
           <a:p>
             <a:pPr lvl="3"/>
             <a:r>
-              <a:rPr lang="en-US"/>
+              <a:rPr lang="en-US" dirty="0"/>
               <a:t>Fourth level</a:t>
             </a:r>
           </a:p>
           <a:p>
             <a:pPr lvl="4"/>
             <a:r>
-              <a:rPr lang="en-US"/>
+              <a:rPr lang="en-US" dirty="0"/>
               <a:t>Fifth level</a:t>
             </a:r>
           </a:p>
@@ -2871,13 +3256,7 @@
       </p:sp>
       <p:sp>
         <p:nvSpPr>
-          <p:cNvPr id="4" name="Date Placeholder 3">
-            <a:extLst>
-              <a:ext uri="{FF2B5EF4-FFF2-40B4-BE49-F238E27FC236}">
-                <a16:creationId xmlns:a16="http://schemas.microsoft.com/office/drawing/2014/main" id="{2C5B5C0B-80FD-4CB6-8EFD-54B364C6577B}"/>
-              </a:ext>
-            </a:extLst>
-          </p:cNvPr>
+          <p:cNvPr id="4" name="Date Placeholder 3"/>
           <p:cNvSpPr>
             <a:spLocks noGrp="1"/>
           </p:cNvSpPr>
@@ -2887,8 +3266,8 @@
         </p:nvSpPr>
         <p:spPr>
           <a:xfrm>
-            <a:off x="838200" y="6356350"/>
-            <a:ext cx="2743200" cy="365125"/>
+            <a:off x="354330" y="6459785"/>
+            <a:ext cx="3215222" cy="365125"/>
           </a:xfrm>
           <a:prstGeom prst="rect">
             <a:avLst/>
@@ -2898,11 +3277,9 @@
           <a:bodyPr vert="horz" lIns="91440" tIns="45720" rIns="91440" bIns="45720" rtlCol="0" anchor="ctr"/>
           <a:lstStyle>
             <a:lvl1pPr algn="l">
-              <a:defRPr sz="1200">
+              <a:defRPr sz="900">
                 <a:solidFill>
-                  <a:schemeClr val="tx1">
-                    <a:tint val="75000"/>
-                  </a:schemeClr>
+                  <a:srgbClr val="FFFFFF"/>
                 </a:solidFill>
               </a:defRPr>
             </a:lvl1pPr>
@@ -2910,21 +3287,15 @@
           <a:p>
             <a:fld id="{D3996415-E807-4F2E-835D-D1F91F69986F}" type="datetimeFigureOut">
               <a:rPr lang="en-US" smtClean="0"/>
-              <a:t>4/9/2020</a:t>
+              <a:t>4/13/2020</a:t>
             </a:fld>
-            <a:endParaRPr lang="en-US"/>
-          </a:p>
-        </p:txBody>
-      </p:sp>
-      <p:sp>
-        <p:nvSpPr>
-          <p:cNvPr id="5" name="Footer Placeholder 4">
-            <a:extLst>
-              <a:ext uri="{FF2B5EF4-FFF2-40B4-BE49-F238E27FC236}">
-                <a16:creationId xmlns:a16="http://schemas.microsoft.com/office/drawing/2014/main" id="{6346A0D1-8B42-40CD-A567-7C2ED6801483}"/>
-              </a:ext>
-            </a:extLst>
-          </p:cNvPr>
+            <a:endParaRPr lang="en-US" dirty="0"/>
+          </a:p>
+        </p:txBody>
+      </p:sp>
+      <p:sp>
+        <p:nvSpPr>
+          <p:cNvPr id="5" name="Footer Placeholder 4"/>
           <p:cNvSpPr>
             <a:spLocks noGrp="1"/>
           </p:cNvSpPr>
@@ -2934,8 +3305,8 @@
         </p:nvSpPr>
         <p:spPr>
           <a:xfrm>
-            <a:off x="4038600" y="6356350"/>
-            <a:ext cx="4114800" cy="365125"/>
+            <a:off x="3686185" y="6459785"/>
+            <a:ext cx="4822804" cy="365125"/>
           </a:xfrm>
           <a:prstGeom prst="rect">
             <a:avLst/>
@@ -2945,11 +3316,9 @@
           <a:bodyPr vert="horz" lIns="91440" tIns="45720" rIns="91440" bIns="45720" rtlCol="0" anchor="ctr"/>
           <a:lstStyle>
             <a:lvl1pPr algn="ctr">
-              <a:defRPr sz="1200">
+              <a:defRPr sz="900" cap="all" baseline="0">
                 <a:solidFill>
-                  <a:schemeClr val="tx1">
-                    <a:tint val="75000"/>
-                  </a:schemeClr>
+                  <a:srgbClr val="FFFFFF"/>
                 </a:solidFill>
               </a:defRPr>
             </a:lvl1pPr>
@@ -2961,13 +3330,7 @@
       </p:sp>
       <p:sp>
         <p:nvSpPr>
-          <p:cNvPr id="6" name="Slide Number Placeholder 5">
-            <a:extLst>
-              <a:ext uri="{FF2B5EF4-FFF2-40B4-BE49-F238E27FC236}">
-                <a16:creationId xmlns:a16="http://schemas.microsoft.com/office/drawing/2014/main" id="{B19E3CA3-4258-439E-A753-21E60FF2A47F}"/>
-              </a:ext>
-            </a:extLst>
-          </p:cNvPr>
+          <p:cNvPr id="6" name="Slide Number Placeholder 5"/>
           <p:cNvSpPr>
             <a:spLocks noGrp="1"/>
           </p:cNvSpPr>
@@ -2977,8 +3340,8 @@
         </p:nvSpPr>
         <p:spPr>
           <a:xfrm>
-            <a:off x="8610600" y="6356350"/>
-            <a:ext cx="2743200" cy="365125"/>
+            <a:off x="10633883" y="6478835"/>
+            <a:ext cx="1312025" cy="365125"/>
           </a:xfrm>
           <a:prstGeom prst="rect">
             <a:avLst/>
@@ -2988,11 +3351,9 @@
           <a:bodyPr vert="horz" lIns="91440" tIns="45720" rIns="91440" bIns="45720" rtlCol="0" anchor="ctr"/>
           <a:lstStyle>
             <a:lvl1pPr algn="r">
-              <a:defRPr sz="1200">
+              <a:defRPr sz="1050">
                 <a:solidFill>
-                  <a:schemeClr val="tx1">
-                    <a:tint val="75000"/>
-                  </a:schemeClr>
+                  <a:srgbClr val="FFFFFF"/>
                 </a:solidFill>
               </a:defRPr>
             </a:lvl1pPr>
@@ -3006,40 +3367,83 @@
           </a:p>
         </p:txBody>
       </p:sp>
+      <p:cxnSp>
+        <p:nvCxnSpPr>
+          <p:cNvPr id="10" name="Straight Connector 9"/>
+          <p:cNvCxnSpPr>
+            <a:cxnSpLocks/>
+          </p:cNvCxnSpPr>
+          <p:nvPr/>
+        </p:nvCxnSpPr>
+        <p:spPr>
+          <a:xfrm>
+            <a:off x="354330" y="1004420"/>
+            <a:ext cx="11580495" cy="0"/>
+          </a:xfrm>
+          <a:prstGeom prst="line">
+            <a:avLst/>
+          </a:prstGeom>
+          <a:ln w="6350">
+            <a:solidFill>
+              <a:schemeClr val="tx1">
+                <a:lumMod val="50000"/>
+                <a:lumOff val="50000"/>
+              </a:schemeClr>
+            </a:solidFill>
+          </a:ln>
+        </p:spPr>
+        <p:style>
+          <a:lnRef idx="1">
+            <a:schemeClr val="accent1"/>
+          </a:lnRef>
+          <a:fillRef idx="0">
+            <a:schemeClr val="accent1"/>
+          </a:fillRef>
+          <a:effectRef idx="0">
+            <a:schemeClr val="accent1"/>
+          </a:effectRef>
+          <a:fontRef idx="minor">
+            <a:schemeClr val="tx1"/>
+          </a:fontRef>
+        </p:style>
+      </p:cxnSp>
     </p:spTree>
     <p:extLst>
       <p:ext uri="{BB962C8B-B14F-4D97-AF65-F5344CB8AC3E}">
-        <p14:creationId xmlns:p14="http://schemas.microsoft.com/office/powerpoint/2010/main" val="134144932"/>
+        <p14:creationId xmlns:p14="http://schemas.microsoft.com/office/powerpoint/2010/main" val="141347749"/>
       </p:ext>
     </p:extLst>
   </p:cSld>
   <p:clrMap bg1="lt1" tx1="dk1" bg2="lt2" tx2="dk2" accent1="accent1" accent2="accent2" accent3="accent3" accent4="accent4" accent5="accent5" accent6="accent6" hlink="hlink" folHlink="folHlink"/>
   <p:sldLayoutIdLst>
-    <p:sldLayoutId id="2147483649" r:id="rId1"/>
-    <p:sldLayoutId id="2147483650" r:id="rId2"/>
-    <p:sldLayoutId id="2147483651" r:id="rId3"/>
-    <p:sldLayoutId id="2147483652" r:id="rId4"/>
-    <p:sldLayoutId id="2147483653" r:id="rId5"/>
-    <p:sldLayoutId id="2147483654" r:id="rId6"/>
-    <p:sldLayoutId id="2147483655" r:id="rId7"/>
-    <p:sldLayoutId id="2147483656" r:id="rId8"/>
-    <p:sldLayoutId id="2147483657" r:id="rId9"/>
-    <p:sldLayoutId id="2147483658" r:id="rId10"/>
-    <p:sldLayoutId id="2147483659" r:id="rId11"/>
+    <p:sldLayoutId id="2147483673" r:id="rId1"/>
+    <p:sldLayoutId id="2147483674" r:id="rId2"/>
+    <p:sldLayoutId id="2147483675" r:id="rId3"/>
+    <p:sldLayoutId id="2147483676" r:id="rId4"/>
+    <p:sldLayoutId id="2147483677" r:id="rId5"/>
+    <p:sldLayoutId id="2147483678" r:id="rId6"/>
+    <p:sldLayoutId id="2147483679" r:id="rId7"/>
+    <p:sldLayoutId id="2147483680" r:id="rId8"/>
+    <p:sldLayoutId id="2147483681" r:id="rId9"/>
+    <p:sldLayoutId id="2147483682" r:id="rId10"/>
+    <p:sldLayoutId id="2147483683" r:id="rId11"/>
   </p:sldLayoutIdLst>
   <p:txStyles>
     <p:titleStyle>
       <a:lvl1pPr algn="l" defTabSz="914400" rtl="0" eaLnBrk="1" latinLnBrk="0" hangingPunct="1">
         <a:lnSpc>
-          <a:spcPct val="90000"/>
+          <a:spcPct val="85000"/>
         </a:lnSpc>
         <a:spcBef>
           <a:spcPct val="0"/>
         </a:spcBef>
         <a:buNone/>
-        <a:defRPr sz="4400" kern="1200">
+        <a:defRPr sz="4000" kern="1200" spc="-50" baseline="0">
           <a:solidFill>
-            <a:schemeClr val="tx1"/>
+            <a:schemeClr val="tx1">
+              <a:lumMod val="75000"/>
+              <a:lumOff val="25000"/>
+            </a:schemeClr>
           </a:solidFill>
           <a:latin typeface="+mj-lt"/>
           <a:ea typeface="+mj-ea"/>
@@ -3048,162 +3452,244 @@
       </a:lvl1pPr>
     </p:titleStyle>
     <p:bodyStyle>
-      <a:lvl1pPr marL="228600" indent="-228600" algn="l" defTabSz="914400" rtl="0" eaLnBrk="1" latinLnBrk="0" hangingPunct="1">
+      <a:lvl1pPr marL="91440" indent="-91440" algn="l" defTabSz="914400" rtl="0" eaLnBrk="1" latinLnBrk="0" hangingPunct="1">
         <a:lnSpc>
           <a:spcPct val="90000"/>
         </a:lnSpc>
         <a:spcBef>
-          <a:spcPts val="1000"/>
+          <a:spcPts val="1200"/>
         </a:spcBef>
-        <a:buFont typeface="Arial" panose="020B0604020202020204" pitchFamily="34" charset="0"/>
-        <a:buChar char="•"/>
-        <a:defRPr sz="2800" kern="1200">
+        <a:spcAft>
+          <a:spcPts val="200"/>
+        </a:spcAft>
+        <a:buClr>
+          <a:schemeClr val="accent1"/>
+        </a:buClr>
+        <a:buSzPct val="100000"/>
+        <a:buFont typeface="Calibri" panose="020F0502020204030204" pitchFamily="34" charset="0"/>
+        <a:buChar char=" "/>
+        <a:defRPr sz="2000" kern="1200">
           <a:solidFill>
-            <a:schemeClr val="tx1"/>
+            <a:schemeClr val="tx1">
+              <a:lumMod val="75000"/>
+              <a:lumOff val="25000"/>
+            </a:schemeClr>
           </a:solidFill>
           <a:latin typeface="+mn-lt"/>
           <a:ea typeface="+mn-ea"/>
           <a:cs typeface="+mn-cs"/>
         </a:defRPr>
       </a:lvl1pPr>
-      <a:lvl2pPr marL="685800" indent="-228600" algn="l" defTabSz="914400" rtl="0" eaLnBrk="1" latinLnBrk="0" hangingPunct="1">
+      <a:lvl2pPr marL="384048" indent="-182880" algn="l" defTabSz="914400" rtl="0" eaLnBrk="1" latinLnBrk="0" hangingPunct="1">
         <a:lnSpc>
           <a:spcPct val="90000"/>
         </a:lnSpc>
         <a:spcBef>
-          <a:spcPts val="500"/>
+          <a:spcPts val="200"/>
         </a:spcBef>
-        <a:buFont typeface="Arial" panose="020B0604020202020204" pitchFamily="34" charset="0"/>
-        <a:buChar char="•"/>
-        <a:defRPr sz="2400" kern="1200">
+        <a:spcAft>
+          <a:spcPts val="400"/>
+        </a:spcAft>
+        <a:buClr>
+          <a:schemeClr val="accent1"/>
+        </a:buClr>
+        <a:buFont typeface="Calibri" pitchFamily="34" charset="0"/>
+        <a:buChar char="◦"/>
+        <a:defRPr sz="1800" kern="1200">
           <a:solidFill>
-            <a:schemeClr val="tx1"/>
+            <a:schemeClr val="tx1">
+              <a:lumMod val="75000"/>
+              <a:lumOff val="25000"/>
+            </a:schemeClr>
           </a:solidFill>
           <a:latin typeface="+mn-lt"/>
           <a:ea typeface="+mn-ea"/>
           <a:cs typeface="+mn-cs"/>
         </a:defRPr>
       </a:lvl2pPr>
-      <a:lvl3pPr marL="1143000" indent="-228600" algn="l" defTabSz="914400" rtl="0" eaLnBrk="1" latinLnBrk="0" hangingPunct="1">
+      <a:lvl3pPr marL="566928" indent="-182880" algn="l" defTabSz="914400" rtl="0" eaLnBrk="1" latinLnBrk="0" hangingPunct="1">
         <a:lnSpc>
           <a:spcPct val="90000"/>
         </a:lnSpc>
         <a:spcBef>
-          <a:spcPts val="500"/>
+          <a:spcPts val="200"/>
         </a:spcBef>
-        <a:buFont typeface="Arial" panose="020B0604020202020204" pitchFamily="34" charset="0"/>
-        <a:buChar char="•"/>
-        <a:defRPr sz="2000" kern="1200">
+        <a:spcAft>
+          <a:spcPts val="400"/>
+        </a:spcAft>
+        <a:buClr>
+          <a:schemeClr val="accent1"/>
+        </a:buClr>
+        <a:buFont typeface="Calibri" pitchFamily="34" charset="0"/>
+        <a:buChar char="◦"/>
+        <a:defRPr sz="1400" kern="1200">
           <a:solidFill>
-            <a:schemeClr val="tx1"/>
+            <a:schemeClr val="tx1">
+              <a:lumMod val="75000"/>
+              <a:lumOff val="25000"/>
+            </a:schemeClr>
           </a:solidFill>
           <a:latin typeface="+mn-lt"/>
           <a:ea typeface="+mn-ea"/>
           <a:cs typeface="+mn-cs"/>
         </a:defRPr>
       </a:lvl3pPr>
-      <a:lvl4pPr marL="1600200" indent="-228600" algn="l" defTabSz="914400" rtl="0" eaLnBrk="1" latinLnBrk="0" hangingPunct="1">
+      <a:lvl4pPr marL="749808" indent="-182880" algn="l" defTabSz="914400" rtl="0" eaLnBrk="1" latinLnBrk="0" hangingPunct="1">
         <a:lnSpc>
           <a:spcPct val="90000"/>
         </a:lnSpc>
         <a:spcBef>
-          <a:spcPts val="500"/>
+          <a:spcPts val="200"/>
         </a:spcBef>
-        <a:buFont typeface="Arial" panose="020B0604020202020204" pitchFamily="34" charset="0"/>
-        <a:buChar char="•"/>
-        <a:defRPr sz="1800" kern="1200">
+        <a:spcAft>
+          <a:spcPts val="400"/>
+        </a:spcAft>
+        <a:buClr>
+          <a:schemeClr val="accent1"/>
+        </a:buClr>
+        <a:buFont typeface="Calibri" pitchFamily="34" charset="0"/>
+        <a:buChar char="◦"/>
+        <a:defRPr sz="1400" kern="1200">
           <a:solidFill>
-            <a:schemeClr val="tx1"/>
+            <a:schemeClr val="tx1">
+              <a:lumMod val="75000"/>
+              <a:lumOff val="25000"/>
+            </a:schemeClr>
           </a:solidFill>
           <a:latin typeface="+mn-lt"/>
           <a:ea typeface="+mn-ea"/>
           <a:cs typeface="+mn-cs"/>
         </a:defRPr>
       </a:lvl4pPr>
-      <a:lvl5pPr marL="2057400" indent="-228600" algn="l" defTabSz="914400" rtl="0" eaLnBrk="1" latinLnBrk="0" hangingPunct="1">
+      <a:lvl5pPr marL="932688" indent="-182880" algn="l" defTabSz="914400" rtl="0" eaLnBrk="1" latinLnBrk="0" hangingPunct="1">
         <a:lnSpc>
           <a:spcPct val="90000"/>
         </a:lnSpc>
         <a:spcBef>
-          <a:spcPts val="500"/>
+          <a:spcPts val="200"/>
         </a:spcBef>
-        <a:buFont typeface="Arial" panose="020B0604020202020204" pitchFamily="34" charset="0"/>
-        <a:buChar char="•"/>
-        <a:defRPr sz="1800" kern="1200">
+        <a:spcAft>
+          <a:spcPts val="400"/>
+        </a:spcAft>
+        <a:buClr>
+          <a:schemeClr val="accent1"/>
+        </a:buClr>
+        <a:buFont typeface="Calibri" pitchFamily="34" charset="0"/>
+        <a:buChar char="◦"/>
+        <a:defRPr sz="1400" kern="1200">
           <a:solidFill>
-            <a:schemeClr val="tx1"/>
+            <a:schemeClr val="tx1">
+              <a:lumMod val="75000"/>
+              <a:lumOff val="25000"/>
+            </a:schemeClr>
           </a:solidFill>
           <a:latin typeface="+mn-lt"/>
           <a:ea typeface="+mn-ea"/>
           <a:cs typeface="+mn-cs"/>
         </a:defRPr>
       </a:lvl5pPr>
-      <a:lvl6pPr marL="2514600" indent="-228600" algn="l" defTabSz="914400" rtl="0" eaLnBrk="1" latinLnBrk="0" hangingPunct="1">
+      <a:lvl6pPr marL="1100000" indent="-228600" algn="l" defTabSz="914400" rtl="0" eaLnBrk="1" latinLnBrk="0" hangingPunct="1">
         <a:lnSpc>
           <a:spcPct val="90000"/>
         </a:lnSpc>
         <a:spcBef>
-          <a:spcPts val="500"/>
+          <a:spcPts val="200"/>
         </a:spcBef>
-        <a:buFont typeface="Arial" panose="020B0604020202020204" pitchFamily="34" charset="0"/>
-        <a:buChar char="•"/>
-        <a:defRPr sz="1800" kern="1200">
+        <a:spcAft>
+          <a:spcPts val="400"/>
+        </a:spcAft>
+        <a:buClr>
+          <a:schemeClr val="accent1"/>
+        </a:buClr>
+        <a:buFont typeface="Calibri" pitchFamily="34" charset="0"/>
+        <a:buChar char="◦"/>
+        <a:defRPr sz="1400" kern="1200">
           <a:solidFill>
-            <a:schemeClr val="tx1"/>
+            <a:schemeClr val="tx1">
+              <a:lumMod val="75000"/>
+              <a:lumOff val="25000"/>
+            </a:schemeClr>
           </a:solidFill>
           <a:latin typeface="+mn-lt"/>
           <a:ea typeface="+mn-ea"/>
           <a:cs typeface="+mn-cs"/>
         </a:defRPr>
       </a:lvl6pPr>
-      <a:lvl7pPr marL="2971800" indent="-228600" algn="l" defTabSz="914400" rtl="0" eaLnBrk="1" latinLnBrk="0" hangingPunct="1">
+      <a:lvl7pPr marL="1300000" indent="-228600" algn="l" defTabSz="914400" rtl="0" eaLnBrk="1" latinLnBrk="0" hangingPunct="1">
         <a:lnSpc>
           <a:spcPct val="90000"/>
         </a:lnSpc>
         <a:spcBef>
-          <a:spcPts val="500"/>
+          <a:spcPts val="200"/>
         </a:spcBef>
-        <a:buFont typeface="Arial" panose="020B0604020202020204" pitchFamily="34" charset="0"/>
-        <a:buChar char="•"/>
-        <a:defRPr sz="1800" kern="1200">
+        <a:spcAft>
+          <a:spcPts val="400"/>
+        </a:spcAft>
+        <a:buClr>
+          <a:schemeClr val="accent1"/>
+        </a:buClr>
+        <a:buFont typeface="Calibri" pitchFamily="34" charset="0"/>
+        <a:buChar char="◦"/>
+        <a:defRPr sz="1400" kern="1200">
           <a:solidFill>
-            <a:schemeClr val="tx1"/>
+            <a:schemeClr val="tx1">
+              <a:lumMod val="75000"/>
+              <a:lumOff val="25000"/>
+            </a:schemeClr>
           </a:solidFill>
           <a:latin typeface="+mn-lt"/>
           <a:ea typeface="+mn-ea"/>
           <a:cs typeface="+mn-cs"/>
         </a:defRPr>
       </a:lvl7pPr>
-      <a:lvl8pPr marL="3429000" indent="-228600" algn="l" defTabSz="914400" rtl="0" eaLnBrk="1" latinLnBrk="0" hangingPunct="1">
+      <a:lvl8pPr marL="1500000" indent="-228600" algn="l" defTabSz="914400" rtl="0" eaLnBrk="1" latinLnBrk="0" hangingPunct="1">
         <a:lnSpc>
           <a:spcPct val="90000"/>
         </a:lnSpc>
         <a:spcBef>
-          <a:spcPts val="500"/>
+          <a:spcPts val="200"/>
         </a:spcBef>
-        <a:buFont typeface="Arial" panose="020B0604020202020204" pitchFamily="34" charset="0"/>
-        <a:buChar char="•"/>
-        <a:defRPr sz="1800" kern="1200">
+        <a:spcAft>
+          <a:spcPts val="400"/>
+        </a:spcAft>
+        <a:buClr>
+          <a:schemeClr val="accent1"/>
+        </a:buClr>
+        <a:buFont typeface="Calibri" pitchFamily="34" charset="0"/>
+        <a:buChar char="◦"/>
+        <a:defRPr sz="1400" kern="1200">
           <a:solidFill>
-            <a:schemeClr val="tx1"/>
+            <a:schemeClr val="tx1">
+              <a:lumMod val="75000"/>
+              <a:lumOff val="25000"/>
+            </a:schemeClr>
           </a:solidFill>
           <a:latin typeface="+mn-lt"/>
           <a:ea typeface="+mn-ea"/>
           <a:cs typeface="+mn-cs"/>
         </a:defRPr>
       </a:lvl8pPr>
-      <a:lvl9pPr marL="3886200" indent="-228600" algn="l" defTabSz="914400" rtl="0" eaLnBrk="1" latinLnBrk="0" hangingPunct="1">
+      <a:lvl9pPr marL="1700000" indent="-228600" algn="l" defTabSz="914400" rtl="0" eaLnBrk="1" latinLnBrk="0" hangingPunct="1">
         <a:lnSpc>
           <a:spcPct val="90000"/>
         </a:lnSpc>
         <a:spcBef>
-          <a:spcPts val="500"/>
+          <a:spcPts val="200"/>
         </a:spcBef>
-        <a:buFont typeface="Arial" panose="020B0604020202020204" pitchFamily="34" charset="0"/>
-        <a:buChar char="•"/>
-        <a:defRPr sz="1800" kern="1200">
+        <a:spcAft>
+          <a:spcPts val="400"/>
+        </a:spcAft>
+        <a:buClr>
+          <a:schemeClr val="accent1"/>
+        </a:buClr>
+        <a:buFont typeface="Calibri" pitchFamily="34" charset="0"/>
+        <a:buChar char="◦"/>
+        <a:defRPr sz="1400" kern="1200">
           <a:solidFill>
-            <a:schemeClr val="tx1"/>
+            <a:schemeClr val="tx1">
+              <a:lumMod val="75000"/>
+              <a:lumOff val="25000"/>
+            </a:schemeClr>
           </a:solidFill>
           <a:latin typeface="+mn-lt"/>
           <a:ea typeface="+mn-ea"/>
@@ -3343,12 +3829,35 @@
             <p:ph type="ctrTitle"/>
           </p:nvPr>
         </p:nvSpPr>
-        <p:spPr/>
-        <p:txBody>
-          <a:bodyPr/>
-          <a:lstStyle/>
-          <a:p>
-            <a:endParaRPr lang="en-US"/>
+        <p:spPr>
+          <a:xfrm>
+            <a:off x="967154" y="2089517"/>
+            <a:ext cx="9700846" cy="1093299"/>
+          </a:xfrm>
+        </p:spPr>
+        <p:txBody>
+          <a:bodyPr anchor="t">
+            <a:normAutofit/>
+          </a:bodyPr>
+          <a:lstStyle/>
+          <a:p>
+            <a:r>
+              <a:rPr lang="en-US" sz="3600" dirty="0">
+                <a:latin typeface="Century Gothic" panose="020B0502020202020204" pitchFamily="34" charset="0"/>
+              </a:rPr>
+              <a:t>Statewide Analysis of </a:t>
+            </a:r>
+            <a:br>
+              <a:rPr lang="en-US" sz="3600" dirty="0">
+                <a:latin typeface="Century Gothic" panose="020B0502020202020204" pitchFamily="34" charset="0"/>
+              </a:rPr>
+            </a:br>
+            <a:r>
+              <a:rPr lang="en-US" sz="3600" dirty="0">
+                <a:latin typeface="Century Gothic" panose="020B0502020202020204" pitchFamily="34" charset="0"/>
+              </a:rPr>
+              <a:t>Bicycle Crashes in North Carolina</a:t>
+            </a:r>
           </a:p>
         </p:txBody>
       </p:sp>
@@ -3370,10 +3879,46 @@
         </p:nvSpPr>
         <p:spPr/>
         <p:txBody>
-          <a:bodyPr/>
-          <a:lstStyle/>
-          <a:p>
-            <a:endParaRPr lang="en-US"/>
+          <a:bodyPr>
+            <a:normAutofit fontScale="47500" lnSpcReduction="20000"/>
+          </a:bodyPr>
+          <a:lstStyle/>
+          <a:p>
+            <a:pPr algn="r"/>
+            <a:r>
+              <a:rPr lang="en-US" b="1" dirty="0"/>
+              <a:t>Prepared by:</a:t>
+            </a:r>
+          </a:p>
+          <a:p>
+            <a:pPr algn="r"/>
+            <a:r>
+              <a:rPr lang="en-US" dirty="0"/>
+              <a:t>Matt </a:t>
+            </a:r>
+            <a:r>
+              <a:rPr lang="en-US" dirty="0" err="1"/>
+              <a:t>Dardari</a:t>
+            </a:r>
+            <a:endParaRPr lang="en-US" dirty="0"/>
+          </a:p>
+          <a:p>
+            <a:pPr algn="r"/>
+            <a:r>
+              <a:rPr lang="en-US" dirty="0" err="1"/>
+              <a:t>Preethika</a:t>
+            </a:r>
+            <a:r>
+              <a:rPr lang="en-US" dirty="0"/>
+              <a:t> Gajendran</a:t>
+            </a:r>
+          </a:p>
+          <a:p>
+            <a:pPr algn="r"/>
+            <a:r>
+              <a:rPr lang="en-US" dirty="0"/>
+              <a:t>Rashi Waghray</a:t>
+            </a:r>
           </a:p>
         </p:txBody>
       </p:sp>
@@ -3390,7 +3935,7 @@
 </p:sld>
 </file>
 
-<file path=ppt/slides/slide2.xml><?xml version="1.0" encoding="utf-8"?>
+<file path=ppt/slides/slide10.xml><?xml version="1.0" encoding="utf-8"?>
 <p:sld xmlns:a="http://schemas.openxmlformats.org/drawingml/2006/main" xmlns:r="http://schemas.openxmlformats.org/officeDocument/2006/relationships" xmlns:p="http://schemas.openxmlformats.org/presentationml/2006/main">
   <p:cSld>
     <p:spTree>
@@ -3409,10 +3954,157 @@
       </p:grpSpPr>
       <p:sp>
         <p:nvSpPr>
-          <p:cNvPr id="2" name="Rectangle 1">
+          <p:cNvPr id="2" name="Title 1">
             <a:extLst>
               <a:ext uri="{FF2B5EF4-FFF2-40B4-BE49-F238E27FC236}">
-                <a16:creationId xmlns:a16="http://schemas.microsoft.com/office/drawing/2014/main" id="{226D31AC-F732-4DD4-A6B2-CC382C34CF63}"/>
+                <a16:creationId xmlns:a16="http://schemas.microsoft.com/office/drawing/2014/main" id="{263447F3-B840-48E0-B367-4A011ACB0AF2}"/>
+              </a:ext>
+            </a:extLst>
+          </p:cNvPr>
+          <p:cNvSpPr>
+            <a:spLocks noGrp="1"/>
+          </p:cNvSpPr>
+          <p:nvPr>
+            <p:ph type="title"/>
+          </p:nvPr>
+        </p:nvSpPr>
+        <p:spPr>
+          <a:xfrm>
+            <a:off x="384810" y="191354"/>
+            <a:ext cx="11597640" cy="789722"/>
+          </a:xfrm>
+        </p:spPr>
+        <p:txBody>
+          <a:bodyPr>
+            <a:normAutofit/>
+          </a:bodyPr>
+          <a:lstStyle/>
+          <a:p>
+            <a:r>
+              <a:rPr lang="en-US" dirty="0"/>
+              <a:t>Trend Analysis – Crash Location related factors</a:t>
+            </a:r>
+          </a:p>
+        </p:txBody>
+      </p:sp>
+      <p:sp>
+        <p:nvSpPr>
+          <p:cNvPr id="3" name="Rectangle 2">
+            <a:extLst>
+              <a:ext uri="{FF2B5EF4-FFF2-40B4-BE49-F238E27FC236}">
+                <a16:creationId xmlns:a16="http://schemas.microsoft.com/office/drawing/2014/main" id="{E33172F6-12ED-474F-8F37-F9B87F6ADC59}"/>
+              </a:ext>
+            </a:extLst>
+          </p:cNvPr>
+          <p:cNvSpPr/>
+          <p:nvPr/>
+        </p:nvSpPr>
+        <p:spPr>
+          <a:xfrm>
+            <a:off x="276224" y="981076"/>
+            <a:ext cx="11706225" cy="455189"/>
+          </a:xfrm>
+          <a:prstGeom prst="rect">
+            <a:avLst/>
+          </a:prstGeom>
+        </p:spPr>
+        <p:txBody>
+          <a:bodyPr wrap="square">
+            <a:spAutoFit/>
+          </a:bodyPr>
+          <a:lstStyle/>
+          <a:p>
+            <a:pPr lvl="0" eaLnBrk="0" fontAlgn="base" hangingPunct="0">
+              <a:lnSpc>
+                <a:spcPct val="150000"/>
+              </a:lnSpc>
+              <a:spcBef>
+                <a:spcPct val="0"/>
+              </a:spcBef>
+              <a:spcAft>
+                <a:spcPct val="0"/>
+              </a:spcAft>
+            </a:pPr>
+            <a:r>
+              <a:rPr lang="en-US" altLang="en-US" b="1" dirty="0"/>
+              <a:t>Majority crashes occurred on urban roadways; only 15% were on rural areas (&lt;30% developed)</a:t>
+            </a:r>
+          </a:p>
+        </p:txBody>
+      </p:sp>
+    </p:spTree>
+    <p:extLst>
+      <p:ext uri="{BB962C8B-B14F-4D97-AF65-F5344CB8AC3E}">
+        <p14:creationId xmlns:p14="http://schemas.microsoft.com/office/powerpoint/2010/main" val="3809374944"/>
+      </p:ext>
+    </p:extLst>
+  </p:cSld>
+  <p:clrMapOvr>
+    <a:masterClrMapping/>
+  </p:clrMapOvr>
+</p:sld>
+</file>
+
+<file path=ppt/slides/slide11.xml><?xml version="1.0" encoding="utf-8"?>
+<p:sld xmlns:a="http://schemas.openxmlformats.org/drawingml/2006/main" xmlns:r="http://schemas.openxmlformats.org/officeDocument/2006/relationships" xmlns:p="http://schemas.openxmlformats.org/presentationml/2006/main">
+  <p:cSld>
+    <p:spTree>
+      <p:nvGrpSpPr>
+        <p:cNvPr id="1" name=""/>
+        <p:cNvGrpSpPr/>
+        <p:nvPr/>
+      </p:nvGrpSpPr>
+      <p:grpSpPr>
+        <a:xfrm>
+          <a:off x="0" y="0"/>
+          <a:ext cx="0" cy="0"/>
+          <a:chOff x="0" y="0"/>
+          <a:chExt cx="0" cy="0"/>
+        </a:xfrm>
+      </p:grpSpPr>
+      <p:sp>
+        <p:nvSpPr>
+          <p:cNvPr id="2" name="Title 1">
+            <a:extLst>
+              <a:ext uri="{FF2B5EF4-FFF2-40B4-BE49-F238E27FC236}">
+                <a16:creationId xmlns:a16="http://schemas.microsoft.com/office/drawing/2014/main" id="{387BC3E8-E484-4D5B-A53D-DBC428571C91}"/>
+              </a:ext>
+            </a:extLst>
+          </p:cNvPr>
+          <p:cNvSpPr>
+            <a:spLocks noGrp="1"/>
+          </p:cNvSpPr>
+          <p:nvPr>
+            <p:ph type="title"/>
+          </p:nvPr>
+        </p:nvSpPr>
+        <p:spPr>
+          <a:xfrm>
+            <a:off x="0" y="0"/>
+            <a:ext cx="10515600" cy="780503"/>
+          </a:xfrm>
+        </p:spPr>
+        <p:txBody>
+          <a:bodyPr>
+            <a:normAutofit/>
+          </a:bodyPr>
+          <a:lstStyle/>
+          <a:p>
+            <a:r>
+              <a:rPr lang="en-US" sz="2400" dirty="0">
+                <a:latin typeface="Century Gothic" panose="020B0502020202020204" pitchFamily="34" charset="0"/>
+              </a:rPr>
+              <a:t>Key Findings</a:t>
+            </a:r>
+          </a:p>
+        </p:txBody>
+      </p:sp>
+      <p:sp>
+        <p:nvSpPr>
+          <p:cNvPr id="3" name="Rectangle 2">
+            <a:extLst>
+              <a:ext uri="{FF2B5EF4-FFF2-40B4-BE49-F238E27FC236}">
+                <a16:creationId xmlns:a16="http://schemas.microsoft.com/office/drawing/2014/main" id="{2C8822CE-E710-4961-A56D-D4B817FCA81F}"/>
               </a:ext>
             </a:extLst>
           </p:cNvPr>
@@ -3423,8 +4115,8 @@
         </p:nvSpPr>
         <p:spPr bwMode="auto">
           <a:xfrm>
-            <a:off x="223471" y="102134"/>
-            <a:ext cx="2695575" cy="1107996"/>
+            <a:off x="286534" y="1771198"/>
+            <a:ext cx="11011581" cy="4016484"/>
           </a:xfrm>
           <a:prstGeom prst="rect">
             <a:avLst/>
@@ -3467,6 +4159,253 @@
           </a:bodyPr>
           <a:lstStyle/>
           <a:p>
+            <a:pPr marL="274320" indent="-285750" eaLnBrk="0" fontAlgn="base" hangingPunct="0">
+              <a:lnSpc>
+                <a:spcPct val="150000"/>
+              </a:lnSpc>
+              <a:spcBef>
+                <a:spcPct val="0"/>
+              </a:spcBef>
+              <a:spcAft>
+                <a:spcPct val="0"/>
+              </a:spcAft>
+              <a:buFont typeface="Wingdings" panose="05000000000000000000" pitchFamily="2" charset="2"/>
+              <a:buChar char="q"/>
+            </a:pPr>
+            <a:r>
+              <a:rPr lang="en-US" dirty="0"/>
+              <a:t>Only 7% of all bicyclists involved in crashes were intoxicated of which </a:t>
+            </a:r>
+          </a:p>
+          <a:p>
+            <a:pPr marL="731520" lvl="1" indent="-285750" eaLnBrk="0" fontAlgn="base" hangingPunct="0">
+              <a:lnSpc>
+                <a:spcPct val="150000"/>
+              </a:lnSpc>
+              <a:spcBef>
+                <a:spcPct val="0"/>
+              </a:spcBef>
+              <a:spcAft>
+                <a:spcPct val="0"/>
+              </a:spcAft>
+              <a:buFont typeface="Wingdings" panose="05000000000000000000" pitchFamily="2" charset="2"/>
+              <a:buChar char="q"/>
+            </a:pPr>
+            <a:r>
+              <a:rPr lang="en-US" dirty="0"/>
+              <a:t>f alcohol were killed, and a high 27.6% of all bicyclists involved in crashes who were under the influence of drugs were killed</a:t>
+            </a:r>
+          </a:p>
+          <a:p>
+            <a:pPr marL="274320" indent="-285750" eaLnBrk="0" fontAlgn="base" hangingPunct="0">
+              <a:lnSpc>
+                <a:spcPct val="150000"/>
+              </a:lnSpc>
+              <a:spcBef>
+                <a:spcPct val="0"/>
+              </a:spcBef>
+              <a:spcAft>
+                <a:spcPct val="0"/>
+              </a:spcAft>
+              <a:buFont typeface="Wingdings" panose="05000000000000000000" pitchFamily="2" charset="2"/>
+              <a:buChar char="q"/>
+            </a:pPr>
+            <a:r>
+              <a:rPr lang="en-US" dirty="0">
+                <a:highlight>
+                  <a:srgbClr val="FFFF00"/>
+                </a:highlight>
+              </a:rPr>
+              <a:t>Crashes involving bicyclists cycling along the roadway against traffic were found to be more severe compared to those involving bicyclists cycling along the roadway with traffic</a:t>
+            </a:r>
+            <a:r>
+              <a:rPr lang="en-US" dirty="0"/>
+              <a:t>.</a:t>
+            </a:r>
+          </a:p>
+          <a:p>
+            <a:pPr marL="274320" indent="-285750" eaLnBrk="0" fontAlgn="base" hangingPunct="0">
+              <a:lnSpc>
+                <a:spcPct val="150000"/>
+              </a:lnSpc>
+              <a:spcBef>
+                <a:spcPct val="0"/>
+              </a:spcBef>
+              <a:spcAft>
+                <a:spcPct val="0"/>
+              </a:spcAft>
+              <a:buFont typeface="Wingdings" panose="05000000000000000000" pitchFamily="2" charset="2"/>
+              <a:buChar char="q"/>
+            </a:pPr>
+            <a:r>
+              <a:rPr lang="en-US" dirty="0"/>
+              <a:t>In terms of bicyclist’s action at the time of the crash, motorist overtaking was the most frequent contributing cause, resulting in about 10% of total crashes.</a:t>
+            </a:r>
+          </a:p>
+          <a:p>
+            <a:pPr marL="274320" indent="-285750" eaLnBrk="0" fontAlgn="base" hangingPunct="0">
+              <a:lnSpc>
+                <a:spcPct val="150000"/>
+              </a:lnSpc>
+              <a:spcBef>
+                <a:spcPct val="0"/>
+              </a:spcBef>
+              <a:spcAft>
+                <a:spcPct val="0"/>
+              </a:spcAft>
+              <a:buFont typeface="Wingdings" panose="05000000000000000000" pitchFamily="2" charset="2"/>
+              <a:buChar char="q"/>
+            </a:pPr>
+            <a:r>
+              <a:rPr lang="en-US" dirty="0"/>
+              <a:t>Among all types of vehicles, passenger cars were found to result in relatively less severe crashes. </a:t>
+            </a:r>
+          </a:p>
+          <a:p>
+            <a:pPr marL="274320" indent="-285750" eaLnBrk="0" fontAlgn="base" hangingPunct="0">
+              <a:lnSpc>
+                <a:spcPct val="150000"/>
+              </a:lnSpc>
+              <a:spcBef>
+                <a:spcPct val="0"/>
+              </a:spcBef>
+              <a:spcAft>
+                <a:spcPct val="0"/>
+              </a:spcAft>
+              <a:buFont typeface="Wingdings" panose="05000000000000000000" pitchFamily="2" charset="2"/>
+              <a:buChar char="q"/>
+            </a:pPr>
+            <a:r>
+              <a:rPr lang="en-US" altLang="en-US" dirty="0" err="1">
+                <a:highlight>
+                  <a:srgbClr val="FFFF00"/>
+                </a:highlight>
+              </a:rPr>
+              <a:t>Nightime</a:t>
+            </a:r>
+            <a:r>
+              <a:rPr lang="en-US" altLang="en-US" dirty="0">
+                <a:highlight>
+                  <a:srgbClr val="FFFF00"/>
+                </a:highlight>
+              </a:rPr>
+              <a:t> crashes ??</a:t>
+            </a:r>
+            <a:endParaRPr lang="en-US" altLang="en-US" dirty="0"/>
+          </a:p>
+          <a:p>
+            <a:pPr marL="285750" indent="-285750" eaLnBrk="0" fontAlgn="base" hangingPunct="0">
+              <a:spcBef>
+                <a:spcPct val="0"/>
+              </a:spcBef>
+              <a:spcAft>
+                <a:spcPct val="0"/>
+              </a:spcAft>
+              <a:buFont typeface="Wingdings" panose="05000000000000000000" pitchFamily="2" charset="2"/>
+              <a:buChar char="q"/>
+            </a:pPr>
+            <a:endParaRPr kumimoji="0" lang="en-US" altLang="en-US" b="0" i="0" u="none" strike="noStrike" cap="none" normalizeH="0" baseline="0" dirty="0">
+              <a:ln>
+                <a:noFill/>
+              </a:ln>
+              <a:solidFill>
+                <a:schemeClr val="tx1"/>
+              </a:solidFill>
+              <a:effectLst/>
+            </a:endParaRPr>
+          </a:p>
+        </p:txBody>
+      </p:sp>
+    </p:spTree>
+    <p:extLst>
+      <p:ext uri="{BB962C8B-B14F-4D97-AF65-F5344CB8AC3E}">
+        <p14:creationId xmlns:p14="http://schemas.microsoft.com/office/powerpoint/2010/main" val="1444385426"/>
+      </p:ext>
+    </p:extLst>
+  </p:cSld>
+  <p:clrMapOvr>
+    <a:masterClrMapping/>
+  </p:clrMapOvr>
+</p:sld>
+</file>
+
+<file path=ppt/slides/slide12.xml><?xml version="1.0" encoding="utf-8"?>
+<p:sld xmlns:a="http://schemas.openxmlformats.org/drawingml/2006/main" xmlns:r="http://schemas.openxmlformats.org/officeDocument/2006/relationships" xmlns:p="http://schemas.openxmlformats.org/presentationml/2006/main">
+  <p:cSld>
+    <p:spTree>
+      <p:nvGrpSpPr>
+        <p:cNvPr id="1" name=""/>
+        <p:cNvGrpSpPr/>
+        <p:nvPr/>
+      </p:nvGrpSpPr>
+      <p:grpSpPr>
+        <a:xfrm>
+          <a:off x="0" y="0"/>
+          <a:ext cx="0" cy="0"/>
+          <a:chOff x="0" y="0"/>
+          <a:chExt cx="0" cy="0"/>
+        </a:xfrm>
+      </p:grpSpPr>
+      <p:sp>
+        <p:nvSpPr>
+          <p:cNvPr id="2" name="Rectangle 1">
+            <a:extLst>
+              <a:ext uri="{FF2B5EF4-FFF2-40B4-BE49-F238E27FC236}">
+                <a16:creationId xmlns:a16="http://schemas.microsoft.com/office/drawing/2014/main" id="{226D31AC-F732-4DD4-A6B2-CC382C34CF63}"/>
+              </a:ext>
+            </a:extLst>
+          </p:cNvPr>
+          <p:cNvSpPr>
+            <a:spLocks noChangeArrowheads="1"/>
+          </p:cNvSpPr>
+          <p:nvPr/>
+        </p:nvSpPr>
+        <p:spPr bwMode="auto">
+          <a:xfrm>
+            <a:off x="223471" y="102134"/>
+            <a:ext cx="2695575" cy="1107996"/>
+          </a:xfrm>
+          <a:prstGeom prst="rect">
+            <a:avLst/>
+          </a:prstGeom>
+          <a:solidFill>
+            <a:srgbClr val="FFFFFF"/>
+          </a:solidFill>
+          <a:ln>
+            <a:noFill/>
+          </a:ln>
+          <a:effectLst/>
+          <a:extLst>
+            <a:ext uri="{91240B29-F687-4F45-9708-019B960494DF}">
+              <a14:hiddenLine xmlns:a14="http://schemas.microsoft.com/office/drawing/2010/main" w="9525">
+                <a:solidFill>
+                  <a:schemeClr val="tx1"/>
+                </a:solidFill>
+                <a:miter lim="800000"/>
+                <a:headEnd/>
+                <a:tailEnd/>
+              </a14:hiddenLine>
+            </a:ext>
+            <a:ext uri="{AF507438-7753-43E0-B8FC-AC1667EBCBE1}">
+              <a14:hiddenEffects xmlns:a14="http://schemas.microsoft.com/office/drawing/2010/main">
+                <a:effectLst>
+                  <a:outerShdw dist="35921" dir="2700000" algn="ctr" rotWithShape="0">
+                    <a:schemeClr val="bg2"/>
+                  </a:outerShdw>
+                </a:effectLst>
+              </a14:hiddenEffects>
+            </a:ext>
+          </a:extLst>
+        </p:spPr>
+        <p:txBody>
+          <a:bodyPr vert="horz" wrap="square" lIns="0" tIns="0" rIns="0" bIns="0" numCol="1" anchor="ctr" anchorCtr="0" compatLnSpc="1">
+            <a:prstTxWarp prst="textNoShape">
+              <a:avLst/>
+            </a:prstTxWarp>
+            <a:spAutoFit/>
+          </a:bodyPr>
+          <a:lstStyle/>
+          <a:p>
             <a:pPr lvl="0" eaLnBrk="0" fontAlgn="base" hangingPunct="0">
               <a:spcBef>
                 <a:spcPct val="0"/>
@@ -3878,6 +4817,71 @@
           </a:p>
         </p:txBody>
       </p:sp>
+      <p:pic>
+        <p:nvPicPr>
+          <p:cNvPr id="12" name="Picture 11">
+            <a:extLst>
+              <a:ext uri="{FF2B5EF4-FFF2-40B4-BE49-F238E27FC236}">
+                <a16:creationId xmlns:a16="http://schemas.microsoft.com/office/drawing/2014/main" id="{0981E165-A3B8-4A27-88CF-FA7ABC5914B4}"/>
+              </a:ext>
+            </a:extLst>
+          </p:cNvPr>
+          <p:cNvPicPr>
+            <a:picLocks noChangeAspect="1"/>
+          </p:cNvPicPr>
+          <p:nvPr/>
+        </p:nvPicPr>
+        <p:blipFill>
+          <a:blip r:embed="rId7"/>
+          <a:stretch>
+            <a:fillRect/>
+          </a:stretch>
+        </p:blipFill>
+        <p:spPr>
+          <a:xfrm>
+            <a:off x="7520868" y="2379169"/>
+            <a:ext cx="3589331" cy="1546994"/>
+          </a:xfrm>
+          <a:prstGeom prst="rect">
+            <a:avLst/>
+          </a:prstGeom>
+        </p:spPr>
+      </p:pic>
+      <p:sp>
+        <p:nvSpPr>
+          <p:cNvPr id="14" name="TextBox 13">
+            <a:extLst>
+              <a:ext uri="{FF2B5EF4-FFF2-40B4-BE49-F238E27FC236}">
+                <a16:creationId xmlns:a16="http://schemas.microsoft.com/office/drawing/2014/main" id="{F4BFA41C-1F78-456E-967D-C74990B0BF2B}"/>
+              </a:ext>
+            </a:extLst>
+          </p:cNvPr>
+          <p:cNvSpPr txBox="1"/>
+          <p:nvPr/>
+        </p:nvSpPr>
+        <p:spPr>
+          <a:xfrm>
+            <a:off x="7520868" y="1405894"/>
+            <a:ext cx="2779463" cy="1200329"/>
+          </a:xfrm>
+          <a:prstGeom prst="rect">
+            <a:avLst/>
+          </a:prstGeom>
+          <a:noFill/>
+        </p:spPr>
+        <p:txBody>
+          <a:bodyPr wrap="square" rtlCol="0">
+            <a:spAutoFit/>
+          </a:bodyPr>
+          <a:lstStyle/>
+          <a:p>
+            <a:r>
+              <a:rPr lang="en-US" dirty="0"/>
+              <a:t>Nighttime bicycle crashes resulted in more fatalities compared to daytime crashes.</a:t>
+            </a:r>
+          </a:p>
+        </p:txBody>
+      </p:sp>
     </p:spTree>
     <p:extLst>
       <p:ext uri="{BB962C8B-B14F-4D97-AF65-F5344CB8AC3E}">
@@ -3891,7 +4895,7 @@
 </p:sld>
 </file>
 
-<file path=ppt/slides/slide3.xml><?xml version="1.0" encoding="utf-8"?>
+<file path=ppt/slides/slide13.xml><?xml version="1.0" encoding="utf-8"?>
 <p:sld xmlns:a="http://schemas.openxmlformats.org/drawingml/2006/main" xmlns:r="http://schemas.openxmlformats.org/officeDocument/2006/relationships" xmlns:p="http://schemas.openxmlformats.org/presentationml/2006/main">
   <p:cSld>
     <p:spTree>
@@ -4353,7 +5357,7 @@
 </p:sld>
 </file>
 
-<file path=ppt/slides/slide4.xml><?xml version="1.0" encoding="utf-8"?>
+<file path=ppt/slides/slide14.xml><?xml version="1.0" encoding="utf-8"?>
 <p:sld xmlns:a="http://schemas.openxmlformats.org/drawingml/2006/main" xmlns:r="http://schemas.openxmlformats.org/officeDocument/2006/relationships" xmlns:p="http://schemas.openxmlformats.org/presentationml/2006/main">
   <p:cSld>
     <p:spTree>
@@ -4413,7 +5417,7 @@
 </p:sld>
 </file>
 
-<file path=ppt/slides/slide5.xml><?xml version="1.0" encoding="utf-8"?>
+<file path=ppt/slides/slide15.xml><?xml version="1.0" encoding="utf-8"?>
 <p:sld xmlns:a="http://schemas.openxmlformats.org/drawingml/2006/main" xmlns:r="http://schemas.openxmlformats.org/officeDocument/2006/relationships" xmlns:p="http://schemas.openxmlformats.org/presentationml/2006/main">
   <p:cSld>
     <p:spTree>
@@ -4638,7 +5642,7 @@
 </p:sld>
 </file>
 
-<file path=ppt/slides/slide6.xml><?xml version="1.0" encoding="utf-8"?>
+<file path=ppt/slides/slide16.xml><?xml version="1.0" encoding="utf-8"?>
 <p:sld xmlns:a="http://schemas.openxmlformats.org/drawingml/2006/main" xmlns:r="http://schemas.openxmlformats.org/officeDocument/2006/relationships" xmlns:p="http://schemas.openxmlformats.org/presentationml/2006/main">
   <p:cSld>
     <p:spTree>
@@ -5004,7 +6008,7 @@
 </p:sld>
 </file>
 
-<file path=ppt/slides/slide7.xml><?xml version="1.0" encoding="utf-8"?>
+<file path=ppt/slides/slide17.xml><?xml version="1.0" encoding="utf-8"?>
 <p:sld xmlns:a="http://schemas.openxmlformats.org/drawingml/2006/main" xmlns:r="http://schemas.openxmlformats.org/officeDocument/2006/relationships" xmlns:p="http://schemas.openxmlformats.org/presentationml/2006/main">
   <p:cSld>
     <p:spTree>
@@ -5064,10 +6068,2200 @@
 </p:sld>
 </file>
 
+<file path=ppt/slides/slide18.xml><?xml version="1.0" encoding="utf-8"?>
+<p:sld xmlns:a="http://schemas.openxmlformats.org/drawingml/2006/main" xmlns:r="http://schemas.openxmlformats.org/officeDocument/2006/relationships" xmlns:p="http://schemas.openxmlformats.org/presentationml/2006/main">
+  <p:cSld>
+    <p:spTree>
+      <p:nvGrpSpPr>
+        <p:cNvPr id="1" name=""/>
+        <p:cNvGrpSpPr/>
+        <p:nvPr/>
+      </p:nvGrpSpPr>
+      <p:grpSpPr>
+        <a:xfrm>
+          <a:off x="0" y="0"/>
+          <a:ext cx="0" cy="0"/>
+          <a:chOff x="0" y="0"/>
+          <a:chExt cx="0" cy="0"/>
+        </a:xfrm>
+      </p:grpSpPr>
+      <p:sp>
+        <p:nvSpPr>
+          <p:cNvPr id="2" name="Title 1">
+            <a:extLst>
+              <a:ext uri="{FF2B5EF4-FFF2-40B4-BE49-F238E27FC236}">
+                <a16:creationId xmlns:a16="http://schemas.microsoft.com/office/drawing/2014/main" id="{326EB7B5-7CCC-4CBF-BC2C-EE538C2007A0}"/>
+              </a:ext>
+            </a:extLst>
+          </p:cNvPr>
+          <p:cNvSpPr>
+            <a:spLocks noGrp="1"/>
+          </p:cNvSpPr>
+          <p:nvPr>
+            <p:ph type="title"/>
+          </p:nvPr>
+        </p:nvSpPr>
+        <p:spPr>
+          <a:xfrm>
+            <a:off x="0" y="0"/>
+            <a:ext cx="12081164" cy="775856"/>
+          </a:xfrm>
+        </p:spPr>
+        <p:txBody>
+          <a:bodyPr>
+            <a:normAutofit/>
+          </a:bodyPr>
+          <a:lstStyle/>
+          <a:p>
+            <a:r>
+              <a:rPr lang="en-US" dirty="0"/>
+              <a:t>Fatal Cities – Crashes that resulted in fatalities</a:t>
+            </a:r>
+          </a:p>
+        </p:txBody>
+      </p:sp>
+      <p:pic>
+        <p:nvPicPr>
+          <p:cNvPr id="3" name="Picture 2">
+            <a:extLst>
+              <a:ext uri="{FF2B5EF4-FFF2-40B4-BE49-F238E27FC236}">
+                <a16:creationId xmlns:a16="http://schemas.microsoft.com/office/drawing/2014/main" id="{3A59B5A2-9753-42E7-855A-C65932EFDFFA}"/>
+              </a:ext>
+            </a:extLst>
+          </p:cNvPr>
+          <p:cNvPicPr>
+            <a:picLocks noChangeAspect="1"/>
+          </p:cNvPicPr>
+          <p:nvPr/>
+        </p:nvPicPr>
+        <p:blipFill>
+          <a:blip r:embed="rId2"/>
+          <a:stretch>
+            <a:fillRect/>
+          </a:stretch>
+        </p:blipFill>
+        <p:spPr>
+          <a:xfrm>
+            <a:off x="0" y="916549"/>
+            <a:ext cx="10684515" cy="4403596"/>
+          </a:xfrm>
+          <a:prstGeom prst="rect">
+            <a:avLst/>
+          </a:prstGeom>
+        </p:spPr>
+      </p:pic>
+    </p:spTree>
+    <p:extLst>
+      <p:ext uri="{BB962C8B-B14F-4D97-AF65-F5344CB8AC3E}">
+        <p14:creationId xmlns:p14="http://schemas.microsoft.com/office/powerpoint/2010/main" val="3909568724"/>
+      </p:ext>
+    </p:extLst>
+  </p:cSld>
+  <p:clrMapOvr>
+    <a:masterClrMapping/>
+  </p:clrMapOvr>
+</p:sld>
+</file>
+
+<file path=ppt/slides/slide2.xml><?xml version="1.0" encoding="utf-8"?>
+<p:sld xmlns:a="http://schemas.openxmlformats.org/drawingml/2006/main" xmlns:r="http://schemas.openxmlformats.org/officeDocument/2006/relationships" xmlns:p="http://schemas.openxmlformats.org/presentationml/2006/main">
+  <p:cSld>
+    <p:bg>
+      <p:bgPr>
+        <a:solidFill>
+          <a:schemeClr val="bg1"/>
+        </a:solidFill>
+        <a:effectLst/>
+      </p:bgPr>
+    </p:bg>
+    <p:spTree>
+      <p:nvGrpSpPr>
+        <p:cNvPr id="1" name=""/>
+        <p:cNvGrpSpPr/>
+        <p:nvPr/>
+      </p:nvGrpSpPr>
+      <p:grpSpPr>
+        <a:xfrm>
+          <a:off x="0" y="0"/>
+          <a:ext cx="0" cy="0"/>
+          <a:chOff x="0" y="0"/>
+          <a:chExt cx="0" cy="0"/>
+        </a:xfrm>
+      </p:grpSpPr>
+      <p:sp>
+        <p:nvSpPr>
+          <p:cNvPr id="27" name="Rectangle 26">
+            <a:extLst>
+              <a:ext uri="{FF2B5EF4-FFF2-40B4-BE49-F238E27FC236}">
+                <a16:creationId xmlns:a16="http://schemas.microsoft.com/office/drawing/2014/main" id="{7DE3B1B8-DC38-48E8-8C31-EF790659B582}"/>
+              </a:ext>
+              <a:ext uri="{C183D7F6-B498-43B3-948B-1728B52AA6E4}">
+                <adec:decorative xmlns:adec="http://schemas.microsoft.com/office/drawing/2017/decorative" val="1"/>
+              </a:ext>
+            </a:extLst>
+          </p:cNvPr>
+          <p:cNvSpPr>
+            <a:spLocks noGrp="1" noRot="1" noChangeAspect="1" noMove="1" noResize="1" noEditPoints="1" noAdjustHandles="1" noChangeArrowheads="1" noChangeShapeType="1" noTextEdit="1"/>
+          </p:cNvSpPr>
+          <p:nvPr>
+            <p:extLst>
+              <p:ext uri="{386F3935-93C4-4BCD-93E2-E3B085C9AB24}">
+                <p16:designElem xmlns:p16="http://schemas.microsoft.com/office/powerpoint/2015/main" val="1"/>
+              </p:ext>
+            </p:extLst>
+          </p:nvPr>
+        </p:nvSpPr>
+        <p:spPr>
+          <a:xfrm>
+            <a:off x="3175" y="6400800"/>
+            <a:ext cx="12188825" cy="457200"/>
+          </a:xfrm>
+          <a:prstGeom prst="rect">
+            <a:avLst/>
+          </a:prstGeom>
+          <a:solidFill>
+            <a:schemeClr val="accent2"/>
+          </a:solidFill>
+          <a:ln>
+            <a:noFill/>
+          </a:ln>
+        </p:spPr>
+        <p:style>
+          <a:lnRef idx="2">
+            <a:schemeClr val="accent1">
+              <a:shade val="50000"/>
+            </a:schemeClr>
+          </a:lnRef>
+          <a:fillRef idx="1">
+            <a:schemeClr val="accent1"/>
+          </a:fillRef>
+          <a:effectRef idx="0">
+            <a:schemeClr val="accent1"/>
+          </a:effectRef>
+          <a:fontRef idx="minor">
+            <a:schemeClr val="lt1"/>
+          </a:fontRef>
+        </p:style>
+      </p:sp>
+      <p:sp>
+        <p:nvSpPr>
+          <p:cNvPr id="29" name="Rectangle 28">
+            <a:extLst>
+              <a:ext uri="{FF2B5EF4-FFF2-40B4-BE49-F238E27FC236}">
+                <a16:creationId xmlns:a16="http://schemas.microsoft.com/office/drawing/2014/main" id="{9E63FFFE-1DB2-4A0F-B495-35782F162299}"/>
+              </a:ext>
+              <a:ext uri="{C183D7F6-B498-43B3-948B-1728B52AA6E4}">
+                <adec:decorative xmlns:adec="http://schemas.microsoft.com/office/drawing/2017/decorative" val="1"/>
+              </a:ext>
+            </a:extLst>
+          </p:cNvPr>
+          <p:cNvSpPr>
+            <a:spLocks noGrp="1" noRot="1" noChangeAspect="1" noMove="1" noResize="1" noEditPoints="1" noAdjustHandles="1" noChangeArrowheads="1" noChangeShapeType="1" noTextEdit="1"/>
+          </p:cNvSpPr>
+          <p:nvPr>
+            <p:extLst>
+              <p:ext uri="{386F3935-93C4-4BCD-93E2-E3B085C9AB24}">
+                <p16:designElem xmlns:p16="http://schemas.microsoft.com/office/powerpoint/2015/main" val="1"/>
+              </p:ext>
+            </p:extLst>
+          </p:nvPr>
+        </p:nvSpPr>
+        <p:spPr>
+          <a:xfrm>
+            <a:off x="15" y="6334316"/>
+            <a:ext cx="12188825" cy="64008"/>
+          </a:xfrm>
+          <a:prstGeom prst="rect">
+            <a:avLst/>
+          </a:prstGeom>
+          <a:solidFill>
+            <a:schemeClr val="accent1"/>
+          </a:solidFill>
+          <a:ln>
+            <a:noFill/>
+          </a:ln>
+        </p:spPr>
+        <p:style>
+          <a:lnRef idx="2">
+            <a:schemeClr val="accent1">
+              <a:shade val="50000"/>
+            </a:schemeClr>
+          </a:lnRef>
+          <a:fillRef idx="1">
+            <a:schemeClr val="accent1"/>
+          </a:fillRef>
+          <a:effectRef idx="0">
+            <a:schemeClr val="accent1"/>
+          </a:effectRef>
+          <a:fontRef idx="minor">
+            <a:schemeClr val="lt1"/>
+          </a:fontRef>
+        </p:style>
+      </p:sp>
+      <p:cxnSp>
+        <p:nvCxnSpPr>
+          <p:cNvPr id="31" name="Straight Connector 30">
+            <a:extLst>
+              <a:ext uri="{FF2B5EF4-FFF2-40B4-BE49-F238E27FC236}">
+                <a16:creationId xmlns:a16="http://schemas.microsoft.com/office/drawing/2014/main" id="{32BB9A07-8AB8-4D82-B3BC-B500DDEC79A1}"/>
+              </a:ext>
+              <a:ext uri="{C183D7F6-B498-43B3-948B-1728B52AA6E4}">
+                <adec:decorative xmlns:adec="http://schemas.microsoft.com/office/drawing/2017/decorative" val="1"/>
+              </a:ext>
+            </a:extLst>
+          </p:cNvPr>
+          <p:cNvCxnSpPr>
+            <a:cxnSpLocks noGrp="1" noRot="1" noChangeAspect="1" noMove="1" noResize="1" noEditPoints="1" noAdjustHandles="1" noChangeArrowheads="1" noChangeShapeType="1"/>
+          </p:cNvCxnSpPr>
+          <p:nvPr>
+            <p:extLst>
+              <p:ext uri="{386F3935-93C4-4BCD-93E2-E3B085C9AB24}">
+                <p16:designElem xmlns:p16="http://schemas.microsoft.com/office/powerpoint/2015/main" val="1"/>
+              </p:ext>
+            </p:extLst>
+          </p:nvPr>
+        </p:nvCxnSpPr>
+        <p:spPr>
+          <a:xfrm>
+            <a:off x="1193532" y="1737845"/>
+            <a:ext cx="9966960" cy="0"/>
+          </a:xfrm>
+          <a:prstGeom prst="line">
+            <a:avLst/>
+          </a:prstGeom>
+          <a:ln w="6350">
+            <a:solidFill>
+              <a:schemeClr val="tx1">
+                <a:lumMod val="50000"/>
+                <a:lumOff val="50000"/>
+              </a:schemeClr>
+            </a:solidFill>
+          </a:ln>
+        </p:spPr>
+        <p:style>
+          <a:lnRef idx="1">
+            <a:schemeClr val="accent1"/>
+          </a:lnRef>
+          <a:fillRef idx="0">
+            <a:schemeClr val="accent1"/>
+          </a:fillRef>
+          <a:effectRef idx="0">
+            <a:schemeClr val="accent1"/>
+          </a:effectRef>
+          <a:fontRef idx="minor">
+            <a:schemeClr val="tx1"/>
+          </a:fontRef>
+        </p:style>
+      </p:cxnSp>
+      <p:sp useBgFill="1">
+        <p:nvSpPr>
+          <p:cNvPr id="33" name="Rectangle 32">
+            <a:extLst>
+              <a:ext uri="{FF2B5EF4-FFF2-40B4-BE49-F238E27FC236}">
+                <a16:creationId xmlns:a16="http://schemas.microsoft.com/office/drawing/2014/main" id="{F64BBAA4-C62B-4146-B49F-FE4CC4655EE0}"/>
+              </a:ext>
+              <a:ext uri="{C183D7F6-B498-43B3-948B-1728B52AA6E4}">
+                <adec:decorative xmlns:adec="http://schemas.microsoft.com/office/drawing/2017/decorative" val="1"/>
+              </a:ext>
+            </a:extLst>
+          </p:cNvPr>
+          <p:cNvSpPr>
+            <a:spLocks noGrp="1" noRot="1" noChangeAspect="1" noMove="1" noResize="1" noEditPoints="1" noAdjustHandles="1" noChangeArrowheads="1" noChangeShapeType="1" noTextEdit="1"/>
+          </p:cNvSpPr>
+          <p:nvPr>
+            <p:extLst>
+              <p:ext uri="{386F3935-93C4-4BCD-93E2-E3B085C9AB24}">
+                <p16:designElem xmlns:p16="http://schemas.microsoft.com/office/powerpoint/2015/main" val="1"/>
+              </p:ext>
+            </p:extLst>
+          </p:nvPr>
+        </p:nvSpPr>
+        <p:spPr>
+          <a:xfrm>
+            <a:off x="0" y="0"/>
+            <a:ext cx="12192001" cy="6334316"/>
+          </a:xfrm>
+          <a:prstGeom prst="rect">
+            <a:avLst/>
+          </a:prstGeom>
+          <a:ln>
+            <a:noFill/>
+          </a:ln>
+        </p:spPr>
+        <p:style>
+          <a:lnRef idx="2">
+            <a:schemeClr val="accent1">
+              <a:shade val="50000"/>
+            </a:schemeClr>
+          </a:lnRef>
+          <a:fillRef idx="1">
+            <a:schemeClr val="accent1"/>
+          </a:fillRef>
+          <a:effectRef idx="0">
+            <a:schemeClr val="accent1"/>
+          </a:effectRef>
+          <a:fontRef idx="minor">
+            <a:schemeClr val="lt1"/>
+          </a:fontRef>
+        </p:style>
+        <p:txBody>
+          <a:bodyPr rtlCol="0" anchor="ctr"/>
+          <a:lstStyle/>
+          <a:p>
+            <a:pPr algn="ctr"/>
+            <a:endParaRPr lang="en-US"/>
+          </a:p>
+        </p:txBody>
+      </p:sp>
+      <p:sp>
+        <p:nvSpPr>
+          <p:cNvPr id="2" name="Title 1">
+            <a:extLst>
+              <a:ext uri="{FF2B5EF4-FFF2-40B4-BE49-F238E27FC236}">
+                <a16:creationId xmlns:a16="http://schemas.microsoft.com/office/drawing/2014/main" id="{A4718036-B146-4AF9-83F9-71CB954FB087}"/>
+              </a:ext>
+            </a:extLst>
+          </p:cNvPr>
+          <p:cNvSpPr>
+            <a:spLocks noGrp="1"/>
+          </p:cNvSpPr>
+          <p:nvPr>
+            <p:ph type="title"/>
+          </p:nvPr>
+        </p:nvSpPr>
+        <p:spPr>
+          <a:xfrm>
+            <a:off x="381510" y="310232"/>
+            <a:ext cx="10058400" cy="994042"/>
+          </a:xfrm>
+        </p:spPr>
+        <p:txBody>
+          <a:bodyPr vert="horz" lIns="91440" tIns="45720" rIns="91440" bIns="45720" rtlCol="0" anchor="b">
+            <a:normAutofit/>
+          </a:bodyPr>
+          <a:lstStyle/>
+          <a:p>
+            <a:r>
+              <a:rPr lang="en-US" dirty="0"/>
+              <a:t>Project Objectives</a:t>
+            </a:r>
+          </a:p>
+        </p:txBody>
+      </p:sp>
+      <p:pic>
+        <p:nvPicPr>
+          <p:cNvPr id="7" name="Graphic 6" descr="Bullseye">
+            <a:extLst>
+              <a:ext uri="{FF2B5EF4-FFF2-40B4-BE49-F238E27FC236}">
+                <a16:creationId xmlns:a16="http://schemas.microsoft.com/office/drawing/2014/main" id="{0858DDCF-AE16-4AFE-83AC-B887B5E6C39D}"/>
+              </a:ext>
+            </a:extLst>
+          </p:cNvPr>
+          <p:cNvPicPr>
+            <a:picLocks noChangeAspect="1"/>
+          </p:cNvPicPr>
+          <p:nvPr/>
+        </p:nvPicPr>
+        <p:blipFill>
+          <a:blip r:embed="rId2">
+            <a:extLst>
+              <a:ext uri="{28A0092B-C50C-407E-A947-70E740481C1C}">
+                <a14:useLocalDpi xmlns:a14="http://schemas.microsoft.com/office/drawing/2010/main" val="0"/>
+              </a:ext>
+              <a:ext uri="{96DAC541-7B7A-43D3-8B79-37D633B846F1}">
+                <asvg:svgBlip xmlns:asvg="http://schemas.microsoft.com/office/drawing/2016/SVG/main" r:embed="rId3"/>
+              </a:ext>
+            </a:extLst>
+          </a:blip>
+          <a:stretch>
+            <a:fillRect/>
+          </a:stretch>
+        </p:blipFill>
+        <p:spPr>
+          <a:xfrm>
+            <a:off x="381510" y="1856233"/>
+            <a:ext cx="3094997" cy="3094997"/>
+          </a:xfrm>
+          <a:prstGeom prst="rect">
+            <a:avLst/>
+          </a:prstGeom>
+        </p:spPr>
+      </p:pic>
+      <p:sp>
+        <p:nvSpPr>
+          <p:cNvPr id="3" name="Rectangle 2">
+            <a:extLst>
+              <a:ext uri="{FF2B5EF4-FFF2-40B4-BE49-F238E27FC236}">
+                <a16:creationId xmlns:a16="http://schemas.microsoft.com/office/drawing/2014/main" id="{317F6DB9-4458-4809-9227-F26D78A0C6AB}"/>
+              </a:ext>
+            </a:extLst>
+          </p:cNvPr>
+          <p:cNvSpPr/>
+          <p:nvPr/>
+        </p:nvSpPr>
+        <p:spPr>
+          <a:xfrm>
+            <a:off x="3571875" y="1304275"/>
+            <a:ext cx="8238615" cy="4448826"/>
+          </a:xfrm>
+          <a:prstGeom prst="rect">
+            <a:avLst/>
+          </a:prstGeom>
+        </p:spPr>
+        <p:txBody>
+          <a:bodyPr vert="horz" lIns="0" tIns="45720" rIns="0" bIns="45720" rtlCol="0">
+            <a:normAutofit fontScale="92500" lnSpcReduction="10000"/>
+          </a:bodyPr>
+          <a:lstStyle/>
+          <a:p>
+            <a:pPr marL="457200" indent="-342900" defTabSz="914400">
+              <a:lnSpc>
+                <a:spcPct val="150000"/>
+              </a:lnSpc>
+              <a:spcAft>
+                <a:spcPts val="600"/>
+              </a:spcAft>
+              <a:buClr>
+                <a:schemeClr val="accent1"/>
+              </a:buClr>
+              <a:buFont typeface="Calibri" panose="020F0502020204030204" pitchFamily="34" charset="0"/>
+              <a:buAutoNum type="arabicPeriod"/>
+            </a:pPr>
+            <a:r>
+              <a:rPr lang="en-US" dirty="0">
+                <a:solidFill>
+                  <a:schemeClr val="tx1">
+                    <a:lumMod val="75000"/>
+                    <a:lumOff val="25000"/>
+                  </a:schemeClr>
+                </a:solidFill>
+              </a:rPr>
+              <a:t>Study overall statewide bicycle crash patterns and trends in North Carolina.</a:t>
+            </a:r>
+          </a:p>
+          <a:p>
+            <a:pPr marL="457200" indent="-342900" defTabSz="914400">
+              <a:lnSpc>
+                <a:spcPct val="150000"/>
+              </a:lnSpc>
+              <a:spcAft>
+                <a:spcPts val="600"/>
+              </a:spcAft>
+              <a:buClr>
+                <a:schemeClr val="accent1"/>
+              </a:buClr>
+              <a:buFont typeface="Calibri" panose="020F0502020204030204" pitchFamily="34" charset="0"/>
+              <a:buAutoNum type="arabicPeriod"/>
+            </a:pPr>
+            <a:r>
+              <a:rPr lang="en-US" dirty="0">
+                <a:solidFill>
+                  <a:schemeClr val="tx1">
+                    <a:lumMod val="75000"/>
+                    <a:lumOff val="25000"/>
+                  </a:schemeClr>
+                </a:solidFill>
+              </a:rPr>
+              <a:t>Perform descriptive  trend  analysis based on the following factors:</a:t>
+            </a:r>
+          </a:p>
+          <a:p>
+            <a:pPr marL="914400" lvl="1" indent="-342900" defTabSz="914400">
+              <a:spcAft>
+                <a:spcPts val="600"/>
+              </a:spcAft>
+              <a:buClr>
+                <a:schemeClr val="accent1"/>
+              </a:buClr>
+              <a:buFont typeface="Wingdings" panose="05000000000000000000" pitchFamily="2" charset="2"/>
+              <a:buChar char="q"/>
+            </a:pPr>
+            <a:r>
+              <a:rPr lang="en-US" dirty="0">
+                <a:solidFill>
+                  <a:schemeClr val="tx1">
+                    <a:lumMod val="75000"/>
+                    <a:lumOff val="25000"/>
+                  </a:schemeClr>
+                </a:solidFill>
+              </a:rPr>
+              <a:t>Environmental </a:t>
+            </a:r>
+          </a:p>
+          <a:p>
+            <a:pPr marL="914400" lvl="1" indent="-342900" defTabSz="914400">
+              <a:spcAft>
+                <a:spcPts val="600"/>
+              </a:spcAft>
+              <a:buClr>
+                <a:schemeClr val="accent1"/>
+              </a:buClr>
+              <a:buFont typeface="Wingdings" panose="05000000000000000000" pitchFamily="2" charset="2"/>
+              <a:buChar char="q"/>
+            </a:pPr>
+            <a:r>
+              <a:rPr lang="en-US" dirty="0">
+                <a:solidFill>
+                  <a:schemeClr val="tx1">
+                    <a:lumMod val="75000"/>
+                    <a:lumOff val="25000"/>
+                  </a:schemeClr>
+                </a:solidFill>
+              </a:rPr>
+              <a:t>Bicyclist-related </a:t>
+            </a:r>
+          </a:p>
+          <a:p>
+            <a:pPr marL="914400" lvl="1" indent="-342900" defTabSz="914400">
+              <a:spcAft>
+                <a:spcPts val="600"/>
+              </a:spcAft>
+              <a:buClr>
+                <a:schemeClr val="accent1"/>
+              </a:buClr>
+              <a:buFont typeface="Wingdings" panose="05000000000000000000" pitchFamily="2" charset="2"/>
+              <a:buChar char="q"/>
+            </a:pPr>
+            <a:r>
+              <a:rPr lang="en-US" dirty="0">
+                <a:solidFill>
+                  <a:schemeClr val="tx1">
+                    <a:lumMod val="75000"/>
+                    <a:lumOff val="25000"/>
+                  </a:schemeClr>
+                </a:solidFill>
+              </a:rPr>
+              <a:t>Crash location</a:t>
+            </a:r>
+          </a:p>
+          <a:p>
+            <a:pPr marL="914400" lvl="1" indent="-342900" defTabSz="914400">
+              <a:spcAft>
+                <a:spcPts val="600"/>
+              </a:spcAft>
+              <a:buClr>
+                <a:schemeClr val="accent1"/>
+              </a:buClr>
+              <a:buFont typeface="Wingdings" panose="05000000000000000000" pitchFamily="2" charset="2"/>
+              <a:buChar char="q"/>
+            </a:pPr>
+            <a:r>
+              <a:rPr lang="en-US" dirty="0">
+                <a:solidFill>
+                  <a:schemeClr val="tx1">
+                    <a:lumMod val="75000"/>
+                    <a:lumOff val="25000"/>
+                  </a:schemeClr>
+                </a:solidFill>
+              </a:rPr>
+              <a:t>Motorist / Motor Vehicle-related</a:t>
+            </a:r>
+          </a:p>
+          <a:p>
+            <a:pPr marL="914400" lvl="1" indent="-342900" defTabSz="914400">
+              <a:spcAft>
+                <a:spcPts val="600"/>
+              </a:spcAft>
+              <a:buClr>
+                <a:schemeClr val="accent1"/>
+              </a:buClr>
+              <a:buFont typeface="Wingdings" panose="05000000000000000000" pitchFamily="2" charset="2"/>
+              <a:buChar char="q"/>
+            </a:pPr>
+            <a:r>
+              <a:rPr lang="en-US" dirty="0">
+                <a:solidFill>
+                  <a:schemeClr val="tx1">
+                    <a:lumMod val="75000"/>
+                    <a:lumOff val="25000"/>
+                  </a:schemeClr>
+                </a:solidFill>
+              </a:rPr>
+              <a:t>Roadway Characteristics</a:t>
+            </a:r>
+          </a:p>
+          <a:p>
+            <a:pPr marL="457200" indent="-342900" defTabSz="914400">
+              <a:lnSpc>
+                <a:spcPct val="150000"/>
+              </a:lnSpc>
+              <a:spcAft>
+                <a:spcPts val="600"/>
+              </a:spcAft>
+              <a:buClr>
+                <a:schemeClr val="accent1"/>
+              </a:buClr>
+              <a:buFont typeface="Calibri" panose="020F0502020204030204" pitchFamily="34" charset="0"/>
+              <a:buAutoNum type="arabicPeriod"/>
+            </a:pPr>
+            <a:r>
+              <a:rPr lang="en-US" dirty="0">
+                <a:solidFill>
+                  <a:schemeClr val="tx1">
+                    <a:lumMod val="75000"/>
+                    <a:lumOff val="25000"/>
+                  </a:schemeClr>
+                </a:solidFill>
+              </a:rPr>
+              <a:t>Identify and analyze bicycle hot spots for crash causes and counter measures</a:t>
+            </a:r>
+          </a:p>
+          <a:p>
+            <a:pPr marL="457200" indent="-342900" defTabSz="914400">
+              <a:lnSpc>
+                <a:spcPct val="150000"/>
+              </a:lnSpc>
+              <a:spcAft>
+                <a:spcPts val="600"/>
+              </a:spcAft>
+              <a:buClr>
+                <a:schemeClr val="accent1"/>
+              </a:buClr>
+              <a:buFont typeface="Calibri" panose="020F0502020204030204" pitchFamily="34" charset="0"/>
+              <a:buAutoNum type="arabicPeriod"/>
+            </a:pPr>
+            <a:r>
+              <a:rPr lang="en-US" dirty="0">
+                <a:solidFill>
+                  <a:schemeClr val="tx1">
+                    <a:lumMod val="75000"/>
+                    <a:lumOff val="25000"/>
+                  </a:schemeClr>
+                </a:solidFill>
+              </a:rPr>
+              <a:t>Identify and analyze danger zones based on crashes that resulted in fatalities</a:t>
+            </a:r>
+          </a:p>
+        </p:txBody>
+      </p:sp>
+      <p:sp>
+        <p:nvSpPr>
+          <p:cNvPr id="35" name="Rectangle 34">
+            <a:extLst>
+              <a:ext uri="{FF2B5EF4-FFF2-40B4-BE49-F238E27FC236}">
+                <a16:creationId xmlns:a16="http://schemas.microsoft.com/office/drawing/2014/main" id="{77C34054-98F8-4229-885E-04C525969C5E}"/>
+              </a:ext>
+              <a:ext uri="{C183D7F6-B498-43B3-948B-1728B52AA6E4}">
+                <adec:decorative xmlns:adec="http://schemas.microsoft.com/office/drawing/2017/decorative" val="1"/>
+              </a:ext>
+            </a:extLst>
+          </p:cNvPr>
+          <p:cNvSpPr>
+            <a:spLocks noGrp="1" noRot="1" noChangeAspect="1" noMove="1" noResize="1" noEditPoints="1" noAdjustHandles="1" noChangeArrowheads="1" noChangeShapeType="1" noTextEdit="1"/>
+          </p:cNvSpPr>
+          <p:nvPr>
+            <p:extLst>
+              <p:ext uri="{386F3935-93C4-4BCD-93E2-E3B085C9AB24}">
+                <p16:designElem xmlns:p16="http://schemas.microsoft.com/office/powerpoint/2015/main" val="1"/>
+              </p:ext>
+            </p:extLst>
+          </p:nvPr>
+        </p:nvSpPr>
+        <p:spPr>
+          <a:xfrm>
+            <a:off x="15" y="6334316"/>
+            <a:ext cx="12191985" cy="66484"/>
+          </a:xfrm>
+          <a:prstGeom prst="rect">
+            <a:avLst/>
+          </a:prstGeom>
+          <a:solidFill>
+            <a:schemeClr val="accent1"/>
+          </a:solidFill>
+          <a:ln>
+            <a:noFill/>
+          </a:ln>
+        </p:spPr>
+        <p:style>
+          <a:lnRef idx="2">
+            <a:schemeClr val="accent1">
+              <a:shade val="50000"/>
+            </a:schemeClr>
+          </a:lnRef>
+          <a:fillRef idx="1">
+            <a:schemeClr val="accent1"/>
+          </a:fillRef>
+          <a:effectRef idx="0">
+            <a:schemeClr val="accent1"/>
+          </a:effectRef>
+          <a:fontRef idx="minor">
+            <a:schemeClr val="lt1"/>
+          </a:fontRef>
+        </p:style>
+      </p:sp>
+      <p:sp>
+        <p:nvSpPr>
+          <p:cNvPr id="37" name="Rectangle 36">
+            <a:extLst>
+              <a:ext uri="{FF2B5EF4-FFF2-40B4-BE49-F238E27FC236}">
+                <a16:creationId xmlns:a16="http://schemas.microsoft.com/office/drawing/2014/main" id="{22AAB964-B835-4B93-A1F3-4A30D1F38589}"/>
+              </a:ext>
+              <a:ext uri="{C183D7F6-B498-43B3-948B-1728B52AA6E4}">
+                <adec:decorative xmlns:adec="http://schemas.microsoft.com/office/drawing/2017/decorative" val="1"/>
+              </a:ext>
+            </a:extLst>
+          </p:cNvPr>
+          <p:cNvSpPr>
+            <a:spLocks noGrp="1" noRot="1" noChangeAspect="1" noMove="1" noResize="1" noEditPoints="1" noAdjustHandles="1" noChangeArrowheads="1" noChangeShapeType="1" noTextEdit="1"/>
+          </p:cNvSpPr>
+          <p:nvPr>
+            <p:extLst>
+              <p:ext uri="{386F3935-93C4-4BCD-93E2-E3B085C9AB24}">
+                <p16:designElem xmlns:p16="http://schemas.microsoft.com/office/powerpoint/2015/main" val="1"/>
+              </p:ext>
+            </p:extLst>
+          </p:nvPr>
+        </p:nvSpPr>
+        <p:spPr>
+          <a:xfrm>
+            <a:off x="1" y="6400800"/>
+            <a:ext cx="12192000" cy="457200"/>
+          </a:xfrm>
+          <a:prstGeom prst="rect">
+            <a:avLst/>
+          </a:prstGeom>
+          <a:solidFill>
+            <a:schemeClr val="accent2"/>
+          </a:solidFill>
+          <a:ln>
+            <a:noFill/>
+          </a:ln>
+        </p:spPr>
+        <p:style>
+          <a:lnRef idx="2">
+            <a:schemeClr val="accent1">
+              <a:shade val="50000"/>
+            </a:schemeClr>
+          </a:lnRef>
+          <a:fillRef idx="1">
+            <a:schemeClr val="accent1"/>
+          </a:fillRef>
+          <a:effectRef idx="0">
+            <a:schemeClr val="accent1"/>
+          </a:effectRef>
+          <a:fontRef idx="minor">
+            <a:schemeClr val="lt1"/>
+          </a:fontRef>
+        </p:style>
+      </p:sp>
+    </p:spTree>
+    <p:extLst>
+      <p:ext uri="{BB962C8B-B14F-4D97-AF65-F5344CB8AC3E}">
+        <p14:creationId xmlns:p14="http://schemas.microsoft.com/office/powerpoint/2010/main" val="162258809"/>
+      </p:ext>
+    </p:extLst>
+  </p:cSld>
+  <p:clrMapOvr>
+    <a:masterClrMapping/>
+  </p:clrMapOvr>
+</p:sld>
+</file>
+
+<file path=ppt/slides/slide3.xml><?xml version="1.0" encoding="utf-8"?>
+<p:sld xmlns:a="http://schemas.openxmlformats.org/drawingml/2006/main" xmlns:r="http://schemas.openxmlformats.org/officeDocument/2006/relationships" xmlns:p="http://schemas.openxmlformats.org/presentationml/2006/main">
+  <p:cSld>
+    <p:spTree>
+      <p:nvGrpSpPr>
+        <p:cNvPr id="1" name=""/>
+        <p:cNvGrpSpPr/>
+        <p:nvPr/>
+      </p:nvGrpSpPr>
+      <p:grpSpPr>
+        <a:xfrm>
+          <a:off x="0" y="0"/>
+          <a:ext cx="0" cy="0"/>
+          <a:chOff x="0" y="0"/>
+          <a:chExt cx="0" cy="0"/>
+        </a:xfrm>
+      </p:grpSpPr>
+      <p:sp>
+        <p:nvSpPr>
+          <p:cNvPr id="2" name="Title 1">
+            <a:extLst>
+              <a:ext uri="{FF2B5EF4-FFF2-40B4-BE49-F238E27FC236}">
+                <a16:creationId xmlns:a16="http://schemas.microsoft.com/office/drawing/2014/main" id="{233A65C1-AA00-447E-9B6E-CB1DE79FA841}"/>
+              </a:ext>
+            </a:extLst>
+          </p:cNvPr>
+          <p:cNvSpPr>
+            <a:spLocks noGrp="1"/>
+          </p:cNvSpPr>
+          <p:nvPr>
+            <p:ph type="title"/>
+          </p:nvPr>
+        </p:nvSpPr>
+        <p:spPr/>
+        <p:txBody>
+          <a:bodyPr/>
+          <a:lstStyle/>
+          <a:p>
+            <a:r>
+              <a:rPr lang="en-US" dirty="0"/>
+              <a:t>Dataset </a:t>
+            </a:r>
+          </a:p>
+        </p:txBody>
+      </p:sp>
+      <p:sp>
+        <p:nvSpPr>
+          <p:cNvPr id="3" name="Rectangle 2">
+            <a:extLst>
+              <a:ext uri="{FF2B5EF4-FFF2-40B4-BE49-F238E27FC236}">
+                <a16:creationId xmlns:a16="http://schemas.microsoft.com/office/drawing/2014/main" id="{E72BEFE6-F296-4D9F-A03F-F5993CA0B511}"/>
+              </a:ext>
+            </a:extLst>
+          </p:cNvPr>
+          <p:cNvSpPr>
+            <a:spLocks noChangeArrowheads="1"/>
+          </p:cNvSpPr>
+          <p:nvPr/>
+        </p:nvSpPr>
+        <p:spPr bwMode="auto">
+          <a:xfrm>
+            <a:off x="707155" y="1242567"/>
+            <a:ext cx="5179295" cy="4872483"/>
+          </a:xfrm>
+          <a:prstGeom prst="rect">
+            <a:avLst/>
+          </a:prstGeom>
+          <a:extLst>
+            <a:ext uri="{91240B29-F687-4F45-9708-019B960494DF}">
+              <a14:hiddenLine xmlns:a14="http://schemas.microsoft.com/office/drawing/2010/main" w="9525">
+                <a:solidFill>
+                  <a:schemeClr val="tx1"/>
+                </a:solidFill>
+                <a:miter lim="800000"/>
+                <a:headEnd/>
+                <a:tailEnd/>
+              </a14:hiddenLine>
+            </a:ext>
+            <a:ext uri="{AF507438-7753-43E0-B8FC-AC1667EBCBE1}">
+              <a14:hiddenEffects xmlns:a14="http://schemas.microsoft.com/office/drawing/2010/main">
+                <a:effectLst>
+                  <a:outerShdw dist="35921" dir="2700000" algn="ctr" rotWithShape="0">
+                    <a:schemeClr val="bg2"/>
+                  </a:outerShdw>
+                </a:effectLst>
+              </a14:hiddenEffects>
+            </a:ext>
+          </a:extLst>
+        </p:spPr>
+        <p:txBody>
+          <a:bodyPr vert="horz" lIns="0" tIns="45720" rIns="0" bIns="45720" numCol="1" rtlCol="0" anchorCtr="0" compatLnSpc="1">
+            <a:prstTxWarp prst="textNoShape">
+              <a:avLst/>
+            </a:prstTxWarp>
+            <a:noAutofit/>
+          </a:bodyPr>
+          <a:lstStyle/>
+          <a:p>
+            <a:pPr marL="342900" lvl="0" indent="-342900" defTabSz="914400" fontAlgn="base">
+              <a:lnSpc>
+                <a:spcPct val="150000"/>
+              </a:lnSpc>
+              <a:spcBef>
+                <a:spcPct val="0"/>
+              </a:spcBef>
+              <a:spcAft>
+                <a:spcPts val="600"/>
+              </a:spcAft>
+              <a:buClr>
+                <a:schemeClr val="accent4"/>
+              </a:buClr>
+              <a:buFont typeface="Wingdings" panose="05000000000000000000" pitchFamily="2" charset="2"/>
+              <a:buChar char="q"/>
+            </a:pPr>
+            <a:r>
+              <a:rPr lang="en-US" u="sng" dirty="0">
+                <a:hlinkClick r:id="rId2"/>
+              </a:rPr>
+              <a:t>https://www.chapelhillopendata.org/</a:t>
+            </a:r>
+            <a:endParaRPr lang="en-US" u="sng" dirty="0"/>
+          </a:p>
+          <a:p>
+            <a:pPr marL="342900" indent="-342900" defTabSz="914400" fontAlgn="base">
+              <a:lnSpc>
+                <a:spcPct val="150000"/>
+              </a:lnSpc>
+              <a:spcBef>
+                <a:spcPct val="0"/>
+              </a:spcBef>
+              <a:spcAft>
+                <a:spcPts val="600"/>
+              </a:spcAft>
+              <a:buClr>
+                <a:schemeClr val="accent4"/>
+              </a:buClr>
+              <a:buFont typeface="Wingdings" panose="05000000000000000000" pitchFamily="2" charset="2"/>
+              <a:buChar char="q"/>
+            </a:pPr>
+            <a:r>
+              <a:rPr lang="en-US" dirty="0"/>
+              <a:t>Maps the locations of crashes involving bicyclists in North Carolina</a:t>
+            </a:r>
+            <a:r>
+              <a:rPr lang="en-US" dirty="0">
+                <a:solidFill>
+                  <a:schemeClr val="tx1">
+                    <a:lumMod val="75000"/>
+                    <a:lumOff val="25000"/>
+                  </a:schemeClr>
+                </a:solidFill>
+              </a:rPr>
+              <a:t> </a:t>
+            </a:r>
+            <a:r>
+              <a:rPr kumimoji="0" lang="en-US" altLang="en-US" b="0" i="0" u="none" strike="noStrike" cap="none" normalizeH="0" baseline="0" dirty="0">
+                <a:ln>
+                  <a:noFill/>
+                </a:ln>
+                <a:solidFill>
+                  <a:schemeClr val="tx1">
+                    <a:lumMod val="75000"/>
+                    <a:lumOff val="25000"/>
+                  </a:schemeClr>
+                </a:solidFill>
+                <a:effectLst/>
+              </a:rPr>
+              <a:t>from Jan 2007-Dec 2018 </a:t>
+            </a:r>
+          </a:p>
+          <a:p>
+            <a:pPr marL="342900" indent="-342900" defTabSz="914400" fontAlgn="base">
+              <a:lnSpc>
+                <a:spcPct val="150000"/>
+              </a:lnSpc>
+              <a:spcBef>
+                <a:spcPct val="0"/>
+              </a:spcBef>
+              <a:spcAft>
+                <a:spcPts val="600"/>
+              </a:spcAft>
+              <a:buClr>
+                <a:schemeClr val="accent4"/>
+              </a:buClr>
+              <a:buFont typeface="Wingdings" panose="05000000000000000000" pitchFamily="2" charset="2"/>
+              <a:buChar char="q"/>
+            </a:pPr>
+            <a:r>
+              <a:rPr lang="en-US" dirty="0"/>
+              <a:t>Police-reported collisions between:</a:t>
+            </a:r>
+          </a:p>
+          <a:p>
+            <a:pPr marL="800100" lvl="1" indent="-342900" defTabSz="914400" fontAlgn="base">
+              <a:spcBef>
+                <a:spcPct val="0"/>
+              </a:spcBef>
+              <a:spcAft>
+                <a:spcPts val="600"/>
+              </a:spcAft>
+              <a:buClr>
+                <a:schemeClr val="accent4"/>
+              </a:buClr>
+              <a:buFont typeface="Wingdings" panose="05000000000000000000" pitchFamily="2" charset="2"/>
+              <a:buChar char="q"/>
+            </a:pPr>
+            <a:r>
+              <a:rPr lang="en-US" dirty="0"/>
+              <a:t>bicycle-motor vehicle </a:t>
+            </a:r>
+          </a:p>
+          <a:p>
+            <a:pPr marL="800100" lvl="1" indent="-342900" defTabSz="914400" fontAlgn="base">
+              <a:spcBef>
+                <a:spcPct val="0"/>
+              </a:spcBef>
+              <a:spcAft>
+                <a:spcPts val="600"/>
+              </a:spcAft>
+              <a:buClr>
+                <a:schemeClr val="accent4"/>
+              </a:buClr>
+              <a:buFont typeface="Wingdings" panose="05000000000000000000" pitchFamily="2" charset="2"/>
+              <a:buChar char="q"/>
+            </a:pPr>
+            <a:r>
+              <a:rPr lang="en-US" dirty="0">
+                <a:highlight>
+                  <a:srgbClr val="FFFF00"/>
+                </a:highlight>
+              </a:rPr>
+              <a:t>pedestrian-motor vehicle </a:t>
+            </a:r>
+          </a:p>
+          <a:p>
+            <a:pPr marL="342900" indent="-342900" defTabSz="914400" fontAlgn="base">
+              <a:lnSpc>
+                <a:spcPct val="150000"/>
+              </a:lnSpc>
+              <a:spcAft>
+                <a:spcPts val="600"/>
+              </a:spcAft>
+              <a:buClr>
+                <a:schemeClr val="accent4"/>
+              </a:buClr>
+              <a:buFont typeface="Wingdings" panose="05000000000000000000" pitchFamily="2" charset="2"/>
+              <a:buChar char="q"/>
+            </a:pPr>
+            <a:r>
+              <a:rPr lang="en-US" dirty="0"/>
+              <a:t>Crashes occurred on:</a:t>
+            </a:r>
+          </a:p>
+          <a:p>
+            <a:pPr marL="800100" lvl="1" indent="-342900" defTabSz="914400" fontAlgn="base">
+              <a:spcBef>
+                <a:spcPct val="0"/>
+              </a:spcBef>
+              <a:spcAft>
+                <a:spcPts val="600"/>
+              </a:spcAft>
+              <a:buClr>
+                <a:schemeClr val="accent4"/>
+              </a:buClr>
+              <a:buFont typeface="Wingdings" panose="05000000000000000000" pitchFamily="2" charset="2"/>
+              <a:buChar char="q"/>
+            </a:pPr>
+            <a:r>
+              <a:rPr lang="en-US" dirty="0"/>
+              <a:t>the public roadway network</a:t>
+            </a:r>
+          </a:p>
+          <a:p>
+            <a:pPr marL="800100" lvl="1" indent="-342900" defTabSz="914400" fontAlgn="base">
+              <a:spcBef>
+                <a:spcPct val="0"/>
+              </a:spcBef>
+              <a:spcAft>
+                <a:spcPts val="600"/>
+              </a:spcAft>
+              <a:buClr>
+                <a:schemeClr val="accent4"/>
+              </a:buClr>
+              <a:buFont typeface="Wingdings" panose="05000000000000000000" pitchFamily="2" charset="2"/>
+              <a:buChar char="q"/>
+            </a:pPr>
+            <a:r>
+              <a:rPr lang="en-US" dirty="0"/>
+              <a:t>public vehicular areas</a:t>
+            </a:r>
+          </a:p>
+          <a:p>
+            <a:pPr marL="800100" lvl="1" indent="-342900" defTabSz="914400" fontAlgn="base">
+              <a:spcBef>
+                <a:spcPct val="0"/>
+              </a:spcBef>
+              <a:spcAft>
+                <a:spcPts val="600"/>
+              </a:spcAft>
+              <a:buClr>
+                <a:schemeClr val="accent4"/>
+              </a:buClr>
+              <a:buFont typeface="Wingdings" panose="05000000000000000000" pitchFamily="2" charset="2"/>
+              <a:buChar char="q"/>
+            </a:pPr>
+            <a:r>
+              <a:rPr lang="en-US" dirty="0"/>
+              <a:t>private properties (if reported)</a:t>
+            </a:r>
+          </a:p>
+        </p:txBody>
+      </p:sp>
+      <p:sp>
+        <p:nvSpPr>
+          <p:cNvPr id="4" name="Rectangle 3">
+            <a:extLst>
+              <a:ext uri="{FF2B5EF4-FFF2-40B4-BE49-F238E27FC236}">
+                <a16:creationId xmlns:a16="http://schemas.microsoft.com/office/drawing/2014/main" id="{CC82A9C5-61AC-4F07-BDAC-CFD21403B4BB}"/>
+              </a:ext>
+            </a:extLst>
+          </p:cNvPr>
+          <p:cNvSpPr/>
+          <p:nvPr/>
+        </p:nvSpPr>
+        <p:spPr>
+          <a:xfrm>
+            <a:off x="6305552" y="1328292"/>
+            <a:ext cx="5314948" cy="3600986"/>
+          </a:xfrm>
+          <a:prstGeom prst="rect">
+            <a:avLst/>
+          </a:prstGeom>
+        </p:spPr>
+        <p:txBody>
+          <a:bodyPr wrap="square">
+            <a:spAutoFit/>
+          </a:bodyPr>
+          <a:lstStyle/>
+          <a:p>
+            <a:pPr marL="342900" indent="-342900" defTabSz="914400" fontAlgn="base">
+              <a:lnSpc>
+                <a:spcPct val="150000"/>
+              </a:lnSpc>
+              <a:spcBef>
+                <a:spcPct val="0"/>
+              </a:spcBef>
+              <a:spcAft>
+                <a:spcPts val="600"/>
+              </a:spcAft>
+              <a:buClr>
+                <a:schemeClr val="accent4"/>
+              </a:buClr>
+              <a:buFont typeface="Wingdings" panose="05000000000000000000" pitchFamily="2" charset="2"/>
+              <a:buChar char="q"/>
+            </a:pPr>
+            <a:r>
+              <a:rPr lang="en-US" altLang="en-US" dirty="0">
+                <a:solidFill>
+                  <a:schemeClr val="tx1">
+                    <a:lumMod val="75000"/>
+                    <a:lumOff val="25000"/>
+                  </a:schemeClr>
+                </a:solidFill>
+              </a:rPr>
+              <a:t>Total crashes analyzed = </a:t>
+            </a:r>
+            <a:r>
+              <a:rPr lang="en-US" dirty="0">
+                <a:solidFill>
+                  <a:schemeClr val="tx1">
+                    <a:lumMod val="75000"/>
+                    <a:lumOff val="25000"/>
+                  </a:schemeClr>
+                </a:solidFill>
+              </a:rPr>
+              <a:t>11266</a:t>
+            </a:r>
+          </a:p>
+          <a:p>
+            <a:pPr marL="342900" indent="-342900" defTabSz="914400" fontAlgn="base">
+              <a:lnSpc>
+                <a:spcPct val="150000"/>
+              </a:lnSpc>
+              <a:spcBef>
+                <a:spcPct val="0"/>
+              </a:spcBef>
+              <a:spcAft>
+                <a:spcPts val="600"/>
+              </a:spcAft>
+              <a:buClr>
+                <a:schemeClr val="accent4"/>
+              </a:buClr>
+              <a:buFont typeface="Wingdings" panose="05000000000000000000" pitchFamily="2" charset="2"/>
+              <a:buChar char="q"/>
+            </a:pPr>
+            <a:r>
+              <a:rPr lang="en-US" altLang="en-US" dirty="0">
+                <a:solidFill>
+                  <a:schemeClr val="tx1">
+                    <a:lumMod val="75000"/>
+                    <a:lumOff val="25000"/>
+                  </a:schemeClr>
+                </a:solidFill>
+              </a:rPr>
+              <a:t>All 100 counties within the State </a:t>
+            </a:r>
+          </a:p>
+          <a:p>
+            <a:pPr marL="342900" indent="-342900" defTabSz="914400" fontAlgn="base">
+              <a:lnSpc>
+                <a:spcPct val="150000"/>
+              </a:lnSpc>
+              <a:spcBef>
+                <a:spcPct val="0"/>
+              </a:spcBef>
+              <a:spcAft>
+                <a:spcPts val="600"/>
+              </a:spcAft>
+              <a:buClr>
+                <a:schemeClr val="accent4"/>
+              </a:buClr>
+              <a:buFont typeface="Wingdings" panose="05000000000000000000" pitchFamily="2" charset="2"/>
+              <a:buChar char="q"/>
+            </a:pPr>
+            <a:r>
+              <a:rPr lang="en-US" altLang="en-US" dirty="0">
+                <a:solidFill>
+                  <a:schemeClr val="tx1">
+                    <a:lumMod val="75000"/>
+                    <a:lumOff val="25000"/>
+                  </a:schemeClr>
+                </a:solidFill>
+              </a:rPr>
+              <a:t>327 cities </a:t>
+            </a:r>
+          </a:p>
+          <a:p>
+            <a:pPr marL="342900" indent="-342900" defTabSz="914400" fontAlgn="base">
+              <a:lnSpc>
+                <a:spcPct val="150000"/>
+              </a:lnSpc>
+              <a:spcBef>
+                <a:spcPct val="0"/>
+              </a:spcBef>
+              <a:spcAft>
+                <a:spcPts val="600"/>
+              </a:spcAft>
+              <a:buClr>
+                <a:schemeClr val="accent4"/>
+              </a:buClr>
+              <a:buFont typeface="Wingdings" panose="05000000000000000000" pitchFamily="2" charset="2"/>
+              <a:buChar char="q"/>
+            </a:pPr>
+            <a:r>
+              <a:rPr lang="en-US" altLang="en-US" dirty="0">
+                <a:solidFill>
+                  <a:schemeClr val="tx1">
+                    <a:lumMod val="75000"/>
+                    <a:lumOff val="25000"/>
+                  </a:schemeClr>
+                </a:solidFill>
+              </a:rPr>
+              <a:t>Crash sites not within the bounds of these 327 cities are categorized as “Rural” sites</a:t>
+            </a:r>
+          </a:p>
+          <a:p>
+            <a:pPr marL="342900" indent="-342900" defTabSz="914400" fontAlgn="base">
+              <a:lnSpc>
+                <a:spcPct val="150000"/>
+              </a:lnSpc>
+              <a:spcBef>
+                <a:spcPct val="0"/>
+              </a:spcBef>
+              <a:spcAft>
+                <a:spcPts val="600"/>
+              </a:spcAft>
+              <a:buClr>
+                <a:srgbClr val="FF0000"/>
+              </a:buClr>
+              <a:buFont typeface="Wingdings" panose="05000000000000000000" pitchFamily="2" charset="2"/>
+              <a:buChar char="q"/>
+            </a:pPr>
+            <a:r>
+              <a:rPr lang="en-US" altLang="en-US" dirty="0">
+                <a:solidFill>
+                  <a:schemeClr val="tx1">
+                    <a:lumMod val="75000"/>
+                    <a:lumOff val="25000"/>
+                  </a:schemeClr>
+                </a:solidFill>
+              </a:rPr>
+              <a:t>Exclusions:</a:t>
+            </a:r>
+          </a:p>
+          <a:p>
+            <a:pPr marL="800100" lvl="1" indent="-342900" defTabSz="914400" fontAlgn="base">
+              <a:spcBef>
+                <a:spcPct val="0"/>
+              </a:spcBef>
+              <a:spcAft>
+                <a:spcPts val="600"/>
+              </a:spcAft>
+              <a:buClr>
+                <a:srgbClr val="FF0000"/>
+              </a:buClr>
+              <a:buFont typeface="Wingdings" panose="05000000000000000000" pitchFamily="2" charset="2"/>
+              <a:buChar char="q"/>
+            </a:pPr>
+            <a:r>
+              <a:rPr lang="en-US" altLang="en-US" dirty="0">
+                <a:solidFill>
+                  <a:schemeClr val="tx1">
+                    <a:lumMod val="75000"/>
+                    <a:lumOff val="25000"/>
+                  </a:schemeClr>
+                </a:solidFill>
+              </a:rPr>
+              <a:t>Crash identification numbers</a:t>
+            </a:r>
+          </a:p>
+          <a:p>
+            <a:pPr marL="800100" lvl="1" indent="-342900" defTabSz="914400" fontAlgn="base">
+              <a:spcBef>
+                <a:spcPct val="0"/>
+              </a:spcBef>
+              <a:spcAft>
+                <a:spcPts val="600"/>
+              </a:spcAft>
+              <a:buClr>
+                <a:srgbClr val="FF0000"/>
+              </a:buClr>
+              <a:buFont typeface="Wingdings" panose="05000000000000000000" pitchFamily="2" charset="2"/>
+              <a:buChar char="q"/>
+            </a:pPr>
+            <a:r>
+              <a:rPr lang="en-US" altLang="en-US" dirty="0">
+                <a:solidFill>
+                  <a:schemeClr val="tx1">
+                    <a:lumMod val="75000"/>
+                    <a:lumOff val="25000"/>
+                  </a:schemeClr>
+                </a:solidFill>
+              </a:rPr>
+              <a:t>Fatality information </a:t>
+            </a:r>
+          </a:p>
+        </p:txBody>
+      </p:sp>
+      <p:cxnSp>
+        <p:nvCxnSpPr>
+          <p:cNvPr id="6" name="Straight Connector 5">
+            <a:extLst>
+              <a:ext uri="{FF2B5EF4-FFF2-40B4-BE49-F238E27FC236}">
+                <a16:creationId xmlns:a16="http://schemas.microsoft.com/office/drawing/2014/main" id="{E6825036-AB14-43FC-B503-29999E543B0D}"/>
+              </a:ext>
+            </a:extLst>
+          </p:cNvPr>
+          <p:cNvCxnSpPr/>
+          <p:nvPr/>
+        </p:nvCxnSpPr>
+        <p:spPr>
+          <a:xfrm>
+            <a:off x="5800725" y="1438275"/>
+            <a:ext cx="0" cy="4324350"/>
+          </a:xfrm>
+          <a:prstGeom prst="line">
+            <a:avLst/>
+          </a:prstGeom>
+        </p:spPr>
+        <p:style>
+          <a:lnRef idx="2">
+            <a:schemeClr val="accent1"/>
+          </a:lnRef>
+          <a:fillRef idx="0">
+            <a:schemeClr val="accent1"/>
+          </a:fillRef>
+          <a:effectRef idx="1">
+            <a:schemeClr val="accent1"/>
+          </a:effectRef>
+          <a:fontRef idx="minor">
+            <a:schemeClr val="tx1"/>
+          </a:fontRef>
+        </p:style>
+      </p:cxnSp>
+    </p:spTree>
+    <p:extLst>
+      <p:ext uri="{BB962C8B-B14F-4D97-AF65-F5344CB8AC3E}">
+        <p14:creationId xmlns:p14="http://schemas.microsoft.com/office/powerpoint/2010/main" val="397426401"/>
+      </p:ext>
+    </p:extLst>
+  </p:cSld>
+  <p:clrMapOvr>
+    <a:masterClrMapping/>
+  </p:clrMapOvr>
+</p:sld>
+</file>
+
+<file path=ppt/slides/slide4.xml><?xml version="1.0" encoding="utf-8"?>
+<p:sld xmlns:a="http://schemas.openxmlformats.org/drawingml/2006/main" xmlns:r="http://schemas.openxmlformats.org/officeDocument/2006/relationships" xmlns:p="http://schemas.openxmlformats.org/presentationml/2006/main">
+  <p:cSld>
+    <p:spTree>
+      <p:nvGrpSpPr>
+        <p:cNvPr id="1" name=""/>
+        <p:cNvGrpSpPr/>
+        <p:nvPr/>
+      </p:nvGrpSpPr>
+      <p:grpSpPr>
+        <a:xfrm>
+          <a:off x="0" y="0"/>
+          <a:ext cx="0" cy="0"/>
+          <a:chOff x="0" y="0"/>
+          <a:chExt cx="0" cy="0"/>
+        </a:xfrm>
+      </p:grpSpPr>
+      <p:sp>
+        <p:nvSpPr>
+          <p:cNvPr id="2" name="Title 1">
+            <a:extLst>
+              <a:ext uri="{FF2B5EF4-FFF2-40B4-BE49-F238E27FC236}">
+                <a16:creationId xmlns:a16="http://schemas.microsoft.com/office/drawing/2014/main" id="{263447F3-B840-48E0-B367-4A011ACB0AF2}"/>
+              </a:ext>
+            </a:extLst>
+          </p:cNvPr>
+          <p:cNvSpPr>
+            <a:spLocks noGrp="1"/>
+          </p:cNvSpPr>
+          <p:nvPr>
+            <p:ph type="title"/>
+          </p:nvPr>
+        </p:nvSpPr>
+        <p:spPr/>
+        <p:txBody>
+          <a:bodyPr/>
+          <a:lstStyle/>
+          <a:p>
+            <a:r>
+              <a:rPr lang="en-US" dirty="0"/>
+              <a:t>Trend Analysis – Environment Factors</a:t>
+            </a:r>
+          </a:p>
+        </p:txBody>
+      </p:sp>
+      <p:sp>
+        <p:nvSpPr>
+          <p:cNvPr id="3" name="Rectangle 2">
+            <a:extLst>
+              <a:ext uri="{FF2B5EF4-FFF2-40B4-BE49-F238E27FC236}">
+                <a16:creationId xmlns:a16="http://schemas.microsoft.com/office/drawing/2014/main" id="{B58DF5DC-EBF4-4C2A-8E8F-789EFC3A2369}"/>
+              </a:ext>
+            </a:extLst>
+          </p:cNvPr>
+          <p:cNvSpPr/>
+          <p:nvPr/>
+        </p:nvSpPr>
+        <p:spPr>
+          <a:xfrm>
+            <a:off x="334486" y="1058281"/>
+            <a:ext cx="5761514" cy="455189"/>
+          </a:xfrm>
+          <a:prstGeom prst="rect">
+            <a:avLst/>
+          </a:prstGeom>
+        </p:spPr>
+        <p:txBody>
+          <a:bodyPr wrap="none">
+            <a:spAutoFit/>
+          </a:bodyPr>
+          <a:lstStyle/>
+          <a:p>
+            <a:pPr eaLnBrk="0" fontAlgn="base" hangingPunct="0">
+              <a:lnSpc>
+                <a:spcPct val="150000"/>
+              </a:lnSpc>
+              <a:spcBef>
+                <a:spcPct val="0"/>
+              </a:spcBef>
+              <a:spcAft>
+                <a:spcPct val="0"/>
+              </a:spcAft>
+            </a:pPr>
+            <a:r>
+              <a:rPr lang="en-US" b="1" dirty="0"/>
+              <a:t>43% of the crashes occur in the Summer (Jun-Sep)</a:t>
+            </a:r>
+          </a:p>
+        </p:txBody>
+      </p:sp>
+    </p:spTree>
+    <p:extLst>
+      <p:ext uri="{BB962C8B-B14F-4D97-AF65-F5344CB8AC3E}">
+        <p14:creationId xmlns:p14="http://schemas.microsoft.com/office/powerpoint/2010/main" val="3127742249"/>
+      </p:ext>
+    </p:extLst>
+  </p:cSld>
+  <p:clrMapOvr>
+    <a:masterClrMapping/>
+  </p:clrMapOvr>
+</p:sld>
+</file>
+
+<file path=ppt/slides/slide5.xml><?xml version="1.0" encoding="utf-8"?>
+<p:sld xmlns:a="http://schemas.openxmlformats.org/drawingml/2006/main" xmlns:r="http://schemas.openxmlformats.org/officeDocument/2006/relationships" xmlns:p="http://schemas.openxmlformats.org/presentationml/2006/main">
+  <p:cSld>
+    <p:spTree>
+      <p:nvGrpSpPr>
+        <p:cNvPr id="1" name=""/>
+        <p:cNvGrpSpPr/>
+        <p:nvPr/>
+      </p:nvGrpSpPr>
+      <p:grpSpPr>
+        <a:xfrm>
+          <a:off x="0" y="0"/>
+          <a:ext cx="0" cy="0"/>
+          <a:chOff x="0" y="0"/>
+          <a:chExt cx="0" cy="0"/>
+        </a:xfrm>
+      </p:grpSpPr>
+      <p:sp>
+        <p:nvSpPr>
+          <p:cNvPr id="2" name="Title 1">
+            <a:extLst>
+              <a:ext uri="{FF2B5EF4-FFF2-40B4-BE49-F238E27FC236}">
+                <a16:creationId xmlns:a16="http://schemas.microsoft.com/office/drawing/2014/main" id="{263447F3-B840-48E0-B367-4A011ACB0AF2}"/>
+              </a:ext>
+            </a:extLst>
+          </p:cNvPr>
+          <p:cNvSpPr>
+            <a:spLocks noGrp="1"/>
+          </p:cNvSpPr>
+          <p:nvPr>
+            <p:ph type="title"/>
+          </p:nvPr>
+        </p:nvSpPr>
+        <p:spPr/>
+        <p:txBody>
+          <a:bodyPr/>
+          <a:lstStyle/>
+          <a:p>
+            <a:r>
+              <a:rPr lang="en-US" dirty="0"/>
+              <a:t>Trend Analysis – Environment Factors</a:t>
+            </a:r>
+          </a:p>
+        </p:txBody>
+      </p:sp>
+      <p:sp>
+        <p:nvSpPr>
+          <p:cNvPr id="3" name="Rectangle 2">
+            <a:extLst>
+              <a:ext uri="{FF2B5EF4-FFF2-40B4-BE49-F238E27FC236}">
+                <a16:creationId xmlns:a16="http://schemas.microsoft.com/office/drawing/2014/main" id="{B58DF5DC-EBF4-4C2A-8E8F-789EFC3A2369}"/>
+              </a:ext>
+            </a:extLst>
+          </p:cNvPr>
+          <p:cNvSpPr/>
+          <p:nvPr/>
+        </p:nvSpPr>
+        <p:spPr>
+          <a:xfrm>
+            <a:off x="334486" y="1058281"/>
+            <a:ext cx="6149440" cy="454292"/>
+          </a:xfrm>
+          <a:prstGeom prst="rect">
+            <a:avLst/>
+          </a:prstGeom>
+        </p:spPr>
+        <p:txBody>
+          <a:bodyPr wrap="none">
+            <a:spAutoFit/>
+          </a:bodyPr>
+          <a:lstStyle/>
+          <a:p>
+            <a:pPr eaLnBrk="0" fontAlgn="base" hangingPunct="0">
+              <a:lnSpc>
+                <a:spcPct val="150000"/>
+              </a:lnSpc>
+              <a:spcBef>
+                <a:spcPct val="0"/>
+              </a:spcBef>
+              <a:spcAft>
+                <a:spcPct val="0"/>
+              </a:spcAft>
+            </a:pPr>
+            <a:r>
+              <a:rPr lang="en-US" b="1" dirty="0"/>
+              <a:t>43% of the crashes occurred in the Summer (Jun-Sep)</a:t>
+            </a:r>
+          </a:p>
+        </p:txBody>
+      </p:sp>
+      <p:pic>
+        <p:nvPicPr>
+          <p:cNvPr id="5" name="Picture 4">
+            <a:extLst>
+              <a:ext uri="{FF2B5EF4-FFF2-40B4-BE49-F238E27FC236}">
+                <a16:creationId xmlns:a16="http://schemas.microsoft.com/office/drawing/2014/main" id="{BCF6A2FB-CA94-4C81-B642-962639CF35E7}"/>
+              </a:ext>
+            </a:extLst>
+          </p:cNvPr>
+          <p:cNvPicPr>
+            <a:picLocks noChangeAspect="1"/>
+          </p:cNvPicPr>
+          <p:nvPr/>
+        </p:nvPicPr>
+        <p:blipFill>
+          <a:blip r:embed="rId2"/>
+          <a:stretch>
+            <a:fillRect/>
+          </a:stretch>
+        </p:blipFill>
+        <p:spPr>
+          <a:xfrm>
+            <a:off x="3826980" y="3975637"/>
+            <a:ext cx="3795089" cy="2240474"/>
+          </a:xfrm>
+          <a:prstGeom prst="rect">
+            <a:avLst/>
+          </a:prstGeom>
+        </p:spPr>
+      </p:pic>
+      <p:pic>
+        <p:nvPicPr>
+          <p:cNvPr id="6" name="Picture 5">
+            <a:extLst>
+              <a:ext uri="{FF2B5EF4-FFF2-40B4-BE49-F238E27FC236}">
+                <a16:creationId xmlns:a16="http://schemas.microsoft.com/office/drawing/2014/main" id="{A655168A-710C-4E8A-B31C-2B2A2B306911}"/>
+              </a:ext>
+            </a:extLst>
+          </p:cNvPr>
+          <p:cNvPicPr>
+            <a:picLocks noChangeAspect="1"/>
+          </p:cNvPicPr>
+          <p:nvPr/>
+        </p:nvPicPr>
+        <p:blipFill>
+          <a:blip r:embed="rId3"/>
+          <a:stretch>
+            <a:fillRect/>
+          </a:stretch>
+        </p:blipFill>
+        <p:spPr>
+          <a:xfrm>
+            <a:off x="188450" y="4261412"/>
+            <a:ext cx="3459625" cy="1729813"/>
+          </a:xfrm>
+          <a:prstGeom prst="rect">
+            <a:avLst/>
+          </a:prstGeom>
+        </p:spPr>
+      </p:pic>
+      <p:sp>
+        <p:nvSpPr>
+          <p:cNvPr id="7" name="Rectangle 6">
+            <a:extLst>
+              <a:ext uri="{FF2B5EF4-FFF2-40B4-BE49-F238E27FC236}">
+                <a16:creationId xmlns:a16="http://schemas.microsoft.com/office/drawing/2014/main" id="{2666FDCD-28A6-4F7C-96F6-4FE99DE86573}"/>
+              </a:ext>
+            </a:extLst>
+          </p:cNvPr>
+          <p:cNvSpPr/>
+          <p:nvPr/>
+        </p:nvSpPr>
+        <p:spPr>
+          <a:xfrm>
+            <a:off x="188450" y="3606305"/>
+            <a:ext cx="8943975" cy="369332"/>
+          </a:xfrm>
+          <a:prstGeom prst="rect">
+            <a:avLst/>
+          </a:prstGeom>
+        </p:spPr>
+        <p:txBody>
+          <a:bodyPr wrap="none">
+            <a:spAutoFit/>
+          </a:bodyPr>
+          <a:lstStyle/>
+          <a:p>
+            <a:pPr eaLnBrk="0" fontAlgn="base" hangingPunct="0">
+              <a:lnSpc>
+                <a:spcPct val="150000"/>
+              </a:lnSpc>
+              <a:spcBef>
+                <a:spcPct val="0"/>
+              </a:spcBef>
+              <a:spcAft>
+                <a:spcPct val="0"/>
+              </a:spcAft>
+            </a:pPr>
+            <a:r>
+              <a:rPr lang="en-US" b="1" dirty="0"/>
+              <a:t>Nighttime bicycle crashes resulted in more fatalities compared to daytime crashes</a:t>
+            </a:r>
+          </a:p>
+        </p:txBody>
+      </p:sp>
+    </p:spTree>
+    <p:extLst>
+      <p:ext uri="{BB962C8B-B14F-4D97-AF65-F5344CB8AC3E}">
+        <p14:creationId xmlns:p14="http://schemas.microsoft.com/office/powerpoint/2010/main" val="2162469463"/>
+      </p:ext>
+    </p:extLst>
+  </p:cSld>
+  <p:clrMapOvr>
+    <a:masterClrMapping/>
+  </p:clrMapOvr>
+</p:sld>
+</file>
+
+<file path=ppt/slides/slide6.xml><?xml version="1.0" encoding="utf-8"?>
+<p:sld xmlns:a="http://schemas.openxmlformats.org/drawingml/2006/main" xmlns:r="http://schemas.openxmlformats.org/officeDocument/2006/relationships" xmlns:p="http://schemas.openxmlformats.org/presentationml/2006/main">
+  <p:cSld>
+    <p:spTree>
+      <p:nvGrpSpPr>
+        <p:cNvPr id="1" name=""/>
+        <p:cNvGrpSpPr/>
+        <p:nvPr/>
+      </p:nvGrpSpPr>
+      <p:grpSpPr>
+        <a:xfrm>
+          <a:off x="0" y="0"/>
+          <a:ext cx="0" cy="0"/>
+          <a:chOff x="0" y="0"/>
+          <a:chExt cx="0" cy="0"/>
+        </a:xfrm>
+      </p:grpSpPr>
+      <p:sp>
+        <p:nvSpPr>
+          <p:cNvPr id="2" name="Title 1">
+            <a:extLst>
+              <a:ext uri="{FF2B5EF4-FFF2-40B4-BE49-F238E27FC236}">
+                <a16:creationId xmlns:a16="http://schemas.microsoft.com/office/drawing/2014/main" id="{263447F3-B840-48E0-B367-4A011ACB0AF2}"/>
+              </a:ext>
+            </a:extLst>
+          </p:cNvPr>
+          <p:cNvSpPr>
+            <a:spLocks noGrp="1"/>
+          </p:cNvSpPr>
+          <p:nvPr>
+            <p:ph type="title"/>
+          </p:nvPr>
+        </p:nvSpPr>
+        <p:spPr>
+          <a:xfrm>
+            <a:off x="384809" y="191354"/>
+            <a:ext cx="11530965" cy="789722"/>
+          </a:xfrm>
+        </p:spPr>
+        <p:txBody>
+          <a:bodyPr>
+            <a:normAutofit/>
+          </a:bodyPr>
+          <a:lstStyle/>
+          <a:p>
+            <a:r>
+              <a:rPr lang="en-US" dirty="0"/>
+              <a:t>Trend Analysis – Bicyclist-related (1 of 4)</a:t>
+            </a:r>
+          </a:p>
+        </p:txBody>
+      </p:sp>
+      <p:sp>
+        <p:nvSpPr>
+          <p:cNvPr id="3" name="Rectangle 2">
+            <a:extLst>
+              <a:ext uri="{FF2B5EF4-FFF2-40B4-BE49-F238E27FC236}">
+                <a16:creationId xmlns:a16="http://schemas.microsoft.com/office/drawing/2014/main" id="{B1B10EBA-F906-44F6-B89D-C7A6DB5608E1}"/>
+              </a:ext>
+            </a:extLst>
+          </p:cNvPr>
+          <p:cNvSpPr/>
+          <p:nvPr/>
+        </p:nvSpPr>
+        <p:spPr>
+          <a:xfrm>
+            <a:off x="384808" y="1067285"/>
+            <a:ext cx="11530965" cy="870688"/>
+          </a:xfrm>
+          <a:prstGeom prst="rect">
+            <a:avLst/>
+          </a:prstGeom>
+        </p:spPr>
+        <p:txBody>
+          <a:bodyPr wrap="square">
+            <a:spAutoFit/>
+          </a:bodyPr>
+          <a:lstStyle/>
+          <a:p>
+            <a:pPr eaLnBrk="0" fontAlgn="base" hangingPunct="0">
+              <a:lnSpc>
+                <a:spcPct val="150000"/>
+              </a:lnSpc>
+              <a:spcBef>
+                <a:spcPct val="0"/>
+              </a:spcBef>
+              <a:spcAft>
+                <a:spcPct val="0"/>
+              </a:spcAft>
+            </a:pPr>
+            <a:r>
+              <a:rPr lang="en-US" altLang="en-US" b="1" dirty="0"/>
+              <a:t>Crashes involving elder bicyclists (&gt; years) resulted in more fatalities compared to younger bicyclists (&lt;65 years)</a:t>
+            </a:r>
+          </a:p>
+        </p:txBody>
+      </p:sp>
+      <p:sp>
+        <p:nvSpPr>
+          <p:cNvPr id="4" name="Rectangle 3">
+            <a:extLst>
+              <a:ext uri="{FF2B5EF4-FFF2-40B4-BE49-F238E27FC236}">
+                <a16:creationId xmlns:a16="http://schemas.microsoft.com/office/drawing/2014/main" id="{C636916C-A18C-47F5-AD05-DB6CC11D3334}"/>
+              </a:ext>
+            </a:extLst>
+          </p:cNvPr>
+          <p:cNvSpPr/>
+          <p:nvPr/>
+        </p:nvSpPr>
+        <p:spPr>
+          <a:xfrm>
+            <a:off x="384808" y="3429000"/>
+            <a:ext cx="11692891" cy="870688"/>
+          </a:xfrm>
+          <a:prstGeom prst="rect">
+            <a:avLst/>
+          </a:prstGeom>
+        </p:spPr>
+        <p:txBody>
+          <a:bodyPr wrap="square">
+            <a:spAutoFit/>
+          </a:bodyPr>
+          <a:lstStyle/>
+          <a:p>
+            <a:pPr eaLnBrk="0" fontAlgn="base" hangingPunct="0">
+              <a:lnSpc>
+                <a:spcPct val="150000"/>
+              </a:lnSpc>
+              <a:spcBef>
+                <a:spcPct val="0"/>
+              </a:spcBef>
+              <a:spcAft>
+                <a:spcPct val="0"/>
+              </a:spcAft>
+            </a:pPr>
+            <a:r>
+              <a:rPr lang="en-US" b="1" dirty="0"/>
+              <a:t>Crashes involving male bicyclists resulted in more fatalities compared to crashes involving female bicyclists</a:t>
+            </a:r>
+          </a:p>
+        </p:txBody>
+      </p:sp>
+    </p:spTree>
+    <p:extLst>
+      <p:ext uri="{BB962C8B-B14F-4D97-AF65-F5344CB8AC3E}">
+        <p14:creationId xmlns:p14="http://schemas.microsoft.com/office/powerpoint/2010/main" val="3640162085"/>
+      </p:ext>
+    </p:extLst>
+  </p:cSld>
+  <p:clrMapOvr>
+    <a:masterClrMapping/>
+  </p:clrMapOvr>
+</p:sld>
+</file>
+
+<file path=ppt/slides/slide7.xml><?xml version="1.0" encoding="utf-8"?>
+<p:sld xmlns:a="http://schemas.openxmlformats.org/drawingml/2006/main" xmlns:r="http://schemas.openxmlformats.org/officeDocument/2006/relationships" xmlns:p="http://schemas.openxmlformats.org/presentationml/2006/main">
+  <p:cSld>
+    <p:spTree>
+      <p:nvGrpSpPr>
+        <p:cNvPr id="1" name=""/>
+        <p:cNvGrpSpPr/>
+        <p:nvPr/>
+      </p:nvGrpSpPr>
+      <p:grpSpPr>
+        <a:xfrm>
+          <a:off x="0" y="0"/>
+          <a:ext cx="0" cy="0"/>
+          <a:chOff x="0" y="0"/>
+          <a:chExt cx="0" cy="0"/>
+        </a:xfrm>
+      </p:grpSpPr>
+      <p:sp>
+        <p:nvSpPr>
+          <p:cNvPr id="2" name="Title 1">
+            <a:extLst>
+              <a:ext uri="{FF2B5EF4-FFF2-40B4-BE49-F238E27FC236}">
+                <a16:creationId xmlns:a16="http://schemas.microsoft.com/office/drawing/2014/main" id="{D7230CD9-B867-4DAF-9751-FA117E8039A6}"/>
+              </a:ext>
+            </a:extLst>
+          </p:cNvPr>
+          <p:cNvSpPr>
+            <a:spLocks noGrp="1"/>
+          </p:cNvSpPr>
+          <p:nvPr>
+            <p:ph type="title"/>
+          </p:nvPr>
+        </p:nvSpPr>
+        <p:spPr/>
+        <p:txBody>
+          <a:bodyPr/>
+          <a:lstStyle/>
+          <a:p>
+            <a:r>
+              <a:rPr lang="en-US" dirty="0"/>
+              <a:t>Trend Analysis – Bicyclist-related (2 of 4)</a:t>
+            </a:r>
+          </a:p>
+        </p:txBody>
+      </p:sp>
+      <p:pic>
+        <p:nvPicPr>
+          <p:cNvPr id="3" name="Picture 2">
+            <a:extLst>
+              <a:ext uri="{FF2B5EF4-FFF2-40B4-BE49-F238E27FC236}">
+                <a16:creationId xmlns:a16="http://schemas.microsoft.com/office/drawing/2014/main" id="{A6068ED7-517A-422D-AE40-9D4300E4D94F}"/>
+              </a:ext>
+            </a:extLst>
+          </p:cNvPr>
+          <p:cNvPicPr>
+            <a:picLocks noChangeAspect="1"/>
+          </p:cNvPicPr>
+          <p:nvPr/>
+        </p:nvPicPr>
+        <p:blipFill>
+          <a:blip r:embed="rId2"/>
+          <a:stretch>
+            <a:fillRect/>
+          </a:stretch>
+        </p:blipFill>
+        <p:spPr>
+          <a:xfrm>
+            <a:off x="384810" y="1961556"/>
+            <a:ext cx="3033023" cy="3558848"/>
+          </a:xfrm>
+          <a:prstGeom prst="rect">
+            <a:avLst/>
+          </a:prstGeom>
+        </p:spPr>
+      </p:pic>
+      <p:sp>
+        <p:nvSpPr>
+          <p:cNvPr id="4" name="Rectangle 3">
+            <a:extLst>
+              <a:ext uri="{FF2B5EF4-FFF2-40B4-BE49-F238E27FC236}">
+                <a16:creationId xmlns:a16="http://schemas.microsoft.com/office/drawing/2014/main" id="{0511BCE3-E0F6-4565-96C0-7F702206F17F}"/>
+              </a:ext>
+            </a:extLst>
+          </p:cNvPr>
+          <p:cNvSpPr/>
+          <p:nvPr/>
+        </p:nvSpPr>
+        <p:spPr>
+          <a:xfrm>
+            <a:off x="384810" y="981076"/>
+            <a:ext cx="11692891" cy="923330"/>
+          </a:xfrm>
+          <a:prstGeom prst="rect">
+            <a:avLst/>
+          </a:prstGeom>
+        </p:spPr>
+        <p:txBody>
+          <a:bodyPr wrap="square">
+            <a:spAutoFit/>
+          </a:bodyPr>
+          <a:lstStyle/>
+          <a:p>
+            <a:pPr eaLnBrk="0" fontAlgn="base" hangingPunct="0">
+              <a:spcBef>
+                <a:spcPct val="0"/>
+              </a:spcBef>
+              <a:spcAft>
+                <a:spcPct val="0"/>
+              </a:spcAft>
+            </a:pPr>
+            <a:r>
+              <a:rPr lang="en-US" b="1" dirty="0"/>
+              <a:t>Of the ~15% Hit-n-Run cases: </a:t>
+            </a:r>
+          </a:p>
+          <a:p>
+            <a:pPr marL="285750" indent="-285750" eaLnBrk="0" fontAlgn="base" hangingPunct="0">
+              <a:spcBef>
+                <a:spcPct val="0"/>
+              </a:spcBef>
+              <a:spcAft>
+                <a:spcPct val="0"/>
+              </a:spcAft>
+              <a:buFont typeface="Wingdings" panose="05000000000000000000" pitchFamily="2" charset="2"/>
+              <a:buChar char="§"/>
+            </a:pPr>
+            <a:r>
+              <a:rPr lang="en-US" b="1" dirty="0"/>
+              <a:t>	29 (1.7%) resulted in bicyclist fatalities and </a:t>
+            </a:r>
+          </a:p>
+          <a:p>
+            <a:pPr marL="285750" indent="-285750" eaLnBrk="0" fontAlgn="base" hangingPunct="0">
+              <a:spcBef>
+                <a:spcPct val="0"/>
+              </a:spcBef>
+              <a:spcAft>
+                <a:spcPct val="0"/>
+              </a:spcAft>
+              <a:buFont typeface="Wingdings" panose="05000000000000000000" pitchFamily="2" charset="2"/>
+              <a:buChar char="§"/>
+            </a:pPr>
+            <a:r>
+              <a:rPr lang="en-US" b="1" dirty="0"/>
+              <a:t>	2 (0.12%) motor-vehicle driver fatalities </a:t>
+            </a:r>
+          </a:p>
+        </p:txBody>
+      </p:sp>
+    </p:spTree>
+    <p:extLst>
+      <p:ext uri="{BB962C8B-B14F-4D97-AF65-F5344CB8AC3E}">
+        <p14:creationId xmlns:p14="http://schemas.microsoft.com/office/powerpoint/2010/main" val="3230725314"/>
+      </p:ext>
+    </p:extLst>
+  </p:cSld>
+  <p:clrMapOvr>
+    <a:masterClrMapping/>
+  </p:clrMapOvr>
+</p:sld>
+</file>
+
+<file path=ppt/slides/slide8.xml><?xml version="1.0" encoding="utf-8"?>
+<p:sld xmlns:a="http://schemas.openxmlformats.org/drawingml/2006/main" xmlns:r="http://schemas.openxmlformats.org/officeDocument/2006/relationships" xmlns:p="http://schemas.openxmlformats.org/presentationml/2006/main">
+  <p:cSld>
+    <p:spTree>
+      <p:nvGrpSpPr>
+        <p:cNvPr id="1" name=""/>
+        <p:cNvGrpSpPr/>
+        <p:nvPr/>
+      </p:nvGrpSpPr>
+      <p:grpSpPr>
+        <a:xfrm>
+          <a:off x="0" y="0"/>
+          <a:ext cx="0" cy="0"/>
+          <a:chOff x="0" y="0"/>
+          <a:chExt cx="0" cy="0"/>
+        </a:xfrm>
+      </p:grpSpPr>
+      <p:sp>
+        <p:nvSpPr>
+          <p:cNvPr id="2" name="Title 1">
+            <a:extLst>
+              <a:ext uri="{FF2B5EF4-FFF2-40B4-BE49-F238E27FC236}">
+                <a16:creationId xmlns:a16="http://schemas.microsoft.com/office/drawing/2014/main" id="{D7230CD9-B867-4DAF-9751-FA117E8039A6}"/>
+              </a:ext>
+            </a:extLst>
+          </p:cNvPr>
+          <p:cNvSpPr>
+            <a:spLocks noGrp="1"/>
+          </p:cNvSpPr>
+          <p:nvPr>
+            <p:ph type="title"/>
+          </p:nvPr>
+        </p:nvSpPr>
+        <p:spPr/>
+        <p:txBody>
+          <a:bodyPr/>
+          <a:lstStyle/>
+          <a:p>
+            <a:r>
+              <a:rPr lang="en-US" dirty="0"/>
+              <a:t>Trend Analysis – Bicyclist-related (3 of 4)</a:t>
+            </a:r>
+          </a:p>
+        </p:txBody>
+      </p:sp>
+      <p:pic>
+        <p:nvPicPr>
+          <p:cNvPr id="3" name="Picture 2">
+            <a:extLst>
+              <a:ext uri="{FF2B5EF4-FFF2-40B4-BE49-F238E27FC236}">
+                <a16:creationId xmlns:a16="http://schemas.microsoft.com/office/drawing/2014/main" id="{A6068ED7-517A-422D-AE40-9D4300E4D94F}"/>
+              </a:ext>
+            </a:extLst>
+          </p:cNvPr>
+          <p:cNvPicPr>
+            <a:picLocks noChangeAspect="1"/>
+          </p:cNvPicPr>
+          <p:nvPr/>
+        </p:nvPicPr>
+        <p:blipFill>
+          <a:blip r:embed="rId2"/>
+          <a:stretch>
+            <a:fillRect/>
+          </a:stretch>
+        </p:blipFill>
+        <p:spPr>
+          <a:xfrm>
+            <a:off x="4579488" y="1649576"/>
+            <a:ext cx="3033023" cy="3558848"/>
+          </a:xfrm>
+          <a:prstGeom prst="rect">
+            <a:avLst/>
+          </a:prstGeom>
+        </p:spPr>
+      </p:pic>
+    </p:spTree>
+    <p:extLst>
+      <p:ext uri="{BB962C8B-B14F-4D97-AF65-F5344CB8AC3E}">
+        <p14:creationId xmlns:p14="http://schemas.microsoft.com/office/powerpoint/2010/main" val="3102968231"/>
+      </p:ext>
+    </p:extLst>
+  </p:cSld>
+  <p:clrMapOvr>
+    <a:masterClrMapping/>
+  </p:clrMapOvr>
+</p:sld>
+</file>
+
+<file path=ppt/slides/slide9.xml><?xml version="1.0" encoding="utf-8"?>
+<p:sld xmlns:a="http://schemas.openxmlformats.org/drawingml/2006/main" xmlns:r="http://schemas.openxmlformats.org/officeDocument/2006/relationships" xmlns:p="http://schemas.openxmlformats.org/presentationml/2006/main">
+  <p:cSld>
+    <p:spTree>
+      <p:nvGrpSpPr>
+        <p:cNvPr id="1" name=""/>
+        <p:cNvGrpSpPr/>
+        <p:nvPr/>
+      </p:nvGrpSpPr>
+      <p:grpSpPr>
+        <a:xfrm>
+          <a:off x="0" y="0"/>
+          <a:ext cx="0" cy="0"/>
+          <a:chOff x="0" y="0"/>
+          <a:chExt cx="0" cy="0"/>
+        </a:xfrm>
+      </p:grpSpPr>
+      <p:sp>
+        <p:nvSpPr>
+          <p:cNvPr id="2" name="Title 1">
+            <a:extLst>
+              <a:ext uri="{FF2B5EF4-FFF2-40B4-BE49-F238E27FC236}">
+                <a16:creationId xmlns:a16="http://schemas.microsoft.com/office/drawing/2014/main" id="{D7230CD9-B867-4DAF-9751-FA117E8039A6}"/>
+              </a:ext>
+            </a:extLst>
+          </p:cNvPr>
+          <p:cNvSpPr>
+            <a:spLocks noGrp="1"/>
+          </p:cNvSpPr>
+          <p:nvPr>
+            <p:ph type="title"/>
+          </p:nvPr>
+        </p:nvSpPr>
+        <p:spPr/>
+        <p:txBody>
+          <a:bodyPr/>
+          <a:lstStyle/>
+          <a:p>
+            <a:r>
+              <a:rPr lang="en-US" dirty="0"/>
+              <a:t>Trend Analysis – Bicyclist-related (4 of 4)</a:t>
+            </a:r>
+          </a:p>
+        </p:txBody>
+      </p:sp>
+      <p:pic>
+        <p:nvPicPr>
+          <p:cNvPr id="3" name="Picture 2">
+            <a:extLst>
+              <a:ext uri="{FF2B5EF4-FFF2-40B4-BE49-F238E27FC236}">
+                <a16:creationId xmlns:a16="http://schemas.microsoft.com/office/drawing/2014/main" id="{A6068ED7-517A-422D-AE40-9D4300E4D94F}"/>
+              </a:ext>
+            </a:extLst>
+          </p:cNvPr>
+          <p:cNvPicPr>
+            <a:picLocks noChangeAspect="1"/>
+          </p:cNvPicPr>
+          <p:nvPr/>
+        </p:nvPicPr>
+        <p:blipFill>
+          <a:blip r:embed="rId2"/>
+          <a:stretch>
+            <a:fillRect/>
+          </a:stretch>
+        </p:blipFill>
+        <p:spPr>
+          <a:xfrm>
+            <a:off x="4579488" y="1649576"/>
+            <a:ext cx="3033023" cy="3558848"/>
+          </a:xfrm>
+          <a:prstGeom prst="rect">
+            <a:avLst/>
+          </a:prstGeom>
+        </p:spPr>
+      </p:pic>
+    </p:spTree>
+    <p:extLst>
+      <p:ext uri="{BB962C8B-B14F-4D97-AF65-F5344CB8AC3E}">
+        <p14:creationId xmlns:p14="http://schemas.microsoft.com/office/powerpoint/2010/main" val="605961178"/>
+      </p:ext>
+    </p:extLst>
+  </p:cSld>
+  <p:clrMapOvr>
+    <a:masterClrMapping/>
+  </p:clrMapOvr>
+</p:sld>
+</file>
+
 <file path=ppt/theme/theme1.xml><?xml version="1.0" encoding="utf-8"?>
-<a:theme xmlns:a="http://schemas.openxmlformats.org/drawingml/2006/main" name="Office Theme">
+<a:theme xmlns:a="http://schemas.openxmlformats.org/drawingml/2006/main" name="Retrospect">
   <a:themeElements>
-    <a:clrScheme name="Office">
+    <a:clrScheme name="Retrospect">
       <a:dk1>
         <a:sysClr val="windowText" lastClr="000000"/>
       </a:dk1>
@@ -5075,44 +8269,44 @@
         <a:sysClr val="window" lastClr="FFFFFF"/>
       </a:lt1>
       <a:dk2>
-        <a:srgbClr val="44546A"/>
+        <a:srgbClr val="344068"/>
       </a:dk2>
       <a:lt2>
-        <a:srgbClr val="E7E6E6"/>
+        <a:srgbClr val="D9E0E6"/>
       </a:lt2>
       <a:accent1>
-        <a:srgbClr val="4472C4"/>
+        <a:srgbClr val="1CADE4"/>
       </a:accent1>
       <a:accent2>
-        <a:srgbClr val="ED7D31"/>
+        <a:srgbClr val="2683C6"/>
       </a:accent2>
       <a:accent3>
-        <a:srgbClr val="A5A5A5"/>
+        <a:srgbClr val="28C4CC"/>
       </a:accent3>
       <a:accent4>
-        <a:srgbClr val="FFC000"/>
+        <a:srgbClr val="42BA97"/>
       </a:accent4>
       <a:accent5>
-        <a:srgbClr val="5B9BD5"/>
+        <a:srgbClr val="3E8853"/>
       </a:accent5>
       <a:accent6>
-        <a:srgbClr val="70AD47"/>
+        <a:srgbClr val="62A39F"/>
       </a:accent6>
       <a:hlink>
-        <a:srgbClr val="0563C1"/>
+        <a:srgbClr val="6EAC1C"/>
       </a:hlink>
       <a:folHlink>
-        <a:srgbClr val="954F72"/>
+        <a:srgbClr val="B26B02"/>
       </a:folHlink>
     </a:clrScheme>
-    <a:fontScheme name="Office">
+    <a:fontScheme name="Century Gothic">
       <a:majorFont>
-        <a:latin typeface="Calibri Light" panose="020F0302020204030204"/>
+        <a:latin typeface="Century Gothic" panose="020F0302020204030204"/>
         <a:ea typeface=""/>
         <a:cs typeface=""/>
-        <a:font script="Jpan" typeface="游ゴシック Light"/>
+        <a:font script="Jpan" typeface="メイリオ"/>
         <a:font script="Hang" typeface="맑은 고딕"/>
-        <a:font script="Hans" typeface="等线 Light"/>
+        <a:font script="Hans" typeface="宋体"/>
         <a:font script="Hant" typeface="新細明體"/>
         <a:font script="Arab" typeface="Times New Roman"/>
         <a:font script="Hebr" typeface="Times New Roman"/>
@@ -5140,31 +8334,14 @@
         <a:font script="Viet" typeface="Times New Roman"/>
         <a:font script="Uigh" typeface="Microsoft Uighur"/>
         <a:font script="Geor" typeface="Sylfaen"/>
-        <a:font script="Armn" typeface="Arial"/>
-        <a:font script="Bugi" typeface="Leelawadee UI"/>
-        <a:font script="Bopo" typeface="Microsoft JhengHei"/>
-        <a:font script="Java" typeface="Javanese Text"/>
-        <a:font script="Lisu" typeface="Segoe UI"/>
-        <a:font script="Mymr" typeface="Myanmar Text"/>
-        <a:font script="Nkoo" typeface="Ebrima"/>
-        <a:font script="Olck" typeface="Nirmala UI"/>
-        <a:font script="Osma" typeface="Ebrima"/>
-        <a:font script="Phag" typeface="Phagspa"/>
-        <a:font script="Syrn" typeface="Estrangelo Edessa"/>
-        <a:font script="Syrj" typeface="Estrangelo Edessa"/>
-        <a:font script="Syre" typeface="Estrangelo Edessa"/>
-        <a:font script="Sora" typeface="Nirmala UI"/>
-        <a:font script="Tale" typeface="Microsoft Tai Le"/>
-        <a:font script="Talu" typeface="Microsoft New Tai Lue"/>
-        <a:font script="Tfng" typeface="Ebrima"/>
       </a:majorFont>
       <a:minorFont>
-        <a:latin typeface="Calibri" panose="020F0502020204030204"/>
+        <a:latin typeface="Century Gothic" panose="020F0302020204030204"/>
         <a:ea typeface=""/>
         <a:cs typeface=""/>
-        <a:font script="Jpan" typeface="游ゴシック"/>
+        <a:font script="Jpan" typeface="メイリオ"/>
         <a:font script="Hang" typeface="맑은 고딕"/>
-        <a:font script="Hans" typeface="等线"/>
+        <a:font script="Hans" typeface="宋体"/>
         <a:font script="Hant" typeface="新細明體"/>
         <a:font script="Arab" typeface="Arial"/>
         <a:font script="Hebr" typeface="Arial"/>
@@ -5192,26 +8369,9 @@
         <a:font script="Viet" typeface="Arial"/>
         <a:font script="Uigh" typeface="Microsoft Uighur"/>
         <a:font script="Geor" typeface="Sylfaen"/>
-        <a:font script="Armn" typeface="Arial"/>
-        <a:font script="Bugi" typeface="Leelawadee UI"/>
-        <a:font script="Bopo" typeface="Microsoft JhengHei"/>
-        <a:font script="Java" typeface="Javanese Text"/>
-        <a:font script="Lisu" typeface="Segoe UI"/>
-        <a:font script="Mymr" typeface="Myanmar Text"/>
-        <a:font script="Nkoo" typeface="Ebrima"/>
-        <a:font script="Olck" typeface="Nirmala UI"/>
-        <a:font script="Osma" typeface="Ebrima"/>
-        <a:font script="Phag" typeface="Phagspa"/>
-        <a:font script="Syrn" typeface="Estrangelo Edessa"/>
-        <a:font script="Syrj" typeface="Estrangelo Edessa"/>
-        <a:font script="Syre" typeface="Estrangelo Edessa"/>
-        <a:font script="Sora" typeface="Nirmala UI"/>
-        <a:font script="Tale" typeface="Microsoft Tai Le"/>
-        <a:font script="Talu" typeface="Microsoft New Tai Lue"/>
-        <a:font script="Tfng" typeface="Ebrima"/>
       </a:minorFont>
     </a:fontScheme>
-    <a:fmtScheme name="Office">
+    <a:fmtScheme name="Retrospect">
       <a:fillStyleLst>
         <a:solidFill>
           <a:schemeClr val="phClr"/>
@@ -5220,76 +8380,81 @@
           <a:gsLst>
             <a:gs pos="0">
               <a:schemeClr val="phClr">
-                <a:lumMod val="110000"/>
-                <a:satMod val="105000"/>
-                <a:tint val="67000"/>
+                <a:tint val="65000"/>
+                <a:shade val="92000"/>
+                <a:satMod val="130000"/>
               </a:schemeClr>
             </a:gs>
-            <a:gs pos="50000">
+            <a:gs pos="45000">
               <a:schemeClr val="phClr">
-                <a:lumMod val="105000"/>
-                <a:satMod val="103000"/>
-                <a:tint val="73000"/>
+                <a:tint val="60000"/>
+                <a:shade val="99000"/>
+                <a:satMod val="120000"/>
               </a:schemeClr>
             </a:gs>
             <a:gs pos="100000">
               <a:schemeClr val="phClr">
-                <a:lumMod val="105000"/>
-                <a:satMod val="109000"/>
-                <a:tint val="81000"/>
+                <a:tint val="55000"/>
+                <a:satMod val="140000"/>
               </a:schemeClr>
             </a:gs>
           </a:gsLst>
-          <a:lin ang="5400000" scaled="0"/>
+          <a:path path="circle">
+            <a:fillToRect l="100000" t="100000" r="100000" b="100000"/>
+          </a:path>
         </a:gradFill>
         <a:gradFill rotWithShape="1">
           <a:gsLst>
             <a:gs pos="0">
               <a:schemeClr val="phClr">
-                <a:satMod val="103000"/>
-                <a:lumMod val="102000"/>
-                <a:tint val="94000"/>
+                <a:shade val="85000"/>
+                <a:satMod val="130000"/>
               </a:schemeClr>
             </a:gs>
-            <a:gs pos="50000">
+            <a:gs pos="34000">
               <a:schemeClr val="phClr">
-                <a:satMod val="110000"/>
-                <a:lumMod val="100000"/>
-                <a:shade val="100000"/>
+                <a:shade val="87000"/>
+                <a:satMod val="125000"/>
+              </a:schemeClr>
+            </a:gs>
+            <a:gs pos="70000">
+              <a:schemeClr val="phClr">
+                <a:tint val="100000"/>
+                <a:shade val="90000"/>
+                <a:satMod val="130000"/>
               </a:schemeClr>
             </a:gs>
             <a:gs pos="100000">
               <a:schemeClr val="phClr">
-                <a:lumMod val="99000"/>
-                <a:satMod val="120000"/>
-                <a:shade val="78000"/>
+                <a:tint val="100000"/>
+                <a:shade val="100000"/>
+                <a:satMod val="110000"/>
               </a:schemeClr>
             </a:gs>
           </a:gsLst>
-          <a:lin ang="5400000" scaled="0"/>
+          <a:path path="circle">
+            <a:fillToRect l="100000" t="100000" r="100000" b="100000"/>
+          </a:path>
         </a:gradFill>
       </a:fillStyleLst>
       <a:lnStyleLst>
-        <a:ln w="6350" cap="flat" cmpd="sng" algn="ctr">
-          <a:solidFill>
-            <a:schemeClr val="phClr"/>
-          </a:solidFill>
-          <a:prstDash val="solid"/>
-          <a:miter lim="800000"/>
-        </a:ln>
         <a:ln w="12700" cap="flat" cmpd="sng" algn="ctr">
           <a:solidFill>
             <a:schemeClr val="phClr"/>
           </a:solidFill>
           <a:prstDash val="solid"/>
-          <a:miter lim="800000"/>
         </a:ln>
-        <a:ln w="19050" cap="flat" cmpd="sng" algn="ctr">
+        <a:ln w="15875" cap="flat" cmpd="sng" algn="ctr">
           <a:solidFill>
             <a:schemeClr val="phClr"/>
           </a:solidFill>
           <a:prstDash val="solid"/>
-          <a:miter lim="800000"/>
+        </a:ln>
+        <a:ln w="25400" cap="flat" cmpd="sng" algn="ctr">
+          <a:solidFill>
+            <a:schemeClr val="phClr"/>
+          </a:solidFill>
+          <a:prstDash val="solid"/>
         </a:ln>
       </a:lnStyleLst>
       <a:effectStyleLst>
@@ -5297,16 +8462,33 @@
           <a:effectLst/>
         </a:effectStyle>
         <a:effectStyle>
-          <a:effectLst/>
+          <a:effectLst>
+            <a:outerShdw blurRad="38100" dist="25400" dir="2700000" algn="br" rotWithShape="0">
+              <a:srgbClr val="000000">
+                <a:alpha val="60000"/>
+              </a:srgbClr>
+            </a:outerShdw>
+          </a:effectLst>
         </a:effectStyle>
         <a:effectStyle>
           <a:effectLst>
-            <a:outerShdw blurRad="57150" dist="19050" dir="5400000" algn="ctr" rotWithShape="0">
+            <a:outerShdw blurRad="44450" dist="25400" dir="2700000" algn="br" rotWithShape="0">
               <a:srgbClr val="000000">
-                <a:alpha val="63000"/>
+                <a:alpha val="60000"/>
               </a:srgbClr>
             </a:outerShdw>
           </a:effectLst>
+          <a:scene3d>
+            <a:camera prst="orthographicFront">
+              <a:rot lat="0" lon="0" rev="0"/>
+            </a:camera>
+            <a:lightRig rig="threePt" dir="t">
+              <a:rot lat="0" lon="0" rev="19800000"/>
+            </a:lightRig>
+          </a:scene3d>
+          <a:sp3d prstMaterial="flat">
+            <a:bevelT w="25400" h="31750"/>
+          </a:sp3d>
         </a:effectStyle>
       </a:effectStyleLst>
       <a:bgFillStyleLst>
@@ -5315,36 +8497,36 @@
         </a:solidFill>
         <a:solidFill>
           <a:schemeClr val="phClr">
-            <a:tint val="95000"/>
-            <a:satMod val="170000"/>
+            <a:tint val="90000"/>
+            <a:shade val="97000"/>
+            <a:satMod val="130000"/>
           </a:schemeClr>
         </a:solidFill>
         <a:gradFill rotWithShape="1">
           <a:gsLst>
             <a:gs pos="0">
               <a:schemeClr val="phClr">
-                <a:tint val="93000"/>
-                <a:satMod val="150000"/>
-                <a:shade val="98000"/>
-                <a:lumMod val="102000"/>
+                <a:tint val="96000"/>
+                <a:shade val="99000"/>
+                <a:satMod val="140000"/>
               </a:schemeClr>
             </a:gs>
-            <a:gs pos="50000">
+            <a:gs pos="65000">
               <a:schemeClr val="phClr">
-                <a:tint val="98000"/>
+                <a:tint val="100000"/>
+                <a:shade val="80000"/>
                 <a:satMod val="130000"/>
-                <a:shade val="90000"/>
-                <a:lumMod val="103000"/>
               </a:schemeClr>
             </a:gs>
             <a:gs pos="100000">
               <a:schemeClr val="phClr">
-                <a:shade val="63000"/>
+                <a:tint val="100000"/>
+                <a:shade val="48000"/>
                 <a:satMod val="120000"/>
               </a:schemeClr>
             </a:gs>
           </a:gsLst>
-          <a:lin ang="5400000" scaled="0"/>
+          <a:lin ang="16200000" scaled="0"/>
         </a:gradFill>
       </a:bgFillStyleLst>
     </a:fmtScheme>
@@ -5353,7 +8535,7 @@
   <a:extraClrSchemeLst/>
   <a:extLst>
     <a:ext uri="{05A4C25C-085E-4340-85A3-A5531E510DB2}">
-      <thm15:themeFamily xmlns:thm15="http://schemas.microsoft.com/office/thememl/2012/main" name="Office Theme" id="{62F939B6-93AF-4DB8-9C6B-D6C7DFDC589F}" vid="{4A3C46E8-61CC-4603-A589-7422A47A8E4A}"/>
+      <thm15:themeFamily xmlns:thm15="http://schemas.microsoft.com/office/thememl/2012/main" name="Retrospect" id="{5F128B03-DCCA-4EEB-AB3B-CF2899314A46}" vid="{9CC26709-368C-4D72-9060-94E5B3FF3CD6}"/>
     </a:ext>
   </a:extLst>
 </a:theme>

--- a/Project 1 - Group 2 - Statewide Bicycle Crash Analysis.pptx
+++ b/Project 1 - Group 2 - Statewide Bicycle Crash Analysis.pptx
@@ -5,7 +5,7 @@
     <p:sldMasterId id="2147483672" r:id="rId1"/>
   </p:sldMasterIdLst>
   <p:notesMasterIdLst>
-    <p:notesMasterId r:id="rId22"/>
+    <p:notesMasterId r:id="rId23"/>
   </p:notesMasterIdLst>
   <p:sldIdLst>
     <p:sldId id="256" r:id="rId2"/>
@@ -13,21 +13,22 @@
     <p:sldId id="267" r:id="rId4"/>
     <p:sldId id="278" r:id="rId5"/>
     <p:sldId id="276" r:id="rId6"/>
-    <p:sldId id="275" r:id="rId7"/>
-    <p:sldId id="268" r:id="rId8"/>
-    <p:sldId id="281" r:id="rId9"/>
-    <p:sldId id="277" r:id="rId10"/>
-    <p:sldId id="269" r:id="rId11"/>
-    <p:sldId id="272" r:id="rId12"/>
-    <p:sldId id="271" r:id="rId13"/>
-    <p:sldId id="273" r:id="rId14"/>
-    <p:sldId id="274" r:id="rId15"/>
-    <p:sldId id="280" r:id="rId16"/>
-    <p:sldId id="279" r:id="rId17"/>
-    <p:sldId id="270" r:id="rId18"/>
-    <p:sldId id="265" r:id="rId19"/>
-    <p:sldId id="258" r:id="rId20"/>
-    <p:sldId id="257" r:id="rId21"/>
+    <p:sldId id="282" r:id="rId7"/>
+    <p:sldId id="275" r:id="rId8"/>
+    <p:sldId id="268" r:id="rId9"/>
+    <p:sldId id="265" r:id="rId10"/>
+    <p:sldId id="281" r:id="rId11"/>
+    <p:sldId id="283" r:id="rId12"/>
+    <p:sldId id="284" r:id="rId13"/>
+    <p:sldId id="277" r:id="rId14"/>
+    <p:sldId id="269" r:id="rId15"/>
+    <p:sldId id="272" r:id="rId16"/>
+    <p:sldId id="271" r:id="rId17"/>
+    <p:sldId id="273" r:id="rId18"/>
+    <p:sldId id="274" r:id="rId19"/>
+    <p:sldId id="280" r:id="rId20"/>
+    <p:sldId id="279" r:id="rId21"/>
+    <p:sldId id="270" r:id="rId22"/>
   </p:sldIdLst>
   <p:sldSz cx="12192000" cy="6858000"/>
   <p:notesSz cx="6858000" cy="9144000"/>
@@ -216,7 +217,7 @@
           <a:p>
             <a:fld id="{FAF253CA-FE4F-4765-B0DD-4162DB93282F}" type="datetimeFigureOut">
               <a:rPr lang="en-US" smtClean="0"/>
-              <a:t>4/15/2020</a:t>
+              <a:t>4/16/2020</a:t>
             </a:fld>
             <a:endParaRPr lang="en-US"/>
           </a:p>
@@ -545,7 +546,7 @@
           <a:p>
             <a:fld id="{7CE90542-9A30-4E29-AA01-78595DCE0BD4}" type="datetime1">
               <a:rPr lang="en-US" smtClean="0"/>
-              <a:t>4/15/2020</a:t>
+              <a:t>4/16/2020</a:t>
             </a:fld>
             <a:endParaRPr lang="en-US"/>
           </a:p>
@@ -719,7 +720,7 @@
           <a:p>
             <a:fld id="{DC16A947-EEA3-483A-98D8-BE9434FC4800}" type="datetime1">
               <a:rPr lang="en-US" smtClean="0"/>
-              <a:t>4/15/2020</a:t>
+              <a:t>4/16/2020</a:t>
             </a:fld>
             <a:endParaRPr lang="en-US"/>
           </a:p>
@@ -1016,7 +1017,7 @@
           <a:p>
             <a:fld id="{F46C4471-FC87-4D66-AD5E-4589409DA5A7}" type="datetime1">
               <a:rPr lang="en-US" smtClean="0"/>
-              <a:t>4/15/2020</a:t>
+              <a:t>4/16/2020</a:t>
             </a:fld>
             <a:endParaRPr lang="en-US"/>
           </a:p>
@@ -1189,7 +1190,7 @@
           <a:p>
             <a:fld id="{29BDE81A-25E8-4BC1-B510-E3F15FB6956E}" type="datetime1">
               <a:rPr lang="en-US" smtClean="0"/>
-              <a:t>4/15/2020</a:t>
+              <a:t>4/16/2020</a:t>
             </a:fld>
             <a:endParaRPr lang="en-US"/>
           </a:p>
@@ -1428,7 +1429,7 @@
           <a:p>
             <a:fld id="{B1CBD8C0-B44F-4380-BAFA-C5D5EF128DE3}" type="datetime1">
               <a:rPr lang="en-US" smtClean="0"/>
-              <a:t>4/15/2020</a:t>
+              <a:t>4/16/2020</a:t>
             </a:fld>
             <a:endParaRPr lang="en-US"/>
           </a:p>
@@ -1716,7 +1717,7 @@
           <a:p>
             <a:fld id="{066AB329-CA81-43EB-B674-21DEFD9388A4}" type="datetime1">
               <a:rPr lang="en-US" smtClean="0"/>
-              <a:t>4/15/2020</a:t>
+              <a:t>4/16/2020</a:t>
             </a:fld>
             <a:endParaRPr lang="en-US" dirty="0"/>
           </a:p>
@@ -2453,7 +2454,7 @@
           <p:cNvPr id="2" name="Title 1">
             <a:extLst>
               <a:ext uri="{FF2B5EF4-FFF2-40B4-BE49-F238E27FC236}">
-                <a16:creationId xmlns:a16="http://schemas.microsoft.com/office/drawing/2014/main" id="{263447F3-B840-48E0-B367-4A011ACB0AF2}"/>
+                <a16:creationId xmlns:a16="http://schemas.microsoft.com/office/drawing/2014/main" id="{C3232A53-CCD4-4C80-A7B4-CCE3648E1FD4}"/>
               </a:ext>
             </a:extLst>
           </p:cNvPr>
@@ -2464,260 +2465,32 @@
             <p:ph type="title"/>
           </p:nvPr>
         </p:nvSpPr>
-        <p:spPr>
-          <a:xfrm>
-            <a:off x="384809" y="191354"/>
-            <a:ext cx="11530965" cy="789722"/>
-          </a:xfrm>
-        </p:spPr>
-        <p:txBody>
-          <a:bodyPr>
-            <a:normAutofit/>
-          </a:bodyPr>
+        <p:spPr/>
+        <p:txBody>
+          <a:bodyPr/>
           <a:lstStyle/>
           <a:p>
             <a:r>
               <a:rPr lang="en-US" dirty="0"/>
-              <a:t>Trend Analysis – Bicyclist Fatality Trends – WHO?</a:t>
-            </a:r>
-          </a:p>
-        </p:txBody>
-      </p:sp>
-      <p:sp>
-        <p:nvSpPr>
-          <p:cNvPr id="3" name="Rectangle 2">
-            <a:extLst>
-              <a:ext uri="{FF2B5EF4-FFF2-40B4-BE49-F238E27FC236}">
-                <a16:creationId xmlns:a16="http://schemas.microsoft.com/office/drawing/2014/main" id="{B1B10EBA-F906-44F6-B89D-C7A6DB5608E1}"/>
-              </a:ext>
-            </a:extLst>
-          </p:cNvPr>
-          <p:cNvSpPr/>
-          <p:nvPr/>
-        </p:nvSpPr>
-        <p:spPr>
-          <a:xfrm>
-            <a:off x="5330952" y="1780166"/>
-            <a:ext cx="6660083" cy="454292"/>
-          </a:xfrm>
-          <a:prstGeom prst="rect">
-            <a:avLst/>
-          </a:prstGeom>
-        </p:spPr>
-        <p:txBody>
-          <a:bodyPr wrap="square">
-            <a:spAutoFit/>
-          </a:bodyPr>
-          <a:lstStyle/>
-          <a:p>
-            <a:pPr eaLnBrk="0" fontAlgn="base" hangingPunct="0">
-              <a:lnSpc>
-                <a:spcPct val="150000"/>
-              </a:lnSpc>
-              <a:spcBef>
-                <a:spcPct val="0"/>
-              </a:spcBef>
-              <a:spcAft>
-                <a:spcPct val="0"/>
-              </a:spcAft>
-            </a:pPr>
-            <a:endParaRPr lang="en-US" altLang="en-US" b="1" dirty="0"/>
-          </a:p>
-        </p:txBody>
-      </p:sp>
-      <p:sp>
-        <p:nvSpPr>
-          <p:cNvPr id="5" name="Rectangle 4">
-            <a:extLst>
-              <a:ext uri="{FF2B5EF4-FFF2-40B4-BE49-F238E27FC236}">
-                <a16:creationId xmlns:a16="http://schemas.microsoft.com/office/drawing/2014/main" id="{E0B0C673-11B2-4464-914A-E999DFD06A39}"/>
-              </a:ext>
-            </a:extLst>
-          </p:cNvPr>
-          <p:cNvSpPr/>
-          <p:nvPr/>
-        </p:nvSpPr>
-        <p:spPr>
-          <a:xfrm>
-            <a:off x="275011" y="1120692"/>
-            <a:ext cx="11530964" cy="1020216"/>
-          </a:xfrm>
-          <a:prstGeom prst="rect">
-            <a:avLst/>
-          </a:prstGeom>
-        </p:spPr>
-        <p:txBody>
-          <a:bodyPr wrap="square">
-            <a:spAutoFit/>
-          </a:bodyPr>
-          <a:lstStyle/>
-          <a:p>
-            <a:pPr marL="285750" indent="-285750" eaLnBrk="0" fontAlgn="base" hangingPunct="0">
-              <a:lnSpc>
-                <a:spcPct val="150000"/>
-              </a:lnSpc>
-              <a:spcBef>
-                <a:spcPct val="0"/>
-              </a:spcBef>
-              <a:spcAft>
-                <a:spcPct val="0"/>
-              </a:spcAft>
-              <a:buFont typeface="Wingdings" panose="05000000000000000000" pitchFamily="2" charset="2"/>
-              <a:buChar char="q"/>
-            </a:pPr>
-            <a:r>
-              <a:rPr lang="en-US" altLang="en-US" sz="1400" b="1" dirty="0"/>
-              <a:t>Crashes involving </a:t>
-            </a:r>
-            <a:r>
-              <a:rPr lang="en-US" altLang="en-US" sz="1400" b="1" dirty="0">
+              <a:t>Bicycle Crash Fatality Analysis – </a:t>
+            </a:r>
+            <a:r>
+              <a:rPr lang="en-US" dirty="0">
                 <a:solidFill>
                   <a:schemeClr val="accent2"/>
                 </a:solidFill>
               </a:rPr>
-              <a:t>younger bicyclists (&lt;65 years) </a:t>
-            </a:r>
-            <a:r>
-              <a:rPr lang="en-US" altLang="en-US" sz="1400" b="1" dirty="0"/>
-              <a:t>resulted in far more (</a:t>
-            </a:r>
-            <a:r>
-              <a:rPr lang="en-US" altLang="en-US" sz="1400" b="1" dirty="0">
-                <a:solidFill>
-                  <a:srgbClr val="F7AB3B"/>
-                </a:solidFill>
-              </a:rPr>
-              <a:t>80%</a:t>
-            </a:r>
-            <a:r>
-              <a:rPr lang="en-US" altLang="en-US" sz="1400" b="1" dirty="0"/>
-              <a:t>) fatalities compared to elder bicyclists (&gt;65 years)</a:t>
-            </a:r>
-          </a:p>
-          <a:p>
-            <a:pPr marL="285750" indent="-285750" eaLnBrk="0" fontAlgn="base" hangingPunct="0">
-              <a:lnSpc>
-                <a:spcPct val="150000"/>
-              </a:lnSpc>
-              <a:spcBef>
-                <a:spcPct val="0"/>
-              </a:spcBef>
-              <a:spcAft>
-                <a:spcPct val="0"/>
-              </a:spcAft>
-              <a:buFont typeface="Wingdings" panose="05000000000000000000" pitchFamily="2" charset="2"/>
-              <a:buChar char="q"/>
-            </a:pPr>
-            <a:r>
-              <a:rPr lang="en-US" sz="1400" b="1" dirty="0"/>
-              <a:t>Crashes involving </a:t>
-            </a:r>
-            <a:r>
-              <a:rPr lang="en-US" sz="1400" b="1" dirty="0">
-                <a:solidFill>
-                  <a:schemeClr val="accent2"/>
-                </a:solidFill>
-              </a:rPr>
-              <a:t>male bicyclists </a:t>
-            </a:r>
-            <a:r>
-              <a:rPr lang="en-US" sz="1400" b="1" dirty="0"/>
-              <a:t>(</a:t>
-            </a:r>
-            <a:r>
-              <a:rPr lang="en-US" sz="1400" b="1" dirty="0">
-                <a:solidFill>
-                  <a:srgbClr val="F7AB3B"/>
-                </a:solidFill>
-              </a:rPr>
-              <a:t>89%</a:t>
-            </a:r>
-            <a:r>
-              <a:rPr lang="en-US" sz="1400" b="1" dirty="0"/>
-              <a:t>) resulted in more fatalities compared to crashes involving female bicyclists</a:t>
-            </a:r>
-          </a:p>
-          <a:p>
-            <a:pPr marL="285750" indent="-285750" eaLnBrk="0" fontAlgn="base" hangingPunct="0">
-              <a:lnSpc>
-                <a:spcPct val="150000"/>
-              </a:lnSpc>
-              <a:spcBef>
-                <a:spcPct val="0"/>
-              </a:spcBef>
-              <a:spcAft>
-                <a:spcPct val="0"/>
-              </a:spcAft>
-              <a:buFont typeface="Wingdings" panose="05000000000000000000" pitchFamily="2" charset="2"/>
-              <a:buChar char="q"/>
-            </a:pPr>
-            <a:r>
-              <a:rPr lang="en-US" altLang="en-US" sz="1400" b="1" dirty="0"/>
-              <a:t>Majority of the bikers involved in fatal crashes were </a:t>
-            </a:r>
-            <a:r>
-              <a:rPr lang="en-US" altLang="en-US" sz="1400" b="1" dirty="0">
-                <a:solidFill>
-                  <a:schemeClr val="accent2"/>
-                </a:solidFill>
-              </a:rPr>
-              <a:t>Caucasians</a:t>
-            </a:r>
-            <a:r>
-              <a:rPr lang="en-US" altLang="en-US" sz="1400" b="1" dirty="0"/>
-              <a:t> (</a:t>
-            </a:r>
-            <a:r>
-              <a:rPr lang="en-US" altLang="en-US" sz="1400" b="1" dirty="0">
-                <a:solidFill>
-                  <a:srgbClr val="F7AB3B"/>
-                </a:solidFill>
-              </a:rPr>
-              <a:t>60%</a:t>
-            </a:r>
-            <a:r>
-              <a:rPr lang="en-US" altLang="en-US" sz="1400" b="1" dirty="0"/>
-              <a:t>)</a:t>
-            </a:r>
-          </a:p>
-        </p:txBody>
-      </p:sp>
-      <p:pic>
-        <p:nvPicPr>
-          <p:cNvPr id="7" name="Picture 6">
-            <a:extLst>
-              <a:ext uri="{FF2B5EF4-FFF2-40B4-BE49-F238E27FC236}">
-                <a16:creationId xmlns:a16="http://schemas.microsoft.com/office/drawing/2014/main" id="{521E14FC-AA70-4FEC-9C13-5E1159330A34}"/>
-              </a:ext>
-            </a:extLst>
-          </p:cNvPr>
-          <p:cNvPicPr>
-            <a:picLocks noChangeAspect="1"/>
-          </p:cNvPicPr>
-          <p:nvPr/>
-        </p:nvPicPr>
-        <p:blipFill>
-          <a:blip r:embed="rId2"/>
-          <a:stretch>
-            <a:fillRect/>
-          </a:stretch>
-        </p:blipFill>
-        <p:spPr>
-          <a:xfrm>
-            <a:off x="-162313" y="2559647"/>
-            <a:ext cx="4524764" cy="3781215"/>
-          </a:xfrm>
-          <a:prstGeom prst="rect">
-            <a:avLst/>
-          </a:prstGeom>
-        </p:spPr>
-      </p:pic>
-      <p:sp>
-        <p:nvSpPr>
-          <p:cNvPr id="9" name="Footer Placeholder 8">
-            <a:extLst>
-              <a:ext uri="{FF2B5EF4-FFF2-40B4-BE49-F238E27FC236}">
-                <a16:creationId xmlns:a16="http://schemas.microsoft.com/office/drawing/2014/main" id="{250CF266-CBD6-4354-A79F-EEB4CA69F3B2}"/>
+              <a:t>WHERE?</a:t>
+            </a:r>
+          </a:p>
+        </p:txBody>
+      </p:sp>
+      <p:sp>
+        <p:nvSpPr>
+          <p:cNvPr id="3" name="Footer Placeholder 2">
+            <a:extLst>
+              <a:ext uri="{FF2B5EF4-FFF2-40B4-BE49-F238E27FC236}">
+                <a16:creationId xmlns:a16="http://schemas.microsoft.com/office/drawing/2014/main" id="{84520EB0-EF9A-42CE-8B2D-0FDF93B903A9}"/>
               </a:ext>
             </a:extLst>
           </p:cNvPr>
@@ -2742,10 +2515,10 @@
       </p:sp>
       <p:sp>
         <p:nvSpPr>
-          <p:cNvPr id="10" name="Slide Number Placeholder 9">
-            <a:extLst>
-              <a:ext uri="{FF2B5EF4-FFF2-40B4-BE49-F238E27FC236}">
-                <a16:creationId xmlns:a16="http://schemas.microsoft.com/office/drawing/2014/main" id="{1A3FED6C-74DB-4090-9264-9166755C511D}"/>
+          <p:cNvPr id="4" name="Slide Number Placeholder 3">
+            <a:extLst>
+              <a:ext uri="{FF2B5EF4-FFF2-40B4-BE49-F238E27FC236}">
+                <a16:creationId xmlns:a16="http://schemas.microsoft.com/office/drawing/2014/main" id="{D7F6F7EF-430F-4C94-87DC-36AB170E2760}"/>
               </a:ext>
             </a:extLst>
           </p:cNvPr>
@@ -2769,12 +2542,260 @@
           </a:p>
         </p:txBody>
       </p:sp>
+      <p:cxnSp>
+        <p:nvCxnSpPr>
+          <p:cNvPr id="8" name="Straight Connector 7">
+            <a:extLst>
+              <a:ext uri="{FF2B5EF4-FFF2-40B4-BE49-F238E27FC236}">
+                <a16:creationId xmlns:a16="http://schemas.microsoft.com/office/drawing/2014/main" id="{AEFF3C24-AB71-44E6-A878-32E137252451}"/>
+              </a:ext>
+            </a:extLst>
+          </p:cNvPr>
+          <p:cNvCxnSpPr>
+            <a:cxnSpLocks/>
+          </p:cNvCxnSpPr>
+          <p:nvPr/>
+        </p:nvCxnSpPr>
+        <p:spPr>
+          <a:xfrm>
+            <a:off x="5810976" y="917652"/>
+            <a:ext cx="5135" cy="5083984"/>
+          </a:xfrm>
+          <a:prstGeom prst="line">
+            <a:avLst/>
+          </a:prstGeom>
+          <a:ln>
+            <a:solidFill>
+              <a:schemeClr val="accent2"/>
+            </a:solidFill>
+          </a:ln>
+        </p:spPr>
+        <p:style>
+          <a:lnRef idx="2">
+            <a:schemeClr val="accent1"/>
+          </a:lnRef>
+          <a:fillRef idx="0">
+            <a:schemeClr val="accent1"/>
+          </a:fillRef>
+          <a:effectRef idx="1">
+            <a:schemeClr val="accent1"/>
+          </a:effectRef>
+          <a:fontRef idx="minor">
+            <a:schemeClr val="tx1"/>
+          </a:fontRef>
+        </p:style>
+      </p:cxnSp>
+      <p:sp>
+        <p:nvSpPr>
+          <p:cNvPr id="9" name="Rectangle 8">
+            <a:extLst>
+              <a:ext uri="{FF2B5EF4-FFF2-40B4-BE49-F238E27FC236}">
+                <a16:creationId xmlns:a16="http://schemas.microsoft.com/office/drawing/2014/main" id="{73C09878-A45D-4FD1-9526-E847171FB064}"/>
+              </a:ext>
+            </a:extLst>
+          </p:cNvPr>
+          <p:cNvSpPr/>
+          <p:nvPr/>
+        </p:nvSpPr>
+        <p:spPr>
+          <a:xfrm>
+            <a:off x="384809" y="1071426"/>
+            <a:ext cx="5425441" cy="1285288"/>
+          </a:xfrm>
+          <a:prstGeom prst="rect">
+            <a:avLst/>
+          </a:prstGeom>
+        </p:spPr>
+        <p:txBody>
+          <a:bodyPr wrap="square">
+            <a:spAutoFit/>
+          </a:bodyPr>
+          <a:lstStyle/>
+          <a:p>
+            <a:pPr eaLnBrk="0" fontAlgn="base" hangingPunct="0">
+              <a:lnSpc>
+                <a:spcPct val="150000"/>
+              </a:lnSpc>
+              <a:spcBef>
+                <a:spcPct val="0"/>
+              </a:spcBef>
+              <a:spcAft>
+                <a:spcPct val="0"/>
+              </a:spcAft>
+            </a:pPr>
+            <a:r>
+              <a:rPr lang="en-US" altLang="en-US" b="1" u="sng" dirty="0">
+                <a:solidFill>
+                  <a:schemeClr val="accent2"/>
+                </a:solidFill>
+              </a:rPr>
+              <a:t>LOCALITY:</a:t>
+            </a:r>
+          </a:p>
+          <a:p>
+            <a:pPr eaLnBrk="0" fontAlgn="base" hangingPunct="0">
+              <a:lnSpc>
+                <a:spcPct val="150000"/>
+              </a:lnSpc>
+              <a:spcBef>
+                <a:spcPct val="0"/>
+              </a:spcBef>
+              <a:spcAft>
+                <a:spcPct val="0"/>
+              </a:spcAft>
+            </a:pPr>
+            <a:r>
+              <a:rPr lang="en-US" altLang="en-US" b="1" dirty="0"/>
+              <a:t>Most fatal crashes </a:t>
+            </a:r>
+            <a:r>
+              <a:rPr lang="en-US" altLang="en-US" b="1" dirty="0">
+                <a:solidFill>
+                  <a:srgbClr val="F7AB3B"/>
+                </a:solidFill>
+              </a:rPr>
+              <a:t>108(42%) </a:t>
+            </a:r>
+            <a:r>
+              <a:rPr lang="en-US" altLang="en-US" b="1" dirty="0"/>
+              <a:t>occur in </a:t>
+            </a:r>
+            <a:r>
+              <a:rPr lang="en-US" altLang="en-US" b="1" dirty="0">
+                <a:solidFill>
+                  <a:schemeClr val="accent2"/>
+                </a:solidFill>
+              </a:rPr>
+              <a:t>Urban Localities (&gt;70% Developed) </a:t>
+            </a:r>
+            <a:r>
+              <a:rPr lang="en-US" altLang="en-US" b="1" dirty="0"/>
+              <a:t>within the state</a:t>
+            </a:r>
+          </a:p>
+        </p:txBody>
+      </p:sp>
+      <p:sp>
+        <p:nvSpPr>
+          <p:cNvPr id="10" name="Rectangle 9">
+            <a:extLst>
+              <a:ext uri="{FF2B5EF4-FFF2-40B4-BE49-F238E27FC236}">
+                <a16:creationId xmlns:a16="http://schemas.microsoft.com/office/drawing/2014/main" id="{87F19F65-B1A1-4630-8AFD-AC5128DA6529}"/>
+              </a:ext>
+            </a:extLst>
+          </p:cNvPr>
+          <p:cNvSpPr/>
+          <p:nvPr/>
+        </p:nvSpPr>
+        <p:spPr>
+          <a:xfrm>
+            <a:off x="6278586" y="1100848"/>
+            <a:ext cx="5425441" cy="1285288"/>
+          </a:xfrm>
+          <a:prstGeom prst="rect">
+            <a:avLst/>
+          </a:prstGeom>
+        </p:spPr>
+        <p:txBody>
+          <a:bodyPr wrap="square">
+            <a:spAutoFit/>
+          </a:bodyPr>
+          <a:lstStyle/>
+          <a:p>
+            <a:pPr eaLnBrk="0" fontAlgn="base" hangingPunct="0">
+              <a:lnSpc>
+                <a:spcPct val="150000"/>
+              </a:lnSpc>
+              <a:spcBef>
+                <a:spcPct val="0"/>
+              </a:spcBef>
+              <a:spcAft>
+                <a:spcPct val="0"/>
+              </a:spcAft>
+            </a:pPr>
+            <a:r>
+              <a:rPr lang="en-US" altLang="en-US" b="1" u="sng" dirty="0">
+                <a:solidFill>
+                  <a:schemeClr val="accent2"/>
+                </a:solidFill>
+              </a:rPr>
+              <a:t>CRASH LOCATION:</a:t>
+            </a:r>
+          </a:p>
+          <a:p>
+            <a:pPr eaLnBrk="0" fontAlgn="base" hangingPunct="0">
+              <a:lnSpc>
+                <a:spcPct val="150000"/>
+              </a:lnSpc>
+              <a:spcBef>
+                <a:spcPct val="0"/>
+              </a:spcBef>
+              <a:spcAft>
+                <a:spcPct val="0"/>
+              </a:spcAft>
+            </a:pPr>
+            <a:r>
+              <a:rPr lang="en-US" altLang="en-US" b="1" dirty="0"/>
+              <a:t>Majority of fatal crashes </a:t>
+            </a:r>
+            <a:r>
+              <a:rPr lang="en-US" altLang="en-US" b="1" dirty="0">
+                <a:solidFill>
+                  <a:srgbClr val="F7AB3B"/>
+                </a:solidFill>
+              </a:rPr>
+              <a:t>195(75%) </a:t>
+            </a:r>
+            <a:r>
+              <a:rPr lang="en-US" altLang="en-US" b="1" dirty="0"/>
+              <a:t>took place at </a:t>
+            </a:r>
+            <a:r>
+              <a:rPr lang="en-US" altLang="en-US" b="1" dirty="0">
+                <a:solidFill>
+                  <a:schemeClr val="accent2"/>
+                </a:solidFill>
+              </a:rPr>
+              <a:t>Non-Intersections </a:t>
+            </a:r>
+          </a:p>
+        </p:txBody>
+      </p:sp>
       <p:pic>
         <p:nvPicPr>
-          <p:cNvPr id="12" name="Picture 11">
-            <a:extLst>
-              <a:ext uri="{FF2B5EF4-FFF2-40B4-BE49-F238E27FC236}">
-                <a16:creationId xmlns:a16="http://schemas.microsoft.com/office/drawing/2014/main" id="{390D435C-016A-45FF-9976-26C7302202D6}"/>
+          <p:cNvPr id="14" name="Picture 13">
+            <a:extLst>
+              <a:ext uri="{FF2B5EF4-FFF2-40B4-BE49-F238E27FC236}">
+                <a16:creationId xmlns:a16="http://schemas.microsoft.com/office/drawing/2014/main" id="{1C2F8B6D-7CDF-42B8-BE3D-6D538C228081}"/>
+              </a:ext>
+            </a:extLst>
+          </p:cNvPr>
+          <p:cNvPicPr>
+            <a:picLocks noChangeAspect="1"/>
+          </p:cNvPicPr>
+          <p:nvPr/>
+        </p:nvPicPr>
+        <p:blipFill rotWithShape="1">
+          <a:blip r:embed="rId2"/>
+          <a:srcRect t="2807"/>
+          <a:stretch/>
+        </p:blipFill>
+        <p:spPr>
+          <a:xfrm>
+            <a:off x="152827" y="2924343"/>
+            <a:ext cx="5425441" cy="2641306"/>
+          </a:xfrm>
+          <a:prstGeom prst="rect">
+            <a:avLst/>
+          </a:prstGeom>
+        </p:spPr>
+      </p:pic>
+      <p:pic>
+        <p:nvPicPr>
+          <p:cNvPr id="15" name="Picture 14">
+            <a:extLst>
+              <a:ext uri="{FF2B5EF4-FFF2-40B4-BE49-F238E27FC236}">
+                <a16:creationId xmlns:a16="http://schemas.microsoft.com/office/drawing/2014/main" id="{36890359-CA5A-4A49-A817-3F708E529AAB}"/>
               </a:ext>
             </a:extLst>
           </p:cNvPr>
@@ -2791,38 +2812,8 @@
         </p:blipFill>
         <p:spPr>
           <a:xfrm>
-            <a:off x="7498072" y="2757413"/>
-            <a:ext cx="4663816" cy="2956596"/>
-          </a:xfrm>
-          <a:prstGeom prst="rect">
-            <a:avLst/>
-          </a:prstGeom>
-        </p:spPr>
-      </p:pic>
-      <p:pic>
-        <p:nvPicPr>
-          <p:cNvPr id="13" name="Picture 12">
-            <a:extLst>
-              <a:ext uri="{FF2B5EF4-FFF2-40B4-BE49-F238E27FC236}">
-                <a16:creationId xmlns:a16="http://schemas.microsoft.com/office/drawing/2014/main" id="{73DB1B06-F407-46B8-8BB6-C3C5680FBE97}"/>
-              </a:ext>
-            </a:extLst>
-          </p:cNvPr>
-          <p:cNvPicPr>
-            <a:picLocks noChangeAspect="1"/>
-          </p:cNvPicPr>
-          <p:nvPr/>
-        </p:nvPicPr>
-        <p:blipFill>
-          <a:blip r:embed="rId4"/>
-          <a:stretch>
-            <a:fillRect/>
-          </a:stretch>
-        </p:blipFill>
-        <p:spPr>
-          <a:xfrm>
-            <a:off x="4451472" y="2734114"/>
-            <a:ext cx="3397638" cy="2979895"/>
+            <a:off x="6428786" y="2768689"/>
+            <a:ext cx="5183557" cy="3178489"/>
           </a:xfrm>
           <a:prstGeom prst="rect">
             <a:avLst/>
@@ -2832,7 +2823,7 @@
     </p:spTree>
     <p:extLst>
       <p:ext uri="{BB962C8B-B14F-4D97-AF65-F5344CB8AC3E}">
-        <p14:creationId xmlns:p14="http://schemas.microsoft.com/office/powerpoint/2010/main" val="3640162085"/>
+        <p14:creationId xmlns:p14="http://schemas.microsoft.com/office/powerpoint/2010/main" val="1435363055"/>
       </p:ext>
     </p:extLst>
   </p:cSld>
@@ -2859,279 +2850,12 @@
           <a:chExt cx="0" cy="0"/>
         </a:xfrm>
       </p:grpSpPr>
-      <p:sp>
-        <p:nvSpPr>
-          <p:cNvPr id="2" name="Title 1">
-            <a:extLst>
-              <a:ext uri="{FF2B5EF4-FFF2-40B4-BE49-F238E27FC236}">
-                <a16:creationId xmlns:a16="http://schemas.microsoft.com/office/drawing/2014/main" id="{D7230CD9-B867-4DAF-9751-FA117E8039A6}"/>
-              </a:ext>
-            </a:extLst>
-          </p:cNvPr>
-          <p:cNvSpPr>
-            <a:spLocks noGrp="1"/>
-          </p:cNvSpPr>
-          <p:nvPr>
-            <p:ph type="title"/>
-          </p:nvPr>
-        </p:nvSpPr>
-        <p:spPr>
-          <a:xfrm>
-            <a:off x="384809" y="68266"/>
-            <a:ext cx="11561097" cy="789722"/>
-          </a:xfrm>
-        </p:spPr>
-        <p:txBody>
-          <a:bodyPr>
-            <a:normAutofit/>
-          </a:bodyPr>
-          <a:lstStyle/>
-          <a:p>
-            <a:r>
-              <a:rPr lang="en-US" dirty="0"/>
-              <a:t>Trend Analysis – Bicyclist Fatality Trends – WHY?</a:t>
-            </a:r>
-          </a:p>
-        </p:txBody>
-      </p:sp>
-      <p:sp>
-        <p:nvSpPr>
-          <p:cNvPr id="7" name="Footer Placeholder 6">
-            <a:extLst>
-              <a:ext uri="{FF2B5EF4-FFF2-40B4-BE49-F238E27FC236}">
-                <a16:creationId xmlns:a16="http://schemas.microsoft.com/office/drawing/2014/main" id="{6261FFFA-8FE0-4E46-8D48-7D7889A9B951}"/>
-              </a:ext>
-            </a:extLst>
-          </p:cNvPr>
-          <p:cNvSpPr>
-            <a:spLocks noGrp="1"/>
-          </p:cNvSpPr>
-          <p:nvPr>
-            <p:ph type="ftr" sz="quarter" idx="11"/>
-          </p:nvPr>
-        </p:nvSpPr>
-        <p:spPr/>
-        <p:txBody>
-          <a:bodyPr/>
-          <a:lstStyle/>
-          <a:p>
-            <a:r>
-              <a:rPr lang="en-US"/>
-              <a:t>Statewide Analysis of Bicycle Crashes in North Carolina (2007-2018)</a:t>
-            </a:r>
-          </a:p>
-        </p:txBody>
-      </p:sp>
-      <p:sp>
-        <p:nvSpPr>
-          <p:cNvPr id="8" name="Slide Number Placeholder 7">
-            <a:extLst>
-              <a:ext uri="{FF2B5EF4-FFF2-40B4-BE49-F238E27FC236}">
-                <a16:creationId xmlns:a16="http://schemas.microsoft.com/office/drawing/2014/main" id="{A4EE183D-507F-4E1D-93BB-DB872B14CC08}"/>
-              </a:ext>
-            </a:extLst>
-          </p:cNvPr>
-          <p:cNvSpPr>
-            <a:spLocks noGrp="1"/>
-          </p:cNvSpPr>
-          <p:nvPr>
-            <p:ph type="sldNum" sz="quarter" idx="12"/>
-          </p:nvPr>
-        </p:nvSpPr>
-        <p:spPr/>
-        <p:txBody>
-          <a:bodyPr/>
-          <a:lstStyle/>
-          <a:p>
-            <a:fld id="{FC0254F6-2034-44F8-8A7C-C71F5A1DE8FB}" type="slidenum">
-              <a:rPr lang="en-US" smtClean="0"/>
-              <a:t>11</a:t>
-            </a:fld>
-            <a:endParaRPr lang="en-US"/>
-          </a:p>
-        </p:txBody>
-      </p:sp>
-      <p:sp>
-        <p:nvSpPr>
-          <p:cNvPr id="9" name="Rectangle 8">
-            <a:extLst>
-              <a:ext uri="{FF2B5EF4-FFF2-40B4-BE49-F238E27FC236}">
-                <a16:creationId xmlns:a16="http://schemas.microsoft.com/office/drawing/2014/main" id="{4FAAA104-911E-48AA-921C-7221EAD20B80}"/>
-              </a:ext>
-            </a:extLst>
-          </p:cNvPr>
-          <p:cNvSpPr/>
-          <p:nvPr/>
-        </p:nvSpPr>
-        <p:spPr>
-          <a:xfrm>
-            <a:off x="384808" y="972434"/>
-            <a:ext cx="5048837" cy="1285288"/>
-          </a:xfrm>
-          <a:prstGeom prst="rect">
-            <a:avLst/>
-          </a:prstGeom>
-        </p:spPr>
-        <p:txBody>
-          <a:bodyPr wrap="square">
-            <a:spAutoFit/>
-          </a:bodyPr>
-          <a:lstStyle/>
-          <a:p>
-            <a:pPr marL="285750" indent="-285750" eaLnBrk="0" fontAlgn="base" hangingPunct="0">
-              <a:lnSpc>
-                <a:spcPct val="150000"/>
-              </a:lnSpc>
-              <a:spcBef>
-                <a:spcPct val="0"/>
-              </a:spcBef>
-              <a:spcAft>
-                <a:spcPct val="0"/>
-              </a:spcAft>
-              <a:buFont typeface="Wingdings" panose="05000000000000000000" pitchFamily="2" charset="2"/>
-              <a:buChar char="q"/>
-            </a:pPr>
-            <a:r>
-              <a:rPr lang="en-US" altLang="en-US" b="1" dirty="0"/>
-              <a:t>A</a:t>
-            </a:r>
-            <a:r>
-              <a:rPr lang="en-US" altLang="en-US" b="1" dirty="0">
-                <a:solidFill>
-                  <a:schemeClr val="accent2"/>
-                </a:solidFill>
-              </a:rPr>
-              <a:t> </a:t>
-            </a:r>
-            <a:r>
-              <a:rPr lang="en-US" altLang="en-US" b="1" dirty="0">
-                <a:solidFill>
-                  <a:srgbClr val="F7AB3B"/>
-                </a:solidFill>
-              </a:rPr>
-              <a:t>quarter </a:t>
-            </a:r>
-            <a:r>
-              <a:rPr lang="en-US" altLang="en-US" b="1" dirty="0"/>
-              <a:t>of the fatal crashes had </a:t>
-            </a:r>
-            <a:r>
-              <a:rPr lang="en-US" altLang="en-US" b="1" dirty="0">
-                <a:solidFill>
-                  <a:schemeClr val="accent2"/>
-                </a:solidFill>
-              </a:rPr>
-              <a:t>intoxicated bikers </a:t>
-            </a:r>
-          </a:p>
-          <a:p>
-            <a:pPr marL="285750" indent="-285750" eaLnBrk="0" fontAlgn="base" hangingPunct="0">
-              <a:lnSpc>
-                <a:spcPct val="150000"/>
-              </a:lnSpc>
-              <a:spcBef>
-                <a:spcPct val="0"/>
-              </a:spcBef>
-              <a:spcAft>
-                <a:spcPct val="0"/>
-              </a:spcAft>
-              <a:buFont typeface="Wingdings" panose="05000000000000000000" pitchFamily="2" charset="2"/>
-              <a:buChar char="q"/>
-            </a:pPr>
-            <a:endParaRPr lang="en-US" altLang="en-US" b="1" dirty="0"/>
-          </a:p>
-        </p:txBody>
-      </p:sp>
-      <p:sp>
-        <p:nvSpPr>
-          <p:cNvPr id="16" name="Rectangle 15">
-            <a:extLst>
-              <a:ext uri="{FF2B5EF4-FFF2-40B4-BE49-F238E27FC236}">
-                <a16:creationId xmlns:a16="http://schemas.microsoft.com/office/drawing/2014/main" id="{10975559-3043-4211-84F3-940A965526E3}"/>
-              </a:ext>
-            </a:extLst>
-          </p:cNvPr>
-          <p:cNvSpPr/>
-          <p:nvPr/>
-        </p:nvSpPr>
-        <p:spPr>
-          <a:xfrm>
-            <a:off x="6690946" y="972434"/>
-            <a:ext cx="4970586" cy="869790"/>
-          </a:xfrm>
-          <a:prstGeom prst="rect">
-            <a:avLst/>
-          </a:prstGeom>
-        </p:spPr>
-        <p:txBody>
-          <a:bodyPr wrap="square">
-            <a:spAutoFit/>
-          </a:bodyPr>
-          <a:lstStyle/>
-          <a:p>
-            <a:pPr marL="285750" indent="-285750" eaLnBrk="0" fontAlgn="base" hangingPunct="0">
-              <a:lnSpc>
-                <a:spcPct val="150000"/>
-              </a:lnSpc>
-              <a:spcBef>
-                <a:spcPct val="0"/>
-              </a:spcBef>
-              <a:spcAft>
-                <a:spcPct val="0"/>
-              </a:spcAft>
-              <a:buFont typeface="Wingdings" panose="05000000000000000000" pitchFamily="2" charset="2"/>
-              <a:buChar char="q"/>
-            </a:pPr>
-            <a:r>
-              <a:rPr lang="en-US" altLang="en-US" b="1" dirty="0"/>
-              <a:t>About a</a:t>
-            </a:r>
-            <a:r>
-              <a:rPr lang="en-US" altLang="en-US" b="1" dirty="0">
-                <a:solidFill>
-                  <a:schemeClr val="accent2"/>
-                </a:solidFill>
-              </a:rPr>
-              <a:t> </a:t>
-            </a:r>
-            <a:r>
-              <a:rPr lang="en-US" altLang="en-US" b="1" dirty="0">
-                <a:solidFill>
-                  <a:srgbClr val="F7AB3B"/>
-                </a:solidFill>
-              </a:rPr>
-              <a:t>tenth</a:t>
-            </a:r>
-            <a:r>
-              <a:rPr lang="en-US" altLang="en-US" b="1" dirty="0">
-                <a:solidFill>
-                  <a:schemeClr val="accent2"/>
-                </a:solidFill>
-              </a:rPr>
-              <a:t> </a:t>
-            </a:r>
-            <a:r>
-              <a:rPr lang="en-US" altLang="en-US" b="1" dirty="0"/>
-              <a:t>of the fatal crashes had </a:t>
-            </a:r>
-            <a:r>
-              <a:rPr lang="en-US" altLang="en-US" b="1" dirty="0">
-                <a:solidFill>
-                  <a:schemeClr val="accent2"/>
-                </a:solidFill>
-              </a:rPr>
-              <a:t>intoxicated motorist’s</a:t>
-            </a:r>
-            <a:endParaRPr lang="en-US" altLang="en-US" b="1" dirty="0"/>
-          </a:p>
-        </p:txBody>
-      </p:sp>
       <p:pic>
         <p:nvPicPr>
-          <p:cNvPr id="18" name="Picture 17">
-            <a:extLst>
-              <a:ext uri="{FF2B5EF4-FFF2-40B4-BE49-F238E27FC236}">
-                <a16:creationId xmlns:a16="http://schemas.microsoft.com/office/drawing/2014/main" id="{CF519435-9FC6-403F-95FE-23645158DE50}"/>
+          <p:cNvPr id="3" name="Picture 2">
+            <a:extLst>
+              <a:ext uri="{FF2B5EF4-FFF2-40B4-BE49-F238E27FC236}">
+                <a16:creationId xmlns:a16="http://schemas.microsoft.com/office/drawing/2014/main" id="{0F25634C-15AA-483E-8331-592AE7216E11}"/>
               </a:ext>
             </a:extLst>
           </p:cNvPr>
@@ -3148,20 +2872,432 @@
         </p:blipFill>
         <p:spPr>
           <a:xfrm>
-            <a:off x="919885" y="2228746"/>
-            <a:ext cx="4435510" cy="3848996"/>
+            <a:off x="384810" y="2850869"/>
+            <a:ext cx="5371933" cy="3456986"/>
           </a:xfrm>
           <a:prstGeom prst="rect">
             <a:avLst/>
           </a:prstGeom>
         </p:spPr>
       </p:pic>
+      <p:sp>
+        <p:nvSpPr>
+          <p:cNvPr id="2" name="Title 1">
+            <a:extLst>
+              <a:ext uri="{FF2B5EF4-FFF2-40B4-BE49-F238E27FC236}">
+                <a16:creationId xmlns:a16="http://schemas.microsoft.com/office/drawing/2014/main" id="{263447F3-B840-48E0-B367-4A011ACB0AF2}"/>
+              </a:ext>
+            </a:extLst>
+          </p:cNvPr>
+          <p:cNvSpPr>
+            <a:spLocks noGrp="1"/>
+          </p:cNvSpPr>
+          <p:nvPr>
+            <p:ph type="title"/>
+          </p:nvPr>
+        </p:nvSpPr>
+        <p:spPr>
+          <a:xfrm>
+            <a:off x="384810" y="68266"/>
+            <a:ext cx="11561098" cy="789722"/>
+          </a:xfrm>
+        </p:spPr>
+        <p:txBody>
+          <a:bodyPr>
+            <a:normAutofit/>
+          </a:bodyPr>
+          <a:lstStyle/>
+          <a:p>
+            <a:r>
+              <a:rPr lang="en-US" dirty="0"/>
+              <a:t>Bicycle Crash Fatality Analysis – </a:t>
+            </a:r>
+            <a:r>
+              <a:rPr lang="en-US" dirty="0">
+                <a:solidFill>
+                  <a:schemeClr val="accent2"/>
+                </a:solidFill>
+              </a:rPr>
+              <a:t>WHO?</a:t>
+            </a:r>
+            <a:endParaRPr lang="en-US" dirty="0"/>
+          </a:p>
+        </p:txBody>
+      </p:sp>
+      <p:sp>
+        <p:nvSpPr>
+          <p:cNvPr id="8" name="Footer Placeholder 7">
+            <a:extLst>
+              <a:ext uri="{FF2B5EF4-FFF2-40B4-BE49-F238E27FC236}">
+                <a16:creationId xmlns:a16="http://schemas.microsoft.com/office/drawing/2014/main" id="{DE797D13-BDD5-43B4-BE7A-A51BB4064DCD}"/>
+              </a:ext>
+            </a:extLst>
+          </p:cNvPr>
+          <p:cNvSpPr>
+            <a:spLocks noGrp="1"/>
+          </p:cNvSpPr>
+          <p:nvPr>
+            <p:ph type="ftr" sz="quarter" idx="11"/>
+          </p:nvPr>
+        </p:nvSpPr>
+        <p:spPr/>
+        <p:txBody>
+          <a:bodyPr/>
+          <a:lstStyle/>
+          <a:p>
+            <a:r>
+              <a:rPr lang="en-US"/>
+              <a:t>Statewide Analysis of Bicycle Crashes in North Carolina (2007-2018)</a:t>
+            </a:r>
+          </a:p>
+        </p:txBody>
+      </p:sp>
+      <p:sp>
+        <p:nvSpPr>
+          <p:cNvPr id="9" name="Slide Number Placeholder 8">
+            <a:extLst>
+              <a:ext uri="{FF2B5EF4-FFF2-40B4-BE49-F238E27FC236}">
+                <a16:creationId xmlns:a16="http://schemas.microsoft.com/office/drawing/2014/main" id="{43380151-7FAD-4B96-96D9-5CBFC70BB479}"/>
+              </a:ext>
+            </a:extLst>
+          </p:cNvPr>
+          <p:cNvSpPr>
+            <a:spLocks noGrp="1"/>
+          </p:cNvSpPr>
+          <p:nvPr>
+            <p:ph type="sldNum" sz="quarter" idx="12"/>
+          </p:nvPr>
+        </p:nvSpPr>
+        <p:spPr/>
+        <p:txBody>
+          <a:bodyPr/>
+          <a:lstStyle/>
+          <a:p>
+            <a:fld id="{FC0254F6-2034-44F8-8A7C-C71F5A1DE8FB}" type="slidenum">
+              <a:rPr lang="en-US" smtClean="0"/>
+              <a:t>11</a:t>
+            </a:fld>
+            <a:endParaRPr lang="en-US"/>
+          </a:p>
+        </p:txBody>
+      </p:sp>
+      <p:sp>
+        <p:nvSpPr>
+          <p:cNvPr id="7" name="Rectangle 6">
+            <a:extLst>
+              <a:ext uri="{FF2B5EF4-FFF2-40B4-BE49-F238E27FC236}">
+                <a16:creationId xmlns:a16="http://schemas.microsoft.com/office/drawing/2014/main" id="{BFF1912E-BAF7-4CFD-8729-701F63D07884}"/>
+              </a:ext>
+            </a:extLst>
+          </p:cNvPr>
+          <p:cNvSpPr/>
+          <p:nvPr/>
+        </p:nvSpPr>
+        <p:spPr>
+          <a:xfrm>
+            <a:off x="384810" y="917651"/>
+            <a:ext cx="5295021" cy="1700787"/>
+          </a:xfrm>
+          <a:prstGeom prst="rect">
+            <a:avLst/>
+          </a:prstGeom>
+        </p:spPr>
+        <p:txBody>
+          <a:bodyPr wrap="square">
+            <a:spAutoFit/>
+          </a:bodyPr>
+          <a:lstStyle/>
+          <a:p>
+            <a:pPr eaLnBrk="0" fontAlgn="base" hangingPunct="0">
+              <a:lnSpc>
+                <a:spcPct val="150000"/>
+              </a:lnSpc>
+              <a:spcBef>
+                <a:spcPct val="0"/>
+              </a:spcBef>
+              <a:spcAft>
+                <a:spcPct val="0"/>
+              </a:spcAft>
+            </a:pPr>
+            <a:r>
+              <a:rPr lang="en-US" altLang="en-US" b="1" u="sng" dirty="0">
+                <a:solidFill>
+                  <a:schemeClr val="accent2"/>
+                </a:solidFill>
+              </a:rPr>
+              <a:t>BIKER AGE:</a:t>
+            </a:r>
+          </a:p>
+          <a:p>
+            <a:pPr eaLnBrk="0" fontAlgn="base" hangingPunct="0">
+              <a:lnSpc>
+                <a:spcPct val="150000"/>
+              </a:lnSpc>
+              <a:spcBef>
+                <a:spcPct val="0"/>
+              </a:spcBef>
+              <a:spcAft>
+                <a:spcPct val="0"/>
+              </a:spcAft>
+            </a:pPr>
+            <a:r>
+              <a:rPr lang="en-US" altLang="en-US" b="1" dirty="0"/>
+              <a:t>Young Bikers (&lt;20 years) – </a:t>
+            </a:r>
+            <a:r>
+              <a:rPr lang="en-US" altLang="en-US" b="1" dirty="0">
+                <a:solidFill>
+                  <a:srgbClr val="F7AB3B"/>
+                </a:solidFill>
+              </a:rPr>
+              <a:t>38(15%)</a:t>
+            </a:r>
+          </a:p>
+          <a:p>
+            <a:pPr eaLnBrk="0" fontAlgn="base" hangingPunct="0">
+              <a:lnSpc>
+                <a:spcPct val="150000"/>
+              </a:lnSpc>
+              <a:spcBef>
+                <a:spcPct val="0"/>
+              </a:spcBef>
+              <a:spcAft>
+                <a:spcPct val="0"/>
+              </a:spcAft>
+            </a:pPr>
+            <a:r>
+              <a:rPr lang="en-US" altLang="en-US" b="1" dirty="0">
+                <a:solidFill>
+                  <a:schemeClr val="accent2"/>
+                </a:solidFill>
+              </a:rPr>
+              <a:t>Adult Bikers </a:t>
+            </a:r>
+            <a:r>
+              <a:rPr lang="en-US" altLang="en-US" b="1" dirty="0"/>
+              <a:t>(20–60 years) – </a:t>
+            </a:r>
+            <a:r>
+              <a:rPr lang="en-US" altLang="en-US" b="1" dirty="0">
+                <a:solidFill>
+                  <a:srgbClr val="F7AB3B"/>
+                </a:solidFill>
+              </a:rPr>
+              <a:t>172(66%)</a:t>
+            </a:r>
+            <a:endParaRPr lang="en-US" altLang="en-US" b="1" dirty="0"/>
+          </a:p>
+          <a:p>
+            <a:pPr eaLnBrk="0" fontAlgn="base" hangingPunct="0">
+              <a:lnSpc>
+                <a:spcPct val="150000"/>
+              </a:lnSpc>
+              <a:spcBef>
+                <a:spcPct val="0"/>
+              </a:spcBef>
+              <a:spcAft>
+                <a:spcPct val="0"/>
+              </a:spcAft>
+            </a:pPr>
+            <a:r>
+              <a:rPr lang="en-US" altLang="en-US" b="1" dirty="0"/>
+              <a:t>Elderly Bikers (&gt;60 years) – </a:t>
+            </a:r>
+            <a:r>
+              <a:rPr lang="en-US" altLang="en-US" b="1" dirty="0">
+                <a:solidFill>
+                  <a:srgbClr val="F7AB3B"/>
+                </a:solidFill>
+              </a:rPr>
+              <a:t>48(19%)</a:t>
+            </a:r>
+            <a:endParaRPr lang="en-US" altLang="en-US" b="1" dirty="0"/>
+          </a:p>
+        </p:txBody>
+      </p:sp>
+      <p:sp>
+        <p:nvSpPr>
+          <p:cNvPr id="11" name="Rectangle 10">
+            <a:extLst>
+              <a:ext uri="{FF2B5EF4-FFF2-40B4-BE49-F238E27FC236}">
+                <a16:creationId xmlns:a16="http://schemas.microsoft.com/office/drawing/2014/main" id="{4523242A-31B3-4C7B-9530-E3F75DD5C0C1}"/>
+              </a:ext>
+            </a:extLst>
+          </p:cNvPr>
+          <p:cNvSpPr/>
+          <p:nvPr/>
+        </p:nvSpPr>
+        <p:spPr>
+          <a:xfrm>
+            <a:off x="6096000" y="917652"/>
+            <a:ext cx="5295021" cy="1700787"/>
+          </a:xfrm>
+          <a:prstGeom prst="rect">
+            <a:avLst/>
+          </a:prstGeom>
+        </p:spPr>
+        <p:txBody>
+          <a:bodyPr wrap="square">
+            <a:spAutoFit/>
+          </a:bodyPr>
+          <a:lstStyle/>
+          <a:p>
+            <a:pPr eaLnBrk="0" fontAlgn="base" hangingPunct="0">
+              <a:lnSpc>
+                <a:spcPct val="150000"/>
+              </a:lnSpc>
+              <a:spcBef>
+                <a:spcPct val="0"/>
+              </a:spcBef>
+              <a:spcAft>
+                <a:spcPct val="0"/>
+              </a:spcAft>
+            </a:pPr>
+            <a:r>
+              <a:rPr lang="en-US" altLang="en-US" b="1" u="sng" dirty="0">
+                <a:solidFill>
+                  <a:schemeClr val="accent2"/>
+                </a:solidFill>
+              </a:rPr>
+              <a:t>MOTORIST AGE:</a:t>
+            </a:r>
+          </a:p>
+          <a:p>
+            <a:pPr eaLnBrk="0" fontAlgn="base" hangingPunct="0">
+              <a:lnSpc>
+                <a:spcPct val="150000"/>
+              </a:lnSpc>
+              <a:spcBef>
+                <a:spcPct val="0"/>
+              </a:spcBef>
+              <a:spcAft>
+                <a:spcPct val="0"/>
+              </a:spcAft>
+            </a:pPr>
+            <a:r>
+              <a:rPr lang="en-US" altLang="en-US" b="1" dirty="0"/>
+              <a:t>Young Bikers (&lt;20 years) – </a:t>
+            </a:r>
+            <a:r>
+              <a:rPr lang="en-US" altLang="en-US" b="1" dirty="0">
+                <a:solidFill>
+                  <a:srgbClr val="F7AB3B"/>
+                </a:solidFill>
+              </a:rPr>
+              <a:t>23(9%)</a:t>
+            </a:r>
+          </a:p>
+          <a:p>
+            <a:pPr eaLnBrk="0" fontAlgn="base" hangingPunct="0">
+              <a:lnSpc>
+                <a:spcPct val="150000"/>
+              </a:lnSpc>
+              <a:spcBef>
+                <a:spcPct val="0"/>
+              </a:spcBef>
+              <a:spcAft>
+                <a:spcPct val="0"/>
+              </a:spcAft>
+            </a:pPr>
+            <a:r>
+              <a:rPr lang="en-US" altLang="en-US" b="1" dirty="0">
+                <a:solidFill>
+                  <a:schemeClr val="accent2"/>
+                </a:solidFill>
+              </a:rPr>
+              <a:t>Adult Bikers </a:t>
+            </a:r>
+            <a:r>
+              <a:rPr lang="en-US" altLang="en-US" b="1" dirty="0"/>
+              <a:t>(20–60 years) – </a:t>
+            </a:r>
+            <a:r>
+              <a:rPr lang="en-US" altLang="en-US" b="1" dirty="0">
+                <a:solidFill>
+                  <a:srgbClr val="F7AB3B"/>
+                </a:solidFill>
+              </a:rPr>
+              <a:t>179(69%)</a:t>
+            </a:r>
+            <a:endParaRPr lang="en-US" altLang="en-US" b="1" dirty="0"/>
+          </a:p>
+          <a:p>
+            <a:pPr eaLnBrk="0" fontAlgn="base" hangingPunct="0">
+              <a:lnSpc>
+                <a:spcPct val="150000"/>
+              </a:lnSpc>
+              <a:spcBef>
+                <a:spcPct val="0"/>
+              </a:spcBef>
+              <a:spcAft>
+                <a:spcPct val="0"/>
+              </a:spcAft>
+            </a:pPr>
+            <a:r>
+              <a:rPr lang="en-US" altLang="en-US" b="1" dirty="0"/>
+              <a:t>Elderly Bikers (&gt;60 years) – </a:t>
+            </a:r>
+            <a:r>
+              <a:rPr lang="en-US" altLang="en-US" b="1" dirty="0">
+                <a:solidFill>
+                  <a:srgbClr val="F7AB3B"/>
+                </a:solidFill>
+              </a:rPr>
+              <a:t>41(16%)</a:t>
+            </a:r>
+            <a:endParaRPr lang="en-US" altLang="en-US" b="1" dirty="0"/>
+          </a:p>
+        </p:txBody>
+      </p:sp>
+      <p:cxnSp>
+        <p:nvCxnSpPr>
+          <p:cNvPr id="12" name="Straight Connector 11">
+            <a:extLst>
+              <a:ext uri="{FF2B5EF4-FFF2-40B4-BE49-F238E27FC236}">
+                <a16:creationId xmlns:a16="http://schemas.microsoft.com/office/drawing/2014/main" id="{C272F96A-5894-4637-B54A-0650BF036A3D}"/>
+              </a:ext>
+            </a:extLst>
+          </p:cNvPr>
+          <p:cNvCxnSpPr>
+            <a:cxnSpLocks/>
+          </p:cNvCxnSpPr>
+          <p:nvPr/>
+        </p:nvCxnSpPr>
+        <p:spPr>
+          <a:xfrm>
+            <a:off x="5885348" y="1009918"/>
+            <a:ext cx="5135" cy="5083984"/>
+          </a:xfrm>
+          <a:prstGeom prst="line">
+            <a:avLst/>
+          </a:prstGeom>
+          <a:ln>
+            <a:solidFill>
+              <a:schemeClr val="accent2"/>
+            </a:solidFill>
+          </a:ln>
+        </p:spPr>
+        <p:style>
+          <a:lnRef idx="2">
+            <a:schemeClr val="accent1"/>
+          </a:lnRef>
+          <a:fillRef idx="0">
+            <a:schemeClr val="accent1"/>
+          </a:fillRef>
+          <a:effectRef idx="1">
+            <a:schemeClr val="accent1"/>
+          </a:effectRef>
+          <a:fontRef idx="minor">
+            <a:schemeClr val="tx1"/>
+          </a:fontRef>
+        </p:style>
+      </p:cxnSp>
       <p:pic>
         <p:nvPicPr>
-          <p:cNvPr id="19" name="Picture 18">
-            <a:extLst>
-              <a:ext uri="{FF2B5EF4-FFF2-40B4-BE49-F238E27FC236}">
-                <a16:creationId xmlns:a16="http://schemas.microsoft.com/office/drawing/2014/main" id="{B8C779C0-FE6F-4F84-8F2F-F55274EB5E3A}"/>
+          <p:cNvPr id="6" name="Picture 5">
+            <a:extLst>
+              <a:ext uri="{FF2B5EF4-FFF2-40B4-BE49-F238E27FC236}">
+                <a16:creationId xmlns:a16="http://schemas.microsoft.com/office/drawing/2014/main" id="{3695077B-089B-4166-8C2B-CCAFA70D70CD}"/>
               </a:ext>
             </a:extLst>
           </p:cNvPr>
@@ -3178,8 +3314,8 @@
         </p:blipFill>
         <p:spPr>
           <a:xfrm>
-            <a:off x="6490196" y="2217314"/>
-            <a:ext cx="4947443" cy="3754861"/>
+            <a:off x="6187604" y="2811625"/>
+            <a:ext cx="5264211" cy="3496230"/>
           </a:xfrm>
           <a:prstGeom prst="rect">
             <a:avLst/>
@@ -3189,7 +3325,7 @@
     </p:spTree>
     <p:extLst>
       <p:ext uri="{BB962C8B-B14F-4D97-AF65-F5344CB8AC3E}">
-        <p14:creationId xmlns:p14="http://schemas.microsoft.com/office/powerpoint/2010/main" val="3230725314"/>
+        <p14:creationId xmlns:p14="http://schemas.microsoft.com/office/powerpoint/2010/main" val="1834138503"/>
       </p:ext>
     </p:extLst>
   </p:cSld>
@@ -3246,17 +3382,26 @@
           <a:p>
             <a:r>
               <a:rPr lang="en-US" dirty="0"/>
-              <a:t>Trend Analysis – Bicyclist Fatality Trends – WHY?</a:t>
-            </a:r>
-          </a:p>
-        </p:txBody>
-      </p:sp>
-      <p:sp>
-        <p:nvSpPr>
-          <p:cNvPr id="4" name="Footer Placeholder 3">
-            <a:extLst>
-              <a:ext uri="{FF2B5EF4-FFF2-40B4-BE49-F238E27FC236}">
-                <a16:creationId xmlns:a16="http://schemas.microsoft.com/office/drawing/2014/main" id="{8517ECA1-7034-4CA0-834E-4B4B164B1AE5}"/>
+              <a:t>Bicycle Crash Fatality Analysis – </a:t>
+            </a:r>
+            <a:r>
+              <a:rPr lang="en-US" dirty="0">
+                <a:solidFill>
+                  <a:schemeClr val="accent2"/>
+                </a:solidFill>
+              </a:rPr>
+              <a:t>WHO?</a:t>
+            </a:r>
+            <a:endParaRPr lang="en-US" dirty="0"/>
+          </a:p>
+        </p:txBody>
+      </p:sp>
+      <p:sp>
+        <p:nvSpPr>
+          <p:cNvPr id="8" name="Footer Placeholder 7">
+            <a:extLst>
+              <a:ext uri="{FF2B5EF4-FFF2-40B4-BE49-F238E27FC236}">
+                <a16:creationId xmlns:a16="http://schemas.microsoft.com/office/drawing/2014/main" id="{DE797D13-BDD5-43B4-BE7A-A51BB4064DCD}"/>
               </a:ext>
             </a:extLst>
           </p:cNvPr>
@@ -3281,10 +3426,10 @@
       </p:sp>
       <p:sp>
         <p:nvSpPr>
-          <p:cNvPr id="8" name="Slide Number Placeholder 7">
-            <a:extLst>
-              <a:ext uri="{FF2B5EF4-FFF2-40B4-BE49-F238E27FC236}">
-                <a16:creationId xmlns:a16="http://schemas.microsoft.com/office/drawing/2014/main" id="{6F287A43-4F08-4B77-A6CB-59AE3A9F6EE1}"/>
+          <p:cNvPr id="9" name="Slide Number Placeholder 8">
+            <a:extLst>
+              <a:ext uri="{FF2B5EF4-FFF2-40B4-BE49-F238E27FC236}">
+                <a16:creationId xmlns:a16="http://schemas.microsoft.com/office/drawing/2014/main" id="{43380151-7FAD-4B96-96D9-5CBFC70BB479}"/>
               </a:ext>
             </a:extLst>
           </p:cNvPr>
@@ -3310,10 +3455,10 @@
       </p:sp>
       <p:sp>
         <p:nvSpPr>
-          <p:cNvPr id="11" name="Rectangle 10">
-            <a:extLst>
-              <a:ext uri="{FF2B5EF4-FFF2-40B4-BE49-F238E27FC236}">
-                <a16:creationId xmlns:a16="http://schemas.microsoft.com/office/drawing/2014/main" id="{523C65D4-FF82-4BFA-ABF9-8C4B49D183FE}"/>
+          <p:cNvPr id="10" name="Rectangle 9">
+            <a:extLst>
+              <a:ext uri="{FF2B5EF4-FFF2-40B4-BE49-F238E27FC236}">
+                <a16:creationId xmlns:a16="http://schemas.microsoft.com/office/drawing/2014/main" id="{F21DF9C7-81B1-4187-9F4C-A7DE5F24A4DD}"/>
               </a:ext>
             </a:extLst>
           </p:cNvPr>
@@ -3322,8 +3467,8 @@
         </p:nvSpPr>
         <p:spPr>
           <a:xfrm>
-            <a:off x="315452" y="1032587"/>
-            <a:ext cx="5849907" cy="869790"/>
+            <a:off x="6319617" y="902389"/>
+            <a:ext cx="5425441" cy="1285288"/>
           </a:xfrm>
           <a:prstGeom prst="rect">
             <a:avLst/>
@@ -3335,7 +3480,7 @@
           </a:bodyPr>
           <a:lstStyle/>
           <a:p>
-            <a:pPr marL="285750" indent="-285750" eaLnBrk="0" fontAlgn="base" hangingPunct="0">
+            <a:pPr eaLnBrk="0" fontAlgn="base" hangingPunct="0">
               <a:lnSpc>
                 <a:spcPct val="150000"/>
               </a:lnSpc>
@@ -3345,46 +3490,149 @@
               <a:spcAft>
                 <a:spcPct val="0"/>
               </a:spcAft>
-              <a:buFont typeface="Wingdings" panose="05000000000000000000" pitchFamily="2" charset="2"/>
-              <a:buChar char="q"/>
             </a:pPr>
             <a:r>
-              <a:rPr lang="en-US" altLang="en-US" b="1" dirty="0"/>
-              <a:t>Vast majority of fatal crashes (</a:t>
-            </a:r>
-            <a:r>
-              <a:rPr lang="en-US" altLang="en-US" b="1" dirty="0">
+              <a:rPr lang="en-US" altLang="en-US" b="1" u="sng" dirty="0">
+                <a:solidFill>
+                  <a:schemeClr val="accent2"/>
+                </a:solidFill>
+              </a:rPr>
+              <a:t>MOTORIST GENDER:</a:t>
+            </a:r>
+          </a:p>
+          <a:p>
+            <a:pPr eaLnBrk="0" fontAlgn="base" hangingPunct="0">
+              <a:lnSpc>
+                <a:spcPct val="150000"/>
+              </a:lnSpc>
+              <a:spcBef>
+                <a:spcPct val="0"/>
+              </a:spcBef>
+              <a:spcAft>
+                <a:spcPct val="0"/>
+              </a:spcAft>
+            </a:pPr>
+            <a:r>
+              <a:rPr lang="en-US" b="1" dirty="0"/>
+              <a:t>Majority of fatal crashes </a:t>
+            </a:r>
+            <a:r>
+              <a:rPr lang="en-US" b="1" dirty="0">
                 <a:solidFill>
                   <a:srgbClr val="F7AB3B"/>
                 </a:solidFill>
               </a:rPr>
-              <a:t>80%</a:t>
-            </a:r>
-            <a:r>
-              <a:rPr lang="en-US" altLang="en-US" b="1" dirty="0"/>
-              <a:t>) occurred when the bicycle was in the </a:t>
-            </a:r>
-            <a:r>
-              <a:rPr lang="en-US" altLang="en-US" b="1" dirty="0">
+              <a:t>171(66%) </a:t>
+            </a:r>
+            <a:r>
+              <a:rPr lang="en-US" b="1" dirty="0"/>
+              <a:t>involved a </a:t>
+            </a:r>
+            <a:r>
+              <a:rPr lang="en-US" b="1" dirty="0">
                 <a:solidFill>
                   <a:schemeClr val="accent2"/>
                 </a:solidFill>
               </a:rPr>
-              <a:t>travel lanes</a:t>
-            </a:r>
-            <a:r>
-              <a:rPr lang="en-US" altLang="en-US" b="1" dirty="0"/>
-              <a:t> </a:t>
-            </a:r>
+              <a:t>male motorist</a:t>
+            </a:r>
+            <a:endParaRPr lang="en-US" b="1" dirty="0"/>
+          </a:p>
+        </p:txBody>
+      </p:sp>
+      <p:sp>
+        <p:nvSpPr>
+          <p:cNvPr id="11" name="Rectangle 10">
+            <a:extLst>
+              <a:ext uri="{FF2B5EF4-FFF2-40B4-BE49-F238E27FC236}">
+                <a16:creationId xmlns:a16="http://schemas.microsoft.com/office/drawing/2014/main" id="{3692894C-7A63-4AF8-BD1A-6C9759F10B96}"/>
+              </a:ext>
+            </a:extLst>
+          </p:cNvPr>
+          <p:cNvSpPr/>
+          <p:nvPr/>
+        </p:nvSpPr>
+        <p:spPr>
+          <a:xfrm>
+            <a:off x="359022" y="896772"/>
+            <a:ext cx="5425441" cy="1285288"/>
+          </a:xfrm>
+          <a:prstGeom prst="rect">
+            <a:avLst/>
+          </a:prstGeom>
+        </p:spPr>
+        <p:txBody>
+          <a:bodyPr wrap="square">
+            <a:spAutoFit/>
+          </a:bodyPr>
+          <a:lstStyle/>
+          <a:p>
+            <a:pPr eaLnBrk="0" fontAlgn="base" hangingPunct="0">
+              <a:lnSpc>
+                <a:spcPct val="150000"/>
+              </a:lnSpc>
+              <a:spcBef>
+                <a:spcPct val="0"/>
+              </a:spcBef>
+              <a:spcAft>
+                <a:spcPct val="0"/>
+              </a:spcAft>
+            </a:pPr>
+            <a:r>
+              <a:rPr lang="en-US" altLang="en-US" b="1" u="sng" dirty="0">
+                <a:solidFill>
+                  <a:schemeClr val="accent2"/>
+                </a:solidFill>
+              </a:rPr>
+              <a:t>BIKER GENDER:</a:t>
+            </a:r>
+          </a:p>
+          <a:p>
+            <a:pPr eaLnBrk="0" fontAlgn="base" hangingPunct="0">
+              <a:lnSpc>
+                <a:spcPct val="150000"/>
+              </a:lnSpc>
+              <a:spcBef>
+                <a:spcPct val="0"/>
+              </a:spcBef>
+              <a:spcAft>
+                <a:spcPct val="0"/>
+              </a:spcAft>
+            </a:pPr>
+            <a:r>
+              <a:rPr lang="en-US" b="1" dirty="0"/>
+              <a:t>Majority of fatal crashes </a:t>
+            </a:r>
+            <a:r>
+              <a:rPr lang="en-US" b="1" dirty="0">
+                <a:solidFill>
+                  <a:srgbClr val="F7AB3B"/>
+                </a:solidFill>
+              </a:rPr>
+              <a:t>229(88%)</a:t>
+            </a:r>
+            <a:r>
+              <a:rPr lang="en-US" b="1" dirty="0"/>
+              <a:t> involved a </a:t>
+            </a:r>
+            <a:r>
+              <a:rPr lang="en-US" b="1" dirty="0">
+                <a:solidFill>
+                  <a:schemeClr val="accent2"/>
+                </a:solidFill>
+              </a:rPr>
+              <a:t>male biker</a:t>
+            </a:r>
+            <a:endParaRPr lang="en-US" b="1" dirty="0"/>
           </a:p>
         </p:txBody>
       </p:sp>
       <p:pic>
         <p:nvPicPr>
-          <p:cNvPr id="14" name="Picture 13">
-            <a:extLst>
-              <a:ext uri="{FF2B5EF4-FFF2-40B4-BE49-F238E27FC236}">
-                <a16:creationId xmlns:a16="http://schemas.microsoft.com/office/drawing/2014/main" id="{2E67AE39-F58F-40B5-91C6-25605AAC6843}"/>
+          <p:cNvPr id="12" name="Picture 11">
+            <a:extLst>
+              <a:ext uri="{FF2B5EF4-FFF2-40B4-BE49-F238E27FC236}">
+                <a16:creationId xmlns:a16="http://schemas.microsoft.com/office/drawing/2014/main" id="{F3C3FD58-448D-4C1A-98FB-D85C3002A7ED}"/>
               </a:ext>
             </a:extLst>
           </p:cNvPr>
@@ -3401,91 +3649,63 @@
         </p:blipFill>
         <p:spPr>
           <a:xfrm>
-            <a:off x="123835" y="2486894"/>
-            <a:ext cx="5406527" cy="3563477"/>
+            <a:off x="635119" y="2653268"/>
+            <a:ext cx="4191475" cy="3599737"/>
           </a:xfrm>
           <a:prstGeom prst="rect">
             <a:avLst/>
           </a:prstGeom>
         </p:spPr>
       </p:pic>
-      <p:sp>
-        <p:nvSpPr>
-          <p:cNvPr id="15" name="Rectangle 14">
-            <a:extLst>
-              <a:ext uri="{FF2B5EF4-FFF2-40B4-BE49-F238E27FC236}">
-                <a16:creationId xmlns:a16="http://schemas.microsoft.com/office/drawing/2014/main" id="{129CFB82-66D0-4344-A432-89A5959EFEEC}"/>
-              </a:ext>
-            </a:extLst>
-          </p:cNvPr>
-          <p:cNvSpPr/>
+      <p:cxnSp>
+        <p:nvCxnSpPr>
+          <p:cNvPr id="13" name="Straight Connector 12">
+            <a:extLst>
+              <a:ext uri="{FF2B5EF4-FFF2-40B4-BE49-F238E27FC236}">
+                <a16:creationId xmlns:a16="http://schemas.microsoft.com/office/drawing/2014/main" id="{AF4B76EC-494C-432F-9B5A-916C3107F374}"/>
+              </a:ext>
+            </a:extLst>
+          </p:cNvPr>
+          <p:cNvCxnSpPr>
+            <a:cxnSpLocks/>
+          </p:cNvCxnSpPr>
           <p:nvPr/>
-        </p:nvSpPr>
-        <p:spPr>
-          <a:xfrm>
-            <a:off x="6410324" y="1032587"/>
-            <a:ext cx="5535583" cy="1285288"/>
-          </a:xfrm>
-          <a:prstGeom prst="rect">
+        </p:nvCxnSpPr>
+        <p:spPr>
+          <a:xfrm>
+            <a:off x="5810976" y="917652"/>
+            <a:ext cx="5135" cy="5083984"/>
+          </a:xfrm>
+          <a:prstGeom prst="line">
             <a:avLst/>
           </a:prstGeom>
-        </p:spPr>
-        <p:txBody>
-          <a:bodyPr wrap="square">
-            <a:spAutoFit/>
-          </a:bodyPr>
-          <a:lstStyle/>
-          <a:p>
-            <a:pPr marL="285750" indent="-285750" eaLnBrk="0" fontAlgn="base" hangingPunct="0">
-              <a:lnSpc>
-                <a:spcPct val="150000"/>
-              </a:lnSpc>
-              <a:spcBef>
-                <a:spcPct val="0"/>
-              </a:spcBef>
-              <a:spcAft>
-                <a:spcPct val="0"/>
-              </a:spcAft>
-              <a:buFont typeface="Wingdings" panose="05000000000000000000" pitchFamily="2" charset="2"/>
-              <a:buChar char="q"/>
-            </a:pPr>
-            <a:r>
-              <a:rPr lang="en-US" altLang="en-US" b="1" dirty="0"/>
-              <a:t>Vast majority of fatal crashes (</a:t>
-            </a:r>
-            <a:r>
-              <a:rPr lang="en-US" altLang="en-US" b="1" dirty="0">
-                <a:solidFill>
-                  <a:srgbClr val="F7AB3B"/>
-                </a:solidFill>
-              </a:rPr>
-              <a:t>78%</a:t>
-            </a:r>
-            <a:r>
-              <a:rPr lang="en-US" altLang="en-US" b="1" dirty="0"/>
-              <a:t>) occurred when the bicycle was in the </a:t>
-            </a:r>
-            <a:r>
-              <a:rPr lang="en-US" altLang="en-US" b="1" dirty="0">
-                <a:solidFill>
-                  <a:schemeClr val="accent2"/>
-                </a:solidFill>
-              </a:rPr>
-              <a:t>same direction as the normal traffic</a:t>
-            </a:r>
-            <a:r>
-              <a:rPr lang="en-US" altLang="en-US" b="1" dirty="0"/>
-              <a:t> </a:t>
-            </a:r>
-          </a:p>
-        </p:txBody>
-      </p:sp>
+          <a:ln>
+            <a:solidFill>
+              <a:schemeClr val="accent2"/>
+            </a:solidFill>
+          </a:ln>
+        </p:spPr>
+        <p:style>
+          <a:lnRef idx="2">
+            <a:schemeClr val="accent1"/>
+          </a:lnRef>
+          <a:fillRef idx="0">
+            <a:schemeClr val="accent1"/>
+          </a:fillRef>
+          <a:effectRef idx="1">
+            <a:schemeClr val="accent1"/>
+          </a:effectRef>
+          <a:fontRef idx="minor">
+            <a:schemeClr val="tx1"/>
+          </a:fontRef>
+        </p:style>
+      </p:cxnSp>
       <p:pic>
         <p:nvPicPr>
-          <p:cNvPr id="17" name="Picture 16">
-            <a:extLst>
-              <a:ext uri="{FF2B5EF4-FFF2-40B4-BE49-F238E27FC236}">
-                <a16:creationId xmlns:a16="http://schemas.microsoft.com/office/drawing/2014/main" id="{3A7DC5EA-EB73-481E-9DEB-7508A95CD968}"/>
+          <p:cNvPr id="4" name="Picture 3">
+            <a:extLst>
+              <a:ext uri="{FF2B5EF4-FFF2-40B4-BE49-F238E27FC236}">
+                <a16:creationId xmlns:a16="http://schemas.microsoft.com/office/drawing/2014/main" id="{4AE2704F-3B11-4366-8A5E-B32156EA6C91}"/>
               </a:ext>
             </a:extLst>
           </p:cNvPr>
@@ -3502,8 +3722,8 @@
         </p:blipFill>
         <p:spPr>
           <a:xfrm>
-            <a:off x="6801379" y="2486894"/>
-            <a:ext cx="4369624" cy="3346946"/>
+            <a:off x="6625606" y="2680516"/>
+            <a:ext cx="4269060" cy="3267381"/>
           </a:xfrm>
           <a:prstGeom prst="rect">
             <a:avLst/>
@@ -3513,7 +3733,7 @@
     </p:spTree>
     <p:extLst>
       <p:ext uri="{BB962C8B-B14F-4D97-AF65-F5344CB8AC3E}">
-        <p14:creationId xmlns:p14="http://schemas.microsoft.com/office/powerpoint/2010/main" val="2162469463"/>
+        <p14:creationId xmlns:p14="http://schemas.microsoft.com/office/powerpoint/2010/main" val="2316346055"/>
       </p:ext>
     </p:extLst>
   </p:cSld>
@@ -3545,7 +3765,7 @@
           <p:cNvPr id="2" name="Title 1">
             <a:extLst>
               <a:ext uri="{FF2B5EF4-FFF2-40B4-BE49-F238E27FC236}">
-                <a16:creationId xmlns:a16="http://schemas.microsoft.com/office/drawing/2014/main" id="{D7230CD9-B867-4DAF-9751-FA117E8039A6}"/>
+                <a16:creationId xmlns:a16="http://schemas.microsoft.com/office/drawing/2014/main" id="{263447F3-B840-48E0-B367-4A011ACB0AF2}"/>
               </a:ext>
             </a:extLst>
           </p:cNvPr>
@@ -3570,17 +3790,26 @@
           <a:p>
             <a:r>
               <a:rPr lang="en-US" dirty="0"/>
-              <a:t>Trend Analysis – Bicyclist Fatality Trends – WHY?</a:t>
-            </a:r>
-          </a:p>
-        </p:txBody>
-      </p:sp>
-      <p:sp>
-        <p:nvSpPr>
-          <p:cNvPr id="4" name="Footer Placeholder 3">
-            <a:extLst>
-              <a:ext uri="{FF2B5EF4-FFF2-40B4-BE49-F238E27FC236}">
-                <a16:creationId xmlns:a16="http://schemas.microsoft.com/office/drawing/2014/main" id="{E4566593-555C-4BFD-978B-824CD5DFAA3E}"/>
+              <a:t>Bicycle Crash Fatality Analysis – </a:t>
+            </a:r>
+            <a:r>
+              <a:rPr lang="en-US" dirty="0">
+                <a:solidFill>
+                  <a:schemeClr val="accent2"/>
+                </a:solidFill>
+              </a:rPr>
+              <a:t>WHO?</a:t>
+            </a:r>
+            <a:endParaRPr lang="en-US" dirty="0"/>
+          </a:p>
+        </p:txBody>
+      </p:sp>
+      <p:sp>
+        <p:nvSpPr>
+          <p:cNvPr id="8" name="Footer Placeholder 7">
+            <a:extLst>
+              <a:ext uri="{FF2B5EF4-FFF2-40B4-BE49-F238E27FC236}">
+                <a16:creationId xmlns:a16="http://schemas.microsoft.com/office/drawing/2014/main" id="{DE797D13-BDD5-43B4-BE7A-A51BB4064DCD}"/>
               </a:ext>
             </a:extLst>
           </p:cNvPr>
@@ -3605,10 +3834,10 @@
       </p:sp>
       <p:sp>
         <p:nvSpPr>
-          <p:cNvPr id="5" name="Slide Number Placeholder 4">
-            <a:extLst>
-              <a:ext uri="{FF2B5EF4-FFF2-40B4-BE49-F238E27FC236}">
-                <a16:creationId xmlns:a16="http://schemas.microsoft.com/office/drawing/2014/main" id="{2CF13423-62AF-47C1-9CD7-EE526EE8441B}"/>
+          <p:cNvPr id="9" name="Slide Number Placeholder 8">
+            <a:extLst>
+              <a:ext uri="{FF2B5EF4-FFF2-40B4-BE49-F238E27FC236}">
+                <a16:creationId xmlns:a16="http://schemas.microsoft.com/office/drawing/2014/main" id="{43380151-7FAD-4B96-96D9-5CBFC70BB479}"/>
               </a:ext>
             </a:extLst>
           </p:cNvPr>
@@ -3637,7 +3866,7 @@
           <p:cNvPr id="7" name="Rectangle 6">
             <a:extLst>
               <a:ext uri="{FF2B5EF4-FFF2-40B4-BE49-F238E27FC236}">
-                <a16:creationId xmlns:a16="http://schemas.microsoft.com/office/drawing/2014/main" id="{766DDE72-1B18-4449-AF6B-92B7BDB6FAAB}"/>
+                <a16:creationId xmlns:a16="http://schemas.microsoft.com/office/drawing/2014/main" id="{BFF1912E-BAF7-4CFD-8729-701F63D07884}"/>
               </a:ext>
             </a:extLst>
           </p:cNvPr>
@@ -3646,8 +3875,8 @@
         </p:nvSpPr>
         <p:spPr>
           <a:xfrm>
-            <a:off x="315452" y="1146149"/>
-            <a:ext cx="5208811" cy="1285288"/>
+            <a:off x="384810" y="984413"/>
+            <a:ext cx="5295021" cy="1285288"/>
           </a:xfrm>
           <a:prstGeom prst="rect">
             <a:avLst/>
@@ -3659,7 +3888,7 @@
           </a:bodyPr>
           <a:lstStyle/>
           <a:p>
-            <a:pPr marL="285750" indent="-285750" eaLnBrk="0" fontAlgn="base" hangingPunct="0">
+            <a:pPr eaLnBrk="0" fontAlgn="base" hangingPunct="0">
               <a:lnSpc>
                 <a:spcPct val="150000"/>
               </a:lnSpc>
@@ -3669,24 +3898,122 @@
               <a:spcAft>
                 <a:spcPct val="0"/>
               </a:spcAft>
-              <a:buFont typeface="Wingdings" panose="05000000000000000000" pitchFamily="2" charset="2"/>
-              <a:buChar char="q"/>
             </a:pPr>
             <a:r>
+              <a:rPr lang="en-US" altLang="en-US" b="1" u="sng" dirty="0">
+                <a:solidFill>
+                  <a:schemeClr val="accent2"/>
+                </a:solidFill>
+              </a:rPr>
+              <a:t>BIKER RACE:</a:t>
+            </a:r>
+          </a:p>
+          <a:p>
+            <a:pPr eaLnBrk="0" fontAlgn="base" hangingPunct="0">
+              <a:lnSpc>
+                <a:spcPct val="150000"/>
+              </a:lnSpc>
+              <a:spcBef>
+                <a:spcPct val="0"/>
+              </a:spcBef>
+              <a:spcAft>
+                <a:spcPct val="0"/>
+              </a:spcAft>
+            </a:pPr>
+            <a:r>
               <a:rPr lang="en-US" altLang="en-US" b="1" dirty="0"/>
-              <a:t>Vast majority of fatal crashes happened when the bicycles were </a:t>
+              <a:t>Majority of the bikers </a:t>
             </a:r>
             <a:r>
               <a:rPr lang="en-US" altLang="en-US" b="1" dirty="0">
                 <a:solidFill>
+                  <a:srgbClr val="F7AB3B"/>
+                </a:solidFill>
+              </a:rPr>
+              <a:t>154(59%) </a:t>
+            </a:r>
+            <a:r>
+              <a:rPr lang="en-US" altLang="en-US" b="1" dirty="0"/>
+              <a:t>involved in fatal crashes were </a:t>
+            </a:r>
+            <a:r>
+              <a:rPr lang="en-US" altLang="en-US" b="1" dirty="0">
+                <a:solidFill>
                   <a:schemeClr val="accent2"/>
                 </a:solidFill>
               </a:rPr>
-              <a:t>not at a traffic intersection</a:t>
-            </a:r>
+              <a:t>Caucasians</a:t>
+            </a:r>
+            <a:endParaRPr lang="en-US" altLang="en-US" b="1" dirty="0">
+              <a:solidFill>
+                <a:srgbClr val="F7AB3B"/>
+              </a:solidFill>
+            </a:endParaRPr>
+          </a:p>
+        </p:txBody>
+      </p:sp>
+      <p:sp>
+        <p:nvSpPr>
+          <p:cNvPr id="10" name="Rectangle 9">
+            <a:extLst>
+              <a:ext uri="{FF2B5EF4-FFF2-40B4-BE49-F238E27FC236}">
+                <a16:creationId xmlns:a16="http://schemas.microsoft.com/office/drawing/2014/main" id="{F21DF9C7-81B1-4187-9F4C-A7DE5F24A4DD}"/>
+              </a:ext>
+            </a:extLst>
+          </p:cNvPr>
+          <p:cNvSpPr/>
+          <p:nvPr/>
+        </p:nvSpPr>
+        <p:spPr>
+          <a:xfrm>
+            <a:off x="6096000" y="984413"/>
+            <a:ext cx="5425441" cy="1285288"/>
+          </a:xfrm>
+          <a:prstGeom prst="rect">
+            <a:avLst/>
+          </a:prstGeom>
+        </p:spPr>
+        <p:txBody>
+          <a:bodyPr wrap="square">
+            <a:spAutoFit/>
+          </a:bodyPr>
+          <a:lstStyle/>
+          <a:p>
+            <a:pPr eaLnBrk="0" fontAlgn="base" hangingPunct="0">
+              <a:lnSpc>
+                <a:spcPct val="150000"/>
+              </a:lnSpc>
+              <a:spcBef>
+                <a:spcPct val="0"/>
+              </a:spcBef>
+              <a:spcAft>
+                <a:spcPct val="0"/>
+              </a:spcAft>
+            </a:pPr>
+            <a:r>
+              <a:rPr lang="en-US" altLang="en-US" b="1" u="sng" dirty="0">
+                <a:solidFill>
+                  <a:schemeClr val="accent2"/>
+                </a:solidFill>
+              </a:rPr>
+              <a:t>MOTORIST RACE:</a:t>
+            </a:r>
+          </a:p>
+          <a:p>
+            <a:pPr eaLnBrk="0" fontAlgn="base" hangingPunct="0">
+              <a:lnSpc>
+                <a:spcPct val="150000"/>
+              </a:lnSpc>
+              <a:spcBef>
+                <a:spcPct val="0"/>
+              </a:spcBef>
+              <a:spcAft>
+                <a:spcPct val="0"/>
+              </a:spcAft>
+            </a:pPr>
             <a:r>
               <a:rPr lang="en-US" altLang="en-US" b="1" dirty="0"/>
-              <a:t> (</a:t>
+              <a:t>Majority of the motorists </a:t>
             </a:r>
             <a:r>
               <a:rPr lang="en-US" altLang="en-US" b="1" dirty="0">
@@ -3694,21 +4021,76 @@
                   <a:srgbClr val="F7AB3B"/>
                 </a:solidFill>
               </a:rPr>
-              <a:t>74%</a:t>
+              <a:t>161(62%) </a:t>
             </a:r>
             <a:r>
               <a:rPr lang="en-US" altLang="en-US" b="1" dirty="0"/>
-              <a:t>) </a:t>
-            </a:r>
-          </a:p>
-        </p:txBody>
-      </p:sp>
+              <a:t>involved in fatal crashes were </a:t>
+            </a:r>
+            <a:r>
+              <a:rPr lang="en-US" altLang="en-US" b="1" dirty="0">
+                <a:solidFill>
+                  <a:schemeClr val="accent2"/>
+                </a:solidFill>
+              </a:rPr>
+              <a:t>Caucasians</a:t>
+            </a:r>
+            <a:r>
+              <a:rPr lang="en-US" altLang="en-US" b="1" dirty="0"/>
+              <a:t> </a:t>
+            </a:r>
+          </a:p>
+        </p:txBody>
+      </p:sp>
+      <p:cxnSp>
+        <p:nvCxnSpPr>
+          <p:cNvPr id="12" name="Straight Connector 11">
+            <a:extLst>
+              <a:ext uri="{FF2B5EF4-FFF2-40B4-BE49-F238E27FC236}">
+                <a16:creationId xmlns:a16="http://schemas.microsoft.com/office/drawing/2014/main" id="{BA34C4F9-5EEF-4E9F-824A-41507FF2C7BF}"/>
+              </a:ext>
+            </a:extLst>
+          </p:cNvPr>
+          <p:cNvCxnSpPr>
+            <a:cxnSpLocks/>
+          </p:cNvCxnSpPr>
+          <p:nvPr/>
+        </p:nvCxnSpPr>
+        <p:spPr>
+          <a:xfrm>
+            <a:off x="5810252" y="984413"/>
+            <a:ext cx="5135" cy="5083984"/>
+          </a:xfrm>
+          <a:prstGeom prst="line">
+            <a:avLst/>
+          </a:prstGeom>
+          <a:ln>
+            <a:solidFill>
+              <a:schemeClr val="accent2"/>
+            </a:solidFill>
+          </a:ln>
+        </p:spPr>
+        <p:style>
+          <a:lnRef idx="2">
+            <a:schemeClr val="accent1"/>
+          </a:lnRef>
+          <a:fillRef idx="0">
+            <a:schemeClr val="accent1"/>
+          </a:fillRef>
+          <a:effectRef idx="1">
+            <a:schemeClr val="accent1"/>
+          </a:effectRef>
+          <a:fontRef idx="minor">
+            <a:schemeClr val="tx1"/>
+          </a:fontRef>
+        </p:style>
+      </p:cxnSp>
       <p:pic>
         <p:nvPicPr>
-          <p:cNvPr id="9" name="Picture 8">
-            <a:extLst>
-              <a:ext uri="{FF2B5EF4-FFF2-40B4-BE49-F238E27FC236}">
-                <a16:creationId xmlns:a16="http://schemas.microsoft.com/office/drawing/2014/main" id="{81B8CA2F-340E-4B3E-8C9C-5409F501973F}"/>
+          <p:cNvPr id="5" name="Picture 4">
+            <a:extLst>
+              <a:ext uri="{FF2B5EF4-FFF2-40B4-BE49-F238E27FC236}">
+                <a16:creationId xmlns:a16="http://schemas.microsoft.com/office/drawing/2014/main" id="{175CE12F-8651-45D5-ACD4-D7D97B27133C}"/>
               </a:ext>
             </a:extLst>
           </p:cNvPr>
@@ -3725,87 +4107,20 @@
         </p:blipFill>
         <p:spPr>
           <a:xfrm>
-            <a:off x="6368539" y="2638828"/>
-            <a:ext cx="4822804" cy="3446990"/>
+            <a:off x="138885" y="2828610"/>
+            <a:ext cx="5222759" cy="3239787"/>
           </a:xfrm>
           <a:prstGeom prst="rect">
             <a:avLst/>
           </a:prstGeom>
         </p:spPr>
       </p:pic>
-      <p:sp>
-        <p:nvSpPr>
-          <p:cNvPr id="10" name="Rectangle 9">
-            <a:extLst>
-              <a:ext uri="{FF2B5EF4-FFF2-40B4-BE49-F238E27FC236}">
-                <a16:creationId xmlns:a16="http://schemas.microsoft.com/office/drawing/2014/main" id="{82D57F84-5E97-48A8-BBF0-9197539CC94E}"/>
-              </a:ext>
-            </a:extLst>
-          </p:cNvPr>
-          <p:cNvSpPr/>
-          <p:nvPr/>
-        </p:nvSpPr>
-        <p:spPr>
-          <a:xfrm>
-            <a:off x="6165359" y="1137635"/>
-            <a:ext cx="5607541" cy="869790"/>
-          </a:xfrm>
-          <a:prstGeom prst="rect">
-            <a:avLst/>
-          </a:prstGeom>
-        </p:spPr>
-        <p:txBody>
-          <a:bodyPr wrap="square">
-            <a:spAutoFit/>
-          </a:bodyPr>
-          <a:lstStyle/>
-          <a:p>
-            <a:pPr marL="285750" indent="-285750" eaLnBrk="0" fontAlgn="base" hangingPunct="0">
-              <a:lnSpc>
-                <a:spcPct val="150000"/>
-              </a:lnSpc>
-              <a:spcBef>
-                <a:spcPct val="0"/>
-              </a:spcBef>
-              <a:spcAft>
-                <a:spcPct val="0"/>
-              </a:spcAft>
-              <a:buFont typeface="Wingdings" panose="05000000000000000000" pitchFamily="2" charset="2"/>
-              <a:buChar char="q"/>
-            </a:pPr>
-            <a:r>
-              <a:rPr lang="en-US" altLang="en-US" b="1" dirty="0"/>
-              <a:t>About</a:t>
-            </a:r>
-            <a:r>
-              <a:rPr lang="en-US" altLang="en-US" b="1" dirty="0">
-                <a:solidFill>
-                  <a:srgbClr val="F7AB3B"/>
-                </a:solidFill>
-              </a:rPr>
-              <a:t> 42% </a:t>
-            </a:r>
-            <a:r>
-              <a:rPr lang="en-US" altLang="en-US" b="1" dirty="0"/>
-              <a:t>of the fatal crashes were due to a </a:t>
-            </a:r>
-            <a:r>
-              <a:rPr lang="en-US" altLang="en-US" b="1" dirty="0">
-                <a:solidFill>
-                  <a:schemeClr val="accent2"/>
-                </a:solidFill>
-              </a:rPr>
-              <a:t>motorist overtaking the bicyclist</a:t>
-            </a:r>
-          </a:p>
-        </p:txBody>
-      </p:sp>
       <p:pic>
         <p:nvPicPr>
-          <p:cNvPr id="11" name="Picture 10">
-            <a:extLst>
-              <a:ext uri="{FF2B5EF4-FFF2-40B4-BE49-F238E27FC236}">
-                <a16:creationId xmlns:a16="http://schemas.microsoft.com/office/drawing/2014/main" id="{007C4E95-0693-4916-BFAA-C1DD50D1737D}"/>
+          <p:cNvPr id="6" name="Picture 5">
+            <a:extLst>
+              <a:ext uri="{FF2B5EF4-FFF2-40B4-BE49-F238E27FC236}">
+                <a16:creationId xmlns:a16="http://schemas.microsoft.com/office/drawing/2014/main" id="{83C80D0B-A4B0-4C30-916C-155B83A19732}"/>
               </a:ext>
             </a:extLst>
           </p:cNvPr>
@@ -3822,8 +4137,8 @@
         </p:blipFill>
         <p:spPr>
           <a:xfrm>
-            <a:off x="649700" y="2827737"/>
-            <a:ext cx="4874563" cy="3165552"/>
+            <a:off x="6165359" y="2751041"/>
+            <a:ext cx="5420306" cy="3394924"/>
           </a:xfrm>
           <a:prstGeom prst="rect">
             <a:avLst/>
@@ -3833,7 +4148,7 @@
     </p:spTree>
     <p:extLst>
       <p:ext uri="{BB962C8B-B14F-4D97-AF65-F5344CB8AC3E}">
-        <p14:creationId xmlns:p14="http://schemas.microsoft.com/office/powerpoint/2010/main" val="3102968231"/>
+        <p14:creationId xmlns:p14="http://schemas.microsoft.com/office/powerpoint/2010/main" val="2925836887"/>
       </p:ext>
     </p:extLst>
   </p:cSld>
@@ -3865,7 +4180,7 @@
           <p:cNvPr id="2" name="Title 1">
             <a:extLst>
               <a:ext uri="{FF2B5EF4-FFF2-40B4-BE49-F238E27FC236}">
-                <a16:creationId xmlns:a16="http://schemas.microsoft.com/office/drawing/2014/main" id="{D7230CD9-B867-4DAF-9751-FA117E8039A6}"/>
+                <a16:creationId xmlns:a16="http://schemas.microsoft.com/office/drawing/2014/main" id="{263447F3-B840-48E0-B367-4A011ACB0AF2}"/>
               </a:ext>
             </a:extLst>
           </p:cNvPr>
@@ -3878,8 +4193,8 @@
         </p:nvSpPr>
         <p:spPr>
           <a:xfrm>
-            <a:off x="384810" y="68266"/>
-            <a:ext cx="11561098" cy="789722"/>
+            <a:off x="330517" y="33090"/>
+            <a:ext cx="11530965" cy="789722"/>
           </a:xfrm>
         </p:spPr>
         <p:txBody>
@@ -3890,17 +4205,68 @@
           <a:p>
             <a:r>
               <a:rPr lang="en-US" dirty="0"/>
-              <a:t>Trend Analysis – Bicyclist Fatality Trends – WHY?</a:t>
-            </a:r>
-          </a:p>
-        </p:txBody>
-      </p:sp>
-      <p:sp>
-        <p:nvSpPr>
-          <p:cNvPr id="4" name="Footer Placeholder 3">
-            <a:extLst>
-              <a:ext uri="{FF2B5EF4-FFF2-40B4-BE49-F238E27FC236}">
-                <a16:creationId xmlns:a16="http://schemas.microsoft.com/office/drawing/2014/main" id="{7E9C0802-539D-44B8-BB21-A1AC5713EF00}"/>
+              <a:t>Bicycle Crash Fatality Analysis – </a:t>
+            </a:r>
+            <a:r>
+              <a:rPr lang="en-US" dirty="0">
+                <a:solidFill>
+                  <a:schemeClr val="accent2"/>
+                </a:solidFill>
+              </a:rPr>
+              <a:t>WHY?</a:t>
+            </a:r>
+            <a:endParaRPr lang="en-US" dirty="0"/>
+          </a:p>
+        </p:txBody>
+      </p:sp>
+      <p:sp>
+        <p:nvSpPr>
+          <p:cNvPr id="3" name="Rectangle 2">
+            <a:extLst>
+              <a:ext uri="{FF2B5EF4-FFF2-40B4-BE49-F238E27FC236}">
+                <a16:creationId xmlns:a16="http://schemas.microsoft.com/office/drawing/2014/main" id="{B1B10EBA-F906-44F6-B89D-C7A6DB5608E1}"/>
+              </a:ext>
+            </a:extLst>
+          </p:cNvPr>
+          <p:cNvSpPr/>
+          <p:nvPr/>
+        </p:nvSpPr>
+        <p:spPr>
+          <a:xfrm>
+            <a:off x="5330952" y="1780166"/>
+            <a:ext cx="6660083" cy="454292"/>
+          </a:xfrm>
+          <a:prstGeom prst="rect">
+            <a:avLst/>
+          </a:prstGeom>
+        </p:spPr>
+        <p:txBody>
+          <a:bodyPr wrap="square">
+            <a:spAutoFit/>
+          </a:bodyPr>
+          <a:lstStyle/>
+          <a:p>
+            <a:pPr eaLnBrk="0" fontAlgn="base" hangingPunct="0">
+              <a:lnSpc>
+                <a:spcPct val="150000"/>
+              </a:lnSpc>
+              <a:spcBef>
+                <a:spcPct val="0"/>
+              </a:spcBef>
+              <a:spcAft>
+                <a:spcPct val="0"/>
+              </a:spcAft>
+            </a:pPr>
+            <a:endParaRPr lang="en-US" altLang="en-US" b="1" dirty="0"/>
+          </a:p>
+        </p:txBody>
+      </p:sp>
+      <p:sp>
+        <p:nvSpPr>
+          <p:cNvPr id="9" name="Footer Placeholder 8">
+            <a:extLst>
+              <a:ext uri="{FF2B5EF4-FFF2-40B4-BE49-F238E27FC236}">
+                <a16:creationId xmlns:a16="http://schemas.microsoft.com/office/drawing/2014/main" id="{250CF266-CBD6-4354-A79F-EEB4CA69F3B2}"/>
               </a:ext>
             </a:extLst>
           </p:cNvPr>
@@ -3925,10 +4291,10 @@
       </p:sp>
       <p:sp>
         <p:nvSpPr>
-          <p:cNvPr id="5" name="Slide Number Placeholder 4">
-            <a:extLst>
-              <a:ext uri="{FF2B5EF4-FFF2-40B4-BE49-F238E27FC236}">
-                <a16:creationId xmlns:a16="http://schemas.microsoft.com/office/drawing/2014/main" id="{B16707BC-46D2-4A73-B44D-7D9142855AB9}"/>
+          <p:cNvPr id="10" name="Slide Number Placeholder 9">
+            <a:extLst>
+              <a:ext uri="{FF2B5EF4-FFF2-40B4-BE49-F238E27FC236}">
+                <a16:creationId xmlns:a16="http://schemas.microsoft.com/office/drawing/2014/main" id="{1A3FED6C-74DB-4090-9264-9166755C511D}"/>
               </a:ext>
             </a:extLst>
           </p:cNvPr>
@@ -3952,141 +4318,53 @@
           </a:p>
         </p:txBody>
       </p:sp>
-      <p:sp>
-        <p:nvSpPr>
-          <p:cNvPr id="7" name="Rectangle 6">
-            <a:extLst>
-              <a:ext uri="{FF2B5EF4-FFF2-40B4-BE49-F238E27FC236}">
-                <a16:creationId xmlns:a16="http://schemas.microsoft.com/office/drawing/2014/main" id="{08602E79-F1D4-448B-BBB7-3AB944F20A71}"/>
-              </a:ext>
-            </a:extLst>
-          </p:cNvPr>
-          <p:cNvSpPr/>
+      <p:cxnSp>
+        <p:nvCxnSpPr>
+          <p:cNvPr id="11" name="Straight Connector 10">
+            <a:extLst>
+              <a:ext uri="{FF2B5EF4-FFF2-40B4-BE49-F238E27FC236}">
+                <a16:creationId xmlns:a16="http://schemas.microsoft.com/office/drawing/2014/main" id="{C08E6009-7700-42EF-9777-409E29929F3D}"/>
+              </a:ext>
+            </a:extLst>
+          </p:cNvPr>
+          <p:cNvCxnSpPr>
+            <a:cxnSpLocks/>
+          </p:cNvCxnSpPr>
           <p:nvPr/>
-        </p:nvSpPr>
-        <p:spPr>
-          <a:xfrm>
-            <a:off x="315453" y="1146149"/>
-            <a:ext cx="4379640" cy="1285288"/>
-          </a:xfrm>
-          <a:prstGeom prst="rect">
+        </p:nvCxnSpPr>
+        <p:spPr>
+          <a:xfrm>
+            <a:off x="5810252" y="984413"/>
+            <a:ext cx="5135" cy="5083984"/>
+          </a:xfrm>
+          <a:prstGeom prst="line">
             <a:avLst/>
           </a:prstGeom>
-        </p:spPr>
-        <p:txBody>
-          <a:bodyPr wrap="square">
-            <a:spAutoFit/>
-          </a:bodyPr>
-          <a:lstStyle/>
-          <a:p>
-            <a:pPr marL="285750" indent="-285750" eaLnBrk="0" fontAlgn="base" hangingPunct="0">
-              <a:lnSpc>
-                <a:spcPct val="150000"/>
-              </a:lnSpc>
-              <a:spcBef>
-                <a:spcPct val="0"/>
-              </a:spcBef>
-              <a:spcAft>
-                <a:spcPct val="0"/>
-              </a:spcAft>
-              <a:buFont typeface="Wingdings" panose="05000000000000000000" pitchFamily="2" charset="2"/>
-              <a:buChar char="q"/>
-            </a:pPr>
-            <a:r>
-              <a:rPr lang="en-US" altLang="en-US" b="1" dirty="0"/>
-              <a:t>An </a:t>
-            </a:r>
-            <a:r>
-              <a:rPr lang="en-US" altLang="en-US" b="1" dirty="0">
-                <a:solidFill>
-                  <a:schemeClr val="accent2"/>
-                </a:solidFill>
-              </a:rPr>
-              <a:t>ambulance was deployed </a:t>
-            </a:r>
-            <a:r>
-              <a:rPr lang="en-US" altLang="en-US" b="1" dirty="0"/>
-              <a:t>for </a:t>
-            </a:r>
-            <a:r>
-              <a:rPr lang="en-US" altLang="en-US" b="1" dirty="0">
-                <a:solidFill>
-                  <a:srgbClr val="F7AB3B"/>
-                </a:solidFill>
-              </a:rPr>
-              <a:t>94%</a:t>
-            </a:r>
-            <a:r>
-              <a:rPr lang="en-US" altLang="en-US" b="1" dirty="0"/>
-              <a:t> of the crashes that resulted in fatalities</a:t>
-            </a:r>
-          </a:p>
-        </p:txBody>
-      </p:sp>
-      <p:pic>
-        <p:nvPicPr>
-          <p:cNvPr id="8" name="Picture 7">
-            <a:extLst>
-              <a:ext uri="{FF2B5EF4-FFF2-40B4-BE49-F238E27FC236}">
-                <a16:creationId xmlns:a16="http://schemas.microsoft.com/office/drawing/2014/main" id="{80AD4C7D-E88A-427C-8318-8AB5B09B2775}"/>
-              </a:ext>
-            </a:extLst>
-          </p:cNvPr>
-          <p:cNvPicPr>
-            <a:picLocks noChangeAspect="1"/>
-          </p:cNvPicPr>
-          <p:nvPr/>
-        </p:nvPicPr>
-        <p:blipFill>
-          <a:blip r:embed="rId2"/>
-          <a:stretch>
-            <a:fillRect/>
-          </a:stretch>
-        </p:blipFill>
-        <p:spPr>
-          <a:xfrm>
-            <a:off x="896694" y="3016834"/>
-            <a:ext cx="3798399" cy="3100315"/>
-          </a:xfrm>
-          <a:prstGeom prst="rect">
-            <a:avLst/>
-          </a:prstGeom>
-        </p:spPr>
-      </p:pic>
-      <p:pic>
-        <p:nvPicPr>
-          <p:cNvPr id="9" name="Picture 8">
-            <a:extLst>
-              <a:ext uri="{FF2B5EF4-FFF2-40B4-BE49-F238E27FC236}">
-                <a16:creationId xmlns:a16="http://schemas.microsoft.com/office/drawing/2014/main" id="{97D25C82-6303-4C2A-BE8D-E37DB2B0E052}"/>
-              </a:ext>
-            </a:extLst>
-          </p:cNvPr>
-          <p:cNvPicPr>
-            <a:picLocks noChangeAspect="1"/>
-          </p:cNvPicPr>
-          <p:nvPr/>
-        </p:nvPicPr>
-        <p:blipFill>
-          <a:blip r:embed="rId3"/>
-          <a:stretch>
-            <a:fillRect/>
-          </a:stretch>
-        </p:blipFill>
-        <p:spPr>
-          <a:xfrm>
-            <a:off x="5974422" y="3016834"/>
-            <a:ext cx="5624047" cy="2834886"/>
-          </a:xfrm>
-          <a:prstGeom prst="rect">
-            <a:avLst/>
-          </a:prstGeom>
-        </p:spPr>
-      </p:pic>
+          <a:ln>
+            <a:solidFill>
+              <a:schemeClr val="accent2"/>
+            </a:solidFill>
+          </a:ln>
+        </p:spPr>
+        <p:style>
+          <a:lnRef idx="2">
+            <a:schemeClr val="accent1"/>
+          </a:lnRef>
+          <a:fillRef idx="0">
+            <a:schemeClr val="accent1"/>
+          </a:fillRef>
+          <a:effectRef idx="1">
+            <a:schemeClr val="accent1"/>
+          </a:effectRef>
+          <a:fontRef idx="minor">
+            <a:schemeClr val="tx1"/>
+          </a:fontRef>
+        </p:style>
+      </p:cxnSp>
     </p:spTree>
     <p:extLst>
       <p:ext uri="{BB962C8B-B14F-4D97-AF65-F5344CB8AC3E}">
-        <p14:creationId xmlns:p14="http://schemas.microsoft.com/office/powerpoint/2010/main" val="605961178"/>
+        <p14:creationId xmlns:p14="http://schemas.microsoft.com/office/powerpoint/2010/main" val="3640162085"/>
       </p:ext>
     </p:extLst>
   </p:cSld>
@@ -4118,7 +4396,7 @@
           <p:cNvPr id="2" name="Title 1">
             <a:extLst>
               <a:ext uri="{FF2B5EF4-FFF2-40B4-BE49-F238E27FC236}">
-                <a16:creationId xmlns:a16="http://schemas.microsoft.com/office/drawing/2014/main" id="{0BAEFF61-A282-4A00-AE33-47EB70FB2421}"/>
+                <a16:creationId xmlns:a16="http://schemas.microsoft.com/office/drawing/2014/main" id="{D7230CD9-B867-4DAF-9751-FA117E8039A6}"/>
               </a:ext>
             </a:extLst>
           </p:cNvPr>
@@ -4131,8 +4409,8 @@
         </p:nvSpPr>
         <p:spPr>
           <a:xfrm>
-            <a:off x="384810" y="68266"/>
-            <a:ext cx="11561098" cy="789722"/>
+            <a:off x="384809" y="68266"/>
+            <a:ext cx="11561097" cy="789722"/>
           </a:xfrm>
         </p:spPr>
         <p:txBody>
@@ -4143,17 +4421,26 @@
           <a:p>
             <a:r>
               <a:rPr lang="en-US" dirty="0"/>
-              <a:t>Trend Analysis – Bicyclist Fatality Trends – WHY?</a:t>
-            </a:r>
-          </a:p>
-        </p:txBody>
-      </p:sp>
-      <p:sp>
-        <p:nvSpPr>
-          <p:cNvPr id="3" name="Footer Placeholder 2">
-            <a:extLst>
-              <a:ext uri="{FF2B5EF4-FFF2-40B4-BE49-F238E27FC236}">
-                <a16:creationId xmlns:a16="http://schemas.microsoft.com/office/drawing/2014/main" id="{B8F82AD0-06FC-4518-8423-607DE1791560}"/>
+              <a:t>Bicycle Crash Fatality Analysis – </a:t>
+            </a:r>
+            <a:r>
+              <a:rPr lang="en-US" dirty="0">
+                <a:solidFill>
+                  <a:schemeClr val="accent2"/>
+                </a:solidFill>
+              </a:rPr>
+              <a:t>WHY?</a:t>
+            </a:r>
+            <a:endParaRPr lang="en-US" dirty="0"/>
+          </a:p>
+        </p:txBody>
+      </p:sp>
+      <p:sp>
+        <p:nvSpPr>
+          <p:cNvPr id="7" name="Footer Placeholder 6">
+            <a:extLst>
+              <a:ext uri="{FF2B5EF4-FFF2-40B4-BE49-F238E27FC236}">
+                <a16:creationId xmlns:a16="http://schemas.microsoft.com/office/drawing/2014/main" id="{6261FFFA-8FE0-4E46-8D48-7D7889A9B951}"/>
               </a:ext>
             </a:extLst>
           </p:cNvPr>
@@ -4178,10 +4465,10 @@
       </p:sp>
       <p:sp>
         <p:nvSpPr>
-          <p:cNvPr id="4" name="Slide Number Placeholder 3">
-            <a:extLst>
-              <a:ext uri="{FF2B5EF4-FFF2-40B4-BE49-F238E27FC236}">
-                <a16:creationId xmlns:a16="http://schemas.microsoft.com/office/drawing/2014/main" id="{690591B6-6289-4056-B5F2-D70DFFFFF838}"/>
+          <p:cNvPr id="8" name="Slide Number Placeholder 7">
+            <a:extLst>
+              <a:ext uri="{FF2B5EF4-FFF2-40B4-BE49-F238E27FC236}">
+                <a16:creationId xmlns:a16="http://schemas.microsoft.com/office/drawing/2014/main" id="{A4EE183D-507F-4E1D-93BB-DB872B14CC08}"/>
               </a:ext>
             </a:extLst>
           </p:cNvPr>
@@ -4205,12 +4492,225 @@
           </a:p>
         </p:txBody>
       </p:sp>
+      <p:sp>
+        <p:nvSpPr>
+          <p:cNvPr id="9" name="Rectangle 8">
+            <a:extLst>
+              <a:ext uri="{FF2B5EF4-FFF2-40B4-BE49-F238E27FC236}">
+                <a16:creationId xmlns:a16="http://schemas.microsoft.com/office/drawing/2014/main" id="{4FAAA104-911E-48AA-921C-7221EAD20B80}"/>
+              </a:ext>
+            </a:extLst>
+          </p:cNvPr>
+          <p:cNvSpPr/>
+          <p:nvPr/>
+        </p:nvSpPr>
+        <p:spPr>
+          <a:xfrm>
+            <a:off x="384808" y="910890"/>
+            <a:ext cx="5048837" cy="1700787"/>
+          </a:xfrm>
+          <a:prstGeom prst="rect">
+            <a:avLst/>
+          </a:prstGeom>
+        </p:spPr>
+        <p:txBody>
+          <a:bodyPr wrap="square">
+            <a:spAutoFit/>
+          </a:bodyPr>
+          <a:lstStyle/>
+          <a:p>
+            <a:pPr eaLnBrk="0" fontAlgn="base" hangingPunct="0">
+              <a:lnSpc>
+                <a:spcPct val="150000"/>
+              </a:lnSpc>
+              <a:spcBef>
+                <a:spcPct val="0"/>
+              </a:spcBef>
+              <a:spcAft>
+                <a:spcPct val="0"/>
+              </a:spcAft>
+            </a:pPr>
+            <a:r>
+              <a:rPr lang="en-US" altLang="en-US" b="1" u="sng" dirty="0">
+                <a:solidFill>
+                  <a:schemeClr val="accent2"/>
+                </a:solidFill>
+              </a:rPr>
+              <a:t>BIKER INTOXICATION:</a:t>
+            </a:r>
+          </a:p>
+          <a:p>
+            <a:pPr eaLnBrk="0" fontAlgn="base" hangingPunct="0">
+              <a:lnSpc>
+                <a:spcPct val="150000"/>
+              </a:lnSpc>
+              <a:spcBef>
+                <a:spcPct val="0"/>
+              </a:spcBef>
+              <a:spcAft>
+                <a:spcPct val="0"/>
+              </a:spcAft>
+            </a:pPr>
+            <a:r>
+              <a:rPr lang="en-US" altLang="en-US" b="1" dirty="0"/>
+              <a:t>A</a:t>
+            </a:r>
+            <a:r>
+              <a:rPr lang="en-US" altLang="en-US" b="1" dirty="0">
+                <a:solidFill>
+                  <a:schemeClr val="accent2"/>
+                </a:solidFill>
+              </a:rPr>
+              <a:t> </a:t>
+            </a:r>
+            <a:r>
+              <a:rPr lang="en-US" altLang="en-US" b="1" dirty="0">
+                <a:solidFill>
+                  <a:srgbClr val="F7AB3B"/>
+                </a:solidFill>
+              </a:rPr>
+              <a:t>quarter </a:t>
+            </a:r>
+            <a:r>
+              <a:rPr lang="en-US" altLang="en-US" b="1" dirty="0"/>
+              <a:t>of the fatal crashes had </a:t>
+            </a:r>
+            <a:r>
+              <a:rPr lang="en-US" altLang="en-US" b="1" dirty="0">
+                <a:solidFill>
+                  <a:schemeClr val="accent2"/>
+                </a:solidFill>
+              </a:rPr>
+              <a:t>intoxicated bikers </a:t>
+            </a:r>
+          </a:p>
+          <a:p>
+            <a:pPr marL="285750" indent="-285750" eaLnBrk="0" fontAlgn="base" hangingPunct="0">
+              <a:lnSpc>
+                <a:spcPct val="150000"/>
+              </a:lnSpc>
+              <a:spcBef>
+                <a:spcPct val="0"/>
+              </a:spcBef>
+              <a:spcAft>
+                <a:spcPct val="0"/>
+              </a:spcAft>
+              <a:buFont typeface="Wingdings" panose="05000000000000000000" pitchFamily="2" charset="2"/>
+              <a:buChar char="q"/>
+            </a:pPr>
+            <a:endParaRPr lang="en-US" altLang="en-US" b="1" dirty="0"/>
+          </a:p>
+        </p:txBody>
+      </p:sp>
+      <p:sp>
+        <p:nvSpPr>
+          <p:cNvPr id="16" name="Rectangle 15">
+            <a:extLst>
+              <a:ext uri="{FF2B5EF4-FFF2-40B4-BE49-F238E27FC236}">
+                <a16:creationId xmlns:a16="http://schemas.microsoft.com/office/drawing/2014/main" id="{10975559-3043-4211-84F3-940A965526E3}"/>
+              </a:ext>
+            </a:extLst>
+          </p:cNvPr>
+          <p:cNvSpPr/>
+          <p:nvPr/>
+        </p:nvSpPr>
+        <p:spPr>
+          <a:xfrm>
+            <a:off x="6376615" y="884039"/>
+            <a:ext cx="4970586" cy="1285288"/>
+          </a:xfrm>
+          <a:prstGeom prst="rect">
+            <a:avLst/>
+          </a:prstGeom>
+        </p:spPr>
+        <p:txBody>
+          <a:bodyPr wrap="square">
+            <a:spAutoFit/>
+          </a:bodyPr>
+          <a:lstStyle/>
+          <a:p>
+            <a:pPr eaLnBrk="0" fontAlgn="base" hangingPunct="0">
+              <a:lnSpc>
+                <a:spcPct val="150000"/>
+              </a:lnSpc>
+              <a:spcBef>
+                <a:spcPct val="0"/>
+              </a:spcBef>
+              <a:spcAft>
+                <a:spcPct val="0"/>
+              </a:spcAft>
+            </a:pPr>
+            <a:r>
+              <a:rPr lang="en-US" altLang="en-US" b="1" u="sng" dirty="0">
+                <a:solidFill>
+                  <a:schemeClr val="accent2"/>
+                </a:solidFill>
+              </a:rPr>
+              <a:t>MOTORIST INTOXICATION:</a:t>
+            </a:r>
+          </a:p>
+          <a:p>
+            <a:pPr eaLnBrk="0" fontAlgn="base" hangingPunct="0">
+              <a:lnSpc>
+                <a:spcPct val="150000"/>
+              </a:lnSpc>
+              <a:spcBef>
+                <a:spcPct val="0"/>
+              </a:spcBef>
+              <a:spcAft>
+                <a:spcPct val="0"/>
+              </a:spcAft>
+            </a:pPr>
+            <a:r>
+              <a:rPr lang="en-US" altLang="en-US" b="1" dirty="0"/>
+              <a:t>About a</a:t>
+            </a:r>
+            <a:r>
+              <a:rPr lang="en-US" altLang="en-US" b="1" dirty="0">
+                <a:solidFill>
+                  <a:schemeClr val="accent2"/>
+                </a:solidFill>
+              </a:rPr>
+              <a:t> </a:t>
+            </a:r>
+            <a:r>
+              <a:rPr lang="en-US" altLang="en-US" b="1" dirty="0">
+                <a:solidFill>
+                  <a:srgbClr val="F7AB3B"/>
+                </a:solidFill>
+              </a:rPr>
+              <a:t>tenth</a:t>
+            </a:r>
+            <a:r>
+              <a:rPr lang="en-US" altLang="en-US" b="1" dirty="0">
+                <a:solidFill>
+                  <a:schemeClr val="accent2"/>
+                </a:solidFill>
+              </a:rPr>
+              <a:t> </a:t>
+            </a:r>
+            <a:r>
+              <a:rPr lang="en-US" altLang="en-US" b="1" dirty="0"/>
+              <a:t>of the fatal crashes had </a:t>
+            </a:r>
+            <a:r>
+              <a:rPr lang="en-US" altLang="en-US" b="1" dirty="0">
+                <a:solidFill>
+                  <a:schemeClr val="accent2"/>
+                </a:solidFill>
+              </a:rPr>
+              <a:t>intoxicated motorist’s</a:t>
+            </a:r>
+            <a:endParaRPr lang="en-US" altLang="en-US" b="1" dirty="0"/>
+          </a:p>
+        </p:txBody>
+      </p:sp>
       <p:pic>
         <p:nvPicPr>
-          <p:cNvPr id="5" name="Picture 4">
-            <a:extLst>
-              <a:ext uri="{FF2B5EF4-FFF2-40B4-BE49-F238E27FC236}">
-                <a16:creationId xmlns:a16="http://schemas.microsoft.com/office/drawing/2014/main" id="{D1C7B69F-C22C-41BB-9BE6-6CED0B0276E2}"/>
+          <p:cNvPr id="18" name="Picture 17">
+            <a:extLst>
+              <a:ext uri="{FF2B5EF4-FFF2-40B4-BE49-F238E27FC236}">
+                <a16:creationId xmlns:a16="http://schemas.microsoft.com/office/drawing/2014/main" id="{CF519435-9FC6-403F-95FE-23645158DE50}"/>
               </a:ext>
             </a:extLst>
           </p:cNvPr>
@@ -4227,8 +4727,8 @@
         </p:blipFill>
         <p:spPr>
           <a:xfrm>
-            <a:off x="1200843" y="3429000"/>
-            <a:ext cx="4298052" cy="2110923"/>
+            <a:off x="919885" y="2945422"/>
+            <a:ext cx="3609625" cy="3132319"/>
           </a:xfrm>
           <a:prstGeom prst="rect">
             <a:avLst/>
@@ -4237,10 +4737,10 @@
       </p:pic>
       <p:pic>
         <p:nvPicPr>
-          <p:cNvPr id="6" name="Picture 5">
-            <a:extLst>
-              <a:ext uri="{FF2B5EF4-FFF2-40B4-BE49-F238E27FC236}">
-                <a16:creationId xmlns:a16="http://schemas.microsoft.com/office/drawing/2014/main" id="{4DBFDC91-9211-4992-B22A-9C2C1F8F1722}"/>
+          <p:cNvPr id="19" name="Picture 18">
+            <a:extLst>
+              <a:ext uri="{FF2B5EF4-FFF2-40B4-BE49-F238E27FC236}">
+                <a16:creationId xmlns:a16="http://schemas.microsoft.com/office/drawing/2014/main" id="{B8C779C0-FE6F-4F84-8F2F-F55274EB5E3A}"/>
               </a:ext>
             </a:extLst>
           </p:cNvPr>
@@ -4257,18 +4757,61 @@
         </p:blipFill>
         <p:spPr>
           <a:xfrm>
-            <a:off x="7060428" y="3497487"/>
-            <a:ext cx="4229467" cy="2149026"/>
+            <a:off x="7086600" y="2669955"/>
+            <a:ext cx="4351039" cy="3302220"/>
           </a:xfrm>
           <a:prstGeom prst="rect">
             <a:avLst/>
           </a:prstGeom>
         </p:spPr>
       </p:pic>
+      <p:cxnSp>
+        <p:nvCxnSpPr>
+          <p:cNvPr id="10" name="Straight Connector 9">
+            <a:extLst>
+              <a:ext uri="{FF2B5EF4-FFF2-40B4-BE49-F238E27FC236}">
+                <a16:creationId xmlns:a16="http://schemas.microsoft.com/office/drawing/2014/main" id="{4979345C-D233-497B-9DEF-55B313AE59D6}"/>
+              </a:ext>
+            </a:extLst>
+          </p:cNvPr>
+          <p:cNvCxnSpPr>
+            <a:cxnSpLocks/>
+          </p:cNvCxnSpPr>
+          <p:nvPr/>
+        </p:nvCxnSpPr>
+        <p:spPr>
+          <a:xfrm>
+            <a:off x="5810252" y="984413"/>
+            <a:ext cx="5135" cy="5083984"/>
+          </a:xfrm>
+          <a:prstGeom prst="line">
+            <a:avLst/>
+          </a:prstGeom>
+          <a:ln>
+            <a:solidFill>
+              <a:schemeClr val="accent2"/>
+            </a:solidFill>
+          </a:ln>
+        </p:spPr>
+        <p:style>
+          <a:lnRef idx="2">
+            <a:schemeClr val="accent1"/>
+          </a:lnRef>
+          <a:fillRef idx="0">
+            <a:schemeClr val="accent1"/>
+          </a:fillRef>
+          <a:effectRef idx="1">
+            <a:schemeClr val="accent1"/>
+          </a:effectRef>
+          <a:fontRef idx="minor">
+            <a:schemeClr val="tx1"/>
+          </a:fontRef>
+        </p:style>
+      </p:cxnSp>
     </p:spTree>
     <p:extLst>
       <p:ext uri="{BB962C8B-B14F-4D97-AF65-F5344CB8AC3E}">
-        <p14:creationId xmlns:p14="http://schemas.microsoft.com/office/powerpoint/2010/main" val="3437656072"/>
+        <p14:creationId xmlns:p14="http://schemas.microsoft.com/office/powerpoint/2010/main" val="3230725314"/>
       </p:ext>
     </p:extLst>
   </p:cSld>
@@ -4313,8 +4856,8 @@
         </p:nvSpPr>
         <p:spPr>
           <a:xfrm>
-            <a:off x="384810" y="191354"/>
-            <a:ext cx="11597640" cy="789722"/>
+            <a:off x="384810" y="68266"/>
+            <a:ext cx="11561098" cy="789722"/>
           </a:xfrm>
         </p:spPr>
         <p:txBody>
@@ -4325,95 +4868,17 @@
           <a:p>
             <a:r>
               <a:rPr lang="en-US" dirty="0"/>
-              <a:t>Conclusion</a:t>
-            </a:r>
-          </a:p>
-        </p:txBody>
-      </p:sp>
-      <p:sp>
-        <p:nvSpPr>
-          <p:cNvPr id="3" name="Rectangle 2">
-            <a:extLst>
-              <a:ext uri="{FF2B5EF4-FFF2-40B4-BE49-F238E27FC236}">
-                <a16:creationId xmlns:a16="http://schemas.microsoft.com/office/drawing/2014/main" id="{E33172F6-12ED-474F-8F37-F9B87F6ADC59}"/>
-              </a:ext>
-            </a:extLst>
-          </p:cNvPr>
-          <p:cNvSpPr/>
-          <p:nvPr/>
-        </p:nvSpPr>
-        <p:spPr>
-          <a:xfrm>
-            <a:off x="276224" y="981076"/>
-            <a:ext cx="11706225" cy="1285288"/>
-          </a:xfrm>
-          <a:prstGeom prst="rect">
-            <a:avLst/>
-          </a:prstGeom>
-        </p:spPr>
-        <p:txBody>
-          <a:bodyPr wrap="square">
-            <a:spAutoFit/>
-          </a:bodyPr>
-          <a:lstStyle/>
-          <a:p>
-            <a:pPr lvl="0" eaLnBrk="0" fontAlgn="base" hangingPunct="0">
-              <a:lnSpc>
-                <a:spcPct val="150000"/>
-              </a:lnSpc>
-              <a:spcBef>
-                <a:spcPct val="0"/>
-              </a:spcBef>
-              <a:spcAft>
-                <a:spcPct val="0"/>
-              </a:spcAft>
-            </a:pPr>
-            <a:r>
-              <a:rPr lang="en-US" altLang="en-US" b="1" dirty="0"/>
-              <a:t>You are more likely to get into a </a:t>
-            </a:r>
-            <a:r>
-              <a:rPr lang="en-US" altLang="en-US" b="1" strike="sngStrike" dirty="0"/>
-              <a:t>FATAL </a:t>
-            </a:r>
-            <a:r>
-              <a:rPr lang="en-US" altLang="en-US" b="1" dirty="0"/>
-              <a:t>crash if:</a:t>
-            </a:r>
-          </a:p>
-          <a:p>
-            <a:pPr lvl="0" eaLnBrk="0" fontAlgn="base" hangingPunct="0">
-              <a:lnSpc>
-                <a:spcPct val="150000"/>
-              </a:lnSpc>
-              <a:spcBef>
-                <a:spcPct val="0"/>
-              </a:spcBef>
-              <a:spcAft>
-                <a:spcPct val="0"/>
-              </a:spcAft>
-            </a:pPr>
-            <a:r>
-              <a:rPr lang="en-US" altLang="en-US" b="1" dirty="0"/>
-              <a:t>	- you are a male Caucasian between 50-60 years of age riding a bicycle in a travel lane with traffic,</a:t>
-            </a:r>
-          </a:p>
-          <a:p>
-            <a:pPr lvl="0" eaLnBrk="0" fontAlgn="base" hangingPunct="0">
-              <a:lnSpc>
-                <a:spcPct val="150000"/>
-              </a:lnSpc>
-              <a:spcBef>
-                <a:spcPct val="0"/>
-              </a:spcBef>
-              <a:spcAft>
-                <a:spcPct val="0"/>
-              </a:spcAft>
-            </a:pPr>
-            <a:r>
-              <a:rPr lang="en-US" altLang="en-US" b="1" dirty="0"/>
-              <a:t> </a:t>
-            </a:r>
+              <a:t>Bicycle Crash Fatality Analysis – </a:t>
+            </a:r>
+            <a:r>
+              <a:rPr lang="en-US" dirty="0">
+                <a:solidFill>
+                  <a:schemeClr val="accent2"/>
+                </a:solidFill>
+              </a:rPr>
+              <a:t>WHY?</a:t>
+            </a:r>
+            <a:endParaRPr lang="en-US" dirty="0"/>
           </a:p>
         </p:txBody>
       </p:sp>
@@ -4422,7 +4887,7 @@
           <p:cNvPr id="4" name="Footer Placeholder 3">
             <a:extLst>
               <a:ext uri="{FF2B5EF4-FFF2-40B4-BE49-F238E27FC236}">
-                <a16:creationId xmlns:a16="http://schemas.microsoft.com/office/drawing/2014/main" id="{BDF50B0A-E672-4B09-9F84-28291F7AC9BF}"/>
+                <a16:creationId xmlns:a16="http://schemas.microsoft.com/office/drawing/2014/main" id="{8517ECA1-7034-4CA0-834E-4B4B164B1AE5}"/>
               </a:ext>
             </a:extLst>
           </p:cNvPr>
@@ -4447,10 +4912,10 @@
       </p:sp>
       <p:sp>
         <p:nvSpPr>
-          <p:cNvPr id="5" name="Slide Number Placeholder 4">
-            <a:extLst>
-              <a:ext uri="{FF2B5EF4-FFF2-40B4-BE49-F238E27FC236}">
-                <a16:creationId xmlns:a16="http://schemas.microsoft.com/office/drawing/2014/main" id="{0CF77547-47F4-418E-AC2F-FE54E5324906}"/>
+          <p:cNvPr id="8" name="Slide Number Placeholder 7">
+            <a:extLst>
+              <a:ext uri="{FF2B5EF4-FFF2-40B4-BE49-F238E27FC236}">
+                <a16:creationId xmlns:a16="http://schemas.microsoft.com/office/drawing/2014/main" id="{6F287A43-4F08-4B77-A6CB-59AE3A9F6EE1}"/>
               </a:ext>
             </a:extLst>
           </p:cNvPr>
@@ -4474,10 +4939,293 @@
           </a:p>
         </p:txBody>
       </p:sp>
+      <p:sp>
+        <p:nvSpPr>
+          <p:cNvPr id="11" name="Rectangle 10">
+            <a:extLst>
+              <a:ext uri="{FF2B5EF4-FFF2-40B4-BE49-F238E27FC236}">
+                <a16:creationId xmlns:a16="http://schemas.microsoft.com/office/drawing/2014/main" id="{523C65D4-FF82-4BFA-ABF9-8C4B49D183FE}"/>
+              </a:ext>
+            </a:extLst>
+          </p:cNvPr>
+          <p:cNvSpPr/>
+          <p:nvPr/>
+        </p:nvSpPr>
+        <p:spPr>
+          <a:xfrm>
+            <a:off x="315453" y="897044"/>
+            <a:ext cx="5329518" cy="1700787"/>
+          </a:xfrm>
+          <a:prstGeom prst="rect">
+            <a:avLst/>
+          </a:prstGeom>
+        </p:spPr>
+        <p:txBody>
+          <a:bodyPr wrap="square">
+            <a:spAutoFit/>
+          </a:bodyPr>
+          <a:lstStyle/>
+          <a:p>
+            <a:pPr eaLnBrk="0" fontAlgn="base" hangingPunct="0">
+              <a:lnSpc>
+                <a:spcPct val="150000"/>
+              </a:lnSpc>
+              <a:spcBef>
+                <a:spcPct val="0"/>
+              </a:spcBef>
+              <a:spcAft>
+                <a:spcPct val="0"/>
+              </a:spcAft>
+            </a:pPr>
+            <a:r>
+              <a:rPr lang="en-US" altLang="en-US" b="1" u="sng" dirty="0">
+                <a:solidFill>
+                  <a:schemeClr val="accent2"/>
+                </a:solidFill>
+              </a:rPr>
+              <a:t>BICYCLE POSITION:</a:t>
+            </a:r>
+          </a:p>
+          <a:p>
+            <a:pPr eaLnBrk="0" fontAlgn="base" hangingPunct="0">
+              <a:lnSpc>
+                <a:spcPct val="150000"/>
+              </a:lnSpc>
+              <a:spcBef>
+                <a:spcPct val="0"/>
+              </a:spcBef>
+              <a:spcAft>
+                <a:spcPct val="0"/>
+              </a:spcAft>
+            </a:pPr>
+            <a:r>
+              <a:rPr lang="en-US" altLang="en-US" b="1" dirty="0"/>
+              <a:t>Majority of fatal crashes </a:t>
+            </a:r>
+            <a:r>
+              <a:rPr lang="en-US" altLang="en-US" b="1" dirty="0">
+                <a:solidFill>
+                  <a:srgbClr val="F7AB3B"/>
+                </a:solidFill>
+              </a:rPr>
+              <a:t>212(82%) </a:t>
+            </a:r>
+            <a:r>
+              <a:rPr lang="en-US" altLang="en-US" b="1" dirty="0"/>
+              <a:t>occurred when the biker was riding the bicycle in the </a:t>
+            </a:r>
+            <a:r>
+              <a:rPr lang="en-US" altLang="en-US" b="1" dirty="0">
+                <a:solidFill>
+                  <a:schemeClr val="accent2"/>
+                </a:solidFill>
+              </a:rPr>
+              <a:t>travel lanes</a:t>
+            </a:r>
+            <a:r>
+              <a:rPr lang="en-US" altLang="en-US" b="1" dirty="0"/>
+              <a:t> </a:t>
+            </a:r>
+          </a:p>
+        </p:txBody>
+      </p:sp>
+      <p:sp>
+        <p:nvSpPr>
+          <p:cNvPr id="15" name="Rectangle 14">
+            <a:extLst>
+              <a:ext uri="{FF2B5EF4-FFF2-40B4-BE49-F238E27FC236}">
+                <a16:creationId xmlns:a16="http://schemas.microsoft.com/office/drawing/2014/main" id="{129CFB82-66D0-4344-A432-89A5959EFEEC}"/>
+              </a:ext>
+            </a:extLst>
+          </p:cNvPr>
+          <p:cNvSpPr/>
+          <p:nvPr/>
+        </p:nvSpPr>
+        <p:spPr>
+          <a:xfrm>
+            <a:off x="6410325" y="901296"/>
+            <a:ext cx="5535583" cy="1700787"/>
+          </a:xfrm>
+          <a:prstGeom prst="rect">
+            <a:avLst/>
+          </a:prstGeom>
+        </p:spPr>
+        <p:txBody>
+          <a:bodyPr wrap="square">
+            <a:spAutoFit/>
+          </a:bodyPr>
+          <a:lstStyle/>
+          <a:p>
+            <a:pPr eaLnBrk="0" fontAlgn="base" hangingPunct="0">
+              <a:lnSpc>
+                <a:spcPct val="150000"/>
+              </a:lnSpc>
+              <a:spcBef>
+                <a:spcPct val="0"/>
+              </a:spcBef>
+              <a:spcAft>
+                <a:spcPct val="0"/>
+              </a:spcAft>
+            </a:pPr>
+            <a:r>
+              <a:rPr lang="en-US" altLang="en-US" b="1" u="sng" dirty="0">
+                <a:solidFill>
+                  <a:schemeClr val="accent2"/>
+                </a:solidFill>
+              </a:rPr>
+              <a:t>BICYCLE DIRECTION:</a:t>
+            </a:r>
+          </a:p>
+          <a:p>
+            <a:pPr eaLnBrk="0" fontAlgn="base" hangingPunct="0">
+              <a:lnSpc>
+                <a:spcPct val="150000"/>
+              </a:lnSpc>
+              <a:spcBef>
+                <a:spcPct val="0"/>
+              </a:spcBef>
+              <a:spcAft>
+                <a:spcPct val="0"/>
+              </a:spcAft>
+            </a:pPr>
+            <a:r>
+              <a:rPr lang="en-US" altLang="en-US" b="1" dirty="0"/>
+              <a:t>Majority of fatal crashes </a:t>
+            </a:r>
+            <a:r>
+              <a:rPr lang="en-US" altLang="en-US" b="1" dirty="0">
+                <a:solidFill>
+                  <a:srgbClr val="F7AB3B"/>
+                </a:solidFill>
+              </a:rPr>
+              <a:t>202(78%) </a:t>
+            </a:r>
+            <a:r>
+              <a:rPr lang="en-US" altLang="en-US" b="1" dirty="0"/>
+              <a:t>occurred when the biker was riding the bicycle in the </a:t>
+            </a:r>
+            <a:r>
+              <a:rPr lang="en-US" altLang="en-US" b="1" dirty="0">
+                <a:solidFill>
+                  <a:schemeClr val="accent2"/>
+                </a:solidFill>
+              </a:rPr>
+              <a:t>direction of the traffic</a:t>
+            </a:r>
+            <a:r>
+              <a:rPr lang="en-US" altLang="en-US" b="1" dirty="0"/>
+              <a:t> </a:t>
+            </a:r>
+          </a:p>
+        </p:txBody>
+      </p:sp>
+      <p:cxnSp>
+        <p:nvCxnSpPr>
+          <p:cNvPr id="9" name="Straight Connector 8">
+            <a:extLst>
+              <a:ext uri="{FF2B5EF4-FFF2-40B4-BE49-F238E27FC236}">
+                <a16:creationId xmlns:a16="http://schemas.microsoft.com/office/drawing/2014/main" id="{C72BC87E-3AB7-4F75-8841-0F26DF130292}"/>
+              </a:ext>
+            </a:extLst>
+          </p:cNvPr>
+          <p:cNvCxnSpPr>
+            <a:cxnSpLocks/>
+          </p:cNvCxnSpPr>
+          <p:nvPr/>
+        </p:nvCxnSpPr>
+        <p:spPr>
+          <a:xfrm>
+            <a:off x="6090865" y="1062829"/>
+            <a:ext cx="5135" cy="5083984"/>
+          </a:xfrm>
+          <a:prstGeom prst="line">
+            <a:avLst/>
+          </a:prstGeom>
+          <a:ln>
+            <a:solidFill>
+              <a:schemeClr val="accent2"/>
+            </a:solidFill>
+          </a:ln>
+        </p:spPr>
+        <p:style>
+          <a:lnRef idx="2">
+            <a:schemeClr val="accent1"/>
+          </a:lnRef>
+          <a:fillRef idx="0">
+            <a:schemeClr val="accent1"/>
+          </a:fillRef>
+          <a:effectRef idx="1">
+            <a:schemeClr val="accent1"/>
+          </a:effectRef>
+          <a:fontRef idx="minor">
+            <a:schemeClr val="tx1"/>
+          </a:fontRef>
+        </p:style>
+      </p:cxnSp>
+      <p:pic>
+        <p:nvPicPr>
+          <p:cNvPr id="3" name="Picture 2">
+            <a:extLst>
+              <a:ext uri="{FF2B5EF4-FFF2-40B4-BE49-F238E27FC236}">
+                <a16:creationId xmlns:a16="http://schemas.microsoft.com/office/drawing/2014/main" id="{C6A4406B-3DDC-4A99-9ECA-B6DB7D03C57E}"/>
+              </a:ext>
+            </a:extLst>
+          </p:cNvPr>
+          <p:cNvPicPr>
+            <a:picLocks noChangeAspect="1"/>
+          </p:cNvPicPr>
+          <p:nvPr/>
+        </p:nvPicPr>
+        <p:blipFill>
+          <a:blip r:embed="rId2"/>
+          <a:stretch>
+            <a:fillRect/>
+          </a:stretch>
+        </p:blipFill>
+        <p:spPr>
+          <a:xfrm>
+            <a:off x="61011" y="2905255"/>
+            <a:ext cx="5965463" cy="3381744"/>
+          </a:xfrm>
+          <a:prstGeom prst="rect">
+            <a:avLst/>
+          </a:prstGeom>
+        </p:spPr>
+      </p:pic>
+      <p:pic>
+        <p:nvPicPr>
+          <p:cNvPr id="5" name="Picture 4">
+            <a:extLst>
+              <a:ext uri="{FF2B5EF4-FFF2-40B4-BE49-F238E27FC236}">
+                <a16:creationId xmlns:a16="http://schemas.microsoft.com/office/drawing/2014/main" id="{42B06479-C689-458A-A63F-6D8A2F9CE51A}"/>
+              </a:ext>
+            </a:extLst>
+          </p:cNvPr>
+          <p:cNvPicPr>
+            <a:picLocks noChangeAspect="1"/>
+          </p:cNvPicPr>
+          <p:nvPr/>
+        </p:nvPicPr>
+        <p:blipFill>
+          <a:blip r:embed="rId3"/>
+          <a:stretch>
+            <a:fillRect/>
+          </a:stretch>
+        </p:blipFill>
+        <p:spPr>
+          <a:xfrm>
+            <a:off x="6827843" y="2905255"/>
+            <a:ext cx="4150091" cy="3241558"/>
+          </a:xfrm>
+          <a:prstGeom prst="rect">
+            <a:avLst/>
+          </a:prstGeom>
+        </p:spPr>
+      </p:pic>
     </p:spTree>
     <p:extLst>
       <p:ext uri="{BB962C8B-B14F-4D97-AF65-F5344CB8AC3E}">
-        <p14:creationId xmlns:p14="http://schemas.microsoft.com/office/powerpoint/2010/main" val="2208275198"/>
+        <p14:creationId xmlns:p14="http://schemas.microsoft.com/office/powerpoint/2010/main" val="2162469463"/>
       </p:ext>
     </p:extLst>
   </p:cSld>
@@ -4509,7 +5257,7 @@
           <p:cNvPr id="2" name="Title 1">
             <a:extLst>
               <a:ext uri="{FF2B5EF4-FFF2-40B4-BE49-F238E27FC236}">
-                <a16:creationId xmlns:a16="http://schemas.microsoft.com/office/drawing/2014/main" id="{263447F3-B840-48E0-B367-4A011ACB0AF2}"/>
+                <a16:creationId xmlns:a16="http://schemas.microsoft.com/office/drawing/2014/main" id="{D7230CD9-B867-4DAF-9751-FA117E8039A6}"/>
               </a:ext>
             </a:extLst>
           </p:cNvPr>
@@ -4522,8 +5270,8 @@
         </p:nvSpPr>
         <p:spPr>
           <a:xfrm>
-            <a:off x="384810" y="191354"/>
-            <a:ext cx="11597640" cy="789722"/>
+            <a:off x="384810" y="68266"/>
+            <a:ext cx="11561098" cy="789722"/>
           </a:xfrm>
         </p:spPr>
         <p:txBody>
@@ -4534,93 +5282,17 @@
           <a:p>
             <a:r>
               <a:rPr lang="en-US" dirty="0"/>
-              <a:t>Next Steps</a:t>
-            </a:r>
-          </a:p>
-        </p:txBody>
-      </p:sp>
-      <p:sp>
-        <p:nvSpPr>
-          <p:cNvPr id="3" name="Rectangle 2">
-            <a:extLst>
-              <a:ext uri="{FF2B5EF4-FFF2-40B4-BE49-F238E27FC236}">
-                <a16:creationId xmlns:a16="http://schemas.microsoft.com/office/drawing/2014/main" id="{E33172F6-12ED-474F-8F37-F9B87F6ADC59}"/>
-              </a:ext>
-            </a:extLst>
-          </p:cNvPr>
-          <p:cNvSpPr/>
-          <p:nvPr/>
-        </p:nvSpPr>
-        <p:spPr>
-          <a:xfrm>
-            <a:off x="276224" y="981076"/>
-            <a:ext cx="11706225" cy="1417824"/>
-          </a:xfrm>
-          <a:prstGeom prst="rect">
-            <a:avLst/>
-          </a:prstGeom>
-        </p:spPr>
-        <p:txBody>
-          <a:bodyPr wrap="square">
-            <a:spAutoFit/>
-          </a:bodyPr>
-          <a:lstStyle/>
-          <a:p>
-            <a:pPr marL="285750" lvl="0" indent="-285750" eaLnBrk="0" fontAlgn="base" hangingPunct="0">
-              <a:lnSpc>
-                <a:spcPct val="150000"/>
-              </a:lnSpc>
-              <a:spcBef>
-                <a:spcPct val="0"/>
-              </a:spcBef>
-              <a:spcAft>
-                <a:spcPct val="0"/>
-              </a:spcAft>
-              <a:buFont typeface="Wingdings" panose="05000000000000000000" pitchFamily="2" charset="2"/>
-              <a:buChar char="q"/>
-            </a:pPr>
-            <a:r>
-              <a:rPr lang="en-US" altLang="en-US" sz="2000" dirty="0"/>
-              <a:t>Injury Analysis</a:t>
-            </a:r>
-          </a:p>
-          <a:p>
-            <a:pPr marL="285750" lvl="0" indent="-285750" eaLnBrk="0" fontAlgn="base" hangingPunct="0">
-              <a:lnSpc>
-                <a:spcPct val="150000"/>
-              </a:lnSpc>
-              <a:spcBef>
-                <a:spcPct val="0"/>
-              </a:spcBef>
-              <a:spcAft>
-                <a:spcPct val="0"/>
-              </a:spcAft>
-              <a:buFont typeface="Wingdings" panose="05000000000000000000" pitchFamily="2" charset="2"/>
-              <a:buChar char="q"/>
-            </a:pPr>
-            <a:r>
-              <a:rPr lang="en-US" altLang="en-US" sz="2000" dirty="0"/>
-              <a:t>Analysis of use of helmets</a:t>
-            </a:r>
-          </a:p>
-          <a:p>
-            <a:pPr marL="285750" lvl="0" indent="-285750" eaLnBrk="0" fontAlgn="base" hangingPunct="0">
-              <a:lnSpc>
-                <a:spcPct val="150000"/>
-              </a:lnSpc>
-              <a:spcBef>
-                <a:spcPct val="0"/>
-              </a:spcBef>
-              <a:spcAft>
-                <a:spcPct val="0"/>
-              </a:spcAft>
-              <a:buFont typeface="Wingdings" panose="05000000000000000000" pitchFamily="2" charset="2"/>
-              <a:buChar char="q"/>
-            </a:pPr>
-            <a:r>
-              <a:rPr lang="en-US" altLang="en-US" sz="2000" dirty="0"/>
-              <a:t>Find correlation between county/city population and bicycle crashes</a:t>
-            </a:r>
+              <a:t>Bicycle Crash Fatality Analysis – </a:t>
+            </a:r>
+            <a:r>
+              <a:rPr lang="en-US" dirty="0">
+                <a:solidFill>
+                  <a:schemeClr val="accent2"/>
+                </a:solidFill>
+              </a:rPr>
+              <a:t>WHY?</a:t>
+            </a:r>
+            <a:endParaRPr lang="en-US" dirty="0"/>
           </a:p>
         </p:txBody>
       </p:sp>
@@ -4629,7 +5301,7 @@
           <p:cNvPr id="4" name="Footer Placeholder 3">
             <a:extLst>
               <a:ext uri="{FF2B5EF4-FFF2-40B4-BE49-F238E27FC236}">
-                <a16:creationId xmlns:a16="http://schemas.microsoft.com/office/drawing/2014/main" id="{BDF50B0A-E672-4B09-9F84-28291F7AC9BF}"/>
+                <a16:creationId xmlns:a16="http://schemas.microsoft.com/office/drawing/2014/main" id="{E4566593-555C-4BFD-978B-824CD5DFAA3E}"/>
               </a:ext>
             </a:extLst>
           </p:cNvPr>
@@ -4657,7 +5329,7 @@
           <p:cNvPr id="5" name="Slide Number Placeholder 4">
             <a:extLst>
               <a:ext uri="{FF2B5EF4-FFF2-40B4-BE49-F238E27FC236}">
-                <a16:creationId xmlns:a16="http://schemas.microsoft.com/office/drawing/2014/main" id="{0CF77547-47F4-418E-AC2F-FE54E5324906}"/>
+                <a16:creationId xmlns:a16="http://schemas.microsoft.com/office/drawing/2014/main" id="{2CF13423-62AF-47C1-9CD7-EE526EE8441B}"/>
               </a:ext>
             </a:extLst>
           </p:cNvPr>
@@ -4681,10 +5353,237 @@
           </a:p>
         </p:txBody>
       </p:sp>
+      <p:sp>
+        <p:nvSpPr>
+          <p:cNvPr id="12" name="Rectangle 11">
+            <a:extLst>
+              <a:ext uri="{FF2B5EF4-FFF2-40B4-BE49-F238E27FC236}">
+                <a16:creationId xmlns:a16="http://schemas.microsoft.com/office/drawing/2014/main" id="{2731BDDF-9C2C-40E2-B4A3-D280A1D34C1C}"/>
+              </a:ext>
+            </a:extLst>
+          </p:cNvPr>
+          <p:cNvSpPr/>
+          <p:nvPr/>
+        </p:nvSpPr>
+        <p:spPr>
+          <a:xfrm>
+            <a:off x="6376615" y="884039"/>
+            <a:ext cx="4970586" cy="1285288"/>
+          </a:xfrm>
+          <a:prstGeom prst="rect">
+            <a:avLst/>
+          </a:prstGeom>
+        </p:spPr>
+        <p:txBody>
+          <a:bodyPr wrap="square">
+            <a:spAutoFit/>
+          </a:bodyPr>
+          <a:lstStyle/>
+          <a:p>
+            <a:pPr eaLnBrk="0" fontAlgn="base" hangingPunct="0">
+              <a:lnSpc>
+                <a:spcPct val="150000"/>
+              </a:lnSpc>
+              <a:spcBef>
+                <a:spcPct val="0"/>
+              </a:spcBef>
+              <a:spcAft>
+                <a:spcPct val="0"/>
+              </a:spcAft>
+            </a:pPr>
+            <a:r>
+              <a:rPr lang="en-US" altLang="en-US" b="1" u="sng" dirty="0">
+                <a:solidFill>
+                  <a:schemeClr val="accent2"/>
+                </a:solidFill>
+              </a:rPr>
+              <a:t>ACTION AT TIME OF CRASH:</a:t>
+            </a:r>
+          </a:p>
+          <a:p>
+            <a:pPr eaLnBrk="0" fontAlgn="base" hangingPunct="0">
+              <a:lnSpc>
+                <a:spcPct val="150000"/>
+              </a:lnSpc>
+              <a:spcBef>
+                <a:spcPct val="0"/>
+              </a:spcBef>
+              <a:spcAft>
+                <a:spcPct val="0"/>
+              </a:spcAft>
+            </a:pPr>
+            <a:r>
+              <a:rPr lang="en-US" altLang="en-US" b="1" dirty="0"/>
+              <a:t>About</a:t>
+            </a:r>
+            <a:r>
+              <a:rPr lang="en-US" altLang="en-US" b="1" dirty="0">
+                <a:solidFill>
+                  <a:srgbClr val="F7AB3B"/>
+                </a:solidFill>
+              </a:rPr>
+              <a:t> </a:t>
+            </a:r>
+            <a:r>
+              <a:rPr lang="en-US" altLang="en-US" b="1">
+                <a:solidFill>
+                  <a:srgbClr val="F7AB3B"/>
+                </a:solidFill>
+              </a:rPr>
+              <a:t>113(44%) </a:t>
+            </a:r>
+            <a:r>
+              <a:rPr lang="en-US" altLang="en-US" b="1" dirty="0"/>
+              <a:t>of the fatal crashes were due to a </a:t>
+            </a:r>
+            <a:r>
+              <a:rPr lang="en-US" altLang="en-US" b="1" dirty="0">
+                <a:solidFill>
+                  <a:schemeClr val="accent2"/>
+                </a:solidFill>
+              </a:rPr>
+              <a:t>motorist overtaking the bicyclist</a:t>
+            </a:r>
+          </a:p>
+        </p:txBody>
+      </p:sp>
+      <p:sp>
+        <p:nvSpPr>
+          <p:cNvPr id="13" name="Rectangle 12">
+            <a:extLst>
+              <a:ext uri="{FF2B5EF4-FFF2-40B4-BE49-F238E27FC236}">
+                <a16:creationId xmlns:a16="http://schemas.microsoft.com/office/drawing/2014/main" id="{B5523012-D261-4ED3-BA67-D292BDC886FE}"/>
+              </a:ext>
+            </a:extLst>
+          </p:cNvPr>
+          <p:cNvSpPr/>
+          <p:nvPr/>
+        </p:nvSpPr>
+        <p:spPr>
+          <a:xfrm>
+            <a:off x="419100" y="884039"/>
+            <a:ext cx="4970586" cy="1285288"/>
+          </a:xfrm>
+          <a:prstGeom prst="rect">
+            <a:avLst/>
+          </a:prstGeom>
+        </p:spPr>
+        <p:txBody>
+          <a:bodyPr wrap="square">
+            <a:spAutoFit/>
+          </a:bodyPr>
+          <a:lstStyle/>
+          <a:p>
+            <a:pPr eaLnBrk="0" fontAlgn="base" hangingPunct="0">
+              <a:lnSpc>
+                <a:spcPct val="150000"/>
+              </a:lnSpc>
+              <a:spcBef>
+                <a:spcPct val="0"/>
+              </a:spcBef>
+              <a:spcAft>
+                <a:spcPct val="0"/>
+              </a:spcAft>
+            </a:pPr>
+            <a:r>
+              <a:rPr lang="en-US" altLang="en-US" b="1" u="sng" dirty="0">
+                <a:solidFill>
+                  <a:schemeClr val="accent2"/>
+                </a:solidFill>
+              </a:rPr>
+              <a:t>TRAFFIC CONDITION AT TIME OF CRASH:</a:t>
+            </a:r>
+          </a:p>
+          <a:p>
+            <a:pPr eaLnBrk="0" fontAlgn="base" hangingPunct="0">
+              <a:lnSpc>
+                <a:spcPct val="150000"/>
+              </a:lnSpc>
+              <a:spcBef>
+                <a:spcPct val="0"/>
+              </a:spcBef>
+              <a:spcAft>
+                <a:spcPct val="0"/>
+              </a:spcAft>
+            </a:pPr>
+            <a:r>
+              <a:rPr lang="en-US" altLang="en-US" b="1" dirty="0"/>
+              <a:t>About a</a:t>
+            </a:r>
+            <a:r>
+              <a:rPr lang="en-US" altLang="en-US" b="1" dirty="0">
+                <a:solidFill>
+                  <a:schemeClr val="accent2"/>
+                </a:solidFill>
+              </a:rPr>
+              <a:t> </a:t>
+            </a:r>
+            <a:r>
+              <a:rPr lang="en-US" altLang="en-US" b="1" dirty="0">
+                <a:solidFill>
+                  <a:srgbClr val="F7AB3B"/>
+                </a:solidFill>
+              </a:rPr>
+              <a:t>tenth</a:t>
+            </a:r>
+            <a:r>
+              <a:rPr lang="en-US" altLang="en-US" b="1" dirty="0">
+                <a:solidFill>
+                  <a:schemeClr val="accent2"/>
+                </a:solidFill>
+              </a:rPr>
+              <a:t> </a:t>
+            </a:r>
+            <a:r>
+              <a:rPr lang="en-US" altLang="en-US" b="1" dirty="0"/>
+              <a:t>of the fatal crashes had </a:t>
+            </a:r>
+            <a:r>
+              <a:rPr lang="en-US" altLang="en-US" b="1" dirty="0">
+                <a:solidFill>
+                  <a:schemeClr val="accent2"/>
+                </a:solidFill>
+              </a:rPr>
+              <a:t>intoxicated motorist’s</a:t>
+            </a:r>
+            <a:endParaRPr lang="en-US" altLang="en-US" b="1" dirty="0"/>
+          </a:p>
+        </p:txBody>
+      </p:sp>
+      <p:pic>
+        <p:nvPicPr>
+          <p:cNvPr id="6" name="Picture 5">
+            <a:extLst>
+              <a:ext uri="{FF2B5EF4-FFF2-40B4-BE49-F238E27FC236}">
+                <a16:creationId xmlns:a16="http://schemas.microsoft.com/office/drawing/2014/main" id="{C70271DC-1029-4DA2-9341-78B3121CE62A}"/>
+              </a:ext>
+            </a:extLst>
+          </p:cNvPr>
+          <p:cNvPicPr>
+            <a:picLocks noChangeAspect="1"/>
+          </p:cNvPicPr>
+          <p:nvPr/>
+        </p:nvPicPr>
+        <p:blipFill>
+          <a:blip r:embed="rId2"/>
+          <a:stretch>
+            <a:fillRect/>
+          </a:stretch>
+        </p:blipFill>
+        <p:spPr>
+          <a:xfrm>
+            <a:off x="5096608" y="2809093"/>
+            <a:ext cx="6824762" cy="3010925"/>
+          </a:xfrm>
+          <a:prstGeom prst="rect">
+            <a:avLst/>
+          </a:prstGeom>
+        </p:spPr>
+      </p:pic>
     </p:spTree>
     <p:extLst>
       <p:ext uri="{BB962C8B-B14F-4D97-AF65-F5344CB8AC3E}">
-        <p14:creationId xmlns:p14="http://schemas.microsoft.com/office/powerpoint/2010/main" val="3809374944"/>
+        <p14:creationId xmlns:p14="http://schemas.microsoft.com/office/powerpoint/2010/main" val="3102968231"/>
       </p:ext>
     </p:extLst>
   </p:cSld>
@@ -4716,7 +5615,7 @@
           <p:cNvPr id="2" name="Title 1">
             <a:extLst>
               <a:ext uri="{FF2B5EF4-FFF2-40B4-BE49-F238E27FC236}">
-                <a16:creationId xmlns:a16="http://schemas.microsoft.com/office/drawing/2014/main" id="{326EB7B5-7CCC-4CBF-BC2C-EE538C2007A0}"/>
+                <a16:creationId xmlns:a16="http://schemas.microsoft.com/office/drawing/2014/main" id="{D7230CD9-B867-4DAF-9751-FA117E8039A6}"/>
               </a:ext>
             </a:extLst>
           </p:cNvPr>
@@ -4729,8 +5628,8 @@
         </p:nvSpPr>
         <p:spPr>
           <a:xfrm>
-            <a:off x="0" y="0"/>
-            <a:ext cx="12081164" cy="775856"/>
+            <a:off x="384810" y="68266"/>
+            <a:ext cx="11561098" cy="789722"/>
           </a:xfrm>
         </p:spPr>
         <p:txBody>
@@ -4741,17 +5640,154 @@
           <a:p>
             <a:r>
               <a:rPr lang="en-US" dirty="0"/>
-              <a:t>Fatal Cities</a:t>
+              <a:t>Bicycle Crash Fatality Analysis – </a:t>
+            </a:r>
+            <a:r>
+              <a:rPr lang="en-US" dirty="0">
+                <a:solidFill>
+                  <a:schemeClr val="accent2"/>
+                </a:solidFill>
+              </a:rPr>
+              <a:t>WHY?</a:t>
+            </a:r>
+            <a:endParaRPr lang="en-US" dirty="0"/>
+          </a:p>
+        </p:txBody>
+      </p:sp>
+      <p:sp>
+        <p:nvSpPr>
+          <p:cNvPr id="4" name="Footer Placeholder 3">
+            <a:extLst>
+              <a:ext uri="{FF2B5EF4-FFF2-40B4-BE49-F238E27FC236}">
+                <a16:creationId xmlns:a16="http://schemas.microsoft.com/office/drawing/2014/main" id="{7E9C0802-539D-44B8-BB21-A1AC5713EF00}"/>
+              </a:ext>
+            </a:extLst>
+          </p:cNvPr>
+          <p:cNvSpPr>
+            <a:spLocks noGrp="1"/>
+          </p:cNvSpPr>
+          <p:nvPr>
+            <p:ph type="ftr" sz="quarter" idx="11"/>
+          </p:nvPr>
+        </p:nvSpPr>
+        <p:spPr/>
+        <p:txBody>
+          <a:bodyPr/>
+          <a:lstStyle/>
+          <a:p>
+            <a:r>
+              <a:rPr lang="en-US"/>
+              <a:t>Statewide Analysis of Bicycle Crashes in North Carolina (2007-2018)</a:t>
+            </a:r>
+          </a:p>
+        </p:txBody>
+      </p:sp>
+      <p:sp>
+        <p:nvSpPr>
+          <p:cNvPr id="5" name="Slide Number Placeholder 4">
+            <a:extLst>
+              <a:ext uri="{FF2B5EF4-FFF2-40B4-BE49-F238E27FC236}">
+                <a16:creationId xmlns:a16="http://schemas.microsoft.com/office/drawing/2014/main" id="{B16707BC-46D2-4A73-B44D-7D9142855AB9}"/>
+              </a:ext>
+            </a:extLst>
+          </p:cNvPr>
+          <p:cNvSpPr>
+            <a:spLocks noGrp="1"/>
+          </p:cNvSpPr>
+          <p:nvPr>
+            <p:ph type="sldNum" sz="quarter" idx="12"/>
+          </p:nvPr>
+        </p:nvSpPr>
+        <p:spPr/>
+        <p:txBody>
+          <a:bodyPr/>
+          <a:lstStyle/>
+          <a:p>
+            <a:fld id="{FC0254F6-2034-44F8-8A7C-C71F5A1DE8FB}" type="slidenum">
+              <a:rPr lang="en-US" smtClean="0"/>
+              <a:t>18</a:t>
+            </a:fld>
+            <a:endParaRPr lang="en-US"/>
+          </a:p>
+        </p:txBody>
+      </p:sp>
+      <p:sp>
+        <p:nvSpPr>
+          <p:cNvPr id="7" name="Rectangle 6">
+            <a:extLst>
+              <a:ext uri="{FF2B5EF4-FFF2-40B4-BE49-F238E27FC236}">
+                <a16:creationId xmlns:a16="http://schemas.microsoft.com/office/drawing/2014/main" id="{08602E79-F1D4-448B-BBB7-3AB944F20A71}"/>
+              </a:ext>
+            </a:extLst>
+          </p:cNvPr>
+          <p:cNvSpPr/>
+          <p:nvPr/>
+        </p:nvSpPr>
+        <p:spPr>
+          <a:xfrm>
+            <a:off x="315453" y="1146149"/>
+            <a:ext cx="4379640" cy="1285288"/>
+          </a:xfrm>
+          <a:prstGeom prst="rect">
+            <a:avLst/>
+          </a:prstGeom>
+        </p:spPr>
+        <p:txBody>
+          <a:bodyPr wrap="square">
+            <a:spAutoFit/>
+          </a:bodyPr>
+          <a:lstStyle/>
+          <a:p>
+            <a:pPr marL="285750" indent="-285750" eaLnBrk="0" fontAlgn="base" hangingPunct="0">
+              <a:lnSpc>
+                <a:spcPct val="150000"/>
+              </a:lnSpc>
+              <a:spcBef>
+                <a:spcPct val="0"/>
+              </a:spcBef>
+              <a:spcAft>
+                <a:spcPct val="0"/>
+              </a:spcAft>
+              <a:buFont typeface="Wingdings" panose="05000000000000000000" pitchFamily="2" charset="2"/>
+              <a:buChar char="q"/>
+            </a:pPr>
+            <a:r>
+              <a:rPr lang="en-US" altLang="en-US" b="1" dirty="0"/>
+              <a:t>An </a:t>
+            </a:r>
+            <a:r>
+              <a:rPr lang="en-US" altLang="en-US" b="1" dirty="0">
+                <a:solidFill>
+                  <a:schemeClr val="accent2"/>
+                </a:solidFill>
+              </a:rPr>
+              <a:t>ambulance was deployed </a:t>
+            </a:r>
+            <a:r>
+              <a:rPr lang="en-US" altLang="en-US" b="1" dirty="0"/>
+              <a:t>for </a:t>
+            </a:r>
+            <a:r>
+              <a:rPr lang="en-US" altLang="en-US" b="1" dirty="0">
+                <a:solidFill>
+                  <a:srgbClr val="F7AB3B"/>
+                </a:solidFill>
+              </a:rPr>
+              <a:t>94%</a:t>
+            </a:r>
+            <a:r>
+              <a:rPr lang="en-US" altLang="en-US" b="1" dirty="0"/>
+              <a:t> of the crashes that resulted in fatalities</a:t>
             </a:r>
           </a:p>
         </p:txBody>
       </p:sp>
       <p:pic>
         <p:nvPicPr>
-          <p:cNvPr id="3" name="Picture 2">
-            <a:extLst>
-              <a:ext uri="{FF2B5EF4-FFF2-40B4-BE49-F238E27FC236}">
-                <a16:creationId xmlns:a16="http://schemas.microsoft.com/office/drawing/2014/main" id="{3A59B5A2-9753-42E7-855A-C65932EFDFFA}"/>
+          <p:cNvPr id="8" name="Picture 7">
+            <a:extLst>
+              <a:ext uri="{FF2B5EF4-FFF2-40B4-BE49-F238E27FC236}">
+                <a16:creationId xmlns:a16="http://schemas.microsoft.com/office/drawing/2014/main" id="{80AD4C7D-E88A-427C-8318-8AB5B09B2775}"/>
               </a:ext>
             </a:extLst>
           </p:cNvPr>
@@ -4768,75 +5804,48 @@
         </p:blipFill>
         <p:spPr>
           <a:xfrm>
-            <a:off x="0" y="916548"/>
-            <a:ext cx="12218546" cy="5369952"/>
+            <a:off x="896694" y="3016834"/>
+            <a:ext cx="3798399" cy="3100315"/>
           </a:xfrm>
           <a:prstGeom prst="rect">
             <a:avLst/>
           </a:prstGeom>
         </p:spPr>
       </p:pic>
-      <p:sp>
-        <p:nvSpPr>
-          <p:cNvPr id="4" name="Footer Placeholder 3">
-            <a:extLst>
-              <a:ext uri="{FF2B5EF4-FFF2-40B4-BE49-F238E27FC236}">
-                <a16:creationId xmlns:a16="http://schemas.microsoft.com/office/drawing/2014/main" id="{1611AE3D-552B-4809-B632-09AF807253D5}"/>
-              </a:ext>
-            </a:extLst>
-          </p:cNvPr>
-          <p:cNvSpPr>
-            <a:spLocks noGrp="1"/>
-          </p:cNvSpPr>
-          <p:nvPr>
-            <p:ph type="ftr" sz="quarter" idx="11"/>
-          </p:nvPr>
-        </p:nvSpPr>
-        <p:spPr/>
-        <p:txBody>
-          <a:bodyPr/>
-          <a:lstStyle/>
-          <a:p>
-            <a:r>
-              <a:rPr lang="en-US"/>
-              <a:t>Statewide Analysis of Bicycle Crashes in North Carolina (2007-2018)</a:t>
-            </a:r>
-          </a:p>
-        </p:txBody>
-      </p:sp>
-      <p:sp>
-        <p:nvSpPr>
-          <p:cNvPr id="5" name="Slide Number Placeholder 4">
-            <a:extLst>
-              <a:ext uri="{FF2B5EF4-FFF2-40B4-BE49-F238E27FC236}">
-                <a16:creationId xmlns:a16="http://schemas.microsoft.com/office/drawing/2014/main" id="{80E53ACF-8E5D-433A-9A35-FB69D5B305C2}"/>
-              </a:ext>
-            </a:extLst>
-          </p:cNvPr>
-          <p:cNvSpPr>
-            <a:spLocks noGrp="1"/>
-          </p:cNvSpPr>
-          <p:nvPr>
-            <p:ph type="sldNum" sz="quarter" idx="12"/>
-          </p:nvPr>
-        </p:nvSpPr>
-        <p:spPr/>
-        <p:txBody>
-          <a:bodyPr/>
-          <a:lstStyle/>
-          <a:p>
-            <a:fld id="{FC0254F6-2034-44F8-8A7C-C71F5A1DE8FB}" type="slidenum">
-              <a:rPr lang="en-US" smtClean="0"/>
-              <a:t>18</a:t>
-            </a:fld>
-            <a:endParaRPr lang="en-US"/>
-          </a:p>
-        </p:txBody>
-      </p:sp>
+      <p:pic>
+        <p:nvPicPr>
+          <p:cNvPr id="9" name="Picture 8">
+            <a:extLst>
+              <a:ext uri="{FF2B5EF4-FFF2-40B4-BE49-F238E27FC236}">
+                <a16:creationId xmlns:a16="http://schemas.microsoft.com/office/drawing/2014/main" id="{97D25C82-6303-4C2A-BE8D-E37DB2B0E052}"/>
+              </a:ext>
+            </a:extLst>
+          </p:cNvPr>
+          <p:cNvPicPr>
+            <a:picLocks noChangeAspect="1"/>
+          </p:cNvPicPr>
+          <p:nvPr/>
+        </p:nvPicPr>
+        <p:blipFill>
+          <a:blip r:embed="rId3"/>
+          <a:stretch>
+            <a:fillRect/>
+          </a:stretch>
+        </p:blipFill>
+        <p:spPr>
+          <a:xfrm>
+            <a:off x="5974422" y="3016834"/>
+            <a:ext cx="5624047" cy="2834886"/>
+          </a:xfrm>
+          <a:prstGeom prst="rect">
+            <a:avLst/>
+          </a:prstGeom>
+        </p:spPr>
+      </p:pic>
     </p:spTree>
     <p:extLst>
       <p:ext uri="{BB962C8B-B14F-4D97-AF65-F5344CB8AC3E}">
-        <p14:creationId xmlns:p14="http://schemas.microsoft.com/office/powerpoint/2010/main" val="3909568724"/>
+        <p14:creationId xmlns:p14="http://schemas.microsoft.com/office/powerpoint/2010/main" val="605961178"/>
       </p:ext>
     </p:extLst>
   </p:cSld>
@@ -4865,185 +5874,111 @@
       </p:grpSpPr>
       <p:sp>
         <p:nvSpPr>
-          <p:cNvPr id="2" name="Rectangle 1">
-            <a:extLst>
-              <a:ext uri="{FF2B5EF4-FFF2-40B4-BE49-F238E27FC236}">
-                <a16:creationId xmlns:a16="http://schemas.microsoft.com/office/drawing/2014/main" id="{226D31AC-F732-4DD4-A6B2-CC382C34CF63}"/>
+          <p:cNvPr id="2" name="Title 1">
+            <a:extLst>
+              <a:ext uri="{FF2B5EF4-FFF2-40B4-BE49-F238E27FC236}">
+                <a16:creationId xmlns:a16="http://schemas.microsoft.com/office/drawing/2014/main" id="{0BAEFF61-A282-4A00-AE33-47EB70FB2421}"/>
               </a:ext>
             </a:extLst>
           </p:cNvPr>
           <p:cNvSpPr>
-            <a:spLocks noChangeArrowheads="1"/>
+            <a:spLocks noGrp="1"/>
           </p:cNvSpPr>
-          <p:nvPr/>
-        </p:nvSpPr>
-        <p:spPr bwMode="auto">
-          <a:xfrm>
-            <a:off x="223471" y="102134"/>
-            <a:ext cx="2695575" cy="1107996"/>
-          </a:xfrm>
-          <a:prstGeom prst="rect">
-            <a:avLst/>
-          </a:prstGeom>
-          <a:solidFill>
-            <a:srgbClr val="FFFFFF"/>
-          </a:solidFill>
-          <a:ln>
-            <a:noFill/>
-          </a:ln>
-          <a:effectLst/>
-          <a:extLst>
-            <a:ext uri="{91240B29-F687-4F45-9708-019B960494DF}">
-              <a14:hiddenLine xmlns:a14="http://schemas.microsoft.com/office/drawing/2010/main" w="9525">
-                <a:solidFill>
-                  <a:schemeClr val="tx1"/>
-                </a:solidFill>
-                <a:miter lim="800000"/>
-                <a:headEnd/>
-                <a:tailEnd/>
-              </a14:hiddenLine>
-            </a:ext>
-            <a:ext uri="{AF507438-7753-43E0-B8FC-AC1667EBCBE1}">
-              <a14:hiddenEffects xmlns:a14="http://schemas.microsoft.com/office/drawing/2010/main">
-                <a:effectLst>
-                  <a:outerShdw dist="35921" dir="2700000" algn="ctr" rotWithShape="0">
-                    <a:schemeClr val="bg2"/>
-                  </a:outerShdw>
-                </a:effectLst>
-              </a14:hiddenEffects>
-            </a:ext>
-          </a:extLst>
-        </p:spPr>
-        <p:txBody>
-          <a:bodyPr vert="horz" wrap="square" lIns="0" tIns="0" rIns="0" bIns="0" numCol="1" anchor="ctr" anchorCtr="0" compatLnSpc="1">
-            <a:prstTxWarp prst="textNoShape">
-              <a:avLst/>
-            </a:prstTxWarp>
-            <a:spAutoFit/>
+          <p:nvPr>
+            <p:ph type="title"/>
+          </p:nvPr>
+        </p:nvSpPr>
+        <p:spPr>
+          <a:xfrm>
+            <a:off x="384810" y="68266"/>
+            <a:ext cx="11561098" cy="789722"/>
+          </a:xfrm>
+        </p:spPr>
+        <p:txBody>
+          <a:bodyPr>
+            <a:normAutofit/>
           </a:bodyPr>
           <a:lstStyle/>
           <a:p>
-            <a:pPr lvl="0" eaLnBrk="0" fontAlgn="base" hangingPunct="0">
-              <a:spcBef>
-                <a:spcPct val="0"/>
-              </a:spcBef>
-              <a:spcAft>
-                <a:spcPct val="0"/>
-              </a:spcAft>
-            </a:pPr>
-            <a:r>
-              <a:rPr kumimoji="0" lang="en-US" altLang="en-US" b="0" i="0" u="none" strike="noStrike" cap="none" normalizeH="0" baseline="0" dirty="0">
-                <a:ln>
-                  <a:noFill/>
-                </a:ln>
-                <a:solidFill>
-                  <a:srgbClr val="000000"/>
-                </a:solidFill>
-                <a:effectLst/>
-              </a:rPr>
-              <a:t>Total crashes: </a:t>
-            </a:r>
             <a:r>
               <a:rPr lang="en-US" dirty="0"/>
-              <a:t>11266</a:t>
-            </a:r>
-          </a:p>
-          <a:p>
-            <a:pPr lvl="0" eaLnBrk="0" fontAlgn="base" hangingPunct="0">
-              <a:spcBef>
-                <a:spcPct val="0"/>
-              </a:spcBef>
-              <a:spcAft>
-                <a:spcPct val="0"/>
-              </a:spcAft>
-            </a:pPr>
-            <a:endParaRPr kumimoji="0" lang="en-US" altLang="en-US" b="0" i="0" u="none" strike="noStrike" cap="none" normalizeH="0" baseline="0" dirty="0">
-              <a:ln>
-                <a:noFill/>
-              </a:ln>
-              <a:solidFill>
-                <a:srgbClr val="000000"/>
-              </a:solidFill>
-              <a:effectLst/>
-            </a:endParaRPr>
-          </a:p>
-          <a:p>
-            <a:pPr marL="0" marR="0" lvl="0" indent="0" algn="l" defTabSz="914400" rtl="0" eaLnBrk="0" fontAlgn="base" latinLnBrk="0" hangingPunct="0">
-              <a:lnSpc>
-                <a:spcPct val="100000"/>
-              </a:lnSpc>
-              <a:spcBef>
-                <a:spcPct val="0"/>
-              </a:spcBef>
-              <a:spcAft>
-                <a:spcPct val="0"/>
-              </a:spcAft>
-              <a:buClrTx/>
-              <a:buSzTx/>
-              <a:buFontTx/>
-              <a:buNone/>
-              <a:tabLst/>
-            </a:pPr>
-            <a:r>
-              <a:rPr kumimoji="0" lang="en-US" altLang="en-US" b="0" i="0" u="none" strike="noStrike" cap="none" normalizeH="0" baseline="0" dirty="0">
-                <a:ln>
-                  <a:noFill/>
-                </a:ln>
-                <a:solidFill>
-                  <a:srgbClr val="000000"/>
-                </a:solidFill>
-                <a:effectLst/>
-              </a:rPr>
-              <a:t>Number of Counties : 100 </a:t>
-            </a:r>
-          </a:p>
-          <a:p>
-            <a:pPr marL="0" marR="0" lvl="0" indent="0" algn="l" defTabSz="914400" rtl="0" eaLnBrk="0" fontAlgn="base" latinLnBrk="0" hangingPunct="0">
-              <a:lnSpc>
-                <a:spcPct val="100000"/>
-              </a:lnSpc>
-              <a:spcBef>
-                <a:spcPct val="0"/>
-              </a:spcBef>
-              <a:spcAft>
-                <a:spcPct val="0"/>
-              </a:spcAft>
-              <a:buClrTx/>
-              <a:buSzTx/>
-              <a:buFontTx/>
-              <a:buNone/>
-              <a:tabLst/>
-            </a:pPr>
-            <a:r>
-              <a:rPr kumimoji="0" lang="en-US" altLang="en-US" b="0" i="0" u="none" strike="noStrike" cap="none" normalizeH="0" baseline="0" dirty="0">
-                <a:ln>
-                  <a:noFill/>
-                </a:ln>
-                <a:solidFill>
-                  <a:srgbClr val="000000"/>
-                </a:solidFill>
-                <a:effectLst/>
-              </a:rPr>
-              <a:t>Number of Cities: 327</a:t>
-            </a:r>
-            <a:endParaRPr kumimoji="0" lang="en-US" altLang="en-US" b="0" i="0" u="none" strike="noStrike" cap="none" normalizeH="0" baseline="0" dirty="0">
-              <a:ln>
-                <a:noFill/>
-              </a:ln>
-              <a:solidFill>
-                <a:schemeClr val="tx1"/>
-              </a:solidFill>
-              <a:effectLst/>
-            </a:endParaRPr>
+              <a:t>Bicycle Crash Fatality Analysis – </a:t>
+            </a:r>
+            <a:r>
+              <a:rPr lang="en-US" dirty="0">
+                <a:solidFill>
+                  <a:schemeClr val="accent2"/>
+                </a:solidFill>
+              </a:rPr>
+              <a:t>WHY?</a:t>
+            </a:r>
+            <a:endParaRPr lang="en-US" dirty="0"/>
+          </a:p>
+        </p:txBody>
+      </p:sp>
+      <p:sp>
+        <p:nvSpPr>
+          <p:cNvPr id="3" name="Footer Placeholder 2">
+            <a:extLst>
+              <a:ext uri="{FF2B5EF4-FFF2-40B4-BE49-F238E27FC236}">
+                <a16:creationId xmlns:a16="http://schemas.microsoft.com/office/drawing/2014/main" id="{B8F82AD0-06FC-4518-8423-607DE1791560}"/>
+              </a:ext>
+            </a:extLst>
+          </p:cNvPr>
+          <p:cNvSpPr>
+            <a:spLocks noGrp="1"/>
+          </p:cNvSpPr>
+          <p:nvPr>
+            <p:ph type="ftr" sz="quarter" idx="11"/>
+          </p:nvPr>
+        </p:nvSpPr>
+        <p:spPr/>
+        <p:txBody>
+          <a:bodyPr/>
+          <a:lstStyle/>
+          <a:p>
+            <a:r>
+              <a:rPr lang="en-US"/>
+              <a:t>Statewide Analysis of Bicycle Crashes in North Carolina (2007-2018)</a:t>
+            </a:r>
+          </a:p>
+        </p:txBody>
+      </p:sp>
+      <p:sp>
+        <p:nvSpPr>
+          <p:cNvPr id="4" name="Slide Number Placeholder 3">
+            <a:extLst>
+              <a:ext uri="{FF2B5EF4-FFF2-40B4-BE49-F238E27FC236}">
+                <a16:creationId xmlns:a16="http://schemas.microsoft.com/office/drawing/2014/main" id="{690591B6-6289-4056-B5F2-D70DFFFFF838}"/>
+              </a:ext>
+            </a:extLst>
+          </p:cNvPr>
+          <p:cNvSpPr>
+            <a:spLocks noGrp="1"/>
+          </p:cNvSpPr>
+          <p:nvPr>
+            <p:ph type="sldNum" sz="quarter" idx="12"/>
+          </p:nvPr>
+        </p:nvSpPr>
+        <p:spPr/>
+        <p:txBody>
+          <a:bodyPr/>
+          <a:lstStyle/>
+          <a:p>
+            <a:fld id="{FC0254F6-2034-44F8-8A7C-C71F5A1DE8FB}" type="slidenum">
+              <a:rPr lang="en-US" smtClean="0"/>
+              <a:t>19</a:t>
+            </a:fld>
+            <a:endParaRPr lang="en-US"/>
           </a:p>
         </p:txBody>
       </p:sp>
       <p:pic>
         <p:nvPicPr>
-          <p:cNvPr id="3" name="Picture 2">
-            <a:extLst>
-              <a:ext uri="{FF2B5EF4-FFF2-40B4-BE49-F238E27FC236}">
-                <a16:creationId xmlns:a16="http://schemas.microsoft.com/office/drawing/2014/main" id="{28B1B942-ABE4-4ACA-B1E0-DE4D1E9535E9}"/>
+          <p:cNvPr id="5" name="Picture 4">
+            <a:extLst>
+              <a:ext uri="{FF2B5EF4-FFF2-40B4-BE49-F238E27FC236}">
+                <a16:creationId xmlns:a16="http://schemas.microsoft.com/office/drawing/2014/main" id="{D1C7B69F-C22C-41BB-9BE6-6CED0B0276E2}"/>
               </a:ext>
             </a:extLst>
           </p:cNvPr>
@@ -5060,8 +5995,8 @@
         </p:blipFill>
         <p:spPr>
           <a:xfrm>
-            <a:off x="223471" y="1211388"/>
-            <a:ext cx="3825572" cy="2217612"/>
+            <a:off x="1200843" y="3429000"/>
+            <a:ext cx="4298052" cy="2110923"/>
           </a:xfrm>
           <a:prstGeom prst="rect">
             <a:avLst/>
@@ -5070,10 +6005,10 @@
       </p:pic>
       <p:pic>
         <p:nvPicPr>
-          <p:cNvPr id="4" name="Picture 3">
-            <a:extLst>
-              <a:ext uri="{FF2B5EF4-FFF2-40B4-BE49-F238E27FC236}">
-                <a16:creationId xmlns:a16="http://schemas.microsoft.com/office/drawing/2014/main" id="{0F37211C-02DA-4EE7-911A-9BC70DD04AC9}"/>
+          <p:cNvPr id="6" name="Picture 5">
+            <a:extLst>
+              <a:ext uri="{FF2B5EF4-FFF2-40B4-BE49-F238E27FC236}">
+                <a16:creationId xmlns:a16="http://schemas.microsoft.com/office/drawing/2014/main" id="{4DBFDC91-9211-4992-B22A-9C2C1F8F1722}"/>
               </a:ext>
             </a:extLst>
           </p:cNvPr>
@@ -5090,305 +6025,128 @@
         </p:blipFill>
         <p:spPr>
           <a:xfrm>
-            <a:off x="352294" y="3926163"/>
-            <a:ext cx="3010161" cy="967824"/>
+            <a:off x="7060428" y="3497487"/>
+            <a:ext cx="4229467" cy="2149026"/>
           </a:xfrm>
           <a:prstGeom prst="rect">
             <a:avLst/>
           </a:prstGeom>
         </p:spPr>
       </p:pic>
-      <p:pic>
-        <p:nvPicPr>
-          <p:cNvPr id="5" name="Picture 4">
-            <a:extLst>
-              <a:ext uri="{FF2B5EF4-FFF2-40B4-BE49-F238E27FC236}">
-                <a16:creationId xmlns:a16="http://schemas.microsoft.com/office/drawing/2014/main" id="{B0000DCC-8D34-46F2-A064-BD2C1F6E88C7}"/>
-              </a:ext>
-            </a:extLst>
-          </p:cNvPr>
-          <p:cNvPicPr>
-            <a:picLocks noChangeAspect="1"/>
-          </p:cNvPicPr>
+      <p:sp>
+        <p:nvSpPr>
+          <p:cNvPr id="7" name="Rectangle 6">
+            <a:extLst>
+              <a:ext uri="{FF2B5EF4-FFF2-40B4-BE49-F238E27FC236}">
+                <a16:creationId xmlns:a16="http://schemas.microsoft.com/office/drawing/2014/main" id="{B5B070F7-339B-48FD-9D3F-EFAB8EBC6E56}"/>
+              </a:ext>
+            </a:extLst>
+          </p:cNvPr>
+          <p:cNvSpPr/>
           <p:nvPr/>
-        </p:nvPicPr>
-        <p:blipFill>
-          <a:blip r:embed="rId4"/>
-          <a:stretch>
-            <a:fillRect/>
-          </a:stretch>
-        </p:blipFill>
-        <p:spPr>
-          <a:xfrm>
-            <a:off x="4556627" y="748465"/>
-            <a:ext cx="1539373" cy="571550"/>
+        </p:nvSpPr>
+        <p:spPr>
+          <a:xfrm>
+            <a:off x="384808" y="972434"/>
+            <a:ext cx="5048837" cy="1700787"/>
           </a:xfrm>
           <a:prstGeom prst="rect">
             <a:avLst/>
           </a:prstGeom>
         </p:spPr>
-      </p:pic>
-      <p:sp>
-        <p:nvSpPr>
-          <p:cNvPr id="6" name="TextBox 5">
-            <a:extLst>
-              <a:ext uri="{FF2B5EF4-FFF2-40B4-BE49-F238E27FC236}">
-                <a16:creationId xmlns:a16="http://schemas.microsoft.com/office/drawing/2014/main" id="{F3B66C6E-01EE-4F5C-8232-9E39F7051930}"/>
-              </a:ext>
-            </a:extLst>
-          </p:cNvPr>
-          <p:cNvSpPr txBox="1"/>
-          <p:nvPr/>
-        </p:nvSpPr>
-        <p:spPr>
-          <a:xfrm>
-            <a:off x="4455384" y="102134"/>
-            <a:ext cx="2779463" cy="646331"/>
-          </a:xfrm>
-          <a:prstGeom prst="rect">
-            <a:avLst/>
-          </a:prstGeom>
-          <a:noFill/>
-        </p:spPr>
-        <p:txBody>
-          <a:bodyPr wrap="square" rtlCol="0">
+        <p:txBody>
+          <a:bodyPr wrap="square">
             <a:spAutoFit/>
           </a:bodyPr>
           <a:lstStyle/>
           <a:p>
-            <a:r>
-              <a:rPr lang="en-US" b="1" dirty="0"/>
-              <a:t>Only 7% involved intoxicated Bikers</a:t>
-            </a:r>
-          </a:p>
-        </p:txBody>
-      </p:sp>
-      <p:sp>
-        <p:nvSpPr>
-          <p:cNvPr id="7" name="TextBox 6">
-            <a:extLst>
-              <a:ext uri="{FF2B5EF4-FFF2-40B4-BE49-F238E27FC236}">
-                <a16:creationId xmlns:a16="http://schemas.microsoft.com/office/drawing/2014/main" id="{F92154EA-FC7C-4A06-AC20-77C58506B91B}"/>
-              </a:ext>
-            </a:extLst>
-          </p:cNvPr>
-          <p:cNvSpPr txBox="1"/>
-          <p:nvPr/>
-        </p:nvSpPr>
-        <p:spPr>
-          <a:xfrm>
-            <a:off x="352294" y="3439923"/>
-            <a:ext cx="2779463" cy="369332"/>
-          </a:xfrm>
-          <a:prstGeom prst="rect">
-            <a:avLst/>
-          </a:prstGeom>
-          <a:noFill/>
-        </p:spPr>
-        <p:txBody>
-          <a:bodyPr wrap="square" rtlCol="0">
-            <a:spAutoFit/>
-          </a:bodyPr>
-          <a:lstStyle/>
-          <a:p>
-            <a:r>
-              <a:rPr lang="en-US" b="1" dirty="0"/>
-              <a:t>71% were in urban areas</a:t>
-            </a:r>
-          </a:p>
-        </p:txBody>
-      </p:sp>
-      <p:pic>
-        <p:nvPicPr>
-          <p:cNvPr id="10" name="Picture 9">
-            <a:extLst>
-              <a:ext uri="{FF2B5EF4-FFF2-40B4-BE49-F238E27FC236}">
-                <a16:creationId xmlns:a16="http://schemas.microsoft.com/office/drawing/2014/main" id="{6CDA9964-DD67-413F-954C-6153F4B35ADC}"/>
-              </a:ext>
-            </a:extLst>
-          </p:cNvPr>
-          <p:cNvPicPr>
-            <a:picLocks noChangeAspect="1"/>
-          </p:cNvPicPr>
-          <p:nvPr/>
-        </p:nvPicPr>
-        <p:blipFill>
-          <a:blip r:embed="rId5"/>
-          <a:stretch>
-            <a:fillRect/>
-          </a:stretch>
-        </p:blipFill>
-        <p:spPr>
-          <a:xfrm>
-            <a:off x="7198255" y="744655"/>
-            <a:ext cx="1470787" cy="579170"/>
-          </a:xfrm>
-          <a:prstGeom prst="rect">
-            <a:avLst/>
-          </a:prstGeom>
-        </p:spPr>
-      </p:pic>
-      <p:sp>
-        <p:nvSpPr>
-          <p:cNvPr id="11" name="TextBox 10">
-            <a:extLst>
-              <a:ext uri="{FF2B5EF4-FFF2-40B4-BE49-F238E27FC236}">
-                <a16:creationId xmlns:a16="http://schemas.microsoft.com/office/drawing/2014/main" id="{D4E25687-E451-4382-A697-7A951F4902BD}"/>
-              </a:ext>
-            </a:extLst>
-          </p:cNvPr>
-          <p:cNvSpPr txBox="1"/>
-          <p:nvPr/>
-        </p:nvSpPr>
-        <p:spPr>
-          <a:xfrm>
-            <a:off x="7198255" y="102134"/>
-            <a:ext cx="2779463" cy="646331"/>
-          </a:xfrm>
-          <a:prstGeom prst="rect">
-            <a:avLst/>
-          </a:prstGeom>
-          <a:noFill/>
-        </p:spPr>
-        <p:txBody>
-          <a:bodyPr wrap="square" rtlCol="0">
-            <a:spAutoFit/>
-          </a:bodyPr>
-          <a:lstStyle/>
-          <a:p>
-            <a:r>
-              <a:rPr lang="en-US" b="1" dirty="0"/>
-              <a:t>14.74% were Hit-n-Run cases</a:t>
-            </a:r>
-          </a:p>
-        </p:txBody>
-      </p:sp>
-      <p:pic>
-        <p:nvPicPr>
-          <p:cNvPr id="12" name="Picture 11">
-            <a:extLst>
-              <a:ext uri="{FF2B5EF4-FFF2-40B4-BE49-F238E27FC236}">
-                <a16:creationId xmlns:a16="http://schemas.microsoft.com/office/drawing/2014/main" id="{0981E165-A3B8-4A27-88CF-FA7ABC5914B4}"/>
-              </a:ext>
-            </a:extLst>
-          </p:cNvPr>
-          <p:cNvPicPr>
-            <a:picLocks noChangeAspect="1"/>
-          </p:cNvPicPr>
-          <p:nvPr/>
-        </p:nvPicPr>
-        <p:blipFill>
-          <a:blip r:embed="rId6"/>
-          <a:stretch>
-            <a:fillRect/>
-          </a:stretch>
-        </p:blipFill>
-        <p:spPr>
-          <a:xfrm>
-            <a:off x="7520868" y="2379169"/>
-            <a:ext cx="3589331" cy="1546994"/>
-          </a:xfrm>
-          <a:prstGeom prst="rect">
-            <a:avLst/>
-          </a:prstGeom>
-        </p:spPr>
-      </p:pic>
-      <p:sp>
-        <p:nvSpPr>
-          <p:cNvPr id="14" name="TextBox 13">
-            <a:extLst>
-              <a:ext uri="{FF2B5EF4-FFF2-40B4-BE49-F238E27FC236}">
-                <a16:creationId xmlns:a16="http://schemas.microsoft.com/office/drawing/2014/main" id="{F4BFA41C-1F78-456E-967D-C74990B0BF2B}"/>
-              </a:ext>
-            </a:extLst>
-          </p:cNvPr>
-          <p:cNvSpPr txBox="1"/>
-          <p:nvPr/>
-        </p:nvSpPr>
-        <p:spPr>
-          <a:xfrm>
-            <a:off x="7520868" y="1405894"/>
-            <a:ext cx="2779463" cy="1200329"/>
-          </a:xfrm>
-          <a:prstGeom prst="rect">
-            <a:avLst/>
-          </a:prstGeom>
-          <a:noFill/>
-        </p:spPr>
-        <p:txBody>
-          <a:bodyPr wrap="square" rtlCol="0">
-            <a:spAutoFit/>
-          </a:bodyPr>
-          <a:lstStyle/>
-          <a:p>
-            <a:r>
-              <a:rPr lang="en-US" dirty="0"/>
-              <a:t>Nighttime bicycle crashes resulted in more fatalities compared to daytime crashes.</a:t>
-            </a:r>
-          </a:p>
-        </p:txBody>
-      </p:sp>
-      <p:sp>
-        <p:nvSpPr>
-          <p:cNvPr id="13" name="Footer Placeholder 12">
-            <a:extLst>
-              <a:ext uri="{FF2B5EF4-FFF2-40B4-BE49-F238E27FC236}">
-                <a16:creationId xmlns:a16="http://schemas.microsoft.com/office/drawing/2014/main" id="{BA2F877B-C5B6-4F12-AA12-FF006969C2DF}"/>
-              </a:ext>
-            </a:extLst>
-          </p:cNvPr>
-          <p:cNvSpPr>
-            <a:spLocks noGrp="1"/>
-          </p:cNvSpPr>
-          <p:nvPr>
-            <p:ph type="ftr" sz="quarter" idx="11"/>
-          </p:nvPr>
-        </p:nvSpPr>
-        <p:spPr/>
-        <p:txBody>
-          <a:bodyPr/>
-          <a:lstStyle/>
-          <a:p>
-            <a:r>
-              <a:rPr lang="en-US"/>
-              <a:t>Statewide Analysis of Bicycle Crashes in North Carolina (2007-2018)</a:t>
-            </a:r>
-          </a:p>
-        </p:txBody>
-      </p:sp>
-      <p:sp>
-        <p:nvSpPr>
-          <p:cNvPr id="15" name="Slide Number Placeholder 14">
-            <a:extLst>
-              <a:ext uri="{FF2B5EF4-FFF2-40B4-BE49-F238E27FC236}">
-                <a16:creationId xmlns:a16="http://schemas.microsoft.com/office/drawing/2014/main" id="{9E34BC1A-BD0D-4EB5-AB67-06A3BA15F14D}"/>
-              </a:ext>
-            </a:extLst>
-          </p:cNvPr>
-          <p:cNvSpPr>
-            <a:spLocks noGrp="1"/>
-          </p:cNvSpPr>
-          <p:nvPr>
-            <p:ph type="sldNum" sz="quarter" idx="12"/>
-          </p:nvPr>
-        </p:nvSpPr>
-        <p:spPr/>
-        <p:txBody>
-          <a:bodyPr/>
-          <a:lstStyle/>
-          <a:p>
-            <a:fld id="{FC0254F6-2034-44F8-8A7C-C71F5A1DE8FB}" type="slidenum">
-              <a:rPr lang="en-US" smtClean="0"/>
-              <a:t>19</a:t>
-            </a:fld>
-            <a:endParaRPr lang="en-US"/>
+            <a:pPr eaLnBrk="0" fontAlgn="base" hangingPunct="0">
+              <a:lnSpc>
+                <a:spcPct val="150000"/>
+              </a:lnSpc>
+              <a:spcBef>
+                <a:spcPct val="0"/>
+              </a:spcBef>
+              <a:spcAft>
+                <a:spcPct val="0"/>
+              </a:spcAft>
+            </a:pPr>
+            <a:r>
+              <a:rPr lang="en-US" altLang="en-US" b="1" u="sng" dirty="0">
+                <a:solidFill>
+                  <a:schemeClr val="accent2"/>
+                </a:solidFill>
+              </a:rPr>
+              <a:t>WEATHER CONDITIONS:</a:t>
+            </a:r>
+          </a:p>
+          <a:p>
+            <a:pPr eaLnBrk="0" fontAlgn="base" hangingPunct="0">
+              <a:lnSpc>
+                <a:spcPct val="150000"/>
+              </a:lnSpc>
+              <a:spcBef>
+                <a:spcPct val="0"/>
+              </a:spcBef>
+              <a:spcAft>
+                <a:spcPct val="0"/>
+              </a:spcAft>
+            </a:pPr>
+            <a:r>
+              <a:rPr lang="en-US" altLang="en-US" b="1" dirty="0"/>
+              <a:t>A</a:t>
+            </a:r>
+            <a:r>
+              <a:rPr lang="en-US" altLang="en-US" b="1" dirty="0">
+                <a:solidFill>
+                  <a:schemeClr val="accent2"/>
+                </a:solidFill>
+              </a:rPr>
+              <a:t> </a:t>
+            </a:r>
+            <a:r>
+              <a:rPr lang="en-US" altLang="en-US" b="1" dirty="0">
+                <a:solidFill>
+                  <a:srgbClr val="F7AB3B"/>
+                </a:solidFill>
+              </a:rPr>
+              <a:t>quarter </a:t>
+            </a:r>
+            <a:r>
+              <a:rPr lang="en-US" altLang="en-US" b="1" dirty="0"/>
+              <a:t>of the fatal crashes had </a:t>
+            </a:r>
+            <a:r>
+              <a:rPr lang="en-US" altLang="en-US" b="1" dirty="0">
+                <a:solidFill>
+                  <a:schemeClr val="accent2"/>
+                </a:solidFill>
+              </a:rPr>
+              <a:t>intoxicated bikers </a:t>
+            </a:r>
+          </a:p>
+          <a:p>
+            <a:pPr marL="285750" indent="-285750" eaLnBrk="0" fontAlgn="base" hangingPunct="0">
+              <a:lnSpc>
+                <a:spcPct val="150000"/>
+              </a:lnSpc>
+              <a:spcBef>
+                <a:spcPct val="0"/>
+              </a:spcBef>
+              <a:spcAft>
+                <a:spcPct val="0"/>
+              </a:spcAft>
+              <a:buFont typeface="Wingdings" panose="05000000000000000000" pitchFamily="2" charset="2"/>
+              <a:buChar char="q"/>
+            </a:pPr>
+            <a:endParaRPr lang="en-US" altLang="en-US" b="1" dirty="0"/>
           </a:p>
         </p:txBody>
       </p:sp>
     </p:spTree>
     <p:extLst>
       <p:ext uri="{BB962C8B-B14F-4D97-AF65-F5344CB8AC3E}">
-        <p14:creationId xmlns:p14="http://schemas.microsoft.com/office/powerpoint/2010/main" val="3315444483"/>
+        <p14:creationId xmlns:p14="http://schemas.microsoft.com/office/powerpoint/2010/main" val="3437656072"/>
       </p:ext>
     </p:extLst>
   </p:cSld>
@@ -5802,444 +6560,134 @@
           <a:chExt cx="0" cy="0"/>
         </a:xfrm>
       </p:grpSpPr>
-      <p:pic>
-        <p:nvPicPr>
-          <p:cNvPr id="4" name="Picture 3">
-            <a:extLst>
-              <a:ext uri="{FF2B5EF4-FFF2-40B4-BE49-F238E27FC236}">
-                <a16:creationId xmlns:a16="http://schemas.microsoft.com/office/drawing/2014/main" id="{A8BBA1B7-A144-4835-881B-E1AD9C1F2400}"/>
-              </a:ext>
-            </a:extLst>
-          </p:cNvPr>
-          <p:cNvPicPr>
-            <a:picLocks noChangeAspect="1"/>
-          </p:cNvPicPr>
+      <p:sp>
+        <p:nvSpPr>
+          <p:cNvPr id="2" name="Title 1">
+            <a:extLst>
+              <a:ext uri="{FF2B5EF4-FFF2-40B4-BE49-F238E27FC236}">
+                <a16:creationId xmlns:a16="http://schemas.microsoft.com/office/drawing/2014/main" id="{263447F3-B840-48E0-B367-4A011ACB0AF2}"/>
+              </a:ext>
+            </a:extLst>
+          </p:cNvPr>
+          <p:cNvSpPr>
+            <a:spLocks noGrp="1"/>
+          </p:cNvSpPr>
+          <p:nvPr>
+            <p:ph type="title"/>
+          </p:nvPr>
+        </p:nvSpPr>
+        <p:spPr>
+          <a:xfrm>
+            <a:off x="384810" y="191354"/>
+            <a:ext cx="11597640" cy="789722"/>
+          </a:xfrm>
+        </p:spPr>
+        <p:txBody>
+          <a:bodyPr>
+            <a:normAutofit/>
+          </a:bodyPr>
+          <a:lstStyle/>
+          <a:p>
+            <a:r>
+              <a:rPr lang="en-US" dirty="0"/>
+              <a:t>Conclusion</a:t>
+            </a:r>
+          </a:p>
+        </p:txBody>
+      </p:sp>
+      <p:sp>
+        <p:nvSpPr>
+          <p:cNvPr id="3" name="Rectangle 2">
+            <a:extLst>
+              <a:ext uri="{FF2B5EF4-FFF2-40B4-BE49-F238E27FC236}">
+                <a16:creationId xmlns:a16="http://schemas.microsoft.com/office/drawing/2014/main" id="{E33172F6-12ED-474F-8F37-F9B87F6ADC59}"/>
+              </a:ext>
+            </a:extLst>
+          </p:cNvPr>
+          <p:cNvSpPr/>
           <p:nvPr/>
-        </p:nvPicPr>
-        <p:blipFill>
-          <a:blip r:embed="rId2"/>
-          <a:stretch>
-            <a:fillRect/>
-          </a:stretch>
-        </p:blipFill>
-        <p:spPr>
-          <a:xfrm>
-            <a:off x="3323410" y="4240335"/>
-            <a:ext cx="2684227" cy="1467088"/>
+        </p:nvSpPr>
+        <p:spPr>
+          <a:xfrm>
+            <a:off x="276224" y="981076"/>
+            <a:ext cx="11706225" cy="1285288"/>
           </a:xfrm>
           <a:prstGeom prst="rect">
             <a:avLst/>
           </a:prstGeom>
         </p:spPr>
-      </p:pic>
-      <p:sp>
-        <p:nvSpPr>
-          <p:cNvPr id="5" name="TextBox 4">
-            <a:extLst>
-              <a:ext uri="{FF2B5EF4-FFF2-40B4-BE49-F238E27FC236}">
-                <a16:creationId xmlns:a16="http://schemas.microsoft.com/office/drawing/2014/main" id="{18DB0BA1-7055-4C37-85DB-475878976E85}"/>
-              </a:ext>
-            </a:extLst>
-          </p:cNvPr>
-          <p:cNvSpPr txBox="1"/>
-          <p:nvPr/>
-        </p:nvSpPr>
-        <p:spPr>
-          <a:xfrm>
-            <a:off x="3380561" y="3611730"/>
-            <a:ext cx="2351210" cy="646331"/>
-          </a:xfrm>
-          <a:prstGeom prst="rect">
-            <a:avLst/>
-          </a:prstGeom>
-          <a:noFill/>
-        </p:spPr>
-        <p:txBody>
-          <a:bodyPr wrap="square" rtlCol="0">
+        <p:txBody>
+          <a:bodyPr wrap="square">
             <a:spAutoFit/>
           </a:bodyPr>
           <a:lstStyle/>
           <a:p>
-            <a:r>
-              <a:rPr lang="en-US" b="1" dirty="0"/>
-              <a:t>Top 5 Counties with most crashes</a:t>
-            </a:r>
-          </a:p>
-        </p:txBody>
-      </p:sp>
-      <p:pic>
-        <p:nvPicPr>
-          <p:cNvPr id="8" name="Picture 7">
-            <a:extLst>
-              <a:ext uri="{FF2B5EF4-FFF2-40B4-BE49-F238E27FC236}">
-                <a16:creationId xmlns:a16="http://schemas.microsoft.com/office/drawing/2014/main" id="{07BC8768-D428-4F66-8505-FEA3164DEAFE}"/>
-              </a:ext>
-            </a:extLst>
-          </p:cNvPr>
-          <p:cNvPicPr>
-            <a:picLocks noChangeAspect="1"/>
-          </p:cNvPicPr>
-          <p:nvPr/>
-        </p:nvPicPr>
-        <p:blipFill>
-          <a:blip r:embed="rId3"/>
-          <a:stretch>
-            <a:fillRect/>
-          </a:stretch>
-        </p:blipFill>
-        <p:spPr>
-          <a:xfrm>
-            <a:off x="3553561" y="921105"/>
-            <a:ext cx="1856639" cy="2502426"/>
-          </a:xfrm>
-          <a:prstGeom prst="rect">
-            <a:avLst/>
-          </a:prstGeom>
-        </p:spPr>
-      </p:pic>
-      <p:sp>
-        <p:nvSpPr>
-          <p:cNvPr id="9" name="TextBox 8">
-            <a:extLst>
-              <a:ext uri="{FF2B5EF4-FFF2-40B4-BE49-F238E27FC236}">
-                <a16:creationId xmlns:a16="http://schemas.microsoft.com/office/drawing/2014/main" id="{E14F9ACE-BFC0-4D8A-B7C5-024F64FEE43E}"/>
-              </a:ext>
-            </a:extLst>
-          </p:cNvPr>
-          <p:cNvSpPr txBox="1"/>
-          <p:nvPr/>
-        </p:nvSpPr>
-        <p:spPr>
-          <a:xfrm>
-            <a:off x="3524987" y="190558"/>
-            <a:ext cx="2779463" cy="646331"/>
-          </a:xfrm>
-          <a:prstGeom prst="rect">
-            <a:avLst/>
-          </a:prstGeom>
-          <a:noFill/>
-        </p:spPr>
-        <p:txBody>
-          <a:bodyPr wrap="square" rtlCol="0">
-            <a:spAutoFit/>
-          </a:bodyPr>
-          <a:lstStyle/>
-          <a:p>
-            <a:r>
-              <a:rPr lang="en-US" b="1" dirty="0"/>
-              <a:t>Most crashes happen in Summer Months (Jun-Sep)</a:t>
-            </a:r>
-          </a:p>
-        </p:txBody>
-      </p:sp>
-      <p:pic>
-        <p:nvPicPr>
-          <p:cNvPr id="10" name="Picture 9">
-            <a:extLst>
-              <a:ext uri="{FF2B5EF4-FFF2-40B4-BE49-F238E27FC236}">
-                <a16:creationId xmlns:a16="http://schemas.microsoft.com/office/drawing/2014/main" id="{F2661BE1-A831-41C1-8514-CF01E18A36DC}"/>
-              </a:ext>
-            </a:extLst>
-          </p:cNvPr>
-          <p:cNvPicPr>
-            <a:picLocks noChangeAspect="1"/>
-          </p:cNvPicPr>
-          <p:nvPr/>
-        </p:nvPicPr>
-        <p:blipFill>
-          <a:blip r:embed="rId4"/>
-          <a:stretch>
-            <a:fillRect/>
-          </a:stretch>
-        </p:blipFill>
-        <p:spPr>
-          <a:xfrm>
-            <a:off x="6304450" y="899697"/>
-            <a:ext cx="1973751" cy="1348857"/>
-          </a:xfrm>
-          <a:prstGeom prst="rect">
-            <a:avLst/>
-          </a:prstGeom>
-        </p:spPr>
-      </p:pic>
-      <p:sp>
-        <p:nvSpPr>
-          <p:cNvPr id="12" name="TextBox 11">
-            <a:extLst>
-              <a:ext uri="{FF2B5EF4-FFF2-40B4-BE49-F238E27FC236}">
-                <a16:creationId xmlns:a16="http://schemas.microsoft.com/office/drawing/2014/main" id="{6261F6A1-4466-4FFF-B406-06140D704B33}"/>
-              </a:ext>
-            </a:extLst>
-          </p:cNvPr>
-          <p:cNvSpPr txBox="1"/>
-          <p:nvPr/>
-        </p:nvSpPr>
-        <p:spPr>
-          <a:xfrm>
-            <a:off x="6304450" y="190558"/>
-            <a:ext cx="2779463" cy="646331"/>
-          </a:xfrm>
-          <a:prstGeom prst="rect">
-            <a:avLst/>
-          </a:prstGeom>
-          <a:noFill/>
-        </p:spPr>
-        <p:txBody>
-          <a:bodyPr wrap="square" rtlCol="0">
-            <a:spAutoFit/>
-          </a:bodyPr>
-          <a:lstStyle/>
-          <a:p>
-            <a:r>
-              <a:rPr lang="en-US" b="1" dirty="0"/>
-              <a:t>More than half are white bikers (54.83%)</a:t>
-            </a:r>
-          </a:p>
-        </p:txBody>
-      </p:sp>
-      <p:pic>
-        <p:nvPicPr>
-          <p:cNvPr id="13" name="Picture 12">
-            <a:extLst>
-              <a:ext uri="{FF2B5EF4-FFF2-40B4-BE49-F238E27FC236}">
-                <a16:creationId xmlns:a16="http://schemas.microsoft.com/office/drawing/2014/main" id="{F18F3CD0-CDF7-441D-AC14-2ABA314C3E01}"/>
-              </a:ext>
-            </a:extLst>
-          </p:cNvPr>
-          <p:cNvPicPr>
-            <a:picLocks noChangeAspect="1"/>
-          </p:cNvPicPr>
-          <p:nvPr/>
-        </p:nvPicPr>
-        <p:blipFill>
-          <a:blip r:embed="rId5"/>
-          <a:stretch>
-            <a:fillRect/>
-          </a:stretch>
-        </p:blipFill>
-        <p:spPr>
-          <a:xfrm>
-            <a:off x="6294370" y="4129741"/>
-            <a:ext cx="2301439" cy="1851820"/>
-          </a:xfrm>
-          <a:prstGeom prst="rect">
-            <a:avLst/>
-          </a:prstGeom>
-        </p:spPr>
-      </p:pic>
-      <p:sp>
-        <p:nvSpPr>
-          <p:cNvPr id="14" name="TextBox 13">
-            <a:extLst>
-              <a:ext uri="{FF2B5EF4-FFF2-40B4-BE49-F238E27FC236}">
-                <a16:creationId xmlns:a16="http://schemas.microsoft.com/office/drawing/2014/main" id="{BC0909AB-BF10-480D-B5C1-BBEE5211A593}"/>
-              </a:ext>
-            </a:extLst>
-          </p:cNvPr>
-          <p:cNvSpPr txBox="1"/>
-          <p:nvPr/>
-        </p:nvSpPr>
-        <p:spPr>
-          <a:xfrm>
-            <a:off x="5940403" y="3761227"/>
-            <a:ext cx="4420007" cy="369332"/>
-          </a:xfrm>
-          <a:prstGeom prst="rect">
-            <a:avLst/>
-          </a:prstGeom>
-          <a:noFill/>
-        </p:spPr>
-        <p:txBody>
-          <a:bodyPr wrap="square" rtlCol="0">
-            <a:spAutoFit/>
-          </a:bodyPr>
-          <a:lstStyle/>
-          <a:p>
-            <a:r>
-              <a:rPr lang="en-US" b="1" dirty="0"/>
-              <a:t>Top 5 cities with most crashes are:</a:t>
-            </a:r>
-          </a:p>
-        </p:txBody>
-      </p:sp>
-      <p:sp>
-        <p:nvSpPr>
-          <p:cNvPr id="18" name="Rectangle 17">
-            <a:extLst>
-              <a:ext uri="{FF2B5EF4-FFF2-40B4-BE49-F238E27FC236}">
-                <a16:creationId xmlns:a16="http://schemas.microsoft.com/office/drawing/2014/main" id="{4728D14B-6BA8-488C-A218-83D48075A170}"/>
-              </a:ext>
-            </a:extLst>
-          </p:cNvPr>
-          <p:cNvSpPr/>
-          <p:nvPr/>
-        </p:nvSpPr>
-        <p:spPr>
-          <a:xfrm>
-            <a:off x="5940403" y="3576561"/>
-            <a:ext cx="4007379" cy="369332"/>
-          </a:xfrm>
-          <a:prstGeom prst="rect">
-            <a:avLst/>
-          </a:prstGeom>
-        </p:spPr>
-        <p:txBody>
-          <a:bodyPr wrap="none">
-            <a:spAutoFit/>
-          </a:bodyPr>
-          <a:lstStyle/>
-          <a:p>
-            <a:r>
-              <a:rPr lang="en-US" b="1" dirty="0"/>
-              <a:t>About 1/5</a:t>
-            </a:r>
-            <a:r>
-              <a:rPr lang="en-US" b="1" baseline="30000" dirty="0"/>
-              <a:t>th</a:t>
-            </a:r>
-            <a:r>
-              <a:rPr lang="en-US" b="1" dirty="0"/>
-              <a:t> crashes are from rural areas</a:t>
-            </a:r>
-          </a:p>
-        </p:txBody>
-      </p:sp>
-      <p:pic>
-        <p:nvPicPr>
-          <p:cNvPr id="20" name="Picture 19">
-            <a:extLst>
-              <a:ext uri="{FF2B5EF4-FFF2-40B4-BE49-F238E27FC236}">
-                <a16:creationId xmlns:a16="http://schemas.microsoft.com/office/drawing/2014/main" id="{BA45179D-6F72-465E-BEB0-52ED277AFBC0}"/>
-              </a:ext>
-            </a:extLst>
-          </p:cNvPr>
-          <p:cNvPicPr>
-            <a:picLocks noChangeAspect="1"/>
-          </p:cNvPicPr>
-          <p:nvPr/>
-        </p:nvPicPr>
-        <p:blipFill>
-          <a:blip r:embed="rId6"/>
-          <a:stretch>
-            <a:fillRect/>
-          </a:stretch>
-        </p:blipFill>
-        <p:spPr>
-          <a:xfrm>
-            <a:off x="9094268" y="654856"/>
-            <a:ext cx="1707028" cy="2141406"/>
-          </a:xfrm>
-          <a:prstGeom prst="rect">
-            <a:avLst/>
-          </a:prstGeom>
-        </p:spPr>
-      </p:pic>
-      <p:sp>
-        <p:nvSpPr>
-          <p:cNvPr id="21" name="TextBox 20">
-            <a:extLst>
-              <a:ext uri="{FF2B5EF4-FFF2-40B4-BE49-F238E27FC236}">
-                <a16:creationId xmlns:a16="http://schemas.microsoft.com/office/drawing/2014/main" id="{56E46581-B6EA-43C7-BF7E-53C6A484D8C8}"/>
-              </a:ext>
-            </a:extLst>
-          </p:cNvPr>
-          <p:cNvSpPr txBox="1"/>
-          <p:nvPr/>
-        </p:nvSpPr>
-        <p:spPr>
-          <a:xfrm>
-            <a:off x="9083913" y="208298"/>
-            <a:ext cx="2779463" cy="369332"/>
-          </a:xfrm>
-          <a:prstGeom prst="rect">
-            <a:avLst/>
-          </a:prstGeom>
-          <a:noFill/>
-        </p:spPr>
-        <p:txBody>
-          <a:bodyPr wrap="square" rtlCol="0">
-            <a:spAutoFit/>
-          </a:bodyPr>
-          <a:lstStyle/>
-          <a:p>
-            <a:r>
-              <a:rPr lang="en-US" b="1" dirty="0"/>
-              <a:t>Age grouping</a:t>
-            </a:r>
-          </a:p>
-        </p:txBody>
-      </p:sp>
-      <p:pic>
-        <p:nvPicPr>
-          <p:cNvPr id="22" name="Picture 21">
-            <a:extLst>
-              <a:ext uri="{FF2B5EF4-FFF2-40B4-BE49-F238E27FC236}">
-                <a16:creationId xmlns:a16="http://schemas.microsoft.com/office/drawing/2014/main" id="{FD66B8B5-9EE4-4655-89BD-257E3D12E000}"/>
-              </a:ext>
-            </a:extLst>
-          </p:cNvPr>
-          <p:cNvPicPr>
-            <a:picLocks noChangeAspect="1"/>
-          </p:cNvPicPr>
-          <p:nvPr/>
-        </p:nvPicPr>
-        <p:blipFill>
-          <a:blip r:embed="rId7"/>
-          <a:stretch>
-            <a:fillRect/>
-          </a:stretch>
-        </p:blipFill>
-        <p:spPr>
-          <a:xfrm>
-            <a:off x="9635096" y="4381835"/>
-            <a:ext cx="1310754" cy="716342"/>
-          </a:xfrm>
-          <a:prstGeom prst="rect">
-            <a:avLst/>
-          </a:prstGeom>
-        </p:spPr>
-      </p:pic>
-      <p:sp>
-        <p:nvSpPr>
-          <p:cNvPr id="23" name="TextBox 22">
-            <a:extLst>
-              <a:ext uri="{FF2B5EF4-FFF2-40B4-BE49-F238E27FC236}">
-                <a16:creationId xmlns:a16="http://schemas.microsoft.com/office/drawing/2014/main" id="{EB75A333-483C-4FE9-B771-3E1E3649D682}"/>
-              </a:ext>
-            </a:extLst>
-          </p:cNvPr>
-          <p:cNvSpPr txBox="1"/>
-          <p:nvPr/>
-        </p:nvSpPr>
-        <p:spPr>
-          <a:xfrm>
-            <a:off x="9556118" y="3929858"/>
-            <a:ext cx="2779463" cy="369332"/>
-          </a:xfrm>
-          <a:prstGeom prst="rect">
-            <a:avLst/>
-          </a:prstGeom>
-          <a:noFill/>
-        </p:spPr>
-        <p:txBody>
-          <a:bodyPr wrap="square" rtlCol="0">
-            <a:spAutoFit/>
-          </a:bodyPr>
-          <a:lstStyle/>
-          <a:p>
-            <a:r>
-              <a:rPr lang="en-US" b="1" dirty="0"/>
-              <a:t>Gender grouping</a:t>
-            </a:r>
-          </a:p>
-        </p:txBody>
-      </p:sp>
-      <p:sp>
-        <p:nvSpPr>
-          <p:cNvPr id="2" name="Footer Placeholder 1">
-            <a:extLst>
-              <a:ext uri="{FF2B5EF4-FFF2-40B4-BE49-F238E27FC236}">
-                <a16:creationId xmlns:a16="http://schemas.microsoft.com/office/drawing/2014/main" id="{4E359F14-933C-42E0-AD00-C8B74922AFE8}"/>
+            <a:pPr lvl="0" eaLnBrk="0" fontAlgn="base" hangingPunct="0">
+              <a:lnSpc>
+                <a:spcPct val="150000"/>
+              </a:lnSpc>
+              <a:spcBef>
+                <a:spcPct val="0"/>
+              </a:spcBef>
+              <a:spcAft>
+                <a:spcPct val="0"/>
+              </a:spcAft>
+            </a:pPr>
+            <a:r>
+              <a:rPr lang="en-US" altLang="en-US" b="1" dirty="0"/>
+              <a:t>You are more likely to get into a </a:t>
+            </a:r>
+            <a:r>
+              <a:rPr lang="en-US" altLang="en-US" b="1" strike="sngStrike" dirty="0"/>
+              <a:t>FATAL </a:t>
+            </a:r>
+            <a:r>
+              <a:rPr lang="en-US" altLang="en-US" b="1" dirty="0"/>
+              <a:t>crash if:</a:t>
+            </a:r>
+          </a:p>
+          <a:p>
+            <a:pPr lvl="0" eaLnBrk="0" fontAlgn="base" hangingPunct="0">
+              <a:lnSpc>
+                <a:spcPct val="150000"/>
+              </a:lnSpc>
+              <a:spcBef>
+                <a:spcPct val="0"/>
+              </a:spcBef>
+              <a:spcAft>
+                <a:spcPct val="0"/>
+              </a:spcAft>
+            </a:pPr>
+            <a:r>
+              <a:rPr lang="en-US" altLang="en-US" b="1" dirty="0"/>
+              <a:t>	- you are a male Caucasian between 50-60 years of age riding a bicycle in a travel lane with traffic,</a:t>
+            </a:r>
+          </a:p>
+          <a:p>
+            <a:pPr lvl="0" eaLnBrk="0" fontAlgn="base" hangingPunct="0">
+              <a:lnSpc>
+                <a:spcPct val="150000"/>
+              </a:lnSpc>
+              <a:spcBef>
+                <a:spcPct val="0"/>
+              </a:spcBef>
+              <a:spcAft>
+                <a:spcPct val="0"/>
+              </a:spcAft>
+            </a:pPr>
+            <a:r>
+              <a:rPr lang="en-US" altLang="en-US" b="1" dirty="0"/>
+              <a:t> </a:t>
+            </a:r>
+          </a:p>
+        </p:txBody>
+      </p:sp>
+      <p:sp>
+        <p:nvSpPr>
+          <p:cNvPr id="4" name="Footer Placeholder 3">
+            <a:extLst>
+              <a:ext uri="{FF2B5EF4-FFF2-40B4-BE49-F238E27FC236}">
+                <a16:creationId xmlns:a16="http://schemas.microsoft.com/office/drawing/2014/main" id="{BDF50B0A-E672-4B09-9F84-28291F7AC9BF}"/>
               </a:ext>
             </a:extLst>
           </p:cNvPr>
@@ -6264,10 +6712,10 @@
       </p:sp>
       <p:sp>
         <p:nvSpPr>
-          <p:cNvPr id="3" name="Slide Number Placeholder 2">
-            <a:extLst>
-              <a:ext uri="{FF2B5EF4-FFF2-40B4-BE49-F238E27FC236}">
-                <a16:creationId xmlns:a16="http://schemas.microsoft.com/office/drawing/2014/main" id="{44FF4A87-D95B-451D-96B5-26C146D3FD6E}"/>
+          <p:cNvPr id="5" name="Slide Number Placeholder 4">
+            <a:extLst>
+              <a:ext uri="{FF2B5EF4-FFF2-40B4-BE49-F238E27FC236}">
+                <a16:creationId xmlns:a16="http://schemas.microsoft.com/office/drawing/2014/main" id="{0CF77547-47F4-418E-AC2F-FE54E5324906}"/>
               </a:ext>
             </a:extLst>
           </p:cNvPr>
@@ -6294,7 +6742,214 @@
     </p:spTree>
     <p:extLst>
       <p:ext uri="{BB962C8B-B14F-4D97-AF65-F5344CB8AC3E}">
-        <p14:creationId xmlns:p14="http://schemas.microsoft.com/office/powerpoint/2010/main" val="3091059744"/>
+        <p14:creationId xmlns:p14="http://schemas.microsoft.com/office/powerpoint/2010/main" val="2208275198"/>
+      </p:ext>
+    </p:extLst>
+  </p:cSld>
+  <p:clrMapOvr>
+    <a:masterClrMapping/>
+  </p:clrMapOvr>
+</p:sld>
+</file>
+
+<file path=ppt/slides/slide21.xml><?xml version="1.0" encoding="utf-8"?>
+<p:sld xmlns:a="http://schemas.openxmlformats.org/drawingml/2006/main" xmlns:r="http://schemas.openxmlformats.org/officeDocument/2006/relationships" xmlns:p="http://schemas.openxmlformats.org/presentationml/2006/main">
+  <p:cSld>
+    <p:spTree>
+      <p:nvGrpSpPr>
+        <p:cNvPr id="1" name=""/>
+        <p:cNvGrpSpPr/>
+        <p:nvPr/>
+      </p:nvGrpSpPr>
+      <p:grpSpPr>
+        <a:xfrm>
+          <a:off x="0" y="0"/>
+          <a:ext cx="0" cy="0"/>
+          <a:chOff x="0" y="0"/>
+          <a:chExt cx="0" cy="0"/>
+        </a:xfrm>
+      </p:grpSpPr>
+      <p:sp>
+        <p:nvSpPr>
+          <p:cNvPr id="2" name="Title 1">
+            <a:extLst>
+              <a:ext uri="{FF2B5EF4-FFF2-40B4-BE49-F238E27FC236}">
+                <a16:creationId xmlns:a16="http://schemas.microsoft.com/office/drawing/2014/main" id="{263447F3-B840-48E0-B367-4A011ACB0AF2}"/>
+              </a:ext>
+            </a:extLst>
+          </p:cNvPr>
+          <p:cNvSpPr>
+            <a:spLocks noGrp="1"/>
+          </p:cNvSpPr>
+          <p:nvPr>
+            <p:ph type="title"/>
+          </p:nvPr>
+        </p:nvSpPr>
+        <p:spPr>
+          <a:xfrm>
+            <a:off x="384810" y="191354"/>
+            <a:ext cx="11597640" cy="789722"/>
+          </a:xfrm>
+        </p:spPr>
+        <p:txBody>
+          <a:bodyPr>
+            <a:normAutofit/>
+          </a:bodyPr>
+          <a:lstStyle/>
+          <a:p>
+            <a:r>
+              <a:rPr lang="en-US" dirty="0"/>
+              <a:t>Next Steps</a:t>
+            </a:r>
+          </a:p>
+        </p:txBody>
+      </p:sp>
+      <p:sp>
+        <p:nvSpPr>
+          <p:cNvPr id="3" name="Rectangle 2">
+            <a:extLst>
+              <a:ext uri="{FF2B5EF4-FFF2-40B4-BE49-F238E27FC236}">
+                <a16:creationId xmlns:a16="http://schemas.microsoft.com/office/drawing/2014/main" id="{E33172F6-12ED-474F-8F37-F9B87F6ADC59}"/>
+              </a:ext>
+            </a:extLst>
+          </p:cNvPr>
+          <p:cNvSpPr/>
+          <p:nvPr/>
+        </p:nvSpPr>
+        <p:spPr>
+          <a:xfrm>
+            <a:off x="276224" y="981076"/>
+            <a:ext cx="11706225" cy="1417824"/>
+          </a:xfrm>
+          <a:prstGeom prst="rect">
+            <a:avLst/>
+          </a:prstGeom>
+        </p:spPr>
+        <p:txBody>
+          <a:bodyPr wrap="square">
+            <a:spAutoFit/>
+          </a:bodyPr>
+          <a:lstStyle/>
+          <a:p>
+            <a:pPr marL="285750" lvl="0" indent="-285750" eaLnBrk="0" fontAlgn="base" hangingPunct="0">
+              <a:lnSpc>
+                <a:spcPct val="150000"/>
+              </a:lnSpc>
+              <a:spcBef>
+                <a:spcPct val="0"/>
+              </a:spcBef>
+              <a:spcAft>
+                <a:spcPct val="0"/>
+              </a:spcAft>
+              <a:buFont typeface="Wingdings" panose="05000000000000000000" pitchFamily="2" charset="2"/>
+              <a:buChar char="q"/>
+            </a:pPr>
+            <a:r>
+              <a:rPr lang="en-US" altLang="en-US" sz="2000" dirty="0"/>
+              <a:t>Injury Analysis</a:t>
+            </a:r>
+          </a:p>
+          <a:p>
+            <a:pPr marL="285750" lvl="0" indent="-285750" eaLnBrk="0" fontAlgn="base" hangingPunct="0">
+              <a:lnSpc>
+                <a:spcPct val="150000"/>
+              </a:lnSpc>
+              <a:spcBef>
+                <a:spcPct val="0"/>
+              </a:spcBef>
+              <a:spcAft>
+                <a:spcPct val="0"/>
+              </a:spcAft>
+              <a:buFont typeface="Wingdings" panose="05000000000000000000" pitchFamily="2" charset="2"/>
+              <a:buChar char="q"/>
+            </a:pPr>
+            <a:r>
+              <a:rPr lang="en-US" altLang="en-US" sz="2000" dirty="0"/>
+              <a:t>Analysis of use of helmets</a:t>
+            </a:r>
+          </a:p>
+          <a:p>
+            <a:pPr marL="285750" lvl="0" indent="-285750" eaLnBrk="0" fontAlgn="base" hangingPunct="0">
+              <a:lnSpc>
+                <a:spcPct val="150000"/>
+              </a:lnSpc>
+              <a:spcBef>
+                <a:spcPct val="0"/>
+              </a:spcBef>
+              <a:spcAft>
+                <a:spcPct val="0"/>
+              </a:spcAft>
+              <a:buFont typeface="Wingdings" panose="05000000000000000000" pitchFamily="2" charset="2"/>
+              <a:buChar char="q"/>
+            </a:pPr>
+            <a:r>
+              <a:rPr lang="en-US" altLang="en-US" sz="2000" dirty="0"/>
+              <a:t>Find correlation between county/city population and bicycle crashes</a:t>
+            </a:r>
+          </a:p>
+        </p:txBody>
+      </p:sp>
+      <p:sp>
+        <p:nvSpPr>
+          <p:cNvPr id="4" name="Footer Placeholder 3">
+            <a:extLst>
+              <a:ext uri="{FF2B5EF4-FFF2-40B4-BE49-F238E27FC236}">
+                <a16:creationId xmlns:a16="http://schemas.microsoft.com/office/drawing/2014/main" id="{BDF50B0A-E672-4B09-9F84-28291F7AC9BF}"/>
+              </a:ext>
+            </a:extLst>
+          </p:cNvPr>
+          <p:cNvSpPr>
+            <a:spLocks noGrp="1"/>
+          </p:cNvSpPr>
+          <p:nvPr>
+            <p:ph type="ftr" sz="quarter" idx="11"/>
+          </p:nvPr>
+        </p:nvSpPr>
+        <p:spPr/>
+        <p:txBody>
+          <a:bodyPr/>
+          <a:lstStyle/>
+          <a:p>
+            <a:r>
+              <a:rPr lang="en-US"/>
+              <a:t>Statewide Analysis of Bicycle Crashes in North Carolina (2007-2018)</a:t>
+            </a:r>
+          </a:p>
+        </p:txBody>
+      </p:sp>
+      <p:sp>
+        <p:nvSpPr>
+          <p:cNvPr id="5" name="Slide Number Placeholder 4">
+            <a:extLst>
+              <a:ext uri="{FF2B5EF4-FFF2-40B4-BE49-F238E27FC236}">
+                <a16:creationId xmlns:a16="http://schemas.microsoft.com/office/drawing/2014/main" id="{0CF77547-47F4-418E-AC2F-FE54E5324906}"/>
+              </a:ext>
+            </a:extLst>
+          </p:cNvPr>
+          <p:cNvSpPr>
+            <a:spLocks noGrp="1"/>
+          </p:cNvSpPr>
+          <p:nvPr>
+            <p:ph type="sldNum" sz="quarter" idx="12"/>
+          </p:nvPr>
+        </p:nvSpPr>
+        <p:spPr/>
+        <p:txBody>
+          <a:bodyPr/>
+          <a:lstStyle/>
+          <a:p>
+            <a:fld id="{FC0254F6-2034-44F8-8A7C-C71F5A1DE8FB}" type="slidenum">
+              <a:rPr lang="en-US" smtClean="0"/>
+              <a:t>21</a:t>
+            </a:fld>
+            <a:endParaRPr lang="en-US"/>
+          </a:p>
+        </p:txBody>
+      </p:sp>
+    </p:spTree>
+    <p:extLst>
+      <p:ext uri="{BB962C8B-B14F-4D97-AF65-F5344CB8AC3E}">
+        <p14:creationId xmlns:p14="http://schemas.microsoft.com/office/powerpoint/2010/main" val="3809374944"/>
       </p:ext>
     </p:extLst>
   </p:cSld>
@@ -7623,7 +8278,7 @@
           <p:cNvPr id="2" name="Title 1">
             <a:extLst>
               <a:ext uri="{FF2B5EF4-FFF2-40B4-BE49-F238E27FC236}">
-                <a16:creationId xmlns:a16="http://schemas.microsoft.com/office/drawing/2014/main" id="{263447F3-B840-48E0-B367-4A011ACB0AF2}"/>
+                <a16:creationId xmlns:a16="http://schemas.microsoft.com/office/drawing/2014/main" id="{6BF36D01-A486-4B2E-94FB-B6D8D1E03E13}"/>
               </a:ext>
             </a:extLst>
           </p:cNvPr>
@@ -7634,31 +8289,93 @@
             <p:ph type="title"/>
           </p:nvPr>
         </p:nvSpPr>
-        <p:spPr>
-          <a:xfrm>
-            <a:off x="384810" y="68266"/>
-            <a:ext cx="11561098" cy="789722"/>
-          </a:xfrm>
-        </p:spPr>
-        <p:txBody>
-          <a:bodyPr>
-            <a:normAutofit fontScale="90000"/>
-          </a:bodyPr>
+        <p:spPr/>
+        <p:txBody>
+          <a:bodyPr/>
           <a:lstStyle/>
           <a:p>
             <a:r>
               <a:rPr lang="en-US" dirty="0"/>
-              <a:t>Trend Analysis – Bicyclist Fatality Trends  – WHEN?</a:t>
-            </a:r>
-          </a:p>
-        </p:txBody>
-      </p:sp>
-      <p:sp>
-        <p:nvSpPr>
-          <p:cNvPr id="4" name="Rectangle 3">
-            <a:extLst>
-              <a:ext uri="{FF2B5EF4-FFF2-40B4-BE49-F238E27FC236}">
-                <a16:creationId xmlns:a16="http://schemas.microsoft.com/office/drawing/2014/main" id="{D413ED73-DC58-45B3-A75E-2571813C754D}"/>
+              <a:t>Bicycle Crash Fatality Analysis – </a:t>
+            </a:r>
+            <a:r>
+              <a:rPr lang="en-US" dirty="0">
+                <a:solidFill>
+                  <a:schemeClr val="accent2"/>
+                </a:solidFill>
+              </a:rPr>
+              <a:t>WHEN?</a:t>
+            </a:r>
+            <a:r>
+              <a:rPr lang="en-US" dirty="0"/>
+              <a:t> </a:t>
+            </a:r>
+          </a:p>
+        </p:txBody>
+      </p:sp>
+      <p:sp>
+        <p:nvSpPr>
+          <p:cNvPr id="3" name="Footer Placeholder 2">
+            <a:extLst>
+              <a:ext uri="{FF2B5EF4-FFF2-40B4-BE49-F238E27FC236}">
+                <a16:creationId xmlns:a16="http://schemas.microsoft.com/office/drawing/2014/main" id="{E97C1FD5-4D40-458D-8D6B-D4F92EB770C0}"/>
+              </a:ext>
+            </a:extLst>
+          </p:cNvPr>
+          <p:cNvSpPr>
+            <a:spLocks noGrp="1"/>
+          </p:cNvSpPr>
+          <p:nvPr>
+            <p:ph type="ftr" sz="quarter" idx="11"/>
+          </p:nvPr>
+        </p:nvSpPr>
+        <p:spPr/>
+        <p:txBody>
+          <a:bodyPr/>
+          <a:lstStyle/>
+          <a:p>
+            <a:r>
+              <a:rPr lang="en-US"/>
+              <a:t>Statewide Analysis of Bicycle Crashes in North Carolina (2007-2018)</a:t>
+            </a:r>
+          </a:p>
+        </p:txBody>
+      </p:sp>
+      <p:sp>
+        <p:nvSpPr>
+          <p:cNvPr id="4" name="Slide Number Placeholder 3">
+            <a:extLst>
+              <a:ext uri="{FF2B5EF4-FFF2-40B4-BE49-F238E27FC236}">
+                <a16:creationId xmlns:a16="http://schemas.microsoft.com/office/drawing/2014/main" id="{4E4FB03D-84E9-4242-A3EF-A95C9D946A14}"/>
+              </a:ext>
+            </a:extLst>
+          </p:cNvPr>
+          <p:cNvSpPr>
+            <a:spLocks noGrp="1"/>
+          </p:cNvSpPr>
+          <p:nvPr>
+            <p:ph type="sldNum" sz="quarter" idx="12"/>
+          </p:nvPr>
+        </p:nvSpPr>
+        <p:spPr/>
+        <p:txBody>
+          <a:bodyPr/>
+          <a:lstStyle/>
+          <a:p>
+            <a:fld id="{FC0254F6-2034-44F8-8A7C-C71F5A1DE8FB}" type="slidenum">
+              <a:rPr lang="en-US" smtClean="0"/>
+              <a:t>6</a:t>
+            </a:fld>
+            <a:endParaRPr lang="en-US"/>
+          </a:p>
+        </p:txBody>
+      </p:sp>
+      <p:sp>
+        <p:nvSpPr>
+          <p:cNvPr id="6" name="Rectangle 5">
+            <a:extLst>
+              <a:ext uri="{FF2B5EF4-FFF2-40B4-BE49-F238E27FC236}">
+                <a16:creationId xmlns:a16="http://schemas.microsoft.com/office/drawing/2014/main" id="{45E0FCB5-8F5D-403E-B7CE-67726EF3DACC}"/>
               </a:ext>
             </a:extLst>
           </p:cNvPr>
@@ -7667,8 +8384,8 @@
         </p:nvSpPr>
         <p:spPr>
           <a:xfrm>
-            <a:off x="231049" y="1015185"/>
-            <a:ext cx="7950819" cy="2097434"/>
+            <a:off x="61547" y="928749"/>
+            <a:ext cx="5995627" cy="1793120"/>
           </a:xfrm>
           <a:prstGeom prst="rect">
             <a:avLst/>
@@ -7694,12 +8411,20 @@
               <a:buChar char="q"/>
             </a:pPr>
             <a:r>
-              <a:rPr lang="en-US" sz="1400" b="1" dirty="0"/>
-              <a:t>Between 2007-2018, </a:t>
-            </a:r>
-          </a:p>
-          <a:p>
-            <a:pPr marL="742950" lvl="1" indent="-285750" eaLnBrk="0" fontAlgn="base" hangingPunct="0">
+              <a:rPr lang="en-US" b="1" dirty="0"/>
+              <a:t>Total crashes = </a:t>
+            </a:r>
+            <a:r>
+              <a:rPr lang="en-US" b="1" dirty="0">
+                <a:solidFill>
+                  <a:srgbClr val="F7AB3B"/>
+                </a:solidFill>
+              </a:rPr>
+              <a:t>11266</a:t>
+            </a:r>
+          </a:p>
+          <a:p>
+            <a:pPr marL="285750" indent="-285750" eaLnBrk="0" fontAlgn="base" hangingPunct="0">
               <a:spcBef>
                 <a:spcPct val="0"/>
               </a:spcBef>
@@ -7710,32 +8435,16 @@
               <a:buChar char="q"/>
             </a:pPr>
             <a:r>
-              <a:rPr lang="en-US" sz="1400" b="1" dirty="0"/>
-              <a:t>About</a:t>
-            </a:r>
-            <a:r>
-              <a:rPr lang="en-US" sz="1400" b="1" dirty="0">
+              <a:rPr lang="en-US" b="1" dirty="0"/>
+              <a:t>Total Fatal Crashes = </a:t>
+            </a:r>
+            <a:r>
+              <a:rPr lang="en-US" b="1" dirty="0">
                 <a:solidFill>
                   <a:srgbClr val="F7AB3B"/>
                 </a:solidFill>
               </a:rPr>
-              <a:t> 250</a:t>
-            </a:r>
-            <a:r>
-              <a:rPr lang="en-US" sz="1400" b="1" dirty="0"/>
-              <a:t> crashes resulted in the </a:t>
-            </a:r>
-            <a:r>
-              <a:rPr lang="en-US" sz="1400" b="1" dirty="0">
-                <a:solidFill>
-                  <a:schemeClr val="accent2"/>
-                </a:solidFill>
-              </a:rPr>
-              <a:t>death of a biker </a:t>
-            </a:r>
-            <a:r>
-              <a:rPr lang="en-US" sz="1400" b="1" dirty="0"/>
-              <a:t>but </a:t>
+              <a:t>259</a:t>
             </a:r>
           </a:p>
           <a:p>
@@ -7751,35 +8460,127 @@
             </a:pPr>
             <a:r>
               <a:rPr lang="en-US" sz="1400" b="1" dirty="0"/>
-              <a:t>Only </a:t>
+              <a:t>Crashes resulting in the </a:t>
             </a:r>
             <a:r>
               <a:rPr lang="en-US" sz="1400" b="1" dirty="0">
                 <a:solidFill>
+                  <a:schemeClr val="accent2"/>
+                </a:solidFill>
+              </a:rPr>
+              <a:t>death of a biker </a:t>
+            </a:r>
+            <a:r>
+              <a:rPr lang="en-US" sz="1400" b="1" dirty="0"/>
+              <a:t>=</a:t>
+            </a:r>
+            <a:r>
+              <a:rPr lang="en-US" sz="1400" b="1" dirty="0">
+                <a:solidFill>
+                  <a:schemeClr val="accent2"/>
+                </a:solidFill>
+              </a:rPr>
+              <a:t> </a:t>
+            </a:r>
+            <a:r>
+              <a:rPr lang="en-US" sz="1400" b="1" dirty="0">
+                <a:solidFill>
                   <a:srgbClr val="F7AB3B"/>
                 </a:solidFill>
               </a:rPr>
+              <a:t>250</a:t>
+            </a:r>
+            <a:r>
+              <a:rPr lang="en-US" sz="1400" b="1" dirty="0">
+                <a:solidFill>
+                  <a:schemeClr val="accent2"/>
+                </a:solidFill>
+              </a:rPr>
+              <a:t> </a:t>
+            </a:r>
+            <a:r>
+              <a:rPr lang="en-US" sz="1400" b="1" dirty="0"/>
+              <a:t> </a:t>
+            </a:r>
+          </a:p>
+          <a:p>
+            <a:pPr marL="742950" lvl="1" indent="-285750" eaLnBrk="0" fontAlgn="base" hangingPunct="0">
+              <a:spcBef>
+                <a:spcPct val="0"/>
+              </a:spcBef>
+              <a:spcAft>
+                <a:spcPct val="0"/>
+              </a:spcAft>
+              <a:buFont typeface="Wingdings" panose="05000000000000000000" pitchFamily="2" charset="2"/>
+              <a:buChar char="q"/>
+            </a:pPr>
+            <a:r>
+              <a:rPr lang="en-US" sz="1400" b="1" dirty="0"/>
+              <a:t>Crashes resulting in the </a:t>
+            </a:r>
+            <a:r>
+              <a:rPr lang="en-US" sz="1400" b="1" dirty="0">
+                <a:solidFill>
+                  <a:schemeClr val="accent2"/>
+                </a:solidFill>
+              </a:rPr>
+              <a:t>death of a motorist </a:t>
+            </a:r>
+            <a:r>
+              <a:rPr lang="en-US" sz="1400" b="1" dirty="0"/>
+              <a:t>=</a:t>
+            </a:r>
+            <a:r>
+              <a:rPr lang="en-US" sz="1400" b="1" dirty="0">
+                <a:solidFill>
+                  <a:schemeClr val="accent2"/>
+                </a:solidFill>
+              </a:rPr>
+              <a:t> </a:t>
+            </a:r>
+            <a:r>
+              <a:rPr lang="en-US" sz="1400" b="1" dirty="0">
+                <a:solidFill>
+                  <a:srgbClr val="F7AB3B"/>
+                </a:solidFill>
+              </a:rPr>
               <a:t>2</a:t>
             </a:r>
+          </a:p>
+          <a:p>
+            <a:pPr marL="742950" lvl="1" indent="-285750" eaLnBrk="0" fontAlgn="base" hangingPunct="0">
+              <a:spcBef>
+                <a:spcPct val="0"/>
+              </a:spcBef>
+              <a:spcAft>
+                <a:spcPct val="0"/>
+              </a:spcAft>
+              <a:buFont typeface="Wingdings" panose="05000000000000000000" pitchFamily="2" charset="2"/>
+              <a:buChar char="q"/>
+            </a:pPr>
+            <a:r>
+              <a:rPr lang="en-US" sz="1400" b="1" dirty="0"/>
+              <a:t>Crashes resulting in the </a:t>
+            </a:r>
             <a:r>
               <a:rPr lang="en-US" sz="1400" b="1" dirty="0">
                 <a:solidFill>
                   <a:schemeClr val="accent2"/>
                 </a:solidFill>
               </a:rPr>
-              <a:t> </a:t>
+              <a:t>death of a pedestrian </a:t>
             </a:r>
             <a:r>
               <a:rPr lang="en-US" sz="1400" b="1" dirty="0"/>
-              <a:t>crashes resulted in the </a:t>
+              <a:t>= </a:t>
             </a:r>
             <a:r>
               <a:rPr lang="en-US" sz="1400" b="1" dirty="0">
                 <a:solidFill>
-                  <a:schemeClr val="accent2"/>
-                </a:solidFill>
-              </a:rPr>
-              <a:t>death of a motorist </a:t>
+                  <a:srgbClr val="F7AB3B"/>
+                </a:solidFill>
+              </a:rPr>
+              <a:t>7</a:t>
             </a:r>
           </a:p>
           <a:p>
@@ -7797,30 +8598,58 @@
               <a:buChar char="q"/>
             </a:pPr>
             <a:r>
-              <a:rPr lang="en-US" sz="1400" b="1" dirty="0"/>
-              <a:t>Yearly </a:t>
-            </a:r>
-            <a:r>
-              <a:rPr lang="en-US" sz="1400" b="1" dirty="0">
+              <a:rPr lang="en-US" b="1" dirty="0"/>
+              <a:t>Yearly</a:t>
+            </a:r>
+            <a:r>
+              <a:rPr lang="en-US" b="1" dirty="0">
                 <a:solidFill>
                   <a:schemeClr val="accent2"/>
                 </a:solidFill>
               </a:rPr>
-              <a:t>Average </a:t>
-            </a:r>
-            <a:r>
-              <a:rPr lang="en-US" sz="1400" b="1" dirty="0"/>
-              <a:t>= </a:t>
-            </a:r>
-            <a:r>
-              <a:rPr lang="en-US" sz="1400" b="1" dirty="0">
+              <a:t> Average</a:t>
+            </a:r>
+            <a:r>
+              <a:rPr lang="en-US" b="1" dirty="0"/>
+              <a:t> = </a:t>
+            </a:r>
+            <a:r>
+              <a:rPr lang="en-US" b="1" dirty="0">
                 <a:solidFill>
                   <a:srgbClr val="F7AB3B"/>
                 </a:solidFill>
               </a:rPr>
-              <a:t>20 fatal crashes / year</a:t>
-            </a:r>
-          </a:p>
+              <a:t>22 fatal crashes/year</a:t>
+            </a:r>
+          </a:p>
+        </p:txBody>
+      </p:sp>
+      <p:sp>
+        <p:nvSpPr>
+          <p:cNvPr id="12" name="Rectangle 11">
+            <a:extLst>
+              <a:ext uri="{FF2B5EF4-FFF2-40B4-BE49-F238E27FC236}">
+                <a16:creationId xmlns:a16="http://schemas.microsoft.com/office/drawing/2014/main" id="{BF9ABA2A-76CB-410C-A680-DB43CDBC611C}"/>
+              </a:ext>
+            </a:extLst>
+          </p:cNvPr>
+          <p:cNvSpPr/>
+          <p:nvPr/>
+        </p:nvSpPr>
+        <p:spPr>
+          <a:xfrm>
+            <a:off x="6096000" y="1190646"/>
+            <a:ext cx="5849908" cy="1285288"/>
+          </a:xfrm>
+          <a:prstGeom prst="rect">
+            <a:avLst/>
+          </a:prstGeom>
+        </p:spPr>
+        <p:txBody>
+          <a:bodyPr wrap="square">
+            <a:spAutoFit/>
+          </a:bodyPr>
+          <a:lstStyle/>
           <a:p>
             <a:pPr marL="285750" indent="-285750" eaLnBrk="0" fontAlgn="base" hangingPunct="0">
               <a:lnSpc>
@@ -7836,23 +8665,23 @@
               <a:buChar char="q"/>
             </a:pPr>
             <a:r>
-              <a:rPr lang="en-US" sz="1400" b="1" dirty="0"/>
-              <a:t>Most (</a:t>
-            </a:r>
-            <a:r>
-              <a:rPr lang="en-US" sz="1400" b="1" dirty="0">
+              <a:rPr lang="en-US" b="1" dirty="0"/>
+              <a:t>Most fatal crashes </a:t>
+            </a:r>
+            <a:r>
+              <a:rPr lang="en-US" b="1" dirty="0">
                 <a:solidFill>
                   <a:srgbClr val="F7AB3B"/>
                 </a:solidFill>
               </a:rPr>
-              <a:t>30</a:t>
-            </a:r>
-            <a:r>
-              <a:rPr lang="en-US" sz="1400" b="1" dirty="0"/>
-              <a:t>) bicyclist fatalities occurred in </a:t>
-            </a:r>
-            <a:r>
-              <a:rPr lang="en-US" sz="1400" b="1" dirty="0">
+              <a:t>30(12%) </a:t>
+            </a:r>
+            <a:r>
+              <a:rPr lang="en-US" b="1" dirty="0"/>
+              <a:t>occurred in </a:t>
+            </a:r>
+            <a:r>
+              <a:rPr lang="en-US" b="1" dirty="0">
                 <a:solidFill>
                   <a:schemeClr val="accent2"/>
                 </a:solidFill>
@@ -7875,78 +8704,81 @@
               <a:buChar char="q"/>
             </a:pPr>
             <a:r>
-              <a:rPr lang="en-US" sz="1400" b="1" dirty="0"/>
-              <a:t>Almost </a:t>
-            </a:r>
-            <a:r>
-              <a:rPr lang="en-US" sz="1400" b="1" dirty="0">
+              <a:rPr lang="en-US" b="1" dirty="0"/>
+              <a:t>About a third of the fatal crashes </a:t>
+            </a:r>
+            <a:r>
+              <a:rPr lang="en-US" b="1" dirty="0">
                 <a:solidFill>
                   <a:srgbClr val="F7AB3B"/>
                 </a:solidFill>
               </a:rPr>
-              <a:t>50%</a:t>
-            </a:r>
-            <a:r>
-              <a:rPr lang="en-US" sz="1400" b="1" dirty="0"/>
-              <a:t> of fatal crashes happened between </a:t>
-            </a:r>
-            <a:r>
-              <a:rPr lang="en-US" sz="1400" b="1" dirty="0">
+              <a:t>81(32%) </a:t>
+            </a:r>
+            <a:r>
+              <a:rPr lang="en-US" b="1" dirty="0"/>
+              <a:t>occur in the summer months </a:t>
+            </a:r>
+            <a:r>
+              <a:rPr lang="en-US" b="1" dirty="0">
                 <a:solidFill>
                   <a:schemeClr val="accent2"/>
                 </a:solidFill>
               </a:rPr>
-              <a:t>Jun – Oct</a:t>
-            </a:r>
-          </a:p>
-          <a:p>
-            <a:pPr marL="285750" indent="-285750" eaLnBrk="0" fontAlgn="base" hangingPunct="0">
-              <a:lnSpc>
-                <a:spcPct val="150000"/>
-              </a:lnSpc>
-              <a:spcBef>
-                <a:spcPct val="0"/>
-              </a:spcBef>
-              <a:spcAft>
-                <a:spcPct val="0"/>
-              </a:spcAft>
-              <a:buFont typeface="Wingdings" panose="05000000000000000000" pitchFamily="2" charset="2"/>
-              <a:buChar char="q"/>
-            </a:pPr>
-            <a:r>
-              <a:rPr lang="en-US" sz="1400" b="1" dirty="0"/>
-              <a:t>More than a third (</a:t>
-            </a:r>
-            <a:r>
-              <a:rPr lang="en-US" sz="1400" b="1" dirty="0">
-                <a:solidFill>
-                  <a:srgbClr val="F7AB3B"/>
-                </a:solidFill>
-              </a:rPr>
-              <a:t>36%</a:t>
-            </a:r>
-            <a:r>
-              <a:rPr lang="en-US" sz="1400" b="1" dirty="0"/>
-              <a:t>) of the fatal crashes occurred in the </a:t>
-            </a:r>
-            <a:r>
-              <a:rPr lang="en-US" sz="1400" b="1" dirty="0">
-                <a:solidFill>
-                  <a:schemeClr val="accent2"/>
-                </a:solidFill>
-              </a:rPr>
-              <a:t>afternoon (12-4pm)</a:t>
-            </a:r>
-            <a:endParaRPr lang="en-US" sz="1400" b="1" dirty="0"/>
-          </a:p>
-        </p:txBody>
-      </p:sp>
+              <a:t>Jul – Sep</a:t>
+            </a:r>
+          </a:p>
+        </p:txBody>
+      </p:sp>
+      <p:cxnSp>
+        <p:nvCxnSpPr>
+          <p:cNvPr id="13" name="Straight Connector 12">
+            <a:extLst>
+              <a:ext uri="{FF2B5EF4-FFF2-40B4-BE49-F238E27FC236}">
+                <a16:creationId xmlns:a16="http://schemas.microsoft.com/office/drawing/2014/main" id="{B47A74FC-0687-4E97-91A7-EE6BF2D7259D}"/>
+              </a:ext>
+            </a:extLst>
+          </p:cNvPr>
+          <p:cNvCxnSpPr>
+            <a:cxnSpLocks/>
+          </p:cNvCxnSpPr>
+          <p:nvPr/>
+        </p:nvCxnSpPr>
+        <p:spPr>
+          <a:xfrm>
+            <a:off x="5986839" y="945659"/>
+            <a:ext cx="0" cy="5298910"/>
+          </a:xfrm>
+          <a:prstGeom prst="line">
+            <a:avLst/>
+          </a:prstGeom>
+          <a:ln>
+            <a:solidFill>
+              <a:schemeClr val="accent2"/>
+            </a:solidFill>
+          </a:ln>
+        </p:spPr>
+        <p:style>
+          <a:lnRef idx="2">
+            <a:schemeClr val="accent1"/>
+          </a:lnRef>
+          <a:fillRef idx="0">
+            <a:schemeClr val="accent1"/>
+          </a:fillRef>
+          <a:effectRef idx="1">
+            <a:schemeClr val="accent1"/>
+          </a:effectRef>
+          <a:fontRef idx="minor">
+            <a:schemeClr val="tx1"/>
+          </a:fontRef>
+        </p:style>
+      </p:cxnSp>
       <p:pic>
         <p:nvPicPr>
-          <p:cNvPr id="11" name="Picture 10">
-            <a:extLst>
-              <a:ext uri="{FF2B5EF4-FFF2-40B4-BE49-F238E27FC236}">
-                <a16:creationId xmlns:a16="http://schemas.microsoft.com/office/drawing/2014/main" id="{2361621C-40B0-4939-91C4-CDF58DC5FF86}"/>
+          <p:cNvPr id="14" name="Picture 13">
+            <a:extLst>
+              <a:ext uri="{FF2B5EF4-FFF2-40B4-BE49-F238E27FC236}">
+                <a16:creationId xmlns:a16="http://schemas.microsoft.com/office/drawing/2014/main" id="{2E2A1FA4-A1A3-47C0-9E29-3599DFC34C9D}"/>
               </a:ext>
             </a:extLst>
           </p:cNvPr>
@@ -7963,8 +8795,8 @@
         </p:blipFill>
         <p:spPr>
           <a:xfrm>
-            <a:off x="8114519" y="3176379"/>
-            <a:ext cx="4077481" cy="2523392"/>
+            <a:off x="44643" y="2721869"/>
+            <a:ext cx="5685504" cy="3590845"/>
           </a:xfrm>
           <a:prstGeom prst="rect">
             <a:avLst/>
@@ -7973,10 +8805,10 @@
       </p:pic>
       <p:pic>
         <p:nvPicPr>
-          <p:cNvPr id="12" name="Picture 11">
-            <a:extLst>
-              <a:ext uri="{FF2B5EF4-FFF2-40B4-BE49-F238E27FC236}">
-                <a16:creationId xmlns:a16="http://schemas.microsoft.com/office/drawing/2014/main" id="{99DB593C-92B4-4EB6-A537-618B94BE7599}"/>
+          <p:cNvPr id="15" name="Picture 14">
+            <a:extLst>
+              <a:ext uri="{FF2B5EF4-FFF2-40B4-BE49-F238E27FC236}">
+                <a16:creationId xmlns:a16="http://schemas.microsoft.com/office/drawing/2014/main" id="{AFCA1963-EFBB-4D41-8455-E9D27D5CBD93}"/>
               </a:ext>
             </a:extLst>
           </p:cNvPr>
@@ -7993,105 +8825,18 @@
         </p:blipFill>
         <p:spPr>
           <a:xfrm>
-            <a:off x="4364598" y="3060212"/>
-            <a:ext cx="3961716" cy="3197448"/>
+            <a:off x="6223095" y="2875166"/>
+            <a:ext cx="5793152" cy="3441476"/>
           </a:xfrm>
           <a:prstGeom prst="rect">
             <a:avLst/>
           </a:prstGeom>
         </p:spPr>
       </p:pic>
-      <p:pic>
-        <p:nvPicPr>
-          <p:cNvPr id="13" name="Picture 12">
-            <a:extLst>
-              <a:ext uri="{FF2B5EF4-FFF2-40B4-BE49-F238E27FC236}">
-                <a16:creationId xmlns:a16="http://schemas.microsoft.com/office/drawing/2014/main" id="{6B92E7C0-7341-4552-B4E3-AD5A8618862C}"/>
-              </a:ext>
-            </a:extLst>
-          </p:cNvPr>
-          <p:cNvPicPr>
-            <a:picLocks noChangeAspect="1"/>
-          </p:cNvPicPr>
-          <p:nvPr/>
-        </p:nvPicPr>
-        <p:blipFill>
-          <a:blip r:embed="rId4"/>
-          <a:stretch>
-            <a:fillRect/>
-          </a:stretch>
-        </p:blipFill>
-        <p:spPr>
-          <a:xfrm>
-            <a:off x="0" y="3158795"/>
-            <a:ext cx="4490114" cy="2793597"/>
-          </a:xfrm>
-          <a:prstGeom prst="rect">
-            <a:avLst/>
-          </a:prstGeom>
-        </p:spPr>
-      </p:pic>
-      <p:sp>
-        <p:nvSpPr>
-          <p:cNvPr id="14" name="Footer Placeholder 13">
-            <a:extLst>
-              <a:ext uri="{FF2B5EF4-FFF2-40B4-BE49-F238E27FC236}">
-                <a16:creationId xmlns:a16="http://schemas.microsoft.com/office/drawing/2014/main" id="{2CCF7F04-9E8B-41AC-B1FB-EAE95C9754B7}"/>
-              </a:ext>
-            </a:extLst>
-          </p:cNvPr>
-          <p:cNvSpPr>
-            <a:spLocks noGrp="1"/>
-          </p:cNvSpPr>
-          <p:nvPr>
-            <p:ph type="ftr" sz="quarter" idx="11"/>
-          </p:nvPr>
-        </p:nvSpPr>
-        <p:spPr/>
-        <p:txBody>
-          <a:bodyPr/>
-          <a:lstStyle/>
-          <a:p>
-            <a:r>
-              <a:rPr lang="en-US"/>
-              <a:t>Statewide Analysis of Bicycle Crashes in North Carolina (2007-2018)</a:t>
-            </a:r>
-          </a:p>
-        </p:txBody>
-      </p:sp>
-      <p:sp>
-        <p:nvSpPr>
-          <p:cNvPr id="15" name="Slide Number Placeholder 14">
-            <a:extLst>
-              <a:ext uri="{FF2B5EF4-FFF2-40B4-BE49-F238E27FC236}">
-                <a16:creationId xmlns:a16="http://schemas.microsoft.com/office/drawing/2014/main" id="{8D001196-5E56-4698-AB79-F0CECDC4CC5F}"/>
-              </a:ext>
-            </a:extLst>
-          </p:cNvPr>
-          <p:cNvSpPr>
-            <a:spLocks noGrp="1"/>
-          </p:cNvSpPr>
-          <p:nvPr>
-            <p:ph type="sldNum" sz="quarter" idx="12"/>
-          </p:nvPr>
-        </p:nvSpPr>
-        <p:spPr/>
-        <p:txBody>
-          <a:bodyPr/>
-          <a:lstStyle/>
-          <a:p>
-            <a:fld id="{FC0254F6-2034-44F8-8A7C-C71F5A1DE8FB}" type="slidenum">
-              <a:rPr lang="en-US" smtClean="0"/>
-              <a:t>6</a:t>
-            </a:fld>
-            <a:endParaRPr lang="en-US"/>
-          </a:p>
-        </p:txBody>
-      </p:sp>
     </p:spTree>
     <p:extLst>
       <p:ext uri="{BB962C8B-B14F-4D97-AF65-F5344CB8AC3E}">
-        <p14:creationId xmlns:p14="http://schemas.microsoft.com/office/powerpoint/2010/main" val="459486568"/>
+        <p14:creationId xmlns:p14="http://schemas.microsoft.com/office/powerpoint/2010/main" val="2861204618"/>
       </p:ext>
     </p:extLst>
   </p:cSld>
@@ -8142,23 +8887,117 @@
         </p:spPr>
         <p:txBody>
           <a:bodyPr>
-            <a:normAutofit fontScale="90000"/>
+            <a:normAutofit/>
           </a:bodyPr>
           <a:lstStyle/>
           <a:p>
             <a:r>
               <a:rPr lang="en-US" dirty="0"/>
-              <a:t>Trend Analysis – Bicyclist Fatality Trends – WHERE?</a:t>
-            </a:r>
-          </a:p>
-        </p:txBody>
-      </p:sp>
-      <p:sp>
-        <p:nvSpPr>
-          <p:cNvPr id="8" name="Footer Placeholder 7">
-            <a:extLst>
-              <a:ext uri="{FF2B5EF4-FFF2-40B4-BE49-F238E27FC236}">
-                <a16:creationId xmlns:a16="http://schemas.microsoft.com/office/drawing/2014/main" id="{DE797D13-BDD5-43B4-BE7A-A51BB4064DCD}"/>
+              <a:t>Bicycle Crash Fatality Analysis – </a:t>
+            </a:r>
+            <a:r>
+              <a:rPr lang="en-US" dirty="0">
+                <a:solidFill>
+                  <a:schemeClr val="accent2"/>
+                </a:solidFill>
+              </a:rPr>
+              <a:t>WHEN?</a:t>
+            </a:r>
+          </a:p>
+        </p:txBody>
+      </p:sp>
+      <p:sp>
+        <p:nvSpPr>
+          <p:cNvPr id="4" name="Rectangle 3">
+            <a:extLst>
+              <a:ext uri="{FF2B5EF4-FFF2-40B4-BE49-F238E27FC236}">
+                <a16:creationId xmlns:a16="http://schemas.microsoft.com/office/drawing/2014/main" id="{D413ED73-DC58-45B3-A75E-2571813C754D}"/>
+              </a:ext>
+            </a:extLst>
+          </p:cNvPr>
+          <p:cNvSpPr/>
+          <p:nvPr/>
+        </p:nvSpPr>
+        <p:spPr>
+          <a:xfrm>
+            <a:off x="293076" y="1046828"/>
+            <a:ext cx="5228974" cy="1285288"/>
+          </a:xfrm>
+          <a:prstGeom prst="rect">
+            <a:avLst/>
+          </a:prstGeom>
+        </p:spPr>
+        <p:txBody>
+          <a:bodyPr wrap="square">
+            <a:spAutoFit/>
+          </a:bodyPr>
+          <a:lstStyle/>
+          <a:p>
+            <a:pPr eaLnBrk="0" fontAlgn="base" hangingPunct="0">
+              <a:lnSpc>
+                <a:spcPct val="150000"/>
+              </a:lnSpc>
+              <a:spcBef>
+                <a:spcPct val="0"/>
+              </a:spcBef>
+              <a:spcAft>
+                <a:spcPct val="0"/>
+              </a:spcAft>
+            </a:pPr>
+            <a:r>
+              <a:rPr lang="en-US" b="1" u="sng" dirty="0">
+                <a:solidFill>
+                  <a:schemeClr val="accent2"/>
+                </a:solidFill>
+              </a:rPr>
+              <a:t>DAYS OF THE WEEK: </a:t>
+            </a:r>
+          </a:p>
+          <a:p>
+            <a:pPr eaLnBrk="0" fontAlgn="base" hangingPunct="0">
+              <a:lnSpc>
+                <a:spcPct val="150000"/>
+              </a:lnSpc>
+              <a:spcBef>
+                <a:spcPct val="0"/>
+              </a:spcBef>
+              <a:spcAft>
+                <a:spcPct val="0"/>
+              </a:spcAft>
+            </a:pPr>
+            <a:r>
+              <a:rPr lang="en-US" b="1" dirty="0"/>
+              <a:t>About half </a:t>
+            </a:r>
+            <a:r>
+              <a:rPr lang="en-US" b="1" dirty="0">
+                <a:solidFill>
+                  <a:srgbClr val="F7AB3B"/>
+                </a:solidFill>
+              </a:rPr>
+              <a:t>127(49%) </a:t>
+            </a:r>
+            <a:r>
+              <a:rPr lang="en-US" b="1" dirty="0"/>
+              <a:t>of the fatal crashes occur between </a:t>
+            </a:r>
+            <a:r>
+              <a:rPr lang="en-US" b="1" dirty="0">
+                <a:solidFill>
+                  <a:schemeClr val="accent2"/>
+                </a:solidFill>
+              </a:rPr>
+              <a:t>Thursday-Friday-Saturday</a:t>
+            </a:r>
+          </a:p>
+        </p:txBody>
+      </p:sp>
+      <p:sp>
+        <p:nvSpPr>
+          <p:cNvPr id="14" name="Footer Placeholder 13">
+            <a:extLst>
+              <a:ext uri="{FF2B5EF4-FFF2-40B4-BE49-F238E27FC236}">
+                <a16:creationId xmlns:a16="http://schemas.microsoft.com/office/drawing/2014/main" id="{2CCF7F04-9E8B-41AC-B1FB-EAE95C9754B7}"/>
               </a:ext>
             </a:extLst>
           </p:cNvPr>
@@ -8183,10 +9022,10 @@
       </p:sp>
       <p:sp>
         <p:nvSpPr>
-          <p:cNvPr id="9" name="Slide Number Placeholder 8">
-            <a:extLst>
-              <a:ext uri="{FF2B5EF4-FFF2-40B4-BE49-F238E27FC236}">
-                <a16:creationId xmlns:a16="http://schemas.microsoft.com/office/drawing/2014/main" id="{43380151-7FAD-4B96-96D9-5CBFC70BB479}"/>
+          <p:cNvPr id="15" name="Slide Number Placeholder 14">
+            <a:extLst>
+              <a:ext uri="{FF2B5EF4-FFF2-40B4-BE49-F238E27FC236}">
+                <a16:creationId xmlns:a16="http://schemas.microsoft.com/office/drawing/2014/main" id="{8D001196-5E56-4698-AB79-F0CECDC4CC5F}"/>
               </a:ext>
             </a:extLst>
           </p:cNvPr>
@@ -8212,10 +9051,10 @@
       </p:sp>
       <p:sp>
         <p:nvSpPr>
-          <p:cNvPr id="11" name="Rectangle 10">
-            <a:extLst>
-              <a:ext uri="{FF2B5EF4-FFF2-40B4-BE49-F238E27FC236}">
-                <a16:creationId xmlns:a16="http://schemas.microsoft.com/office/drawing/2014/main" id="{9046C9F8-1690-43D9-B3B1-18E7F5360FCD}"/>
+          <p:cNvPr id="10" name="Rectangle 9">
+            <a:extLst>
+              <a:ext uri="{FF2B5EF4-FFF2-40B4-BE49-F238E27FC236}">
+                <a16:creationId xmlns:a16="http://schemas.microsoft.com/office/drawing/2014/main" id="{5812E29D-E3E1-4A6A-A450-0836D0F4BBE4}"/>
               </a:ext>
             </a:extLst>
           </p:cNvPr>
@@ -8224,8 +9063,8 @@
         </p:nvSpPr>
         <p:spPr>
           <a:xfrm>
-            <a:off x="384809" y="1117231"/>
-            <a:ext cx="11561098" cy="869790"/>
+            <a:off x="6538065" y="973582"/>
+            <a:ext cx="5228974" cy="1285288"/>
           </a:xfrm>
           <a:prstGeom prst="rect">
             <a:avLst/>
@@ -8237,7 +9076,7 @@
           </a:bodyPr>
           <a:lstStyle/>
           <a:p>
-            <a:pPr marL="285750" indent="-285750" eaLnBrk="0" fontAlgn="base" hangingPunct="0">
+            <a:pPr eaLnBrk="0" fontAlgn="base" hangingPunct="0">
               <a:lnSpc>
                 <a:spcPct val="150000"/>
               </a:lnSpc>
@@ -8247,36 +9086,18 @@
               <a:spcAft>
                 <a:spcPct val="0"/>
               </a:spcAft>
-              <a:buFont typeface="Wingdings" panose="05000000000000000000" pitchFamily="2" charset="2"/>
-              <a:buChar char="q"/>
             </a:pPr>
             <a:r>
-              <a:rPr lang="en-US" altLang="en-US" b="1" dirty="0"/>
-              <a:t>On </a:t>
-            </a:r>
-            <a:r>
-              <a:rPr lang="en-US" altLang="en-US" b="1" dirty="0">
+              <a:rPr lang="en-US" b="1" u="sng" dirty="0">
                 <a:solidFill>
                   <a:schemeClr val="accent2"/>
                 </a:solidFill>
               </a:rPr>
-              <a:t>average</a:t>
-            </a:r>
-            <a:r>
-              <a:rPr lang="en-US" altLang="en-US" b="1" dirty="0"/>
-              <a:t> there were about </a:t>
-            </a:r>
-            <a:r>
-              <a:rPr lang="en-US" altLang="en-US" b="1" dirty="0">
-                <a:solidFill>
-                  <a:srgbClr val="F7AB3B"/>
-                </a:solidFill>
-              </a:rPr>
-              <a:t>2.5 fatal crashes per County</a:t>
-            </a:r>
-          </a:p>
-          <a:p>
-            <a:pPr marL="285750" indent="-285750" eaLnBrk="0" fontAlgn="base" hangingPunct="0">
+              <a:t>TIME OF DAY:</a:t>
+            </a:r>
+          </a:p>
+          <a:p>
+            <a:pPr eaLnBrk="0" fontAlgn="base" hangingPunct="0">
               <a:lnSpc>
                 <a:spcPct val="150000"/>
               </a:lnSpc>
@@ -8286,46 +9107,84 @@
               <a:spcAft>
                 <a:spcPct val="0"/>
               </a:spcAft>
-              <a:buFont typeface="Wingdings" panose="05000000000000000000" pitchFamily="2" charset="2"/>
-              <a:buChar char="q"/>
             </a:pPr>
             <a:r>
-              <a:rPr lang="en-US" altLang="en-US" b="1" dirty="0"/>
-              <a:t>About</a:t>
-            </a:r>
-            <a:r>
-              <a:rPr lang="en-US" altLang="en-US" b="1" dirty="0">
+              <a:rPr lang="en-US" b="1" dirty="0"/>
+              <a:t>More than a third of the fatal crashes </a:t>
+            </a:r>
+            <a:r>
+              <a:rPr lang="en-US" b="1" dirty="0">
                 <a:solidFill>
                   <a:srgbClr val="F7AB3B"/>
                 </a:solidFill>
               </a:rPr>
-              <a:t> 46% </a:t>
-            </a:r>
-            <a:r>
-              <a:rPr lang="en-US" altLang="en-US" b="1" dirty="0"/>
-              <a:t>of the fatal crashes occur in </a:t>
-            </a:r>
-            <a:r>
-              <a:rPr lang="en-US" altLang="en-US" b="1" dirty="0">
+              <a:t>91(36%)</a:t>
+            </a:r>
+            <a:r>
+              <a:rPr lang="en-US" b="1" dirty="0"/>
+              <a:t> occur in the </a:t>
+            </a:r>
+            <a:r>
+              <a:rPr lang="en-US" b="1" dirty="0">
                 <a:solidFill>
                   <a:schemeClr val="accent2"/>
                 </a:solidFill>
               </a:rPr>
-              <a:t>10 cities </a:t>
-            </a:r>
-            <a:r>
-              <a:rPr lang="en-US" altLang="en-US" b="1" dirty="0"/>
-              <a:t>across the state</a:t>
-            </a:r>
-          </a:p>
-        </p:txBody>
-      </p:sp>
+              <a:t>afternoon (12-4pm)</a:t>
+            </a:r>
+            <a:endParaRPr lang="en-US" b="1" dirty="0"/>
+          </a:p>
+        </p:txBody>
+      </p:sp>
+      <p:cxnSp>
+        <p:nvCxnSpPr>
+          <p:cNvPr id="16" name="Straight Connector 15">
+            <a:extLst>
+              <a:ext uri="{FF2B5EF4-FFF2-40B4-BE49-F238E27FC236}">
+                <a16:creationId xmlns:a16="http://schemas.microsoft.com/office/drawing/2014/main" id="{F4740971-F86F-40D1-B61C-A7D86196C427}"/>
+              </a:ext>
+            </a:extLst>
+          </p:cNvPr>
+          <p:cNvCxnSpPr>
+            <a:cxnSpLocks/>
+          </p:cNvCxnSpPr>
+          <p:nvPr/>
+        </p:nvCxnSpPr>
+        <p:spPr>
+          <a:xfrm>
+            <a:off x="6096000" y="1019913"/>
+            <a:ext cx="5135" cy="5083984"/>
+          </a:xfrm>
+          <a:prstGeom prst="line">
+            <a:avLst/>
+          </a:prstGeom>
+          <a:ln>
+            <a:solidFill>
+              <a:schemeClr val="accent2"/>
+            </a:solidFill>
+          </a:ln>
+        </p:spPr>
+        <p:style>
+          <a:lnRef idx="2">
+            <a:schemeClr val="accent1"/>
+          </a:lnRef>
+          <a:fillRef idx="0">
+            <a:schemeClr val="accent1"/>
+          </a:fillRef>
+          <a:effectRef idx="1">
+            <a:schemeClr val="accent1"/>
+          </a:effectRef>
+          <a:fontRef idx="minor">
+            <a:schemeClr val="tx1"/>
+          </a:fontRef>
+        </p:style>
+      </p:cxnSp>
       <p:pic>
         <p:nvPicPr>
-          <p:cNvPr id="12" name="Picture 11">
-            <a:extLst>
-              <a:ext uri="{FF2B5EF4-FFF2-40B4-BE49-F238E27FC236}">
-                <a16:creationId xmlns:a16="http://schemas.microsoft.com/office/drawing/2014/main" id="{F7F81B98-9533-408F-A99A-51B616964CFF}"/>
+          <p:cNvPr id="8" name="Picture 7">
+            <a:extLst>
+              <a:ext uri="{FF2B5EF4-FFF2-40B4-BE49-F238E27FC236}">
+                <a16:creationId xmlns:a16="http://schemas.microsoft.com/office/drawing/2014/main" id="{6D5DE553-92E7-41D8-A20E-577358291A45}"/>
               </a:ext>
             </a:extLst>
           </p:cNvPr>
@@ -8342,8 +9201,8 @@
         </p:blipFill>
         <p:spPr>
           <a:xfrm>
-            <a:off x="3499716" y="2972156"/>
-            <a:ext cx="4976291" cy="2720576"/>
+            <a:off x="42104" y="2617468"/>
+            <a:ext cx="5944592" cy="3582941"/>
           </a:xfrm>
           <a:prstGeom prst="rect">
             <a:avLst/>
@@ -8352,10 +9211,10 @@
       </p:pic>
       <p:pic>
         <p:nvPicPr>
-          <p:cNvPr id="13" name="Picture 12">
-            <a:extLst>
-              <a:ext uri="{FF2B5EF4-FFF2-40B4-BE49-F238E27FC236}">
-                <a16:creationId xmlns:a16="http://schemas.microsoft.com/office/drawing/2014/main" id="{EFE61271-8BD2-4C90-B345-41F0D9AD6FC6}"/>
+          <p:cNvPr id="17" name="Picture 16">
+            <a:extLst>
+              <a:ext uri="{FF2B5EF4-FFF2-40B4-BE49-F238E27FC236}">
+                <a16:creationId xmlns:a16="http://schemas.microsoft.com/office/drawing/2014/main" id="{67457727-10E2-42D7-89EA-D1C01272EE81}"/>
               </a:ext>
             </a:extLst>
           </p:cNvPr>
@@ -8372,38 +9231,8 @@
         </p:blipFill>
         <p:spPr>
           <a:xfrm>
-            <a:off x="8252779" y="3505817"/>
-            <a:ext cx="4024946" cy="2018944"/>
-          </a:xfrm>
-          <a:prstGeom prst="rect">
-            <a:avLst/>
-          </a:prstGeom>
-        </p:spPr>
-      </p:pic>
-      <p:pic>
-        <p:nvPicPr>
-          <p:cNvPr id="10" name="Picture 9">
-            <a:extLst>
-              <a:ext uri="{FF2B5EF4-FFF2-40B4-BE49-F238E27FC236}">
-                <a16:creationId xmlns:a16="http://schemas.microsoft.com/office/drawing/2014/main" id="{A92CDE60-5606-4406-AD0A-7B2A10C05935}"/>
-              </a:ext>
-            </a:extLst>
-          </p:cNvPr>
-          <p:cNvPicPr>
-            <a:picLocks noChangeAspect="1"/>
-          </p:cNvPicPr>
-          <p:nvPr/>
-        </p:nvPicPr>
-        <p:blipFill>
-          <a:blip r:embed="rId4"/>
-          <a:stretch>
-            <a:fillRect/>
-          </a:stretch>
-        </p:blipFill>
-        <p:spPr>
-          <a:xfrm>
-            <a:off x="0" y="2838128"/>
-            <a:ext cx="3715995" cy="3354323"/>
+            <a:off x="6165359" y="2630033"/>
+            <a:ext cx="5867663" cy="3370547"/>
           </a:xfrm>
           <a:prstGeom prst="rect">
             <a:avLst/>
@@ -8413,7 +9242,7 @@
     </p:spTree>
     <p:extLst>
       <p:ext uri="{BB962C8B-B14F-4D97-AF65-F5344CB8AC3E}">
-        <p14:creationId xmlns:p14="http://schemas.microsoft.com/office/powerpoint/2010/main" val="3127742249"/>
+        <p14:creationId xmlns:p14="http://schemas.microsoft.com/office/powerpoint/2010/main" val="459486568"/>
       </p:ext>
     </p:extLst>
   </p:cSld>
@@ -8445,7 +9274,7 @@
           <p:cNvPr id="2" name="Title 1">
             <a:extLst>
               <a:ext uri="{FF2B5EF4-FFF2-40B4-BE49-F238E27FC236}">
-                <a16:creationId xmlns:a16="http://schemas.microsoft.com/office/drawing/2014/main" id="{C3232A53-CCD4-4C80-A7B4-CCE3648E1FD4}"/>
+                <a16:creationId xmlns:a16="http://schemas.microsoft.com/office/drawing/2014/main" id="{263447F3-B840-48E0-B367-4A011ACB0AF2}"/>
               </a:ext>
             </a:extLst>
           </p:cNvPr>
@@ -8456,21 +9285,39 @@
             <p:ph type="title"/>
           </p:nvPr>
         </p:nvSpPr>
-        <p:spPr/>
-        <p:txBody>
-          <a:bodyPr/>
-          <a:lstStyle/>
-          <a:p>
-            <a:endParaRPr lang="en-US"/>
-          </a:p>
-        </p:txBody>
-      </p:sp>
-      <p:sp>
-        <p:nvSpPr>
-          <p:cNvPr id="3" name="Footer Placeholder 2">
-            <a:extLst>
-              <a:ext uri="{FF2B5EF4-FFF2-40B4-BE49-F238E27FC236}">
-                <a16:creationId xmlns:a16="http://schemas.microsoft.com/office/drawing/2014/main" id="{84520EB0-EF9A-42CE-8B2D-0FDF93B903A9}"/>
+        <p:spPr>
+          <a:xfrm>
+            <a:off x="384810" y="68266"/>
+            <a:ext cx="11561098" cy="789722"/>
+          </a:xfrm>
+        </p:spPr>
+        <p:txBody>
+          <a:bodyPr>
+            <a:normAutofit/>
+          </a:bodyPr>
+          <a:lstStyle/>
+          <a:p>
+            <a:r>
+              <a:rPr lang="en-US" dirty="0"/>
+              <a:t>Bicycle Crash Fatality Analysis – </a:t>
+            </a:r>
+            <a:r>
+              <a:rPr lang="en-US" dirty="0">
+                <a:solidFill>
+                  <a:schemeClr val="accent2"/>
+                </a:solidFill>
+              </a:rPr>
+              <a:t>WHERE?</a:t>
+            </a:r>
+          </a:p>
+        </p:txBody>
+      </p:sp>
+      <p:sp>
+        <p:nvSpPr>
+          <p:cNvPr id="8" name="Footer Placeholder 7">
+            <a:extLst>
+              <a:ext uri="{FF2B5EF4-FFF2-40B4-BE49-F238E27FC236}">
+                <a16:creationId xmlns:a16="http://schemas.microsoft.com/office/drawing/2014/main" id="{DE797D13-BDD5-43B4-BE7A-A51BB4064DCD}"/>
               </a:ext>
             </a:extLst>
           </p:cNvPr>
@@ -8495,10 +9342,10 @@
       </p:sp>
       <p:sp>
         <p:nvSpPr>
-          <p:cNvPr id="4" name="Slide Number Placeholder 3">
-            <a:extLst>
-              <a:ext uri="{FF2B5EF4-FFF2-40B4-BE49-F238E27FC236}">
-                <a16:creationId xmlns:a16="http://schemas.microsoft.com/office/drawing/2014/main" id="{D7F6F7EF-430F-4C94-87DC-36AB170E2760}"/>
+          <p:cNvPr id="9" name="Slide Number Placeholder 8">
+            <a:extLst>
+              <a:ext uri="{FF2B5EF4-FFF2-40B4-BE49-F238E27FC236}">
+                <a16:creationId xmlns:a16="http://schemas.microsoft.com/office/drawing/2014/main" id="{43380151-7FAD-4B96-96D9-5CBFC70BB479}"/>
               </a:ext>
             </a:extLst>
           </p:cNvPr>
@@ -8522,12 +9369,227 @@
           </a:p>
         </p:txBody>
       </p:sp>
+      <p:sp>
+        <p:nvSpPr>
+          <p:cNvPr id="11" name="Rectangle 10">
+            <a:extLst>
+              <a:ext uri="{FF2B5EF4-FFF2-40B4-BE49-F238E27FC236}">
+                <a16:creationId xmlns:a16="http://schemas.microsoft.com/office/drawing/2014/main" id="{9046C9F8-1690-43D9-B3B1-18E7F5360FCD}"/>
+              </a:ext>
+            </a:extLst>
+          </p:cNvPr>
+          <p:cNvSpPr/>
+          <p:nvPr/>
+        </p:nvSpPr>
+        <p:spPr>
+          <a:xfrm>
+            <a:off x="384810" y="948334"/>
+            <a:ext cx="5425441" cy="1285288"/>
+          </a:xfrm>
+          <a:prstGeom prst="rect">
+            <a:avLst/>
+          </a:prstGeom>
+        </p:spPr>
+        <p:txBody>
+          <a:bodyPr wrap="square">
+            <a:spAutoFit/>
+          </a:bodyPr>
+          <a:lstStyle/>
+          <a:p>
+            <a:pPr eaLnBrk="0" fontAlgn="base" hangingPunct="0">
+              <a:lnSpc>
+                <a:spcPct val="150000"/>
+              </a:lnSpc>
+              <a:spcBef>
+                <a:spcPct val="0"/>
+              </a:spcBef>
+              <a:spcAft>
+                <a:spcPct val="0"/>
+              </a:spcAft>
+            </a:pPr>
+            <a:r>
+              <a:rPr lang="en-US" altLang="en-US" b="1" u="sng" dirty="0">
+                <a:solidFill>
+                  <a:schemeClr val="accent2"/>
+                </a:solidFill>
+              </a:rPr>
+              <a:t>COUNTY:</a:t>
+            </a:r>
+          </a:p>
+          <a:p>
+            <a:pPr eaLnBrk="0" fontAlgn="base" hangingPunct="0">
+              <a:lnSpc>
+                <a:spcPct val="150000"/>
+              </a:lnSpc>
+              <a:spcBef>
+                <a:spcPct val="0"/>
+              </a:spcBef>
+              <a:spcAft>
+                <a:spcPct val="0"/>
+              </a:spcAft>
+            </a:pPr>
+            <a:r>
+              <a:rPr lang="en-US" altLang="en-US" b="1" dirty="0">
+                <a:solidFill>
+                  <a:schemeClr val="accent2"/>
+                </a:solidFill>
+              </a:rPr>
+              <a:t>Mecklenburg</a:t>
+            </a:r>
+            <a:r>
+              <a:rPr lang="en-US" altLang="en-US" b="1" dirty="0"/>
+              <a:t> county had the most fatal crashes </a:t>
+            </a:r>
+            <a:r>
+              <a:rPr lang="en-US" altLang="en-US" b="1" dirty="0">
+                <a:solidFill>
+                  <a:srgbClr val="F7AB3B"/>
+                </a:solidFill>
+              </a:rPr>
+              <a:t>22(8.5%) </a:t>
+            </a:r>
+            <a:r>
+              <a:rPr lang="en-US" altLang="en-US" b="1" dirty="0"/>
+              <a:t>in the state</a:t>
+            </a:r>
+          </a:p>
+        </p:txBody>
+      </p:sp>
+      <p:sp>
+        <p:nvSpPr>
+          <p:cNvPr id="14" name="Rectangle 13">
+            <a:extLst>
+              <a:ext uri="{FF2B5EF4-FFF2-40B4-BE49-F238E27FC236}">
+                <a16:creationId xmlns:a16="http://schemas.microsoft.com/office/drawing/2014/main" id="{0204086B-CF0F-4DEE-88F4-62ACA8483EEB}"/>
+              </a:ext>
+            </a:extLst>
+          </p:cNvPr>
+          <p:cNvSpPr/>
+          <p:nvPr/>
+        </p:nvSpPr>
+        <p:spPr>
+          <a:xfrm>
+            <a:off x="6261001" y="909138"/>
+            <a:ext cx="5425441" cy="1285288"/>
+          </a:xfrm>
+          <a:prstGeom prst="rect">
+            <a:avLst/>
+          </a:prstGeom>
+        </p:spPr>
+        <p:txBody>
+          <a:bodyPr wrap="square">
+            <a:spAutoFit/>
+          </a:bodyPr>
+          <a:lstStyle/>
+          <a:p>
+            <a:pPr eaLnBrk="0" fontAlgn="base" hangingPunct="0">
+              <a:lnSpc>
+                <a:spcPct val="150000"/>
+              </a:lnSpc>
+              <a:spcBef>
+                <a:spcPct val="0"/>
+              </a:spcBef>
+              <a:spcAft>
+                <a:spcPct val="0"/>
+              </a:spcAft>
+            </a:pPr>
+            <a:r>
+              <a:rPr lang="en-US" altLang="en-US" b="1" u="sng" dirty="0">
+                <a:solidFill>
+                  <a:schemeClr val="accent2"/>
+                </a:solidFill>
+              </a:rPr>
+              <a:t>CITY:</a:t>
+            </a:r>
+          </a:p>
+          <a:p>
+            <a:pPr eaLnBrk="0" fontAlgn="base" hangingPunct="0">
+              <a:lnSpc>
+                <a:spcPct val="150000"/>
+              </a:lnSpc>
+              <a:spcBef>
+                <a:spcPct val="0"/>
+              </a:spcBef>
+              <a:spcAft>
+                <a:spcPct val="0"/>
+              </a:spcAft>
+            </a:pPr>
+            <a:r>
+              <a:rPr lang="en-US" altLang="en-US" b="1" dirty="0">
+                <a:solidFill>
+                  <a:schemeClr val="accent2"/>
+                </a:solidFill>
+              </a:rPr>
+              <a:t>Charlotte</a:t>
+            </a:r>
+            <a:r>
+              <a:rPr lang="en-US" altLang="en-US" b="1" dirty="0"/>
+              <a:t> is the city with the most fatal crashes </a:t>
+            </a:r>
+            <a:r>
+              <a:rPr lang="en-US" altLang="en-US" b="1" dirty="0">
+                <a:solidFill>
+                  <a:srgbClr val="F7AB3B"/>
+                </a:solidFill>
+              </a:rPr>
+              <a:t>20(8%) </a:t>
+            </a:r>
+            <a:r>
+              <a:rPr lang="en-US" altLang="en-US" b="1" dirty="0"/>
+              <a:t>in the state</a:t>
+            </a:r>
+          </a:p>
+        </p:txBody>
+      </p:sp>
+      <p:cxnSp>
+        <p:nvCxnSpPr>
+          <p:cNvPr id="15" name="Straight Connector 14">
+            <a:extLst>
+              <a:ext uri="{FF2B5EF4-FFF2-40B4-BE49-F238E27FC236}">
+                <a16:creationId xmlns:a16="http://schemas.microsoft.com/office/drawing/2014/main" id="{655FE2F7-0350-4778-8832-59A3B9455C79}"/>
+              </a:ext>
+            </a:extLst>
+          </p:cNvPr>
+          <p:cNvCxnSpPr>
+            <a:cxnSpLocks/>
+          </p:cNvCxnSpPr>
+          <p:nvPr/>
+        </p:nvCxnSpPr>
+        <p:spPr>
+          <a:xfrm>
+            <a:off x="6060832" y="1019913"/>
+            <a:ext cx="5135" cy="5083984"/>
+          </a:xfrm>
+          <a:prstGeom prst="line">
+            <a:avLst/>
+          </a:prstGeom>
+          <a:ln>
+            <a:solidFill>
+              <a:schemeClr val="accent2"/>
+            </a:solidFill>
+          </a:ln>
+        </p:spPr>
+        <p:style>
+          <a:lnRef idx="2">
+            <a:schemeClr val="accent1"/>
+          </a:lnRef>
+          <a:fillRef idx="0">
+            <a:schemeClr val="accent1"/>
+          </a:fillRef>
+          <a:effectRef idx="1">
+            <a:schemeClr val="accent1"/>
+          </a:effectRef>
+          <a:fontRef idx="minor">
+            <a:schemeClr val="tx1"/>
+          </a:fontRef>
+        </p:style>
+      </p:cxnSp>
       <p:pic>
         <p:nvPicPr>
           <p:cNvPr id="5" name="Picture 4">
             <a:extLst>
               <a:ext uri="{FF2B5EF4-FFF2-40B4-BE49-F238E27FC236}">
-                <a16:creationId xmlns:a16="http://schemas.microsoft.com/office/drawing/2014/main" id="{0A363ECE-B3E4-4576-8DE8-1743B694EBBA}"/>
+                <a16:creationId xmlns:a16="http://schemas.microsoft.com/office/drawing/2014/main" id="{8CCBE963-2901-43D2-9FAA-08820828BAB8}"/>
               </a:ext>
             </a:extLst>
           </p:cNvPr>
@@ -8544,59 +9606,48 @@
         </p:blipFill>
         <p:spPr>
           <a:xfrm>
-            <a:off x="4480419" y="2483260"/>
-            <a:ext cx="1691787" cy="1325995"/>
+            <a:off x="166148" y="2570152"/>
+            <a:ext cx="5633832" cy="3714155"/>
           </a:xfrm>
           <a:prstGeom prst="rect">
             <a:avLst/>
           </a:prstGeom>
         </p:spPr>
       </p:pic>
-      <p:sp>
-        <p:nvSpPr>
-          <p:cNvPr id="6" name="TextBox 5">
-            <a:extLst>
-              <a:ext uri="{FF2B5EF4-FFF2-40B4-BE49-F238E27FC236}">
-                <a16:creationId xmlns:a16="http://schemas.microsoft.com/office/drawing/2014/main" id="{D29BF19D-F475-4BB3-8520-7A2AD0B890D4}"/>
-              </a:ext>
-            </a:extLst>
-          </p:cNvPr>
-          <p:cNvSpPr txBox="1"/>
+      <p:pic>
+        <p:nvPicPr>
+          <p:cNvPr id="6" name="Picture 5">
+            <a:extLst>
+              <a:ext uri="{FF2B5EF4-FFF2-40B4-BE49-F238E27FC236}">
+                <a16:creationId xmlns:a16="http://schemas.microsoft.com/office/drawing/2014/main" id="{81B4667F-9344-4B66-BC6C-AFF1188F2E2A}"/>
+              </a:ext>
+            </a:extLst>
+          </p:cNvPr>
+          <p:cNvPicPr>
+            <a:picLocks noChangeAspect="1"/>
+          </p:cNvPicPr>
           <p:nvPr/>
-        </p:nvSpPr>
-        <p:spPr>
-          <a:xfrm>
-            <a:off x="4455383" y="1388344"/>
-            <a:ext cx="2779463" cy="1200329"/>
+        </p:nvPicPr>
+        <p:blipFill>
+          <a:blip r:embed="rId3"/>
+          <a:stretch>
+            <a:fillRect/>
+          </a:stretch>
+        </p:blipFill>
+        <p:spPr>
+          <a:xfrm>
+            <a:off x="6261001" y="2570152"/>
+            <a:ext cx="5522871" cy="3609921"/>
           </a:xfrm>
           <a:prstGeom prst="rect">
             <a:avLst/>
           </a:prstGeom>
-          <a:noFill/>
-        </p:spPr>
-        <p:txBody>
-          <a:bodyPr wrap="square" rtlCol="0">
-            <a:spAutoFit/>
-          </a:bodyPr>
-          <a:lstStyle/>
-          <a:p>
-            <a:r>
-              <a:rPr lang="en-US" b="1" dirty="0"/>
-              <a:t>Least crashes on Sundays (due to low traffic?)</a:t>
-            </a:r>
-          </a:p>
-          <a:p>
-            <a:r>
-              <a:rPr lang="en-US" b="1" dirty="0"/>
-              <a:t>Other days are almost equal</a:t>
-            </a:r>
-          </a:p>
-        </p:txBody>
-      </p:sp>
+        </p:spPr>
+      </p:pic>
     </p:spTree>
     <p:extLst>
       <p:ext uri="{BB962C8B-B14F-4D97-AF65-F5344CB8AC3E}">
-        <p14:creationId xmlns:p14="http://schemas.microsoft.com/office/powerpoint/2010/main" val="1435363055"/>
+        <p14:creationId xmlns:p14="http://schemas.microsoft.com/office/powerpoint/2010/main" val="3127742249"/>
       </p:ext>
     </p:extLst>
   </p:cSld>
@@ -8628,7 +9679,7 @@
           <p:cNvPr id="2" name="Title 1">
             <a:extLst>
               <a:ext uri="{FF2B5EF4-FFF2-40B4-BE49-F238E27FC236}">
-                <a16:creationId xmlns:a16="http://schemas.microsoft.com/office/drawing/2014/main" id="{263447F3-B840-48E0-B367-4A011ACB0AF2}"/>
+                <a16:creationId xmlns:a16="http://schemas.microsoft.com/office/drawing/2014/main" id="{326EB7B5-7CCC-4CBF-BC2C-EE538C2007A0}"/>
               </a:ext>
             </a:extLst>
           </p:cNvPr>
@@ -8641,151 +9692,27 @@
         </p:nvSpPr>
         <p:spPr>
           <a:xfrm>
-            <a:off x="384810" y="68266"/>
-            <a:ext cx="11561098" cy="789722"/>
+            <a:off x="0" y="0"/>
+            <a:ext cx="12081164" cy="775856"/>
           </a:xfrm>
         </p:spPr>
         <p:txBody>
           <a:bodyPr>
-            <a:normAutofit fontScale="90000"/>
+            <a:normAutofit/>
           </a:bodyPr>
           <a:lstStyle/>
           <a:p>
             <a:r>
               <a:rPr lang="en-US" dirty="0"/>
-              <a:t>Trend Analysis – Bicyclist Fatality Trends – WHERE?</a:t>
-            </a:r>
-          </a:p>
-        </p:txBody>
-      </p:sp>
-      <p:sp>
-        <p:nvSpPr>
-          <p:cNvPr id="8" name="Footer Placeholder 7">
-            <a:extLst>
-              <a:ext uri="{FF2B5EF4-FFF2-40B4-BE49-F238E27FC236}">
-                <a16:creationId xmlns:a16="http://schemas.microsoft.com/office/drawing/2014/main" id="{DE797D13-BDD5-43B4-BE7A-A51BB4064DCD}"/>
-              </a:ext>
-            </a:extLst>
-          </p:cNvPr>
-          <p:cNvSpPr>
-            <a:spLocks noGrp="1"/>
-          </p:cNvSpPr>
-          <p:nvPr>
-            <p:ph type="ftr" sz="quarter" idx="11"/>
-          </p:nvPr>
-        </p:nvSpPr>
-        <p:spPr/>
-        <p:txBody>
-          <a:bodyPr/>
-          <a:lstStyle/>
-          <a:p>
-            <a:r>
-              <a:rPr lang="en-US"/>
-              <a:t>Statewide Analysis of Bicycle Crashes in North Carolina (2007-2018)</a:t>
-            </a:r>
-          </a:p>
-        </p:txBody>
-      </p:sp>
-      <p:sp>
-        <p:nvSpPr>
-          <p:cNvPr id="9" name="Slide Number Placeholder 8">
-            <a:extLst>
-              <a:ext uri="{FF2B5EF4-FFF2-40B4-BE49-F238E27FC236}">
-                <a16:creationId xmlns:a16="http://schemas.microsoft.com/office/drawing/2014/main" id="{43380151-7FAD-4B96-96D9-5CBFC70BB479}"/>
-              </a:ext>
-            </a:extLst>
-          </p:cNvPr>
-          <p:cNvSpPr>
-            <a:spLocks noGrp="1"/>
-          </p:cNvSpPr>
-          <p:nvPr>
-            <p:ph type="sldNum" sz="quarter" idx="12"/>
-          </p:nvPr>
-        </p:nvSpPr>
-        <p:spPr/>
-        <p:txBody>
-          <a:bodyPr/>
-          <a:lstStyle/>
-          <a:p>
-            <a:fld id="{FC0254F6-2034-44F8-8A7C-C71F5A1DE8FB}" type="slidenum">
-              <a:rPr lang="en-US" smtClean="0"/>
-              <a:t>9</a:t>
-            </a:fld>
-            <a:endParaRPr lang="en-US"/>
-          </a:p>
-        </p:txBody>
-      </p:sp>
-      <p:sp>
-        <p:nvSpPr>
-          <p:cNvPr id="11" name="Rectangle 10">
-            <a:extLst>
-              <a:ext uri="{FF2B5EF4-FFF2-40B4-BE49-F238E27FC236}">
-                <a16:creationId xmlns:a16="http://schemas.microsoft.com/office/drawing/2014/main" id="{9046C9F8-1690-43D9-B3B1-18E7F5360FCD}"/>
-              </a:ext>
-            </a:extLst>
-          </p:cNvPr>
-          <p:cNvSpPr/>
-          <p:nvPr/>
-        </p:nvSpPr>
-        <p:spPr>
-          <a:xfrm>
-            <a:off x="384809" y="1117231"/>
-            <a:ext cx="5488453" cy="869790"/>
-          </a:xfrm>
-          <a:prstGeom prst="rect">
-            <a:avLst/>
-          </a:prstGeom>
-        </p:spPr>
-        <p:txBody>
-          <a:bodyPr wrap="square">
-            <a:spAutoFit/>
-          </a:bodyPr>
-          <a:lstStyle/>
-          <a:p>
-            <a:pPr marL="285750" indent="-285750" eaLnBrk="0" fontAlgn="base" hangingPunct="0">
-              <a:lnSpc>
-                <a:spcPct val="150000"/>
-              </a:lnSpc>
-              <a:spcBef>
-                <a:spcPct val="0"/>
-              </a:spcBef>
-              <a:spcAft>
-                <a:spcPct val="0"/>
-              </a:spcAft>
-              <a:buFont typeface="Wingdings" panose="05000000000000000000" pitchFamily="2" charset="2"/>
-              <a:buChar char="q"/>
-            </a:pPr>
-            <a:r>
-              <a:rPr lang="en-US" altLang="en-US" b="1" dirty="0"/>
-              <a:t>Fatal Crashes were </a:t>
-            </a:r>
-            <a:r>
-              <a:rPr lang="en-US" altLang="en-US" b="1" dirty="0">
-                <a:solidFill>
-                  <a:srgbClr val="F7AB3B"/>
-                </a:solidFill>
-              </a:rPr>
-              <a:t>distributed almost uniformly </a:t>
-            </a:r>
-            <a:r>
-              <a:rPr lang="en-US" altLang="en-US" b="1" dirty="0"/>
-              <a:t>between</a:t>
-            </a:r>
-            <a:r>
-              <a:rPr lang="en-US" altLang="en-US" b="1" dirty="0">
-                <a:solidFill>
-                  <a:srgbClr val="F7AB3B"/>
-                </a:solidFill>
-              </a:rPr>
-              <a:t> </a:t>
-            </a:r>
-            <a:r>
-              <a:rPr lang="en-US" altLang="en-US" b="1" dirty="0">
+              <a:t>Bicycle Crash Fatality Analysis – </a:t>
+            </a:r>
+            <a:r>
+              <a:rPr lang="en-US" dirty="0">
                 <a:solidFill>
                   <a:schemeClr val="accent2"/>
                 </a:solidFill>
               </a:rPr>
-              <a:t>Urban and Rural localities</a:t>
+              <a:t>Most Fatal Cities</a:t>
             </a:r>
           </a:p>
         </p:txBody>
@@ -8795,7 +9722,7 @@
           <p:cNvPr id="3" name="Picture 2">
             <a:extLst>
               <a:ext uri="{FF2B5EF4-FFF2-40B4-BE49-F238E27FC236}">
-                <a16:creationId xmlns:a16="http://schemas.microsoft.com/office/drawing/2014/main" id="{B2BF39DE-BA16-420D-AA28-F94E235EF6F6}"/>
+                <a16:creationId xmlns:a16="http://schemas.microsoft.com/office/drawing/2014/main" id="{3A59B5A2-9753-42E7-855A-C65932EFDFFA}"/>
               </a:ext>
             </a:extLst>
           </p:cNvPr>
@@ -8812,18 +9739,75 @@
         </p:blipFill>
         <p:spPr>
           <a:xfrm>
-            <a:off x="868770" y="2516196"/>
-            <a:ext cx="4686706" cy="2354784"/>
+            <a:off x="360485" y="1083601"/>
+            <a:ext cx="11324492" cy="4977023"/>
           </a:xfrm>
           <a:prstGeom prst="rect">
             <a:avLst/>
           </a:prstGeom>
         </p:spPr>
       </p:pic>
+      <p:sp>
+        <p:nvSpPr>
+          <p:cNvPr id="4" name="Footer Placeholder 3">
+            <a:extLst>
+              <a:ext uri="{FF2B5EF4-FFF2-40B4-BE49-F238E27FC236}">
+                <a16:creationId xmlns:a16="http://schemas.microsoft.com/office/drawing/2014/main" id="{1611AE3D-552B-4809-B632-09AF807253D5}"/>
+              </a:ext>
+            </a:extLst>
+          </p:cNvPr>
+          <p:cNvSpPr>
+            <a:spLocks noGrp="1"/>
+          </p:cNvSpPr>
+          <p:nvPr>
+            <p:ph type="ftr" sz="quarter" idx="11"/>
+          </p:nvPr>
+        </p:nvSpPr>
+        <p:spPr/>
+        <p:txBody>
+          <a:bodyPr/>
+          <a:lstStyle/>
+          <a:p>
+            <a:r>
+              <a:rPr lang="en-US"/>
+              <a:t>Statewide Analysis of Bicycle Crashes in North Carolina (2007-2018)</a:t>
+            </a:r>
+          </a:p>
+        </p:txBody>
+      </p:sp>
+      <p:sp>
+        <p:nvSpPr>
+          <p:cNvPr id="5" name="Slide Number Placeholder 4">
+            <a:extLst>
+              <a:ext uri="{FF2B5EF4-FFF2-40B4-BE49-F238E27FC236}">
+                <a16:creationId xmlns:a16="http://schemas.microsoft.com/office/drawing/2014/main" id="{80E53ACF-8E5D-433A-9A35-FB69D5B305C2}"/>
+              </a:ext>
+            </a:extLst>
+          </p:cNvPr>
+          <p:cNvSpPr>
+            <a:spLocks noGrp="1"/>
+          </p:cNvSpPr>
+          <p:nvPr>
+            <p:ph type="sldNum" sz="quarter" idx="12"/>
+          </p:nvPr>
+        </p:nvSpPr>
+        <p:spPr/>
+        <p:txBody>
+          <a:bodyPr/>
+          <a:lstStyle/>
+          <a:p>
+            <a:fld id="{FC0254F6-2034-44F8-8A7C-C71F5A1DE8FB}" type="slidenum">
+              <a:rPr lang="en-US" smtClean="0"/>
+              <a:t>9</a:t>
+            </a:fld>
+            <a:endParaRPr lang="en-US"/>
+          </a:p>
+        </p:txBody>
+      </p:sp>
     </p:spTree>
     <p:extLst>
       <p:ext uri="{BB962C8B-B14F-4D97-AF65-F5344CB8AC3E}">
-        <p14:creationId xmlns:p14="http://schemas.microsoft.com/office/powerpoint/2010/main" val="2925836887"/>
+        <p14:creationId xmlns:p14="http://schemas.microsoft.com/office/powerpoint/2010/main" val="3909568724"/>
       </p:ext>
     </p:extLst>
   </p:cSld>

--- a/Project 1 - Group 2 - Statewide Bicycle Crash Analysis.pptx
+++ b/Project 1 - Group 2 - Statewide Bicycle Crash Analysis.pptx
@@ -5,7 +5,7 @@
     <p:sldMasterId id="2147483672" r:id="rId1"/>
   </p:sldMasterIdLst>
   <p:notesMasterIdLst>
-    <p:notesMasterId r:id="rId31"/>
+    <p:notesMasterId r:id="rId29"/>
   </p:notesMasterIdLst>
   <p:sldIdLst>
     <p:sldId id="256" r:id="rId2"/>
@@ -15,28 +15,26 @@
     <p:sldId id="282" r:id="rId6"/>
     <p:sldId id="275" r:id="rId7"/>
     <p:sldId id="268" r:id="rId8"/>
-    <p:sldId id="265" r:id="rId9"/>
-    <p:sldId id="281" r:id="rId10"/>
-    <p:sldId id="288" r:id="rId11"/>
-    <p:sldId id="283" r:id="rId12"/>
-    <p:sldId id="284" r:id="rId13"/>
-    <p:sldId id="277" r:id="rId14"/>
-    <p:sldId id="272" r:id="rId15"/>
-    <p:sldId id="292" r:id="rId16"/>
-    <p:sldId id="271" r:id="rId17"/>
-    <p:sldId id="273" r:id="rId18"/>
-    <p:sldId id="269" r:id="rId19"/>
-    <p:sldId id="289" r:id="rId20"/>
-    <p:sldId id="274" r:id="rId21"/>
-    <p:sldId id="290" r:id="rId22"/>
-    <p:sldId id="280" r:id="rId23"/>
-    <p:sldId id="291" r:id="rId24"/>
-    <p:sldId id="279" r:id="rId25"/>
+    <p:sldId id="295" r:id="rId9"/>
+    <p:sldId id="265" r:id="rId10"/>
+    <p:sldId id="281" r:id="rId11"/>
+    <p:sldId id="288" r:id="rId12"/>
+    <p:sldId id="283" r:id="rId13"/>
+    <p:sldId id="284" r:id="rId14"/>
+    <p:sldId id="277" r:id="rId15"/>
+    <p:sldId id="272" r:id="rId16"/>
+    <p:sldId id="292" r:id="rId17"/>
+    <p:sldId id="271" r:id="rId18"/>
+    <p:sldId id="273" r:id="rId19"/>
+    <p:sldId id="269" r:id="rId20"/>
+    <p:sldId id="289" r:id="rId21"/>
+    <p:sldId id="274" r:id="rId22"/>
+    <p:sldId id="290" r:id="rId23"/>
+    <p:sldId id="280" r:id="rId24"/>
+    <p:sldId id="291" r:id="rId25"/>
     <p:sldId id="293" r:id="rId26"/>
     <p:sldId id="278" r:id="rId27"/>
     <p:sldId id="270" r:id="rId28"/>
-    <p:sldId id="286" r:id="rId29"/>
-    <p:sldId id="285" r:id="rId30"/>
   </p:sldIdLst>
   <p:sldSz cx="12192000" cy="6858000"/>
   <p:notesSz cx="6858000" cy="9144000"/>
@@ -615,13 +613,13 @@
   <p:clrMapOvr>
     <a:masterClrMapping/>
   </p:clrMapOvr>
-  <mc:AlternateContent xmlns:mc="http://schemas.openxmlformats.org/markup-compatibility/2006">
-    <mc:Choice xmlns:p14="http://schemas.microsoft.com/office/powerpoint/2010/main" Requires="p14">
+  <mc:AlternateContent xmlns:mc="http://schemas.openxmlformats.org/markup-compatibility/2006" xmlns:p14="http://schemas.microsoft.com/office/powerpoint/2010/main">
+    <mc:Choice Requires="p14">
       <p:transition spd="med" p14:dur="700">
         <p:fade/>
       </p:transition>
     </mc:Choice>
-    <mc:Fallback>
+    <mc:Fallback xmlns="">
       <p:transition spd="med">
         <p:fade/>
       </p:transition>
@@ -809,13 +807,13 @@
   <p:clrMapOvr>
     <a:masterClrMapping/>
   </p:clrMapOvr>
-  <mc:AlternateContent xmlns:mc="http://schemas.openxmlformats.org/markup-compatibility/2006">
-    <mc:Choice xmlns:p14="http://schemas.microsoft.com/office/powerpoint/2010/main" Requires="p14">
+  <mc:AlternateContent xmlns:mc="http://schemas.openxmlformats.org/markup-compatibility/2006" xmlns:p14="http://schemas.microsoft.com/office/powerpoint/2010/main">
+    <mc:Choice Requires="p14">
       <p:transition spd="med" p14:dur="700">
         <p:fade/>
       </p:transition>
     </mc:Choice>
-    <mc:Fallback>
+    <mc:Fallback xmlns="">
       <p:transition spd="med">
         <p:fade/>
       </p:transition>
@@ -1110,13 +1108,13 @@
   <p:clrMapOvr>
     <a:masterClrMapping/>
   </p:clrMapOvr>
-  <mc:AlternateContent xmlns:mc="http://schemas.openxmlformats.org/markup-compatibility/2006">
-    <mc:Choice xmlns:p14="http://schemas.microsoft.com/office/powerpoint/2010/main" Requires="p14">
+  <mc:AlternateContent xmlns:mc="http://schemas.openxmlformats.org/markup-compatibility/2006" xmlns:p14="http://schemas.microsoft.com/office/powerpoint/2010/main">
+    <mc:Choice Requires="p14">
       <p:transition spd="med" p14:dur="700">
         <p:fade/>
       </p:transition>
     </mc:Choice>
-    <mc:Fallback>
+    <mc:Fallback xmlns="">
       <p:transition spd="med">
         <p:fade/>
       </p:transition>
@@ -1295,13 +1293,13 @@
   <p:clrMapOvr>
     <a:masterClrMapping/>
   </p:clrMapOvr>
-  <mc:AlternateContent xmlns:mc="http://schemas.openxmlformats.org/markup-compatibility/2006">
-    <mc:Choice xmlns:p14="http://schemas.microsoft.com/office/powerpoint/2010/main" Requires="p14">
+  <mc:AlternateContent xmlns:mc="http://schemas.openxmlformats.org/markup-compatibility/2006" xmlns:p14="http://schemas.microsoft.com/office/powerpoint/2010/main">
+    <mc:Choice Requires="p14">
       <p:transition spd="med" p14:dur="700">
         <p:fade/>
       </p:transition>
     </mc:Choice>
-    <mc:Fallback>
+    <mc:Fallback xmlns="">
       <p:transition spd="med">
         <p:fade/>
       </p:transition>
@@ -1546,13 +1544,13 @@
   <p:clrMapOvr>
     <a:masterClrMapping/>
   </p:clrMapOvr>
-  <mc:AlternateContent xmlns:mc="http://schemas.openxmlformats.org/markup-compatibility/2006">
-    <mc:Choice xmlns:p14="http://schemas.microsoft.com/office/powerpoint/2010/main" Requires="p14">
+  <mc:AlternateContent xmlns:mc="http://schemas.openxmlformats.org/markup-compatibility/2006" xmlns:p14="http://schemas.microsoft.com/office/powerpoint/2010/main">
+    <mc:Choice Requires="p14">
       <p:transition spd="med" p14:dur="700">
         <p:fade/>
       </p:transition>
     </mc:Choice>
-    <mc:Fallback>
+    <mc:Fallback xmlns="">
       <p:transition spd="med">
         <p:fade/>
       </p:transition>
@@ -1923,13 +1921,13 @@
     <p:sldLayoutId id="2147483674" r:id="rId4"/>
     <p:sldLayoutId id="2147483676" r:id="rId5"/>
   </p:sldLayoutIdLst>
-  <mc:AlternateContent xmlns:mc="http://schemas.openxmlformats.org/markup-compatibility/2006">
-    <mc:Choice xmlns:p14="http://schemas.microsoft.com/office/powerpoint/2010/main" Requires="p14">
+  <mc:AlternateContent xmlns:mc="http://schemas.openxmlformats.org/markup-compatibility/2006" xmlns:p14="http://schemas.microsoft.com/office/powerpoint/2010/main">
+    <mc:Choice Requires="p14">
       <p:transition spd="med" p14:dur="700">
         <p:fade/>
       </p:transition>
     </mc:Choice>
-    <mc:Fallback>
+    <mc:Fallback xmlns="">
       <p:transition spd="med">
         <p:fade/>
       </p:transition>
@@ -2570,6 +2568,615 @@
           <p:cNvPr id="2" name="Title 1">
             <a:extLst>
               <a:ext uri="{FF2B5EF4-FFF2-40B4-BE49-F238E27FC236}">
+                <a16:creationId xmlns:a16="http://schemas.microsoft.com/office/drawing/2014/main" id="{C3232A53-CCD4-4C80-A7B4-CCE3648E1FD4}"/>
+              </a:ext>
+            </a:extLst>
+          </p:cNvPr>
+          <p:cNvSpPr>
+            <a:spLocks noGrp="1"/>
+          </p:cNvSpPr>
+          <p:nvPr>
+            <p:ph type="title"/>
+          </p:nvPr>
+        </p:nvSpPr>
+        <p:spPr/>
+        <p:txBody>
+          <a:bodyPr/>
+          <a:lstStyle/>
+          <a:p>
+            <a:r>
+              <a:rPr lang="en-US" dirty="0"/>
+              <a:t>Bicycle Crash Fatality Analysis – </a:t>
+            </a:r>
+            <a:r>
+              <a:rPr lang="en-US" dirty="0">
+                <a:solidFill>
+                  <a:schemeClr val="accent2"/>
+                </a:solidFill>
+              </a:rPr>
+              <a:t>WHERE?</a:t>
+            </a:r>
+          </a:p>
+        </p:txBody>
+      </p:sp>
+      <p:sp>
+        <p:nvSpPr>
+          <p:cNvPr id="3" name="Footer Placeholder 2">
+            <a:extLst>
+              <a:ext uri="{FF2B5EF4-FFF2-40B4-BE49-F238E27FC236}">
+                <a16:creationId xmlns:a16="http://schemas.microsoft.com/office/drawing/2014/main" id="{84520EB0-EF9A-42CE-8B2D-0FDF93B903A9}"/>
+              </a:ext>
+            </a:extLst>
+          </p:cNvPr>
+          <p:cNvSpPr>
+            <a:spLocks noGrp="1"/>
+          </p:cNvSpPr>
+          <p:nvPr>
+            <p:ph type="ftr" sz="quarter" idx="11"/>
+          </p:nvPr>
+        </p:nvSpPr>
+        <p:spPr/>
+        <p:txBody>
+          <a:bodyPr/>
+          <a:lstStyle/>
+          <a:p>
+            <a:r>
+              <a:rPr lang="en-US"/>
+              <a:t>Statewide Analysis of Bicycle Crashes in North Carolina (2007-2018)</a:t>
+            </a:r>
+          </a:p>
+        </p:txBody>
+      </p:sp>
+      <p:sp>
+        <p:nvSpPr>
+          <p:cNvPr id="4" name="Slide Number Placeholder 3">
+            <a:extLst>
+              <a:ext uri="{FF2B5EF4-FFF2-40B4-BE49-F238E27FC236}">
+                <a16:creationId xmlns:a16="http://schemas.microsoft.com/office/drawing/2014/main" id="{D7F6F7EF-430F-4C94-87DC-36AB170E2760}"/>
+              </a:ext>
+            </a:extLst>
+          </p:cNvPr>
+          <p:cNvSpPr>
+            <a:spLocks noGrp="1"/>
+          </p:cNvSpPr>
+          <p:nvPr>
+            <p:ph type="sldNum" sz="quarter" idx="12"/>
+          </p:nvPr>
+        </p:nvSpPr>
+        <p:spPr/>
+        <p:txBody>
+          <a:bodyPr/>
+          <a:lstStyle/>
+          <a:p>
+            <a:fld id="{FC0254F6-2034-44F8-8A7C-C71F5A1DE8FB}" type="slidenum">
+              <a:rPr lang="en-US" smtClean="0"/>
+              <a:t>10</a:t>
+            </a:fld>
+            <a:endParaRPr lang="en-US"/>
+          </a:p>
+        </p:txBody>
+      </p:sp>
+      <p:cxnSp>
+        <p:nvCxnSpPr>
+          <p:cNvPr id="8" name="Straight Connector 7">
+            <a:extLst>
+              <a:ext uri="{FF2B5EF4-FFF2-40B4-BE49-F238E27FC236}">
+                <a16:creationId xmlns:a16="http://schemas.microsoft.com/office/drawing/2014/main" id="{AEFF3C24-AB71-44E6-A878-32E137252451}"/>
+              </a:ext>
+            </a:extLst>
+          </p:cNvPr>
+          <p:cNvCxnSpPr>
+            <a:cxnSpLocks/>
+          </p:cNvCxnSpPr>
+          <p:nvPr/>
+        </p:nvCxnSpPr>
+        <p:spPr>
+          <a:xfrm>
+            <a:off x="5810976" y="917652"/>
+            <a:ext cx="5135" cy="5083984"/>
+          </a:xfrm>
+          <a:prstGeom prst="line">
+            <a:avLst/>
+          </a:prstGeom>
+          <a:ln>
+            <a:solidFill>
+              <a:schemeClr val="accent2"/>
+            </a:solidFill>
+          </a:ln>
+        </p:spPr>
+        <p:style>
+          <a:lnRef idx="2">
+            <a:schemeClr val="accent1"/>
+          </a:lnRef>
+          <a:fillRef idx="0">
+            <a:schemeClr val="accent1"/>
+          </a:fillRef>
+          <a:effectRef idx="1">
+            <a:schemeClr val="accent1"/>
+          </a:effectRef>
+          <a:fontRef idx="minor">
+            <a:schemeClr val="tx1"/>
+          </a:fontRef>
+        </p:style>
+      </p:cxnSp>
+      <p:sp>
+        <p:nvSpPr>
+          <p:cNvPr id="9" name="Rectangle 8">
+            <a:extLst>
+              <a:ext uri="{FF2B5EF4-FFF2-40B4-BE49-F238E27FC236}">
+                <a16:creationId xmlns:a16="http://schemas.microsoft.com/office/drawing/2014/main" id="{73C09878-A45D-4FD1-9526-E847171FB064}"/>
+              </a:ext>
+            </a:extLst>
+          </p:cNvPr>
+          <p:cNvSpPr/>
+          <p:nvPr/>
+        </p:nvSpPr>
+        <p:spPr>
+          <a:xfrm>
+            <a:off x="384810" y="906845"/>
+            <a:ext cx="5425441" cy="1285288"/>
+          </a:xfrm>
+          <a:prstGeom prst="rect">
+            <a:avLst/>
+          </a:prstGeom>
+        </p:spPr>
+        <p:txBody>
+          <a:bodyPr wrap="square">
+            <a:spAutoFit/>
+          </a:bodyPr>
+          <a:lstStyle/>
+          <a:p>
+            <a:pPr eaLnBrk="0" fontAlgn="base" hangingPunct="0">
+              <a:lnSpc>
+                <a:spcPct val="150000"/>
+              </a:lnSpc>
+              <a:spcBef>
+                <a:spcPct val="0"/>
+              </a:spcBef>
+              <a:spcAft>
+                <a:spcPct val="0"/>
+              </a:spcAft>
+            </a:pPr>
+            <a:r>
+              <a:rPr lang="en-US" altLang="en-US" b="1" u="sng" dirty="0">
+                <a:solidFill>
+                  <a:schemeClr val="accent2"/>
+                </a:solidFill>
+              </a:rPr>
+              <a:t>LOCALITY:</a:t>
+            </a:r>
+          </a:p>
+          <a:p>
+            <a:pPr eaLnBrk="0" fontAlgn="base" hangingPunct="0">
+              <a:lnSpc>
+                <a:spcPct val="150000"/>
+              </a:lnSpc>
+              <a:spcBef>
+                <a:spcPct val="0"/>
+              </a:spcBef>
+              <a:spcAft>
+                <a:spcPct val="0"/>
+              </a:spcAft>
+            </a:pPr>
+            <a:r>
+              <a:rPr lang="en-US" altLang="en-US" b="1" dirty="0"/>
+              <a:t>Most fatal crashes </a:t>
+            </a:r>
+            <a:r>
+              <a:rPr lang="en-US" altLang="en-US" b="1" dirty="0">
+                <a:solidFill>
+                  <a:srgbClr val="F7AB3B"/>
+                </a:solidFill>
+              </a:rPr>
+              <a:t>108(42%) </a:t>
+            </a:r>
+            <a:r>
+              <a:rPr lang="en-US" altLang="en-US" b="1" dirty="0"/>
+              <a:t>occur in </a:t>
+            </a:r>
+            <a:r>
+              <a:rPr lang="en-US" altLang="en-US" b="1" dirty="0">
+                <a:solidFill>
+                  <a:schemeClr val="accent2"/>
+                </a:solidFill>
+              </a:rPr>
+              <a:t>Urban Localities (&gt;70% Developed) </a:t>
+            </a:r>
+            <a:r>
+              <a:rPr lang="en-US" altLang="en-US" b="1" dirty="0"/>
+              <a:t>within the state</a:t>
+            </a:r>
+          </a:p>
+        </p:txBody>
+      </p:sp>
+      <p:sp>
+        <p:nvSpPr>
+          <p:cNvPr id="10" name="Rectangle 9">
+            <a:extLst>
+              <a:ext uri="{FF2B5EF4-FFF2-40B4-BE49-F238E27FC236}">
+                <a16:creationId xmlns:a16="http://schemas.microsoft.com/office/drawing/2014/main" id="{87F19F65-B1A1-4630-8AFD-AC5128DA6529}"/>
+              </a:ext>
+            </a:extLst>
+          </p:cNvPr>
+          <p:cNvSpPr/>
+          <p:nvPr/>
+        </p:nvSpPr>
+        <p:spPr>
+          <a:xfrm>
+            <a:off x="6129122" y="898625"/>
+            <a:ext cx="5735358" cy="1285288"/>
+          </a:xfrm>
+          <a:prstGeom prst="rect">
+            <a:avLst/>
+          </a:prstGeom>
+        </p:spPr>
+        <p:txBody>
+          <a:bodyPr wrap="square">
+            <a:spAutoFit/>
+          </a:bodyPr>
+          <a:lstStyle/>
+          <a:p>
+            <a:pPr eaLnBrk="0" fontAlgn="base" hangingPunct="0">
+              <a:lnSpc>
+                <a:spcPct val="150000"/>
+              </a:lnSpc>
+              <a:spcBef>
+                <a:spcPct val="0"/>
+              </a:spcBef>
+              <a:spcAft>
+                <a:spcPct val="0"/>
+              </a:spcAft>
+            </a:pPr>
+            <a:r>
+              <a:rPr lang="en-US" altLang="en-US" b="1" u="sng" dirty="0">
+                <a:solidFill>
+                  <a:schemeClr val="accent2"/>
+                </a:solidFill>
+              </a:rPr>
+              <a:t>CRASH LOCATION:</a:t>
+            </a:r>
+          </a:p>
+          <a:p>
+            <a:pPr eaLnBrk="0" fontAlgn="base" hangingPunct="0">
+              <a:lnSpc>
+                <a:spcPct val="150000"/>
+              </a:lnSpc>
+              <a:spcBef>
+                <a:spcPct val="0"/>
+              </a:spcBef>
+              <a:spcAft>
+                <a:spcPct val="0"/>
+              </a:spcAft>
+            </a:pPr>
+            <a:r>
+              <a:rPr lang="en-US" altLang="en-US" b="1" dirty="0"/>
+              <a:t>Majority of fatal crashes </a:t>
+            </a:r>
+            <a:r>
+              <a:rPr lang="en-US" altLang="en-US" b="1" dirty="0">
+                <a:solidFill>
+                  <a:srgbClr val="F7AB3B"/>
+                </a:solidFill>
+              </a:rPr>
+              <a:t>195(75%) </a:t>
+            </a:r>
+            <a:r>
+              <a:rPr lang="en-US" altLang="en-US" b="1" dirty="0"/>
+              <a:t>took place at </a:t>
+            </a:r>
+            <a:r>
+              <a:rPr lang="en-US" altLang="en-US" b="1" dirty="0">
+                <a:solidFill>
+                  <a:schemeClr val="accent2"/>
+                </a:solidFill>
+              </a:rPr>
+              <a:t>Non-Intersections </a:t>
+            </a:r>
+          </a:p>
+        </p:txBody>
+      </p:sp>
+      <p:pic>
+        <p:nvPicPr>
+          <p:cNvPr id="14" name="Picture 13">
+            <a:extLst>
+              <a:ext uri="{FF2B5EF4-FFF2-40B4-BE49-F238E27FC236}">
+                <a16:creationId xmlns:a16="http://schemas.microsoft.com/office/drawing/2014/main" id="{1C2F8B6D-7CDF-42B8-BE3D-6D538C228081}"/>
+              </a:ext>
+            </a:extLst>
+          </p:cNvPr>
+          <p:cNvPicPr>
+            <a:picLocks noChangeAspect="1"/>
+          </p:cNvPicPr>
+          <p:nvPr/>
+        </p:nvPicPr>
+        <p:blipFill rotWithShape="1">
+          <a:blip r:embed="rId2"/>
+          <a:srcRect t="2807"/>
+          <a:stretch/>
+        </p:blipFill>
+        <p:spPr>
+          <a:xfrm>
+            <a:off x="152827" y="2924343"/>
+            <a:ext cx="5425441" cy="2641306"/>
+          </a:xfrm>
+          <a:prstGeom prst="rect">
+            <a:avLst/>
+          </a:prstGeom>
+        </p:spPr>
+      </p:pic>
+      <p:pic>
+        <p:nvPicPr>
+          <p:cNvPr id="15" name="Picture 14">
+            <a:extLst>
+              <a:ext uri="{FF2B5EF4-FFF2-40B4-BE49-F238E27FC236}">
+                <a16:creationId xmlns:a16="http://schemas.microsoft.com/office/drawing/2014/main" id="{36890359-CA5A-4A49-A817-3F708E529AAB}"/>
+              </a:ext>
+            </a:extLst>
+          </p:cNvPr>
+          <p:cNvPicPr>
+            <a:picLocks noChangeAspect="1"/>
+          </p:cNvPicPr>
+          <p:nvPr/>
+        </p:nvPicPr>
+        <p:blipFill>
+          <a:blip r:embed="rId3"/>
+          <a:stretch>
+            <a:fillRect/>
+          </a:stretch>
+        </p:blipFill>
+        <p:spPr>
+          <a:xfrm>
+            <a:off x="6428786" y="2768689"/>
+            <a:ext cx="5183557" cy="3178489"/>
+          </a:xfrm>
+          <a:prstGeom prst="rect">
+            <a:avLst/>
+          </a:prstGeom>
+        </p:spPr>
+      </p:pic>
+    </p:spTree>
+    <p:extLst>
+      <p:ext uri="{BB962C8B-B14F-4D97-AF65-F5344CB8AC3E}">
+        <p14:creationId xmlns:p14="http://schemas.microsoft.com/office/powerpoint/2010/main" val="1435363055"/>
+      </p:ext>
+    </p:extLst>
+  </p:cSld>
+  <p:clrMapOvr>
+    <a:masterClrMapping/>
+  </p:clrMapOvr>
+  <p:transition spd="slow">
+    <p:push/>
+  </p:transition>
+  <p:timing>
+    <p:tnLst>
+      <p:par>
+        <p:cTn id="1" dur="indefinite" restart="never" nodeType="tmRoot">
+          <p:childTnLst>
+            <p:seq concurrent="1" nextAc="seek">
+              <p:cTn id="2" dur="indefinite" nodeType="mainSeq">
+                <p:childTnLst>
+                  <p:par>
+                    <p:cTn id="3" fill="hold">
+                      <p:stCondLst>
+                        <p:cond delay="indefinite"/>
+                      </p:stCondLst>
+                      <p:childTnLst>
+                        <p:par>
+                          <p:cTn id="4" fill="hold">
+                            <p:stCondLst>
+                              <p:cond delay="0"/>
+                            </p:stCondLst>
+                            <p:childTnLst>
+                              <p:par>
+                                <p:cTn id="5" presetID="1" presetClass="entr" presetSubtype="0" fill="hold" grpId="0" nodeType="clickEffect">
+                                  <p:stCondLst>
+                                    <p:cond delay="0"/>
+                                  </p:stCondLst>
+                                  <p:childTnLst>
+                                    <p:set>
+                                      <p:cBhvr>
+                                        <p:cTn id="6" dur="1" fill="hold">
+                                          <p:stCondLst>
+                                            <p:cond delay="0"/>
+                                          </p:stCondLst>
+                                        </p:cTn>
+                                        <p:tgtEl>
+                                          <p:spTgt spid="9"/>
+                                        </p:tgtEl>
+                                        <p:attrNameLst>
+                                          <p:attrName>style.visibility</p:attrName>
+                                        </p:attrNameLst>
+                                      </p:cBhvr>
+                                      <p:to>
+                                        <p:strVal val="visible"/>
+                                      </p:to>
+                                    </p:set>
+                                  </p:childTnLst>
+                                </p:cTn>
+                              </p:par>
+                              <p:par>
+                                <p:cTn id="7" presetID="1" presetClass="entr" presetSubtype="0" fill="hold" nodeType="withEffect">
+                                  <p:stCondLst>
+                                    <p:cond delay="0"/>
+                                  </p:stCondLst>
+                                  <p:childTnLst>
+                                    <p:set>
+                                      <p:cBhvr>
+                                        <p:cTn id="8" dur="1" fill="hold">
+                                          <p:stCondLst>
+                                            <p:cond delay="0"/>
+                                          </p:stCondLst>
+                                        </p:cTn>
+                                        <p:tgtEl>
+                                          <p:spTgt spid="14"/>
+                                        </p:tgtEl>
+                                        <p:attrNameLst>
+                                          <p:attrName>style.visibility</p:attrName>
+                                        </p:attrNameLst>
+                                      </p:cBhvr>
+                                      <p:to>
+                                        <p:strVal val="visible"/>
+                                      </p:to>
+                                    </p:set>
+                                  </p:childTnLst>
+                                </p:cTn>
+                              </p:par>
+                            </p:childTnLst>
+                          </p:cTn>
+                        </p:par>
+                      </p:childTnLst>
+                    </p:cTn>
+                  </p:par>
+                  <p:par>
+                    <p:cTn id="9" fill="hold">
+                      <p:stCondLst>
+                        <p:cond delay="indefinite"/>
+                      </p:stCondLst>
+                      <p:childTnLst>
+                        <p:par>
+                          <p:cTn id="10" fill="hold">
+                            <p:stCondLst>
+                              <p:cond delay="0"/>
+                            </p:stCondLst>
+                            <p:childTnLst>
+                              <p:par>
+                                <p:cTn id="11" presetID="1" presetClass="entr" presetSubtype="0" fill="hold" nodeType="clickEffect">
+                                  <p:stCondLst>
+                                    <p:cond delay="0"/>
+                                  </p:stCondLst>
+                                  <p:childTnLst>
+                                    <p:set>
+                                      <p:cBhvr>
+                                        <p:cTn id="12" dur="1" fill="hold">
+                                          <p:stCondLst>
+                                            <p:cond delay="0"/>
+                                          </p:stCondLst>
+                                        </p:cTn>
+                                        <p:tgtEl>
+                                          <p:spTgt spid="8"/>
+                                        </p:tgtEl>
+                                        <p:attrNameLst>
+                                          <p:attrName>style.visibility</p:attrName>
+                                        </p:attrNameLst>
+                                      </p:cBhvr>
+                                      <p:to>
+                                        <p:strVal val="visible"/>
+                                      </p:to>
+                                    </p:set>
+                                  </p:childTnLst>
+                                </p:cTn>
+                              </p:par>
+                              <p:par>
+                                <p:cTn id="13" presetID="1" presetClass="entr" presetSubtype="0" fill="hold" grpId="0" nodeType="withEffect">
+                                  <p:stCondLst>
+                                    <p:cond delay="0"/>
+                                  </p:stCondLst>
+                                  <p:childTnLst>
+                                    <p:set>
+                                      <p:cBhvr>
+                                        <p:cTn id="14" dur="1" fill="hold">
+                                          <p:stCondLst>
+                                            <p:cond delay="0"/>
+                                          </p:stCondLst>
+                                        </p:cTn>
+                                        <p:tgtEl>
+                                          <p:spTgt spid="10"/>
+                                        </p:tgtEl>
+                                        <p:attrNameLst>
+                                          <p:attrName>style.visibility</p:attrName>
+                                        </p:attrNameLst>
+                                      </p:cBhvr>
+                                      <p:to>
+                                        <p:strVal val="visible"/>
+                                      </p:to>
+                                    </p:set>
+                                  </p:childTnLst>
+                                </p:cTn>
+                              </p:par>
+                              <p:par>
+                                <p:cTn id="15" presetID="1" presetClass="entr" presetSubtype="0" fill="hold" nodeType="withEffect">
+                                  <p:stCondLst>
+                                    <p:cond delay="0"/>
+                                  </p:stCondLst>
+                                  <p:childTnLst>
+                                    <p:set>
+                                      <p:cBhvr>
+                                        <p:cTn id="16" dur="1" fill="hold">
+                                          <p:stCondLst>
+                                            <p:cond delay="0"/>
+                                          </p:stCondLst>
+                                        </p:cTn>
+                                        <p:tgtEl>
+                                          <p:spTgt spid="15"/>
+                                        </p:tgtEl>
+                                        <p:attrNameLst>
+                                          <p:attrName>style.visibility</p:attrName>
+                                        </p:attrNameLst>
+                                      </p:cBhvr>
+                                      <p:to>
+                                        <p:strVal val="visible"/>
+                                      </p:to>
+                                    </p:set>
+                                  </p:childTnLst>
+                                </p:cTn>
+                              </p:par>
+                            </p:childTnLst>
+                          </p:cTn>
+                        </p:par>
+                      </p:childTnLst>
+                    </p:cTn>
+                  </p:par>
+                </p:childTnLst>
+              </p:cTn>
+              <p:prevCondLst>
+                <p:cond evt="onPrev" delay="0">
+                  <p:tgtEl>
+                    <p:sldTgt/>
+                  </p:tgtEl>
+                </p:cond>
+              </p:prevCondLst>
+              <p:nextCondLst>
+                <p:cond evt="onNext" delay="0">
+                  <p:tgtEl>
+                    <p:sldTgt/>
+                  </p:tgtEl>
+                </p:cond>
+              </p:nextCondLst>
+            </p:seq>
+          </p:childTnLst>
+        </p:cTn>
+      </p:par>
+    </p:tnLst>
+    <p:bldLst>
+      <p:bldP spid="9" grpId="0"/>
+      <p:bldP spid="10" grpId="0"/>
+    </p:bldLst>
+  </p:timing>
+</p:sld>
+</file>
+
+<file path=ppt/slides/slide11.xml><?xml version="1.0" encoding="utf-8"?>
+<p:sld xmlns:a="http://schemas.openxmlformats.org/drawingml/2006/main" xmlns:r="http://schemas.openxmlformats.org/officeDocument/2006/relationships" xmlns:p="http://schemas.openxmlformats.org/presentationml/2006/main">
+  <p:cSld>
+    <p:spTree>
+      <p:nvGrpSpPr>
+        <p:cNvPr id="1" name=""/>
+        <p:cNvGrpSpPr/>
+        <p:nvPr/>
+      </p:nvGrpSpPr>
+      <p:grpSpPr>
+        <a:xfrm>
+          <a:off x="0" y="0"/>
+          <a:ext cx="0" cy="0"/>
+          <a:chOff x="0" y="0"/>
+          <a:chExt cx="0" cy="0"/>
+        </a:xfrm>
+      </p:grpSpPr>
+      <p:sp>
+        <p:nvSpPr>
+          <p:cNvPr id="2" name="Title 1">
+            <a:extLst>
+              <a:ext uri="{FF2B5EF4-FFF2-40B4-BE49-F238E27FC236}">
                 <a16:creationId xmlns:a16="http://schemas.microsoft.com/office/drawing/2014/main" id="{87A8D57E-5B17-40E8-91A1-5E532C939C0E}"/>
               </a:ext>
             </a:extLst>
@@ -2653,7 +3260,7 @@
           <a:p>
             <a:fld id="{FC0254F6-2034-44F8-8A7C-C71F5A1DE8FB}" type="slidenum">
               <a:rPr lang="en-US" smtClean="0"/>
-              <a:t>10</a:t>
+              <a:t>11</a:t>
             </a:fld>
             <a:endParaRPr lang="en-US"/>
           </a:p>
@@ -2900,7 +3507,7 @@
 </p:sld>
 </file>
 
-<file path=ppt/slides/slide11.xml><?xml version="1.0" encoding="utf-8"?>
+<file path=ppt/slides/slide12.xml><?xml version="1.0" encoding="utf-8"?>
 <p:sld xmlns:a="http://schemas.openxmlformats.org/drawingml/2006/main" xmlns:r="http://schemas.openxmlformats.org/officeDocument/2006/relationships" xmlns:p="http://schemas.openxmlformats.org/presentationml/2006/main">
   <p:cSld>
     <p:spTree>
@@ -3042,7 +3649,7 @@
           <a:p>
             <a:fld id="{FC0254F6-2034-44F8-8A7C-C71F5A1DE8FB}" type="slidenum">
               <a:rPr lang="en-US" smtClean="0"/>
-              <a:t>11</a:t>
+              <a:t>12</a:t>
             </a:fld>
             <a:endParaRPr lang="en-US"/>
           </a:p>
@@ -3243,7 +3850,7 @@
             </a:pPr>
             <a:r>
               <a:rPr lang="en-US" altLang="en-US" b="1" dirty="0"/>
-              <a:t>Young Bikers (&lt;20 years) – </a:t>
+              <a:t>Young Motorists (&lt;20 years) – </a:t>
             </a:r>
             <a:r>
               <a:rPr lang="en-US" altLang="en-US" b="1" dirty="0">
@@ -3272,7 +3879,7 @@
                   <a:schemeClr val="accent2"/>
                 </a:solidFill>
               </a:rPr>
-              <a:t>Adult Bikers </a:t>
+              <a:t>Adult Motorists </a:t>
             </a:r>
             <a:r>
               <a:rPr lang="en-US" altLang="en-US" b="1" dirty="0"/>
@@ -3302,7 +3909,7 @@
             </a:pPr>
             <a:r>
               <a:rPr lang="en-US" altLang="en-US" b="1" dirty="0"/>
-              <a:t>Elderly Bikers (&gt;60 years) – </a:t>
+              <a:t>Elderly Motorists (&gt;60 years) – </a:t>
             </a:r>
             <a:r>
               <a:rPr lang="en-US" altLang="en-US" b="1" dirty="0">
@@ -3610,7 +4217,7 @@
 </p:sld>
 </file>
 
-<file path=ppt/slides/slide12.xml><?xml version="1.0" encoding="utf-8"?>
+<file path=ppt/slides/slide13.xml><?xml version="1.0" encoding="utf-8"?>
 <p:sld xmlns:a="http://schemas.openxmlformats.org/drawingml/2006/main" xmlns:r="http://schemas.openxmlformats.org/officeDocument/2006/relationships" xmlns:p="http://schemas.openxmlformats.org/presentationml/2006/main">
   <p:cSld>
     <p:spTree>
@@ -3722,7 +4329,7 @@
           <a:p>
             <a:fld id="{FC0254F6-2034-44F8-8A7C-C71F5A1DE8FB}" type="slidenum">
               <a:rPr lang="en-US" smtClean="0"/>
-              <a:t>12</a:t>
+              <a:t>13</a:t>
             </a:fld>
             <a:endParaRPr lang="en-US"/>
           </a:p>
@@ -4226,7 +4833,7 @@
 </p:sld>
 </file>
 
-<file path=ppt/slides/slide13.xml><?xml version="1.0" encoding="utf-8"?>
+<file path=ppt/slides/slide14.xml><?xml version="1.0" encoding="utf-8"?>
 <p:sld xmlns:a="http://schemas.openxmlformats.org/drawingml/2006/main" xmlns:r="http://schemas.openxmlformats.org/officeDocument/2006/relationships" xmlns:p="http://schemas.openxmlformats.org/presentationml/2006/main">
   <p:cSld>
     <p:spTree>
@@ -4338,7 +4945,7 @@
           <a:p>
             <a:fld id="{FC0254F6-2034-44F8-8A7C-C71F5A1DE8FB}" type="slidenum">
               <a:rPr lang="en-US" smtClean="0"/>
-              <a:t>13</a:t>
+              <a:t>14</a:t>
             </a:fld>
             <a:endParaRPr lang="en-US"/>
           </a:p>
@@ -4849,7 +5456,7 @@
 </p:sld>
 </file>
 
-<file path=ppt/slides/slide14.xml><?xml version="1.0" encoding="utf-8"?>
+<file path=ppt/slides/slide15.xml><?xml version="1.0" encoding="utf-8"?>
 <p:sld xmlns:a="http://schemas.openxmlformats.org/drawingml/2006/main" xmlns:r="http://schemas.openxmlformats.org/officeDocument/2006/relationships" xmlns:p="http://schemas.openxmlformats.org/presentationml/2006/main">
   <p:cSld>
     <p:spTree>
@@ -4961,7 +5568,7 @@
           <a:p>
             <a:fld id="{FC0254F6-2034-44F8-8A7C-C71F5A1DE8FB}" type="slidenum">
               <a:rPr lang="en-US" smtClean="0"/>
-              <a:t>14</a:t>
+              <a:t>15</a:t>
             </a:fld>
             <a:endParaRPr lang="en-US"/>
           </a:p>
@@ -5329,7 +5936,7 @@
         <p:spPr>
           <a:xfrm>
             <a:off x="0" y="6068397"/>
-            <a:ext cx="3171061" cy="333681"/>
+            <a:ext cx="3238387" cy="333681"/>
           </a:xfrm>
           <a:prstGeom prst="rect">
             <a:avLst/>
@@ -5358,7 +5965,7 @@
                   <a:srgbClr val="F3843F"/>
                 </a:solidFill>
               </a:rPr>
-              <a:t>*Data discrepancies exist in this analysis</a:t>
+              <a:t>*Data discrepancies exists in this analysis</a:t>
             </a:r>
           </a:p>
         </p:txBody>
@@ -5584,7 +6191,7 @@
 </p:sld>
 </file>
 
-<file path=ppt/slides/slide15.xml><?xml version="1.0" encoding="utf-8"?>
+<file path=ppt/slides/slide16.xml><?xml version="1.0" encoding="utf-8"?>
 <p:sld xmlns:a="http://schemas.openxmlformats.org/drawingml/2006/main" xmlns:r="http://schemas.openxmlformats.org/officeDocument/2006/relationships" xmlns:p="http://schemas.openxmlformats.org/presentationml/2006/main">
   <p:cSld>
     <p:spTree>
@@ -5689,7 +6296,7 @@
           <a:p>
             <a:fld id="{FC0254F6-2034-44F8-8A7C-C71F5A1DE8FB}" type="slidenum">
               <a:rPr lang="en-US" smtClean="0"/>
-              <a:t>15</a:t>
+              <a:t>16</a:t>
             </a:fld>
             <a:endParaRPr lang="en-US"/>
           </a:p>
@@ -5937,7 +6544,7 @@
 </p:sld>
 </file>
 
-<file path=ppt/slides/slide16.xml><?xml version="1.0" encoding="utf-8"?>
+<file path=ppt/slides/slide17.xml><?xml version="1.0" encoding="utf-8"?>
 <p:sld xmlns:a="http://schemas.openxmlformats.org/drawingml/2006/main" xmlns:r="http://schemas.openxmlformats.org/officeDocument/2006/relationships" xmlns:p="http://schemas.openxmlformats.org/presentationml/2006/main">
   <p:cSld>
     <p:spTree>
@@ -6049,7 +6656,7 @@
           <a:p>
             <a:fld id="{FC0254F6-2034-44F8-8A7C-C71F5A1DE8FB}" type="slidenum">
               <a:rPr lang="en-US" smtClean="0"/>
-              <a:t>16</a:t>
+              <a:t>17</a:t>
             </a:fld>
             <a:endParaRPr lang="en-US"/>
           </a:p>
@@ -6559,7 +7166,7 @@
 </p:sld>
 </file>
 
-<file path=ppt/slides/slide17.xml><?xml version="1.0" encoding="utf-8"?>
+<file path=ppt/slides/slide18.xml><?xml version="1.0" encoding="utf-8"?>
 <p:sld xmlns:a="http://schemas.openxmlformats.org/drawingml/2006/main" xmlns:r="http://schemas.openxmlformats.org/officeDocument/2006/relationships" xmlns:p="http://schemas.openxmlformats.org/presentationml/2006/main">
   <p:cSld>
     <p:spTree>
@@ -6671,7 +7278,7 @@
           <a:p>
             <a:fld id="{FC0254F6-2034-44F8-8A7C-C71F5A1DE8FB}" type="slidenum">
               <a:rPr lang="en-US" smtClean="0"/>
-              <a:t>17</a:t>
+              <a:t>18</a:t>
             </a:fld>
             <a:endParaRPr lang="en-US"/>
           </a:p>
@@ -7115,7 +7722,7 @@
 </p:sld>
 </file>
 
-<file path=ppt/slides/slide18.xml><?xml version="1.0" encoding="utf-8"?>
+<file path=ppt/slides/slide19.xml><?xml version="1.0" encoding="utf-8"?>
 <p:sld xmlns:a="http://schemas.openxmlformats.org/drawingml/2006/main" xmlns:r="http://schemas.openxmlformats.org/officeDocument/2006/relationships" xmlns:p="http://schemas.openxmlformats.org/presentationml/2006/main">
   <p:cSld>
     <p:spTree>
@@ -7269,7 +7876,7 @@
           <a:p>
             <a:fld id="{FC0254F6-2034-44F8-8A7C-C71F5A1DE8FB}" type="slidenum">
               <a:rPr lang="en-US" smtClean="0"/>
-              <a:t>18</a:t>
+              <a:t>19</a:t>
             </a:fld>
             <a:endParaRPr lang="en-US"/>
           </a:p>
@@ -7775,625 +8382,6 @@
     <p:bldLst>
       <p:bldP spid="8" grpId="0"/>
       <p:bldP spid="6" grpId="0"/>
-    </p:bldLst>
-  </p:timing>
-</p:sld>
-</file>
-
-<file path=ppt/slides/slide19.xml><?xml version="1.0" encoding="utf-8"?>
-<p:sld xmlns:a="http://schemas.openxmlformats.org/drawingml/2006/main" xmlns:r="http://schemas.openxmlformats.org/officeDocument/2006/relationships" xmlns:p="http://schemas.openxmlformats.org/presentationml/2006/main">
-  <p:cSld>
-    <p:spTree>
-      <p:nvGrpSpPr>
-        <p:cNvPr id="1" name=""/>
-        <p:cNvGrpSpPr/>
-        <p:nvPr/>
-      </p:nvGrpSpPr>
-      <p:grpSpPr>
-        <a:xfrm>
-          <a:off x="0" y="0"/>
-          <a:ext cx="0" cy="0"/>
-          <a:chOff x="0" y="0"/>
-          <a:chExt cx="0" cy="0"/>
-        </a:xfrm>
-      </p:grpSpPr>
-      <p:sp>
-        <p:nvSpPr>
-          <p:cNvPr id="2" name="Title 1">
-            <a:extLst>
-              <a:ext uri="{FF2B5EF4-FFF2-40B4-BE49-F238E27FC236}">
-                <a16:creationId xmlns:a16="http://schemas.microsoft.com/office/drawing/2014/main" id="{9A7DD005-CCCE-4EB0-9DD2-05BA74056E9A}"/>
-              </a:ext>
-            </a:extLst>
-          </p:cNvPr>
-          <p:cNvSpPr>
-            <a:spLocks noGrp="1"/>
-          </p:cNvSpPr>
-          <p:nvPr>
-            <p:ph type="title"/>
-          </p:nvPr>
-        </p:nvSpPr>
-        <p:spPr/>
-        <p:txBody>
-          <a:bodyPr/>
-          <a:lstStyle/>
-          <a:p>
-            <a:r>
-              <a:rPr lang="en-US" dirty="0"/>
-              <a:t>Bicycle Crash Fatality Analysis – </a:t>
-            </a:r>
-            <a:r>
-              <a:rPr lang="en-US" dirty="0">
-                <a:solidFill>
-                  <a:schemeClr val="accent2"/>
-                </a:solidFill>
-              </a:rPr>
-              <a:t>WHY?</a:t>
-            </a:r>
-            <a:endParaRPr lang="en-US" dirty="0"/>
-          </a:p>
-        </p:txBody>
-      </p:sp>
-      <p:sp>
-        <p:nvSpPr>
-          <p:cNvPr id="3" name="Footer Placeholder 2">
-            <a:extLst>
-              <a:ext uri="{FF2B5EF4-FFF2-40B4-BE49-F238E27FC236}">
-                <a16:creationId xmlns:a16="http://schemas.microsoft.com/office/drawing/2014/main" id="{558B7DC0-EFD1-46C2-86A5-14B64EB1080E}"/>
-              </a:ext>
-            </a:extLst>
-          </p:cNvPr>
-          <p:cNvSpPr>
-            <a:spLocks noGrp="1"/>
-          </p:cNvSpPr>
-          <p:nvPr>
-            <p:ph type="ftr" sz="quarter" idx="11"/>
-          </p:nvPr>
-        </p:nvSpPr>
-        <p:spPr/>
-        <p:txBody>
-          <a:bodyPr/>
-          <a:lstStyle/>
-          <a:p>
-            <a:r>
-              <a:rPr lang="en-US"/>
-              <a:t>Statewide Analysis of Bicycle Crashes in North Carolina (2007-2018)</a:t>
-            </a:r>
-          </a:p>
-        </p:txBody>
-      </p:sp>
-      <p:sp>
-        <p:nvSpPr>
-          <p:cNvPr id="4" name="Slide Number Placeholder 3">
-            <a:extLst>
-              <a:ext uri="{FF2B5EF4-FFF2-40B4-BE49-F238E27FC236}">
-                <a16:creationId xmlns:a16="http://schemas.microsoft.com/office/drawing/2014/main" id="{CC3F528D-DEF2-4655-A7B7-1C672EF100E0}"/>
-              </a:ext>
-            </a:extLst>
-          </p:cNvPr>
-          <p:cNvSpPr>
-            <a:spLocks noGrp="1"/>
-          </p:cNvSpPr>
-          <p:nvPr>
-            <p:ph type="sldNum" sz="quarter" idx="12"/>
-          </p:nvPr>
-        </p:nvSpPr>
-        <p:spPr/>
-        <p:txBody>
-          <a:bodyPr/>
-          <a:lstStyle/>
-          <a:p>
-            <a:fld id="{FC0254F6-2034-44F8-8A7C-C71F5A1DE8FB}" type="slidenum">
-              <a:rPr lang="en-US" smtClean="0"/>
-              <a:t>19</a:t>
-            </a:fld>
-            <a:endParaRPr lang="en-US"/>
-          </a:p>
-        </p:txBody>
-      </p:sp>
-      <p:pic>
-        <p:nvPicPr>
-          <p:cNvPr id="5" name="Picture 4">
-            <a:extLst>
-              <a:ext uri="{FF2B5EF4-FFF2-40B4-BE49-F238E27FC236}">
-                <a16:creationId xmlns:a16="http://schemas.microsoft.com/office/drawing/2014/main" id="{CD72429F-08DE-46CC-9768-E372C1CF42F6}"/>
-              </a:ext>
-            </a:extLst>
-          </p:cNvPr>
-          <p:cNvPicPr>
-            <a:picLocks noChangeAspect="1"/>
-          </p:cNvPicPr>
-          <p:nvPr/>
-        </p:nvPicPr>
-        <p:blipFill>
-          <a:blip r:embed="rId2"/>
-          <a:stretch>
-            <a:fillRect/>
-          </a:stretch>
-        </p:blipFill>
-        <p:spPr>
-          <a:xfrm>
-            <a:off x="5835983" y="2809645"/>
-            <a:ext cx="6223285" cy="3025685"/>
-          </a:xfrm>
-          <a:prstGeom prst="rect">
-            <a:avLst/>
-          </a:prstGeom>
-        </p:spPr>
-      </p:pic>
-      <p:sp>
-        <p:nvSpPr>
-          <p:cNvPr id="6" name="Rectangle 5">
-            <a:extLst>
-              <a:ext uri="{FF2B5EF4-FFF2-40B4-BE49-F238E27FC236}">
-                <a16:creationId xmlns:a16="http://schemas.microsoft.com/office/drawing/2014/main" id="{B6E5060A-5D5D-4D1F-9ED0-4E5060764503}"/>
-              </a:ext>
-            </a:extLst>
-          </p:cNvPr>
-          <p:cNvSpPr/>
-          <p:nvPr/>
-        </p:nvSpPr>
-        <p:spPr>
-          <a:xfrm>
-            <a:off x="384810" y="928326"/>
-            <a:ext cx="5639080" cy="1285288"/>
-          </a:xfrm>
-          <a:prstGeom prst="rect">
-            <a:avLst/>
-          </a:prstGeom>
-        </p:spPr>
-        <p:txBody>
-          <a:bodyPr wrap="square">
-            <a:spAutoFit/>
-          </a:bodyPr>
-          <a:lstStyle/>
-          <a:p>
-            <a:pPr eaLnBrk="0" fontAlgn="base" hangingPunct="0">
-              <a:lnSpc>
-                <a:spcPct val="150000"/>
-              </a:lnSpc>
-              <a:spcBef>
-                <a:spcPct val="0"/>
-              </a:spcBef>
-              <a:spcAft>
-                <a:spcPct val="0"/>
-              </a:spcAft>
-            </a:pPr>
-            <a:r>
-              <a:rPr lang="en-US" altLang="en-US" b="1" u="sng" dirty="0">
-                <a:solidFill>
-                  <a:schemeClr val="accent2"/>
-                </a:solidFill>
-              </a:rPr>
-              <a:t>ROAD CHARACTERISTICS AT CRASH SITE:</a:t>
-            </a:r>
-          </a:p>
-          <a:p>
-            <a:pPr eaLnBrk="0" fontAlgn="base" hangingPunct="0">
-              <a:lnSpc>
-                <a:spcPct val="150000"/>
-              </a:lnSpc>
-              <a:spcBef>
-                <a:spcPct val="0"/>
-              </a:spcBef>
-              <a:spcAft>
-                <a:spcPct val="0"/>
-              </a:spcAft>
-            </a:pPr>
-            <a:r>
-              <a:rPr lang="en-US" altLang="en-US" b="1" dirty="0"/>
-              <a:t>3/4</a:t>
-            </a:r>
-            <a:r>
-              <a:rPr lang="en-US" altLang="en-US" b="1" baseline="30000" dirty="0"/>
-              <a:t>th</a:t>
-            </a:r>
-            <a:r>
-              <a:rPr lang="en-US" altLang="en-US" b="1" dirty="0"/>
-              <a:t> of the fatal crashes </a:t>
-            </a:r>
-            <a:r>
-              <a:rPr lang="en-US" altLang="en-US" b="1" dirty="0">
-                <a:solidFill>
-                  <a:srgbClr val="F7AB3B"/>
-                </a:solidFill>
-              </a:rPr>
-              <a:t>193(75%) occurred on </a:t>
-            </a:r>
-            <a:r>
-              <a:rPr lang="en-US" altLang="en-US" b="1" dirty="0">
-                <a:solidFill>
-                  <a:schemeClr val="accent2"/>
-                </a:solidFill>
-              </a:rPr>
-              <a:t>Straight-Level roads</a:t>
-            </a:r>
-          </a:p>
-        </p:txBody>
-      </p:sp>
-      <p:pic>
-        <p:nvPicPr>
-          <p:cNvPr id="7" name="Picture 6">
-            <a:extLst>
-              <a:ext uri="{FF2B5EF4-FFF2-40B4-BE49-F238E27FC236}">
-                <a16:creationId xmlns:a16="http://schemas.microsoft.com/office/drawing/2014/main" id="{4E482608-30B1-4886-B423-A0EABE939EB5}"/>
-              </a:ext>
-            </a:extLst>
-          </p:cNvPr>
-          <p:cNvPicPr>
-            <a:picLocks noChangeAspect="1"/>
-          </p:cNvPicPr>
-          <p:nvPr/>
-        </p:nvPicPr>
-        <p:blipFill>
-          <a:blip r:embed="rId3"/>
-          <a:stretch>
-            <a:fillRect/>
-          </a:stretch>
-        </p:blipFill>
-        <p:spPr>
-          <a:xfrm>
-            <a:off x="792948" y="2891323"/>
-            <a:ext cx="4822803" cy="2944007"/>
-          </a:xfrm>
-          <a:prstGeom prst="rect">
-            <a:avLst/>
-          </a:prstGeom>
-        </p:spPr>
-      </p:pic>
-      <p:sp>
-        <p:nvSpPr>
-          <p:cNvPr id="8" name="Rectangle 7">
-            <a:extLst>
-              <a:ext uri="{FF2B5EF4-FFF2-40B4-BE49-F238E27FC236}">
-                <a16:creationId xmlns:a16="http://schemas.microsoft.com/office/drawing/2014/main" id="{2999F343-0D4D-4410-97F8-7AD70B1A1216}"/>
-              </a:ext>
-            </a:extLst>
-          </p:cNvPr>
-          <p:cNvSpPr/>
-          <p:nvPr/>
-        </p:nvSpPr>
-        <p:spPr>
-          <a:xfrm>
-            <a:off x="6023890" y="904600"/>
-            <a:ext cx="5639080" cy="1285288"/>
-          </a:xfrm>
-          <a:prstGeom prst="rect">
-            <a:avLst/>
-          </a:prstGeom>
-        </p:spPr>
-        <p:txBody>
-          <a:bodyPr wrap="square">
-            <a:spAutoFit/>
-          </a:bodyPr>
-          <a:lstStyle/>
-          <a:p>
-            <a:pPr eaLnBrk="0" fontAlgn="base" hangingPunct="0">
-              <a:lnSpc>
-                <a:spcPct val="150000"/>
-              </a:lnSpc>
-              <a:spcBef>
-                <a:spcPct val="0"/>
-              </a:spcBef>
-              <a:spcAft>
-                <a:spcPct val="0"/>
-              </a:spcAft>
-            </a:pPr>
-            <a:r>
-              <a:rPr lang="en-US" altLang="en-US" b="1" u="sng" dirty="0">
-                <a:solidFill>
-                  <a:schemeClr val="accent2"/>
-                </a:solidFill>
-              </a:rPr>
-              <a:t>ROAD CONFIGURATION AT CRASH SITE:</a:t>
-            </a:r>
-          </a:p>
-          <a:p>
-            <a:pPr eaLnBrk="0" fontAlgn="base" hangingPunct="0">
-              <a:lnSpc>
-                <a:spcPct val="150000"/>
-              </a:lnSpc>
-              <a:spcBef>
-                <a:spcPct val="0"/>
-              </a:spcBef>
-              <a:spcAft>
-                <a:spcPct val="0"/>
-              </a:spcAft>
-            </a:pPr>
-            <a:r>
-              <a:rPr lang="en-US" altLang="en-US" b="1" dirty="0"/>
-              <a:t>3/4</a:t>
-            </a:r>
-            <a:r>
-              <a:rPr lang="en-US" altLang="en-US" b="1" baseline="30000" dirty="0"/>
-              <a:t>th</a:t>
-            </a:r>
-            <a:r>
-              <a:rPr lang="en-US" altLang="en-US" b="1" dirty="0"/>
-              <a:t> of the fatal crashes </a:t>
-            </a:r>
-            <a:r>
-              <a:rPr lang="en-US" altLang="en-US" b="1" dirty="0">
-                <a:solidFill>
-                  <a:srgbClr val="F7AB3B"/>
-                </a:solidFill>
-              </a:rPr>
-              <a:t>200(77%) </a:t>
-            </a:r>
-            <a:r>
-              <a:rPr lang="en-US" altLang="en-US" b="1" dirty="0"/>
-              <a:t>occurred on </a:t>
-            </a:r>
-            <a:r>
-              <a:rPr lang="en-US" altLang="en-US" b="1" dirty="0">
-                <a:solidFill>
-                  <a:schemeClr val="accent2"/>
-                </a:solidFill>
-              </a:rPr>
-              <a:t>Two-Way, Undivided roads</a:t>
-            </a:r>
-          </a:p>
-        </p:txBody>
-      </p:sp>
-      <p:cxnSp>
-        <p:nvCxnSpPr>
-          <p:cNvPr id="9" name="Straight Connector 8">
-            <a:extLst>
-              <a:ext uri="{FF2B5EF4-FFF2-40B4-BE49-F238E27FC236}">
-                <a16:creationId xmlns:a16="http://schemas.microsoft.com/office/drawing/2014/main" id="{CEADE53E-9652-42CB-B1E8-3AD5ED84A833}"/>
-              </a:ext>
-            </a:extLst>
-          </p:cNvPr>
-          <p:cNvCxnSpPr>
-            <a:cxnSpLocks/>
-          </p:cNvCxnSpPr>
-          <p:nvPr/>
-        </p:nvCxnSpPr>
-        <p:spPr>
-          <a:xfrm>
-            <a:off x="5876868" y="928326"/>
-            <a:ext cx="5135" cy="5083984"/>
-          </a:xfrm>
-          <a:prstGeom prst="line">
-            <a:avLst/>
-          </a:prstGeom>
-          <a:ln>
-            <a:solidFill>
-              <a:schemeClr val="accent2"/>
-            </a:solidFill>
-          </a:ln>
-        </p:spPr>
-        <p:style>
-          <a:lnRef idx="2">
-            <a:schemeClr val="accent1"/>
-          </a:lnRef>
-          <a:fillRef idx="0">
-            <a:schemeClr val="accent1"/>
-          </a:fillRef>
-          <a:effectRef idx="1">
-            <a:schemeClr val="accent1"/>
-          </a:effectRef>
-          <a:fontRef idx="minor">
-            <a:schemeClr val="tx1"/>
-          </a:fontRef>
-        </p:style>
-      </p:cxnSp>
-    </p:spTree>
-    <p:extLst>
-      <p:ext uri="{BB962C8B-B14F-4D97-AF65-F5344CB8AC3E}">
-        <p14:creationId xmlns:p14="http://schemas.microsoft.com/office/powerpoint/2010/main" val="790081492"/>
-      </p:ext>
-    </p:extLst>
-  </p:cSld>
-  <p:clrMapOvr>
-    <a:masterClrMapping/>
-  </p:clrMapOvr>
-  <p:transition spd="slow">
-    <p:push/>
-  </p:transition>
-  <p:timing>
-    <p:tnLst>
-      <p:par>
-        <p:cTn id="1" dur="indefinite" restart="never" nodeType="tmRoot">
-          <p:childTnLst>
-            <p:seq concurrent="1" nextAc="seek">
-              <p:cTn id="2" dur="indefinite" nodeType="mainSeq">
-                <p:childTnLst>
-                  <p:par>
-                    <p:cTn id="3" fill="hold">
-                      <p:stCondLst>
-                        <p:cond delay="indefinite"/>
-                      </p:stCondLst>
-                      <p:childTnLst>
-                        <p:par>
-                          <p:cTn id="4" fill="hold">
-                            <p:stCondLst>
-                              <p:cond delay="0"/>
-                            </p:stCondLst>
-                            <p:childTnLst>
-                              <p:par>
-                                <p:cTn id="5" presetID="1" presetClass="entr" presetSubtype="0" fill="hold" grpId="0" nodeType="clickEffect">
-                                  <p:stCondLst>
-                                    <p:cond delay="0"/>
-                                  </p:stCondLst>
-                                  <p:childTnLst>
-                                    <p:set>
-                                      <p:cBhvr>
-                                        <p:cTn id="6" dur="1" fill="hold">
-                                          <p:stCondLst>
-                                            <p:cond delay="0"/>
-                                          </p:stCondLst>
-                                        </p:cTn>
-                                        <p:tgtEl>
-                                          <p:spTgt spid="6"/>
-                                        </p:tgtEl>
-                                        <p:attrNameLst>
-                                          <p:attrName>style.visibility</p:attrName>
-                                        </p:attrNameLst>
-                                      </p:cBhvr>
-                                      <p:to>
-                                        <p:strVal val="visible"/>
-                                      </p:to>
-                                    </p:set>
-                                  </p:childTnLst>
-                                </p:cTn>
-                              </p:par>
-                              <p:par>
-                                <p:cTn id="7" presetID="1" presetClass="entr" presetSubtype="0" fill="hold" nodeType="withEffect">
-                                  <p:stCondLst>
-                                    <p:cond delay="0"/>
-                                  </p:stCondLst>
-                                  <p:childTnLst>
-                                    <p:set>
-                                      <p:cBhvr>
-                                        <p:cTn id="8" dur="1" fill="hold">
-                                          <p:stCondLst>
-                                            <p:cond delay="0"/>
-                                          </p:stCondLst>
-                                        </p:cTn>
-                                        <p:tgtEl>
-                                          <p:spTgt spid="7"/>
-                                        </p:tgtEl>
-                                        <p:attrNameLst>
-                                          <p:attrName>style.visibility</p:attrName>
-                                        </p:attrNameLst>
-                                      </p:cBhvr>
-                                      <p:to>
-                                        <p:strVal val="visible"/>
-                                      </p:to>
-                                    </p:set>
-                                  </p:childTnLst>
-                                </p:cTn>
-                              </p:par>
-                            </p:childTnLst>
-                          </p:cTn>
-                        </p:par>
-                      </p:childTnLst>
-                    </p:cTn>
-                  </p:par>
-                  <p:par>
-                    <p:cTn id="9" fill="hold">
-                      <p:stCondLst>
-                        <p:cond delay="indefinite"/>
-                      </p:stCondLst>
-                      <p:childTnLst>
-                        <p:par>
-                          <p:cTn id="10" fill="hold">
-                            <p:stCondLst>
-                              <p:cond delay="0"/>
-                            </p:stCondLst>
-                            <p:childTnLst>
-                              <p:par>
-                                <p:cTn id="11" presetID="1" presetClass="entr" presetSubtype="0" fill="hold" nodeType="clickEffect">
-                                  <p:stCondLst>
-                                    <p:cond delay="0"/>
-                                  </p:stCondLst>
-                                  <p:childTnLst>
-                                    <p:set>
-                                      <p:cBhvr>
-                                        <p:cTn id="12" dur="1" fill="hold">
-                                          <p:stCondLst>
-                                            <p:cond delay="0"/>
-                                          </p:stCondLst>
-                                        </p:cTn>
-                                        <p:tgtEl>
-                                          <p:spTgt spid="9"/>
-                                        </p:tgtEl>
-                                        <p:attrNameLst>
-                                          <p:attrName>style.visibility</p:attrName>
-                                        </p:attrNameLst>
-                                      </p:cBhvr>
-                                      <p:to>
-                                        <p:strVal val="visible"/>
-                                      </p:to>
-                                    </p:set>
-                                  </p:childTnLst>
-                                </p:cTn>
-                              </p:par>
-                              <p:par>
-                                <p:cTn id="13" presetID="1" presetClass="entr" presetSubtype="0" fill="hold" grpId="0" nodeType="withEffect">
-                                  <p:stCondLst>
-                                    <p:cond delay="0"/>
-                                  </p:stCondLst>
-                                  <p:childTnLst>
-                                    <p:set>
-                                      <p:cBhvr>
-                                        <p:cTn id="14" dur="1" fill="hold">
-                                          <p:stCondLst>
-                                            <p:cond delay="0"/>
-                                          </p:stCondLst>
-                                        </p:cTn>
-                                        <p:tgtEl>
-                                          <p:spTgt spid="8"/>
-                                        </p:tgtEl>
-                                        <p:attrNameLst>
-                                          <p:attrName>style.visibility</p:attrName>
-                                        </p:attrNameLst>
-                                      </p:cBhvr>
-                                      <p:to>
-                                        <p:strVal val="visible"/>
-                                      </p:to>
-                                    </p:set>
-                                  </p:childTnLst>
-                                </p:cTn>
-                              </p:par>
-                              <p:par>
-                                <p:cTn id="15" presetID="1" presetClass="entr" presetSubtype="0" fill="hold" nodeType="withEffect">
-                                  <p:stCondLst>
-                                    <p:cond delay="0"/>
-                                  </p:stCondLst>
-                                  <p:childTnLst>
-                                    <p:set>
-                                      <p:cBhvr>
-                                        <p:cTn id="16" dur="1" fill="hold">
-                                          <p:stCondLst>
-                                            <p:cond delay="0"/>
-                                          </p:stCondLst>
-                                        </p:cTn>
-                                        <p:tgtEl>
-                                          <p:spTgt spid="5"/>
-                                        </p:tgtEl>
-                                        <p:attrNameLst>
-                                          <p:attrName>style.visibility</p:attrName>
-                                        </p:attrNameLst>
-                                      </p:cBhvr>
-                                      <p:to>
-                                        <p:strVal val="visible"/>
-                                      </p:to>
-                                    </p:set>
-                                  </p:childTnLst>
-                                </p:cTn>
-                              </p:par>
-                            </p:childTnLst>
-                          </p:cTn>
-                        </p:par>
-                      </p:childTnLst>
-                    </p:cTn>
-                  </p:par>
-                </p:childTnLst>
-              </p:cTn>
-              <p:prevCondLst>
-                <p:cond evt="onPrev" delay="0">
-                  <p:tgtEl>
-                    <p:sldTgt/>
-                  </p:tgtEl>
-                </p:cond>
-              </p:prevCondLst>
-              <p:nextCondLst>
-                <p:cond evt="onNext" delay="0">
-                  <p:tgtEl>
-                    <p:sldTgt/>
-                  </p:tgtEl>
-                </p:cond>
-              </p:nextCondLst>
-            </p:seq>
-          </p:childTnLst>
-        </p:cTn>
-      </p:par>
-    </p:tnLst>
-    <p:bldLst>
-      <p:bldP spid="6" grpId="0"/>
-      <p:bldP spid="8" grpId="0"/>
     </p:bldLst>
   </p:timing>
 </p:sld>
@@ -10068,6 +10056,625 @@
           <a:chExt cx="0" cy="0"/>
         </a:xfrm>
       </p:grpSpPr>
+      <p:sp>
+        <p:nvSpPr>
+          <p:cNvPr id="2" name="Title 1">
+            <a:extLst>
+              <a:ext uri="{FF2B5EF4-FFF2-40B4-BE49-F238E27FC236}">
+                <a16:creationId xmlns:a16="http://schemas.microsoft.com/office/drawing/2014/main" id="{9A7DD005-CCCE-4EB0-9DD2-05BA74056E9A}"/>
+              </a:ext>
+            </a:extLst>
+          </p:cNvPr>
+          <p:cNvSpPr>
+            <a:spLocks noGrp="1"/>
+          </p:cNvSpPr>
+          <p:nvPr>
+            <p:ph type="title"/>
+          </p:nvPr>
+        </p:nvSpPr>
+        <p:spPr/>
+        <p:txBody>
+          <a:bodyPr/>
+          <a:lstStyle/>
+          <a:p>
+            <a:r>
+              <a:rPr lang="en-US" dirty="0"/>
+              <a:t>Bicycle Crash Fatality Analysis – </a:t>
+            </a:r>
+            <a:r>
+              <a:rPr lang="en-US" dirty="0">
+                <a:solidFill>
+                  <a:schemeClr val="accent2"/>
+                </a:solidFill>
+              </a:rPr>
+              <a:t>WHY?</a:t>
+            </a:r>
+            <a:endParaRPr lang="en-US" dirty="0"/>
+          </a:p>
+        </p:txBody>
+      </p:sp>
+      <p:sp>
+        <p:nvSpPr>
+          <p:cNvPr id="3" name="Footer Placeholder 2">
+            <a:extLst>
+              <a:ext uri="{FF2B5EF4-FFF2-40B4-BE49-F238E27FC236}">
+                <a16:creationId xmlns:a16="http://schemas.microsoft.com/office/drawing/2014/main" id="{558B7DC0-EFD1-46C2-86A5-14B64EB1080E}"/>
+              </a:ext>
+            </a:extLst>
+          </p:cNvPr>
+          <p:cNvSpPr>
+            <a:spLocks noGrp="1"/>
+          </p:cNvSpPr>
+          <p:nvPr>
+            <p:ph type="ftr" sz="quarter" idx="11"/>
+          </p:nvPr>
+        </p:nvSpPr>
+        <p:spPr/>
+        <p:txBody>
+          <a:bodyPr/>
+          <a:lstStyle/>
+          <a:p>
+            <a:r>
+              <a:rPr lang="en-US"/>
+              <a:t>Statewide Analysis of Bicycle Crashes in North Carolina (2007-2018)</a:t>
+            </a:r>
+          </a:p>
+        </p:txBody>
+      </p:sp>
+      <p:sp>
+        <p:nvSpPr>
+          <p:cNvPr id="4" name="Slide Number Placeholder 3">
+            <a:extLst>
+              <a:ext uri="{FF2B5EF4-FFF2-40B4-BE49-F238E27FC236}">
+                <a16:creationId xmlns:a16="http://schemas.microsoft.com/office/drawing/2014/main" id="{CC3F528D-DEF2-4655-A7B7-1C672EF100E0}"/>
+              </a:ext>
+            </a:extLst>
+          </p:cNvPr>
+          <p:cNvSpPr>
+            <a:spLocks noGrp="1"/>
+          </p:cNvSpPr>
+          <p:nvPr>
+            <p:ph type="sldNum" sz="quarter" idx="12"/>
+          </p:nvPr>
+        </p:nvSpPr>
+        <p:spPr/>
+        <p:txBody>
+          <a:bodyPr/>
+          <a:lstStyle/>
+          <a:p>
+            <a:fld id="{FC0254F6-2034-44F8-8A7C-C71F5A1DE8FB}" type="slidenum">
+              <a:rPr lang="en-US" smtClean="0"/>
+              <a:t>20</a:t>
+            </a:fld>
+            <a:endParaRPr lang="en-US"/>
+          </a:p>
+        </p:txBody>
+      </p:sp>
+      <p:pic>
+        <p:nvPicPr>
+          <p:cNvPr id="5" name="Picture 4">
+            <a:extLst>
+              <a:ext uri="{FF2B5EF4-FFF2-40B4-BE49-F238E27FC236}">
+                <a16:creationId xmlns:a16="http://schemas.microsoft.com/office/drawing/2014/main" id="{CD72429F-08DE-46CC-9768-E372C1CF42F6}"/>
+              </a:ext>
+            </a:extLst>
+          </p:cNvPr>
+          <p:cNvPicPr>
+            <a:picLocks noChangeAspect="1"/>
+          </p:cNvPicPr>
+          <p:nvPr/>
+        </p:nvPicPr>
+        <p:blipFill>
+          <a:blip r:embed="rId2"/>
+          <a:stretch>
+            <a:fillRect/>
+          </a:stretch>
+        </p:blipFill>
+        <p:spPr>
+          <a:xfrm>
+            <a:off x="5835983" y="2809645"/>
+            <a:ext cx="6223285" cy="3025685"/>
+          </a:xfrm>
+          <a:prstGeom prst="rect">
+            <a:avLst/>
+          </a:prstGeom>
+        </p:spPr>
+      </p:pic>
+      <p:sp>
+        <p:nvSpPr>
+          <p:cNvPr id="6" name="Rectangle 5">
+            <a:extLst>
+              <a:ext uri="{FF2B5EF4-FFF2-40B4-BE49-F238E27FC236}">
+                <a16:creationId xmlns:a16="http://schemas.microsoft.com/office/drawing/2014/main" id="{B6E5060A-5D5D-4D1F-9ED0-4E5060764503}"/>
+              </a:ext>
+            </a:extLst>
+          </p:cNvPr>
+          <p:cNvSpPr/>
+          <p:nvPr/>
+        </p:nvSpPr>
+        <p:spPr>
+          <a:xfrm>
+            <a:off x="384810" y="928326"/>
+            <a:ext cx="5639080" cy="1285288"/>
+          </a:xfrm>
+          <a:prstGeom prst="rect">
+            <a:avLst/>
+          </a:prstGeom>
+        </p:spPr>
+        <p:txBody>
+          <a:bodyPr wrap="square">
+            <a:spAutoFit/>
+          </a:bodyPr>
+          <a:lstStyle/>
+          <a:p>
+            <a:pPr eaLnBrk="0" fontAlgn="base" hangingPunct="0">
+              <a:lnSpc>
+                <a:spcPct val="150000"/>
+              </a:lnSpc>
+              <a:spcBef>
+                <a:spcPct val="0"/>
+              </a:spcBef>
+              <a:spcAft>
+                <a:spcPct val="0"/>
+              </a:spcAft>
+            </a:pPr>
+            <a:r>
+              <a:rPr lang="en-US" altLang="en-US" b="1" u="sng" dirty="0">
+                <a:solidFill>
+                  <a:schemeClr val="accent2"/>
+                </a:solidFill>
+              </a:rPr>
+              <a:t>ROAD CHARACTERISTICS AT CRASH SITE:</a:t>
+            </a:r>
+          </a:p>
+          <a:p>
+            <a:pPr eaLnBrk="0" fontAlgn="base" hangingPunct="0">
+              <a:lnSpc>
+                <a:spcPct val="150000"/>
+              </a:lnSpc>
+              <a:spcBef>
+                <a:spcPct val="0"/>
+              </a:spcBef>
+              <a:spcAft>
+                <a:spcPct val="0"/>
+              </a:spcAft>
+            </a:pPr>
+            <a:r>
+              <a:rPr lang="en-US" altLang="en-US" b="1" dirty="0"/>
+              <a:t>3/4</a:t>
+            </a:r>
+            <a:r>
+              <a:rPr lang="en-US" altLang="en-US" b="1" baseline="30000" dirty="0"/>
+              <a:t>th</a:t>
+            </a:r>
+            <a:r>
+              <a:rPr lang="en-US" altLang="en-US" b="1" dirty="0"/>
+              <a:t> of the fatal crashes </a:t>
+            </a:r>
+            <a:r>
+              <a:rPr lang="en-US" altLang="en-US" b="1" dirty="0">
+                <a:solidFill>
+                  <a:srgbClr val="F7AB3B"/>
+                </a:solidFill>
+              </a:rPr>
+              <a:t>193(75%) occurred on </a:t>
+            </a:r>
+            <a:r>
+              <a:rPr lang="en-US" altLang="en-US" b="1" dirty="0">
+                <a:solidFill>
+                  <a:schemeClr val="accent2"/>
+                </a:solidFill>
+              </a:rPr>
+              <a:t>Straight-Level roads</a:t>
+            </a:r>
+          </a:p>
+        </p:txBody>
+      </p:sp>
+      <p:pic>
+        <p:nvPicPr>
+          <p:cNvPr id="7" name="Picture 6">
+            <a:extLst>
+              <a:ext uri="{FF2B5EF4-FFF2-40B4-BE49-F238E27FC236}">
+                <a16:creationId xmlns:a16="http://schemas.microsoft.com/office/drawing/2014/main" id="{4E482608-30B1-4886-B423-A0EABE939EB5}"/>
+              </a:ext>
+            </a:extLst>
+          </p:cNvPr>
+          <p:cNvPicPr>
+            <a:picLocks noChangeAspect="1"/>
+          </p:cNvPicPr>
+          <p:nvPr/>
+        </p:nvPicPr>
+        <p:blipFill>
+          <a:blip r:embed="rId3"/>
+          <a:stretch>
+            <a:fillRect/>
+          </a:stretch>
+        </p:blipFill>
+        <p:spPr>
+          <a:xfrm>
+            <a:off x="792948" y="2891323"/>
+            <a:ext cx="4822803" cy="2944007"/>
+          </a:xfrm>
+          <a:prstGeom prst="rect">
+            <a:avLst/>
+          </a:prstGeom>
+        </p:spPr>
+      </p:pic>
+      <p:sp>
+        <p:nvSpPr>
+          <p:cNvPr id="8" name="Rectangle 7">
+            <a:extLst>
+              <a:ext uri="{FF2B5EF4-FFF2-40B4-BE49-F238E27FC236}">
+                <a16:creationId xmlns:a16="http://schemas.microsoft.com/office/drawing/2014/main" id="{2999F343-0D4D-4410-97F8-7AD70B1A1216}"/>
+              </a:ext>
+            </a:extLst>
+          </p:cNvPr>
+          <p:cNvSpPr/>
+          <p:nvPr/>
+        </p:nvSpPr>
+        <p:spPr>
+          <a:xfrm>
+            <a:off x="6023890" y="904600"/>
+            <a:ext cx="5639080" cy="1285288"/>
+          </a:xfrm>
+          <a:prstGeom prst="rect">
+            <a:avLst/>
+          </a:prstGeom>
+        </p:spPr>
+        <p:txBody>
+          <a:bodyPr wrap="square">
+            <a:spAutoFit/>
+          </a:bodyPr>
+          <a:lstStyle/>
+          <a:p>
+            <a:pPr eaLnBrk="0" fontAlgn="base" hangingPunct="0">
+              <a:lnSpc>
+                <a:spcPct val="150000"/>
+              </a:lnSpc>
+              <a:spcBef>
+                <a:spcPct val="0"/>
+              </a:spcBef>
+              <a:spcAft>
+                <a:spcPct val="0"/>
+              </a:spcAft>
+            </a:pPr>
+            <a:r>
+              <a:rPr lang="en-US" altLang="en-US" b="1" u="sng" dirty="0">
+                <a:solidFill>
+                  <a:schemeClr val="accent2"/>
+                </a:solidFill>
+              </a:rPr>
+              <a:t>ROAD CONFIGURATION AT CRASH SITE:</a:t>
+            </a:r>
+          </a:p>
+          <a:p>
+            <a:pPr eaLnBrk="0" fontAlgn="base" hangingPunct="0">
+              <a:lnSpc>
+                <a:spcPct val="150000"/>
+              </a:lnSpc>
+              <a:spcBef>
+                <a:spcPct val="0"/>
+              </a:spcBef>
+              <a:spcAft>
+                <a:spcPct val="0"/>
+              </a:spcAft>
+            </a:pPr>
+            <a:r>
+              <a:rPr lang="en-US" altLang="en-US" b="1" dirty="0"/>
+              <a:t>3/4</a:t>
+            </a:r>
+            <a:r>
+              <a:rPr lang="en-US" altLang="en-US" b="1" baseline="30000" dirty="0"/>
+              <a:t>th</a:t>
+            </a:r>
+            <a:r>
+              <a:rPr lang="en-US" altLang="en-US" b="1" dirty="0"/>
+              <a:t> of the fatal crashes </a:t>
+            </a:r>
+            <a:r>
+              <a:rPr lang="en-US" altLang="en-US" b="1" dirty="0">
+                <a:solidFill>
+                  <a:srgbClr val="F7AB3B"/>
+                </a:solidFill>
+              </a:rPr>
+              <a:t>200(77%) </a:t>
+            </a:r>
+            <a:r>
+              <a:rPr lang="en-US" altLang="en-US" b="1" dirty="0"/>
+              <a:t>occurred on </a:t>
+            </a:r>
+            <a:r>
+              <a:rPr lang="en-US" altLang="en-US" b="1" dirty="0">
+                <a:solidFill>
+                  <a:schemeClr val="accent2"/>
+                </a:solidFill>
+              </a:rPr>
+              <a:t>Two-Way, Undivided roads</a:t>
+            </a:r>
+          </a:p>
+        </p:txBody>
+      </p:sp>
+      <p:cxnSp>
+        <p:nvCxnSpPr>
+          <p:cNvPr id="9" name="Straight Connector 8">
+            <a:extLst>
+              <a:ext uri="{FF2B5EF4-FFF2-40B4-BE49-F238E27FC236}">
+                <a16:creationId xmlns:a16="http://schemas.microsoft.com/office/drawing/2014/main" id="{CEADE53E-9652-42CB-B1E8-3AD5ED84A833}"/>
+              </a:ext>
+            </a:extLst>
+          </p:cNvPr>
+          <p:cNvCxnSpPr>
+            <a:cxnSpLocks/>
+          </p:cNvCxnSpPr>
+          <p:nvPr/>
+        </p:nvCxnSpPr>
+        <p:spPr>
+          <a:xfrm>
+            <a:off x="5876868" y="928326"/>
+            <a:ext cx="5135" cy="5083984"/>
+          </a:xfrm>
+          <a:prstGeom prst="line">
+            <a:avLst/>
+          </a:prstGeom>
+          <a:ln>
+            <a:solidFill>
+              <a:schemeClr val="accent2"/>
+            </a:solidFill>
+          </a:ln>
+        </p:spPr>
+        <p:style>
+          <a:lnRef idx="2">
+            <a:schemeClr val="accent1"/>
+          </a:lnRef>
+          <a:fillRef idx="0">
+            <a:schemeClr val="accent1"/>
+          </a:fillRef>
+          <a:effectRef idx="1">
+            <a:schemeClr val="accent1"/>
+          </a:effectRef>
+          <a:fontRef idx="minor">
+            <a:schemeClr val="tx1"/>
+          </a:fontRef>
+        </p:style>
+      </p:cxnSp>
+    </p:spTree>
+    <p:extLst>
+      <p:ext uri="{BB962C8B-B14F-4D97-AF65-F5344CB8AC3E}">
+        <p14:creationId xmlns:p14="http://schemas.microsoft.com/office/powerpoint/2010/main" val="790081492"/>
+      </p:ext>
+    </p:extLst>
+  </p:cSld>
+  <p:clrMapOvr>
+    <a:masterClrMapping/>
+  </p:clrMapOvr>
+  <p:transition spd="slow">
+    <p:push/>
+  </p:transition>
+  <p:timing>
+    <p:tnLst>
+      <p:par>
+        <p:cTn id="1" dur="indefinite" restart="never" nodeType="tmRoot">
+          <p:childTnLst>
+            <p:seq concurrent="1" nextAc="seek">
+              <p:cTn id="2" dur="indefinite" nodeType="mainSeq">
+                <p:childTnLst>
+                  <p:par>
+                    <p:cTn id="3" fill="hold">
+                      <p:stCondLst>
+                        <p:cond delay="indefinite"/>
+                      </p:stCondLst>
+                      <p:childTnLst>
+                        <p:par>
+                          <p:cTn id="4" fill="hold">
+                            <p:stCondLst>
+                              <p:cond delay="0"/>
+                            </p:stCondLst>
+                            <p:childTnLst>
+                              <p:par>
+                                <p:cTn id="5" presetID="1" presetClass="entr" presetSubtype="0" fill="hold" grpId="0" nodeType="clickEffect">
+                                  <p:stCondLst>
+                                    <p:cond delay="0"/>
+                                  </p:stCondLst>
+                                  <p:childTnLst>
+                                    <p:set>
+                                      <p:cBhvr>
+                                        <p:cTn id="6" dur="1" fill="hold">
+                                          <p:stCondLst>
+                                            <p:cond delay="0"/>
+                                          </p:stCondLst>
+                                        </p:cTn>
+                                        <p:tgtEl>
+                                          <p:spTgt spid="6"/>
+                                        </p:tgtEl>
+                                        <p:attrNameLst>
+                                          <p:attrName>style.visibility</p:attrName>
+                                        </p:attrNameLst>
+                                      </p:cBhvr>
+                                      <p:to>
+                                        <p:strVal val="visible"/>
+                                      </p:to>
+                                    </p:set>
+                                  </p:childTnLst>
+                                </p:cTn>
+                              </p:par>
+                              <p:par>
+                                <p:cTn id="7" presetID="1" presetClass="entr" presetSubtype="0" fill="hold" nodeType="withEffect">
+                                  <p:stCondLst>
+                                    <p:cond delay="0"/>
+                                  </p:stCondLst>
+                                  <p:childTnLst>
+                                    <p:set>
+                                      <p:cBhvr>
+                                        <p:cTn id="8" dur="1" fill="hold">
+                                          <p:stCondLst>
+                                            <p:cond delay="0"/>
+                                          </p:stCondLst>
+                                        </p:cTn>
+                                        <p:tgtEl>
+                                          <p:spTgt spid="7"/>
+                                        </p:tgtEl>
+                                        <p:attrNameLst>
+                                          <p:attrName>style.visibility</p:attrName>
+                                        </p:attrNameLst>
+                                      </p:cBhvr>
+                                      <p:to>
+                                        <p:strVal val="visible"/>
+                                      </p:to>
+                                    </p:set>
+                                  </p:childTnLst>
+                                </p:cTn>
+                              </p:par>
+                            </p:childTnLst>
+                          </p:cTn>
+                        </p:par>
+                      </p:childTnLst>
+                    </p:cTn>
+                  </p:par>
+                  <p:par>
+                    <p:cTn id="9" fill="hold">
+                      <p:stCondLst>
+                        <p:cond delay="indefinite"/>
+                      </p:stCondLst>
+                      <p:childTnLst>
+                        <p:par>
+                          <p:cTn id="10" fill="hold">
+                            <p:stCondLst>
+                              <p:cond delay="0"/>
+                            </p:stCondLst>
+                            <p:childTnLst>
+                              <p:par>
+                                <p:cTn id="11" presetID="1" presetClass="entr" presetSubtype="0" fill="hold" nodeType="clickEffect">
+                                  <p:stCondLst>
+                                    <p:cond delay="0"/>
+                                  </p:stCondLst>
+                                  <p:childTnLst>
+                                    <p:set>
+                                      <p:cBhvr>
+                                        <p:cTn id="12" dur="1" fill="hold">
+                                          <p:stCondLst>
+                                            <p:cond delay="0"/>
+                                          </p:stCondLst>
+                                        </p:cTn>
+                                        <p:tgtEl>
+                                          <p:spTgt spid="9"/>
+                                        </p:tgtEl>
+                                        <p:attrNameLst>
+                                          <p:attrName>style.visibility</p:attrName>
+                                        </p:attrNameLst>
+                                      </p:cBhvr>
+                                      <p:to>
+                                        <p:strVal val="visible"/>
+                                      </p:to>
+                                    </p:set>
+                                  </p:childTnLst>
+                                </p:cTn>
+                              </p:par>
+                              <p:par>
+                                <p:cTn id="13" presetID="1" presetClass="entr" presetSubtype="0" fill="hold" grpId="0" nodeType="withEffect">
+                                  <p:stCondLst>
+                                    <p:cond delay="0"/>
+                                  </p:stCondLst>
+                                  <p:childTnLst>
+                                    <p:set>
+                                      <p:cBhvr>
+                                        <p:cTn id="14" dur="1" fill="hold">
+                                          <p:stCondLst>
+                                            <p:cond delay="0"/>
+                                          </p:stCondLst>
+                                        </p:cTn>
+                                        <p:tgtEl>
+                                          <p:spTgt spid="8"/>
+                                        </p:tgtEl>
+                                        <p:attrNameLst>
+                                          <p:attrName>style.visibility</p:attrName>
+                                        </p:attrNameLst>
+                                      </p:cBhvr>
+                                      <p:to>
+                                        <p:strVal val="visible"/>
+                                      </p:to>
+                                    </p:set>
+                                  </p:childTnLst>
+                                </p:cTn>
+                              </p:par>
+                              <p:par>
+                                <p:cTn id="15" presetID="1" presetClass="entr" presetSubtype="0" fill="hold" nodeType="withEffect">
+                                  <p:stCondLst>
+                                    <p:cond delay="0"/>
+                                  </p:stCondLst>
+                                  <p:childTnLst>
+                                    <p:set>
+                                      <p:cBhvr>
+                                        <p:cTn id="16" dur="1" fill="hold">
+                                          <p:stCondLst>
+                                            <p:cond delay="0"/>
+                                          </p:stCondLst>
+                                        </p:cTn>
+                                        <p:tgtEl>
+                                          <p:spTgt spid="5"/>
+                                        </p:tgtEl>
+                                        <p:attrNameLst>
+                                          <p:attrName>style.visibility</p:attrName>
+                                        </p:attrNameLst>
+                                      </p:cBhvr>
+                                      <p:to>
+                                        <p:strVal val="visible"/>
+                                      </p:to>
+                                    </p:set>
+                                  </p:childTnLst>
+                                </p:cTn>
+                              </p:par>
+                            </p:childTnLst>
+                          </p:cTn>
+                        </p:par>
+                      </p:childTnLst>
+                    </p:cTn>
+                  </p:par>
+                </p:childTnLst>
+              </p:cTn>
+              <p:prevCondLst>
+                <p:cond evt="onPrev" delay="0">
+                  <p:tgtEl>
+                    <p:sldTgt/>
+                  </p:tgtEl>
+                </p:cond>
+              </p:prevCondLst>
+              <p:nextCondLst>
+                <p:cond evt="onNext" delay="0">
+                  <p:tgtEl>
+                    <p:sldTgt/>
+                  </p:tgtEl>
+                </p:cond>
+              </p:nextCondLst>
+            </p:seq>
+          </p:childTnLst>
+        </p:cTn>
+      </p:par>
+    </p:tnLst>
+    <p:bldLst>
+      <p:bldP spid="6" grpId="0"/>
+      <p:bldP spid="8" grpId="0"/>
+    </p:bldLst>
+  </p:timing>
+</p:sld>
+</file>
+
+<file path=ppt/slides/slide21.xml><?xml version="1.0" encoding="utf-8"?>
+<p:sld xmlns:a="http://schemas.openxmlformats.org/drawingml/2006/main" xmlns:r="http://schemas.openxmlformats.org/officeDocument/2006/relationships" xmlns:p="http://schemas.openxmlformats.org/presentationml/2006/main">
+  <p:cSld>
+    <p:spTree>
+      <p:nvGrpSpPr>
+        <p:cNvPr id="1" name=""/>
+        <p:cNvGrpSpPr/>
+        <p:nvPr/>
+      </p:nvGrpSpPr>
+      <p:grpSpPr>
+        <a:xfrm>
+          <a:off x="0" y="0"/>
+          <a:ext cx="0" cy="0"/>
+          <a:chOff x="0" y="0"/>
+          <a:chExt cx="0" cy="0"/>
+        </a:xfrm>
+      </p:grpSpPr>
       <p:pic>
         <p:nvPicPr>
           <p:cNvPr id="16" name="Picture 15">
@@ -10193,7 +10800,7 @@
           <a:p>
             <a:fld id="{FC0254F6-2034-44F8-8A7C-C71F5A1DE8FB}" type="slidenum">
               <a:rPr lang="en-US" smtClean="0"/>
-              <a:t>20</a:t>
+              <a:t>21</a:t>
             </a:fld>
             <a:endParaRPr lang="en-US"/>
           </a:p>
@@ -10670,7 +11277,7 @@
 </p:sld>
 </file>
 
-<file path=ppt/slides/slide21.xml><?xml version="1.0" encoding="utf-8"?>
+<file path=ppt/slides/slide22.xml><?xml version="1.0" encoding="utf-8"?>
 <p:sld xmlns:a="http://schemas.openxmlformats.org/drawingml/2006/main" xmlns:r="http://schemas.openxmlformats.org/officeDocument/2006/relationships" xmlns:p="http://schemas.openxmlformats.org/presentationml/2006/main">
   <p:cSld>
     <p:spTree>
@@ -10775,7 +11382,7 @@
           <a:p>
             <a:fld id="{FC0254F6-2034-44F8-8A7C-C71F5A1DE8FB}" type="slidenum">
               <a:rPr lang="en-US" smtClean="0"/>
-              <a:t>21</a:t>
+              <a:t>22</a:t>
             </a:fld>
             <a:endParaRPr lang="en-US"/>
           </a:p>
@@ -11066,7 +11673,7 @@
 </p:sld>
 </file>
 
-<file path=ppt/slides/slide22.xml><?xml version="1.0" encoding="utf-8"?>
+<file path=ppt/slides/slide23.xml><?xml version="1.0" encoding="utf-8"?>
 <p:sld xmlns:a="http://schemas.openxmlformats.org/drawingml/2006/main" xmlns:r="http://schemas.openxmlformats.org/officeDocument/2006/relationships" xmlns:p="http://schemas.openxmlformats.org/presentationml/2006/main">
   <p:cSld>
     <p:spTree>
@@ -11178,7 +11785,7 @@
           <a:p>
             <a:fld id="{FC0254F6-2034-44F8-8A7C-C71F5A1DE8FB}" type="slidenum">
               <a:rPr lang="en-US" smtClean="0"/>
-              <a:t>22</a:t>
+              <a:t>23</a:t>
             </a:fld>
             <a:endParaRPr lang="en-US"/>
           </a:p>
@@ -11674,7 +12281,7 @@
 </p:sld>
 </file>
 
-<file path=ppt/slides/slide23.xml><?xml version="1.0" encoding="utf-8"?>
+<file path=ppt/slides/slide24.xml><?xml version="1.0" encoding="utf-8"?>
 <p:sld xmlns:a="http://schemas.openxmlformats.org/drawingml/2006/main" xmlns:r="http://schemas.openxmlformats.org/officeDocument/2006/relationships" xmlns:p="http://schemas.openxmlformats.org/presentationml/2006/main">
   <p:cSld>
     <p:spTree>
@@ -11779,7 +12386,7 @@
           <a:p>
             <a:fld id="{FC0254F6-2034-44F8-8A7C-C71F5A1DE8FB}" type="slidenum">
               <a:rPr lang="en-US" smtClean="0"/>
-              <a:t>23</a:t>
+              <a:t>24</a:t>
             </a:fld>
             <a:endParaRPr lang="en-US"/>
           </a:p>
@@ -12254,567 +12861,6 @@
 </p:sld>
 </file>
 
-<file path=ppt/slides/slide24.xml><?xml version="1.0" encoding="utf-8"?>
-<p:sld xmlns:a="http://schemas.openxmlformats.org/drawingml/2006/main" xmlns:r="http://schemas.openxmlformats.org/officeDocument/2006/relationships" xmlns:p="http://schemas.openxmlformats.org/presentationml/2006/main">
-  <p:cSld>
-    <p:spTree>
-      <p:nvGrpSpPr>
-        <p:cNvPr id="1" name=""/>
-        <p:cNvGrpSpPr/>
-        <p:nvPr/>
-      </p:nvGrpSpPr>
-      <p:grpSpPr>
-        <a:xfrm>
-          <a:off x="0" y="0"/>
-          <a:ext cx="0" cy="0"/>
-          <a:chOff x="0" y="0"/>
-          <a:chExt cx="0" cy="0"/>
-        </a:xfrm>
-      </p:grpSpPr>
-      <p:sp>
-        <p:nvSpPr>
-          <p:cNvPr id="2" name="Title 1">
-            <a:extLst>
-              <a:ext uri="{FF2B5EF4-FFF2-40B4-BE49-F238E27FC236}">
-                <a16:creationId xmlns:a16="http://schemas.microsoft.com/office/drawing/2014/main" id="{263447F3-B840-48E0-B367-4A011ACB0AF2}"/>
-              </a:ext>
-            </a:extLst>
-          </p:cNvPr>
-          <p:cNvSpPr>
-            <a:spLocks noGrp="1"/>
-          </p:cNvSpPr>
-          <p:nvPr>
-            <p:ph type="title"/>
-          </p:nvPr>
-        </p:nvSpPr>
-        <p:spPr>
-          <a:xfrm>
-            <a:off x="276224" y="94638"/>
-            <a:ext cx="11597640" cy="789722"/>
-          </a:xfrm>
-        </p:spPr>
-        <p:txBody>
-          <a:bodyPr>
-            <a:normAutofit/>
-          </a:bodyPr>
-          <a:lstStyle/>
-          <a:p>
-            <a:r>
-              <a:rPr lang="en-US" dirty="0"/>
-              <a:t>Bicycle Crash Fatality Analysis – </a:t>
-            </a:r>
-            <a:r>
-              <a:rPr lang="en-US" dirty="0">
-                <a:solidFill>
-                  <a:schemeClr val="accent2"/>
-                </a:solidFill>
-              </a:rPr>
-              <a:t>HOW?</a:t>
-            </a:r>
-            <a:endParaRPr lang="en-US" dirty="0"/>
-          </a:p>
-        </p:txBody>
-      </p:sp>
-      <p:sp>
-        <p:nvSpPr>
-          <p:cNvPr id="3" name="Rectangle 2">
-            <a:extLst>
-              <a:ext uri="{FF2B5EF4-FFF2-40B4-BE49-F238E27FC236}">
-                <a16:creationId xmlns:a16="http://schemas.microsoft.com/office/drawing/2014/main" id="{E33172F6-12ED-474F-8F37-F9B87F6ADC59}"/>
-              </a:ext>
-            </a:extLst>
-          </p:cNvPr>
-          <p:cNvSpPr/>
-          <p:nvPr/>
-        </p:nvSpPr>
-        <p:spPr>
-          <a:xfrm>
-            <a:off x="276224" y="981076"/>
-            <a:ext cx="11706225" cy="1285288"/>
-          </a:xfrm>
-          <a:prstGeom prst="rect">
-            <a:avLst/>
-          </a:prstGeom>
-        </p:spPr>
-        <p:txBody>
-          <a:bodyPr wrap="square">
-            <a:spAutoFit/>
-          </a:bodyPr>
-          <a:lstStyle/>
-          <a:p>
-            <a:pPr lvl="0" eaLnBrk="0" fontAlgn="base" hangingPunct="0">
-              <a:lnSpc>
-                <a:spcPct val="150000"/>
-              </a:lnSpc>
-              <a:spcBef>
-                <a:spcPct val="0"/>
-              </a:spcBef>
-              <a:spcAft>
-                <a:spcPct val="0"/>
-              </a:spcAft>
-            </a:pPr>
-            <a:r>
-              <a:rPr lang="en-US" altLang="en-US" b="1" u="sng" dirty="0">
-                <a:solidFill>
-                  <a:schemeClr val="accent2"/>
-                </a:solidFill>
-              </a:rPr>
-              <a:t>HOW CAN WE AVOID FATAL CRASHES:</a:t>
-            </a:r>
-          </a:p>
-          <a:p>
-            <a:pPr lvl="0" eaLnBrk="0" fontAlgn="base" hangingPunct="0">
-              <a:lnSpc>
-                <a:spcPct val="150000"/>
-              </a:lnSpc>
-              <a:spcBef>
-                <a:spcPct val="0"/>
-              </a:spcBef>
-              <a:spcAft>
-                <a:spcPct val="0"/>
-              </a:spcAft>
-            </a:pPr>
-            <a:r>
-              <a:rPr lang="en-US" altLang="en-US" b="1" dirty="0"/>
-              <a:t>	</a:t>
-            </a:r>
-          </a:p>
-          <a:p>
-            <a:pPr lvl="0" eaLnBrk="0" fontAlgn="base" hangingPunct="0">
-              <a:lnSpc>
-                <a:spcPct val="150000"/>
-              </a:lnSpc>
-              <a:spcBef>
-                <a:spcPct val="0"/>
-              </a:spcBef>
-              <a:spcAft>
-                <a:spcPct val="0"/>
-              </a:spcAft>
-            </a:pPr>
-            <a:r>
-              <a:rPr lang="en-US" altLang="en-US" b="1" dirty="0"/>
-              <a:t> </a:t>
-            </a:r>
-          </a:p>
-        </p:txBody>
-      </p:sp>
-      <p:sp>
-        <p:nvSpPr>
-          <p:cNvPr id="4" name="Footer Placeholder 3">
-            <a:extLst>
-              <a:ext uri="{FF2B5EF4-FFF2-40B4-BE49-F238E27FC236}">
-                <a16:creationId xmlns:a16="http://schemas.microsoft.com/office/drawing/2014/main" id="{BDF50B0A-E672-4B09-9F84-28291F7AC9BF}"/>
-              </a:ext>
-            </a:extLst>
-          </p:cNvPr>
-          <p:cNvSpPr>
-            <a:spLocks noGrp="1"/>
-          </p:cNvSpPr>
-          <p:nvPr>
-            <p:ph type="ftr" sz="quarter" idx="11"/>
-          </p:nvPr>
-        </p:nvSpPr>
-        <p:spPr/>
-        <p:txBody>
-          <a:bodyPr/>
-          <a:lstStyle/>
-          <a:p>
-            <a:r>
-              <a:rPr lang="en-US"/>
-              <a:t>Statewide Analysis of Bicycle Crashes in North Carolina (2007-2018)</a:t>
-            </a:r>
-          </a:p>
-        </p:txBody>
-      </p:sp>
-      <p:sp>
-        <p:nvSpPr>
-          <p:cNvPr id="5" name="Slide Number Placeholder 4">
-            <a:extLst>
-              <a:ext uri="{FF2B5EF4-FFF2-40B4-BE49-F238E27FC236}">
-                <a16:creationId xmlns:a16="http://schemas.microsoft.com/office/drawing/2014/main" id="{0CF77547-47F4-418E-AC2F-FE54E5324906}"/>
-              </a:ext>
-            </a:extLst>
-          </p:cNvPr>
-          <p:cNvSpPr>
-            <a:spLocks noGrp="1"/>
-          </p:cNvSpPr>
-          <p:nvPr>
-            <p:ph type="sldNum" sz="quarter" idx="12"/>
-          </p:nvPr>
-        </p:nvSpPr>
-        <p:spPr/>
-        <p:txBody>
-          <a:bodyPr/>
-          <a:lstStyle/>
-          <a:p>
-            <a:fld id="{FC0254F6-2034-44F8-8A7C-C71F5A1DE8FB}" type="slidenum">
-              <a:rPr lang="en-US" smtClean="0"/>
-              <a:t>24</a:t>
-            </a:fld>
-            <a:endParaRPr lang="en-US"/>
-          </a:p>
-        </p:txBody>
-      </p:sp>
-      <p:sp>
-        <p:nvSpPr>
-          <p:cNvPr id="8" name="Rectangle 7">
-            <a:extLst>
-              <a:ext uri="{FF2B5EF4-FFF2-40B4-BE49-F238E27FC236}">
-                <a16:creationId xmlns:a16="http://schemas.microsoft.com/office/drawing/2014/main" id="{8D9E5134-FF04-4C3E-AAC0-379BE34140B6}"/>
-              </a:ext>
-            </a:extLst>
-          </p:cNvPr>
-          <p:cNvSpPr/>
-          <p:nvPr/>
-        </p:nvSpPr>
-        <p:spPr>
-          <a:xfrm>
-            <a:off x="872439" y="3264112"/>
-            <a:ext cx="9072592" cy="2531783"/>
-          </a:xfrm>
-          <a:prstGeom prst="rect">
-            <a:avLst/>
-          </a:prstGeom>
-        </p:spPr>
-        <p:txBody>
-          <a:bodyPr wrap="square">
-            <a:spAutoFit/>
-          </a:bodyPr>
-          <a:lstStyle/>
-          <a:p>
-            <a:pPr lvl="0" eaLnBrk="0" fontAlgn="base" hangingPunct="0">
-              <a:lnSpc>
-                <a:spcPct val="150000"/>
-              </a:lnSpc>
-              <a:spcBef>
-                <a:spcPct val="0"/>
-              </a:spcBef>
-              <a:spcAft>
-                <a:spcPct val="0"/>
-              </a:spcAft>
-            </a:pPr>
-            <a:r>
-              <a:rPr lang="en-US" altLang="en-US" b="1" dirty="0"/>
-              <a:t>You are more prone to be involved in a FATAL crash while riding a bicycle if you:</a:t>
-            </a:r>
-          </a:p>
-          <a:p>
-            <a:pPr marL="285750" lvl="0" indent="-285750" eaLnBrk="0" fontAlgn="base" hangingPunct="0">
-              <a:lnSpc>
-                <a:spcPct val="150000"/>
-              </a:lnSpc>
-              <a:spcBef>
-                <a:spcPct val="0"/>
-              </a:spcBef>
-              <a:spcAft>
-                <a:spcPct val="0"/>
-              </a:spcAft>
-              <a:buFontTx/>
-              <a:buChar char="-"/>
-            </a:pPr>
-            <a:r>
-              <a:rPr lang="en-US" altLang="en-US" b="1" dirty="0"/>
-              <a:t>ARE:</a:t>
-            </a:r>
-          </a:p>
-          <a:p>
-            <a:pPr marL="742950" lvl="1" indent="-285750" eaLnBrk="0" fontAlgn="base" hangingPunct="0">
-              <a:lnSpc>
-                <a:spcPct val="150000"/>
-              </a:lnSpc>
-              <a:spcBef>
-                <a:spcPct val="0"/>
-              </a:spcBef>
-              <a:spcAft>
-                <a:spcPct val="0"/>
-              </a:spcAft>
-              <a:buFontTx/>
-              <a:buChar char="-"/>
-            </a:pPr>
-            <a:r>
-              <a:rPr lang="en-US" altLang="en-US" b="1" dirty="0"/>
-              <a:t>a </a:t>
-            </a:r>
-            <a:r>
-              <a:rPr lang="en-US" altLang="en-US" b="1" dirty="0">
-                <a:solidFill>
-                  <a:srgbClr val="F7AB3B"/>
-                </a:solidFill>
-              </a:rPr>
-              <a:t>Male </a:t>
-            </a:r>
-          </a:p>
-          <a:p>
-            <a:pPr marL="742950" lvl="1" indent="-285750" eaLnBrk="0" fontAlgn="base" hangingPunct="0">
-              <a:lnSpc>
-                <a:spcPct val="150000"/>
-              </a:lnSpc>
-              <a:spcBef>
-                <a:spcPct val="0"/>
-              </a:spcBef>
-              <a:spcAft>
-                <a:spcPct val="0"/>
-              </a:spcAft>
-              <a:buFontTx/>
-              <a:buChar char="-"/>
-            </a:pPr>
-            <a:r>
-              <a:rPr lang="en-US" altLang="en-US" b="1" dirty="0">
-                <a:solidFill>
-                  <a:srgbClr val="F7AB3B"/>
-                </a:solidFill>
-              </a:rPr>
-              <a:t>Caucasian </a:t>
-            </a:r>
-          </a:p>
-          <a:p>
-            <a:pPr marL="742950" lvl="1" indent="-285750" eaLnBrk="0" fontAlgn="base" hangingPunct="0">
-              <a:lnSpc>
-                <a:spcPct val="150000"/>
-              </a:lnSpc>
-              <a:spcBef>
-                <a:spcPct val="0"/>
-              </a:spcBef>
-              <a:spcAft>
-                <a:spcPct val="0"/>
-              </a:spcAft>
-              <a:buFontTx/>
-              <a:buChar char="-"/>
-            </a:pPr>
-            <a:r>
-              <a:rPr lang="en-US" altLang="en-US" b="1" dirty="0">
-                <a:solidFill>
-                  <a:srgbClr val="F7AB3B"/>
-                </a:solidFill>
-              </a:rPr>
-              <a:t>adult </a:t>
-            </a:r>
-            <a:r>
-              <a:rPr lang="en-US" altLang="en-US" b="1" dirty="0"/>
-              <a:t>between </a:t>
-            </a:r>
-            <a:r>
-              <a:rPr lang="en-US" altLang="en-US" b="1" dirty="0">
-                <a:solidFill>
-                  <a:srgbClr val="F7AB3B"/>
-                </a:solidFill>
-              </a:rPr>
-              <a:t>20-60 years of age </a:t>
-            </a:r>
-          </a:p>
-          <a:p>
-            <a:pPr marL="742950" lvl="1" indent="-285750" eaLnBrk="0" fontAlgn="base" hangingPunct="0">
-              <a:lnSpc>
-                <a:spcPct val="150000"/>
-              </a:lnSpc>
-              <a:spcBef>
-                <a:spcPct val="0"/>
-              </a:spcBef>
-              <a:spcAft>
-                <a:spcPct val="0"/>
-              </a:spcAft>
-              <a:buFontTx/>
-              <a:buChar char="-"/>
-            </a:pPr>
-            <a:r>
-              <a:rPr lang="en-US" altLang="en-US" b="1" dirty="0"/>
-              <a:t>riding a bicycle in a travel lane with traffic,</a:t>
-            </a:r>
-          </a:p>
-        </p:txBody>
-      </p:sp>
-      <p:sp>
-        <p:nvSpPr>
-          <p:cNvPr id="9" name="Rectangle 8">
-            <a:extLst>
-              <a:ext uri="{FF2B5EF4-FFF2-40B4-BE49-F238E27FC236}">
-                <a16:creationId xmlns:a16="http://schemas.microsoft.com/office/drawing/2014/main" id="{76FA34C6-3418-4407-A48A-34B9A36E3489}"/>
-              </a:ext>
-            </a:extLst>
-          </p:cNvPr>
-          <p:cNvSpPr/>
-          <p:nvPr/>
-        </p:nvSpPr>
-        <p:spPr>
-          <a:xfrm>
-            <a:off x="483578" y="1534543"/>
-            <a:ext cx="3719146" cy="1285288"/>
-          </a:xfrm>
-          <a:prstGeom prst="rect">
-            <a:avLst/>
-          </a:prstGeom>
-        </p:spPr>
-        <p:txBody>
-          <a:bodyPr wrap="square">
-            <a:spAutoFit/>
-          </a:bodyPr>
-          <a:lstStyle/>
-          <a:p>
-            <a:pPr lvl="0" eaLnBrk="0" fontAlgn="base" hangingPunct="0">
-              <a:lnSpc>
-                <a:spcPct val="150000"/>
-              </a:lnSpc>
-              <a:spcBef>
-                <a:spcPct val="0"/>
-              </a:spcBef>
-              <a:spcAft>
-                <a:spcPct val="0"/>
-              </a:spcAft>
-            </a:pPr>
-            <a:r>
-              <a:rPr lang="en-US" altLang="en-US" b="1" u="sng" dirty="0">
-                <a:solidFill>
-                  <a:schemeClr val="accent2"/>
-                </a:solidFill>
-              </a:rPr>
-              <a:t>DO’S</a:t>
-            </a:r>
-          </a:p>
-          <a:p>
-            <a:pPr marL="285750" lvl="0" indent="-285750" eaLnBrk="0" fontAlgn="base" hangingPunct="0">
-              <a:lnSpc>
-                <a:spcPct val="150000"/>
-              </a:lnSpc>
-              <a:spcBef>
-                <a:spcPct val="0"/>
-              </a:spcBef>
-              <a:spcAft>
-                <a:spcPct val="0"/>
-              </a:spcAft>
-              <a:buFont typeface="Wingdings" panose="05000000000000000000" pitchFamily="2" charset="2"/>
-              <a:buChar char="q"/>
-            </a:pPr>
-            <a:r>
-              <a:rPr lang="en-US" altLang="en-US" b="1" dirty="0"/>
-              <a:t>Ride in the bicycle lane</a:t>
-            </a:r>
-          </a:p>
-          <a:p>
-            <a:pPr marL="285750" lvl="0" indent="-285750" eaLnBrk="0" fontAlgn="base" hangingPunct="0">
-              <a:lnSpc>
-                <a:spcPct val="150000"/>
-              </a:lnSpc>
-              <a:spcBef>
-                <a:spcPct val="0"/>
-              </a:spcBef>
-              <a:spcAft>
-                <a:spcPct val="0"/>
-              </a:spcAft>
-              <a:buFont typeface="Wingdings" panose="05000000000000000000" pitchFamily="2" charset="2"/>
-              <a:buChar char="q"/>
-            </a:pPr>
-            <a:endParaRPr lang="en-US" altLang="en-US" b="1" dirty="0"/>
-          </a:p>
-        </p:txBody>
-      </p:sp>
-      <p:sp>
-        <p:nvSpPr>
-          <p:cNvPr id="10" name="Rectangle 9">
-            <a:extLst>
-              <a:ext uri="{FF2B5EF4-FFF2-40B4-BE49-F238E27FC236}">
-                <a16:creationId xmlns:a16="http://schemas.microsoft.com/office/drawing/2014/main" id="{04EFBD3C-92E5-464E-95F4-13660385DCDA}"/>
-              </a:ext>
-            </a:extLst>
-          </p:cNvPr>
-          <p:cNvSpPr/>
-          <p:nvPr/>
-        </p:nvSpPr>
-        <p:spPr>
-          <a:xfrm>
-            <a:off x="6783266" y="1353730"/>
-            <a:ext cx="3719146" cy="2116285"/>
-          </a:xfrm>
-          <a:prstGeom prst="rect">
-            <a:avLst/>
-          </a:prstGeom>
-        </p:spPr>
-        <p:txBody>
-          <a:bodyPr wrap="square">
-            <a:spAutoFit/>
-          </a:bodyPr>
-          <a:lstStyle/>
-          <a:p>
-            <a:pPr lvl="0" eaLnBrk="0" fontAlgn="base" hangingPunct="0">
-              <a:lnSpc>
-                <a:spcPct val="150000"/>
-              </a:lnSpc>
-              <a:spcBef>
-                <a:spcPct val="0"/>
-              </a:spcBef>
-              <a:spcAft>
-                <a:spcPct val="0"/>
-              </a:spcAft>
-            </a:pPr>
-            <a:r>
-              <a:rPr lang="en-US" altLang="en-US" b="1" u="sng" dirty="0">
-                <a:solidFill>
-                  <a:schemeClr val="accent2"/>
-                </a:solidFill>
-              </a:rPr>
-              <a:t>DONT’S</a:t>
-            </a:r>
-          </a:p>
-          <a:p>
-            <a:pPr marL="285750" lvl="0" indent="-285750" eaLnBrk="0" fontAlgn="base" hangingPunct="0">
-              <a:lnSpc>
-                <a:spcPct val="150000"/>
-              </a:lnSpc>
-              <a:spcBef>
-                <a:spcPct val="0"/>
-              </a:spcBef>
-              <a:spcAft>
-                <a:spcPct val="0"/>
-              </a:spcAft>
-              <a:buFont typeface="Wingdings" panose="05000000000000000000" pitchFamily="2" charset="2"/>
-              <a:buChar char="q"/>
-            </a:pPr>
-            <a:r>
-              <a:rPr lang="en-US" altLang="en-US" b="1" dirty="0"/>
-              <a:t>- you are a </a:t>
-            </a:r>
-            <a:r>
-              <a:rPr lang="en-US" altLang="en-US" b="1" dirty="0">
-                <a:solidFill>
-                  <a:srgbClr val="F7AB3B"/>
-                </a:solidFill>
-              </a:rPr>
-              <a:t>Male Caucasian adult </a:t>
-            </a:r>
-            <a:r>
-              <a:rPr lang="en-US" altLang="en-US" b="1" dirty="0"/>
-              <a:t>between </a:t>
-            </a:r>
-            <a:r>
-              <a:rPr lang="en-US" altLang="en-US" b="1" dirty="0">
-                <a:solidFill>
-                  <a:srgbClr val="F7AB3B"/>
-                </a:solidFill>
-              </a:rPr>
-              <a:t>20-60 years of age </a:t>
-            </a:r>
-            <a:r>
-              <a:rPr lang="en-US" altLang="en-US" b="1" dirty="0"/>
-              <a:t>riding a bicycle in a travel lane with traffic,</a:t>
-            </a:r>
-          </a:p>
-        </p:txBody>
-      </p:sp>
-    </p:spTree>
-    <p:extLst>
-      <p:ext uri="{BB962C8B-B14F-4D97-AF65-F5344CB8AC3E}">
-        <p14:creationId xmlns:p14="http://schemas.microsoft.com/office/powerpoint/2010/main" val="2208275198"/>
-      </p:ext>
-    </p:extLst>
-  </p:cSld>
-  <p:clrMapOvr>
-    <a:masterClrMapping/>
-  </p:clrMapOvr>
-  <p:transition spd="slow">
-    <p:push/>
-  </p:transition>
-</p:sld>
-</file>
-
 <file path=ppt/slides/slide25.xml><?xml version="1.0" encoding="utf-8"?>
 <p:sld xmlns:a="http://schemas.openxmlformats.org/drawingml/2006/main" xmlns:r="http://schemas.openxmlformats.org/officeDocument/2006/relationships" xmlns:p="http://schemas.openxmlformats.org/presentationml/2006/main">
   <p:cSld>
@@ -12947,8 +12993,8 @@
         </p:nvSpPr>
         <p:spPr>
           <a:xfrm>
-            <a:off x="336680" y="884360"/>
-            <a:ext cx="10953215" cy="3554819"/>
+            <a:off x="336680" y="1200883"/>
+            <a:ext cx="10953215" cy="3831818"/>
           </a:xfrm>
           <a:prstGeom prst="rect">
             <a:avLst/>
@@ -13101,7 +13147,7 @@
                   <a:srgbClr val="F7AB3B"/>
                 </a:solidFill>
               </a:rPr>
-              <a:t>ride in the travel lane </a:t>
+              <a:t>go for a ride on a clear summer afternoon</a:t>
             </a:r>
           </a:p>
           <a:p>
@@ -13121,7 +13167,27 @@
                   <a:srgbClr val="F7AB3B"/>
                 </a:solidFill>
               </a:rPr>
-              <a:t>with no road defects </a:t>
+              <a:t>in an urban neighborhood</a:t>
+            </a:r>
+          </a:p>
+          <a:p>
+            <a:pPr marL="742950" lvl="1" indent="-285750" eaLnBrk="0" fontAlgn="base" hangingPunct="0">
+              <a:spcBef>
+                <a:spcPct val="0"/>
+              </a:spcBef>
+              <a:spcAft>
+                <a:spcPct val="0"/>
+              </a:spcAft>
+              <a:buFontTx/>
+              <a:buChar char="-"/>
+            </a:pPr>
+            <a:r>
+              <a:rPr lang="en-US" altLang="en-US" b="1" dirty="0">
+                <a:solidFill>
+                  <a:srgbClr val="F7AB3B"/>
+                </a:solidFill>
+              </a:rPr>
+              <a:t>while travelling in the travel lane</a:t>
             </a:r>
           </a:p>
           <a:p>
@@ -13506,15 +13572,15 @@
         </p:nvSpPr>
         <p:spPr>
           <a:xfrm>
-            <a:off x="638185" y="3515931"/>
-            <a:ext cx="6096000" cy="454292"/>
+            <a:off x="638183" y="3585138"/>
+            <a:ext cx="7063877" cy="454292"/>
           </a:xfrm>
           <a:prstGeom prst="rect">
             <a:avLst/>
           </a:prstGeom>
         </p:spPr>
         <p:txBody>
-          <a:bodyPr>
+          <a:bodyPr wrap="square">
             <a:spAutoFit/>
           </a:bodyPr>
           <a:lstStyle/>
@@ -13544,7 +13610,7 @@
                   </a:schemeClr>
                 </a:solidFill>
               </a:rPr>
-              <a:t>Renamed Column Headers</a:t>
+              <a:t>Filtering values across rows and columns as required</a:t>
             </a:r>
           </a:p>
         </p:txBody>
@@ -13602,6 +13668,63 @@
                 </a:solidFill>
               </a:rPr>
               <a:t>Dropped unknown/missing/unwanted values as required</a:t>
+            </a:r>
+          </a:p>
+        </p:txBody>
+      </p:sp>
+      <p:sp>
+        <p:nvSpPr>
+          <p:cNvPr id="9" name="Rectangle 8">
+            <a:extLst>
+              <a:ext uri="{FF2B5EF4-FFF2-40B4-BE49-F238E27FC236}">
+                <a16:creationId xmlns:a16="http://schemas.microsoft.com/office/drawing/2014/main" id="{BEECD95A-3679-411D-8A0A-ED5D09018103}"/>
+              </a:ext>
+            </a:extLst>
+          </p:cNvPr>
+          <p:cNvSpPr/>
+          <p:nvPr/>
+        </p:nvSpPr>
+        <p:spPr>
+          <a:xfrm>
+            <a:off x="638185" y="4827304"/>
+            <a:ext cx="6096000" cy="454292"/>
+          </a:xfrm>
+          <a:prstGeom prst="rect">
+            <a:avLst/>
+          </a:prstGeom>
+        </p:spPr>
+        <p:txBody>
+          <a:bodyPr>
+            <a:spAutoFit/>
+          </a:bodyPr>
+          <a:lstStyle/>
+          <a:p>
+            <a:pPr marL="342900" indent="-342900" defTabSz="914400" fontAlgn="base">
+              <a:lnSpc>
+                <a:spcPct val="150000"/>
+              </a:lnSpc>
+              <a:spcBef>
+                <a:spcPct val="0"/>
+              </a:spcBef>
+              <a:spcAft>
+                <a:spcPts val="600"/>
+              </a:spcAft>
+              <a:buClr>
+                <a:schemeClr val="accent2"/>
+              </a:buClr>
+              <a:buFont typeface="Wingdings" panose="05000000000000000000" pitchFamily="2" charset="2"/>
+              <a:buChar char="q"/>
+            </a:pPr>
+            <a:r>
+              <a:rPr lang="en-US" altLang="en-US" b="1" dirty="0">
+                <a:solidFill>
+                  <a:schemeClr val="tx1">
+                    <a:lumMod val="75000"/>
+                    <a:lumOff val="25000"/>
+                  </a:schemeClr>
+                </a:solidFill>
+              </a:rPr>
+              <a:t>Renamed Column Headers</a:t>
             </a:r>
           </a:p>
         </p:txBody>
@@ -13807,6 +13930,51 @@
                       </p:childTnLst>
                     </p:cTn>
                   </p:par>
+                  <p:par>
+                    <p:cTn id="19" fill="hold">
+                      <p:stCondLst>
+                        <p:cond delay="indefinite"/>
+                      </p:stCondLst>
+                      <p:childTnLst>
+                        <p:par>
+                          <p:cTn id="20" fill="hold">
+                            <p:stCondLst>
+                              <p:cond delay="0"/>
+                            </p:stCondLst>
+                            <p:childTnLst>
+                              <p:par>
+                                <p:cTn id="21" presetID="1" presetClass="entr" presetSubtype="0" fill="hold" grpId="0" nodeType="clickEffect">
+                                  <p:stCondLst>
+                                    <p:cond delay="0"/>
+                                  </p:stCondLst>
+                                  <p:childTnLst>
+                                    <p:set>
+                                      <p:cBhvr>
+                                        <p:cTn id="22" dur="1" fill="hold">
+                                          <p:stCondLst>
+                                            <p:cond delay="0"/>
+                                          </p:stCondLst>
+                                        </p:cTn>
+                                        <p:tgtEl>
+                                          <p:spTgt spid="9"/>
+                                        </p:tgtEl>
+                                        <p:attrNameLst>
+                                          <p:attrName>style.visibility</p:attrName>
+                                        </p:attrNameLst>
+                                      </p:cBhvr>
+                                      <p:to>
+                                        <p:strVal val="visible"/>
+                                      </p:to>
+                                    </p:set>
+                                  </p:childTnLst>
+                                </p:cTn>
+                              </p:par>
+                            </p:childTnLst>
+                          </p:cTn>
+                        </p:par>
+                      </p:childTnLst>
+                    </p:cTn>
+                  </p:par>
                 </p:childTnLst>
               </p:cTn>
               <p:prevCondLst>
@@ -13833,6 +14001,7 @@
       <p:bldP spid="6" grpId="0"/>
       <p:bldP spid="7" grpId="0"/>
       <p:bldP spid="8" grpId="0"/>
+      <p:bldP spid="9" grpId="0"/>
     </p:bldLst>
   </p:timing>
 </p:sld>
@@ -13889,7 +14058,7 @@
                   <a:schemeClr val="accent2"/>
                 </a:solidFill>
               </a:rPr>
-              <a:t>What Next?</a:t>
+              <a:t>Next Steps</a:t>
             </a:r>
           </a:p>
         </p:txBody>
@@ -14329,512 +14498,6 @@
 </p:sld>
 </file>
 
-<file path=ppt/slides/slide28.xml><?xml version="1.0" encoding="utf-8"?>
-<p:sld xmlns:a="http://schemas.openxmlformats.org/drawingml/2006/main" xmlns:r="http://schemas.openxmlformats.org/officeDocument/2006/relationships" xmlns:p="http://schemas.openxmlformats.org/presentationml/2006/main">
-  <p:cSld>
-    <p:spTree>
-      <p:nvGrpSpPr>
-        <p:cNvPr id="1" name=""/>
-        <p:cNvGrpSpPr/>
-        <p:nvPr/>
-      </p:nvGrpSpPr>
-      <p:grpSpPr>
-        <a:xfrm>
-          <a:off x="0" y="0"/>
-          <a:ext cx="0" cy="0"/>
-          <a:chOff x="0" y="0"/>
-          <a:chExt cx="0" cy="0"/>
-        </a:xfrm>
-      </p:grpSpPr>
-      <p:sp>
-        <p:nvSpPr>
-          <p:cNvPr id="2" name="Title 1">
-            <a:extLst>
-              <a:ext uri="{FF2B5EF4-FFF2-40B4-BE49-F238E27FC236}">
-                <a16:creationId xmlns:a16="http://schemas.microsoft.com/office/drawing/2014/main" id="{2636237F-BE52-49F3-B02C-3DB55FD06659}"/>
-              </a:ext>
-            </a:extLst>
-          </p:cNvPr>
-          <p:cNvSpPr>
-            <a:spLocks noGrp="1"/>
-          </p:cNvSpPr>
-          <p:nvPr>
-            <p:ph type="title"/>
-          </p:nvPr>
-        </p:nvSpPr>
-        <p:spPr>
-          <a:xfrm>
-            <a:off x="991479" y="2486150"/>
-            <a:ext cx="10058400" cy="789722"/>
-          </a:xfrm>
-        </p:spPr>
-        <p:txBody>
-          <a:bodyPr/>
-          <a:lstStyle/>
-          <a:p>
-            <a:pPr algn="ctr"/>
-            <a:r>
-              <a:rPr lang="en-US" dirty="0"/>
-              <a:t>Backup</a:t>
-            </a:r>
-          </a:p>
-        </p:txBody>
-      </p:sp>
-      <p:sp>
-        <p:nvSpPr>
-          <p:cNvPr id="3" name="Footer Placeholder 2">
-            <a:extLst>
-              <a:ext uri="{FF2B5EF4-FFF2-40B4-BE49-F238E27FC236}">
-                <a16:creationId xmlns:a16="http://schemas.microsoft.com/office/drawing/2014/main" id="{6BD315CF-AA61-41AF-BED5-22049F8BD079}"/>
-              </a:ext>
-            </a:extLst>
-          </p:cNvPr>
-          <p:cNvSpPr>
-            <a:spLocks noGrp="1"/>
-          </p:cNvSpPr>
-          <p:nvPr>
-            <p:ph type="ftr" sz="quarter" idx="11"/>
-          </p:nvPr>
-        </p:nvSpPr>
-        <p:spPr/>
-        <p:txBody>
-          <a:bodyPr/>
-          <a:lstStyle/>
-          <a:p>
-            <a:r>
-              <a:rPr lang="en-US"/>
-              <a:t>Statewide Analysis of Bicycle Crashes in North Carolina (2007-2018)</a:t>
-            </a:r>
-          </a:p>
-        </p:txBody>
-      </p:sp>
-      <p:sp>
-        <p:nvSpPr>
-          <p:cNvPr id="4" name="Slide Number Placeholder 3">
-            <a:extLst>
-              <a:ext uri="{FF2B5EF4-FFF2-40B4-BE49-F238E27FC236}">
-                <a16:creationId xmlns:a16="http://schemas.microsoft.com/office/drawing/2014/main" id="{53E40692-42E5-447D-AC0A-59AAA746185A}"/>
-              </a:ext>
-            </a:extLst>
-          </p:cNvPr>
-          <p:cNvSpPr>
-            <a:spLocks noGrp="1"/>
-          </p:cNvSpPr>
-          <p:nvPr>
-            <p:ph type="sldNum" sz="quarter" idx="12"/>
-          </p:nvPr>
-        </p:nvSpPr>
-        <p:spPr/>
-        <p:txBody>
-          <a:bodyPr/>
-          <a:lstStyle/>
-          <a:p>
-            <a:fld id="{FC0254F6-2034-44F8-8A7C-C71F5A1DE8FB}" type="slidenum">
-              <a:rPr lang="en-US" smtClean="0"/>
-              <a:t>28</a:t>
-            </a:fld>
-            <a:endParaRPr lang="en-US"/>
-          </a:p>
-        </p:txBody>
-      </p:sp>
-    </p:spTree>
-    <p:extLst>
-      <p:ext uri="{BB962C8B-B14F-4D97-AF65-F5344CB8AC3E}">
-        <p14:creationId xmlns:p14="http://schemas.microsoft.com/office/powerpoint/2010/main" val="2083448711"/>
-      </p:ext>
-    </p:extLst>
-  </p:cSld>
-  <p:clrMapOvr>
-    <a:masterClrMapping/>
-  </p:clrMapOvr>
-  <p:transition spd="slow">
-    <p:push/>
-  </p:transition>
-</p:sld>
-</file>
-
-<file path=ppt/slides/slide29.xml><?xml version="1.0" encoding="utf-8"?>
-<p:sld xmlns:a="http://schemas.openxmlformats.org/drawingml/2006/main" xmlns:r="http://schemas.openxmlformats.org/officeDocument/2006/relationships" xmlns:p="http://schemas.openxmlformats.org/presentationml/2006/main">
-  <p:cSld>
-    <p:spTree>
-      <p:nvGrpSpPr>
-        <p:cNvPr id="1" name=""/>
-        <p:cNvGrpSpPr/>
-        <p:nvPr/>
-      </p:nvGrpSpPr>
-      <p:grpSpPr>
-        <a:xfrm>
-          <a:off x="0" y="0"/>
-          <a:ext cx="0" cy="0"/>
-          <a:chOff x="0" y="0"/>
-          <a:chExt cx="0" cy="0"/>
-        </a:xfrm>
-      </p:grpSpPr>
-      <p:sp>
-        <p:nvSpPr>
-          <p:cNvPr id="2" name="Title 1">
-            <a:extLst>
-              <a:ext uri="{FF2B5EF4-FFF2-40B4-BE49-F238E27FC236}">
-                <a16:creationId xmlns:a16="http://schemas.microsoft.com/office/drawing/2014/main" id="{A4718036-B146-4AF9-83F9-71CB954FB087}"/>
-              </a:ext>
-            </a:extLst>
-          </p:cNvPr>
-          <p:cNvSpPr>
-            <a:spLocks noGrp="1"/>
-          </p:cNvSpPr>
-          <p:nvPr>
-            <p:ph type="title"/>
-          </p:nvPr>
-        </p:nvSpPr>
-        <p:spPr/>
-        <p:txBody>
-          <a:bodyPr vert="horz" lIns="91440" tIns="45720" rIns="91440" bIns="45720" rtlCol="0" anchor="b">
-            <a:normAutofit/>
-          </a:bodyPr>
-          <a:lstStyle/>
-          <a:p>
-            <a:r>
-              <a:rPr lang="en-US" dirty="0"/>
-              <a:t>Project Objectives</a:t>
-            </a:r>
-          </a:p>
-        </p:txBody>
-      </p:sp>
-      <p:sp>
-        <p:nvSpPr>
-          <p:cNvPr id="5" name="Footer Placeholder 4">
-            <a:extLst>
-              <a:ext uri="{FF2B5EF4-FFF2-40B4-BE49-F238E27FC236}">
-                <a16:creationId xmlns:a16="http://schemas.microsoft.com/office/drawing/2014/main" id="{3487A3B8-D839-4EAF-B9F1-BD18818CD1B8}"/>
-              </a:ext>
-            </a:extLst>
-          </p:cNvPr>
-          <p:cNvSpPr>
-            <a:spLocks noGrp="1"/>
-          </p:cNvSpPr>
-          <p:nvPr>
-            <p:ph type="ftr" sz="quarter" idx="11"/>
-          </p:nvPr>
-        </p:nvSpPr>
-        <p:spPr/>
-        <p:txBody>
-          <a:bodyPr/>
-          <a:lstStyle/>
-          <a:p>
-            <a:r>
-              <a:rPr lang="en-US"/>
-              <a:t>Statewide Analysis of Bicycle Crashes in North Carolina (2007-2018)</a:t>
-            </a:r>
-          </a:p>
-        </p:txBody>
-      </p:sp>
-      <p:sp>
-        <p:nvSpPr>
-          <p:cNvPr id="6" name="Slide Number Placeholder 5">
-            <a:extLst>
-              <a:ext uri="{FF2B5EF4-FFF2-40B4-BE49-F238E27FC236}">
-                <a16:creationId xmlns:a16="http://schemas.microsoft.com/office/drawing/2014/main" id="{F9C826F6-0593-49F8-BCBA-266B13B4C90B}"/>
-              </a:ext>
-            </a:extLst>
-          </p:cNvPr>
-          <p:cNvSpPr>
-            <a:spLocks noGrp="1"/>
-          </p:cNvSpPr>
-          <p:nvPr>
-            <p:ph type="sldNum" sz="quarter" idx="12"/>
-          </p:nvPr>
-        </p:nvSpPr>
-        <p:spPr/>
-        <p:txBody>
-          <a:bodyPr/>
-          <a:lstStyle/>
-          <a:p>
-            <a:fld id="{FC0254F6-2034-44F8-8A7C-C71F5A1DE8FB}" type="slidenum">
-              <a:rPr lang="en-US" smtClean="0"/>
-              <a:t>29</a:t>
-            </a:fld>
-            <a:endParaRPr lang="en-US"/>
-          </a:p>
-        </p:txBody>
-      </p:sp>
-      <p:pic>
-        <p:nvPicPr>
-          <p:cNvPr id="7" name="Graphic 6" descr="Bullseye">
-            <a:extLst>
-              <a:ext uri="{FF2B5EF4-FFF2-40B4-BE49-F238E27FC236}">
-                <a16:creationId xmlns:a16="http://schemas.microsoft.com/office/drawing/2014/main" id="{0858DDCF-AE16-4AFE-83AC-B887B5E6C39D}"/>
-              </a:ext>
-            </a:extLst>
-          </p:cNvPr>
-          <p:cNvPicPr>
-            <a:picLocks noChangeAspect="1"/>
-          </p:cNvPicPr>
-          <p:nvPr/>
-        </p:nvPicPr>
-        <p:blipFill>
-          <a:blip r:embed="rId2">
-            <a:extLst>
-              <a:ext uri="{28A0092B-C50C-407E-A947-70E740481C1C}">
-                <a14:useLocalDpi xmlns:a14="http://schemas.microsoft.com/office/drawing/2010/main" val="0"/>
-              </a:ext>
-              <a:ext uri="{96DAC541-7B7A-43D3-8B79-37D633B846F1}">
-                <asvg:svgBlip xmlns:asvg="http://schemas.microsoft.com/office/drawing/2016/SVG/main" r:embed="rId3"/>
-              </a:ext>
-            </a:extLst>
-          </a:blip>
-          <a:stretch>
-            <a:fillRect/>
-          </a:stretch>
-        </p:blipFill>
-        <p:spPr>
-          <a:xfrm>
-            <a:off x="57098" y="1785321"/>
-            <a:ext cx="3094997" cy="3094997"/>
-          </a:xfrm>
-          <a:prstGeom prst="rect">
-            <a:avLst/>
-          </a:prstGeom>
-        </p:spPr>
-      </p:pic>
-      <p:sp>
-        <p:nvSpPr>
-          <p:cNvPr id="3" name="Rectangle 2">
-            <a:extLst>
-              <a:ext uri="{FF2B5EF4-FFF2-40B4-BE49-F238E27FC236}">
-                <a16:creationId xmlns:a16="http://schemas.microsoft.com/office/drawing/2014/main" id="{317F6DB9-4458-4809-9227-F26D78A0C6AB}"/>
-              </a:ext>
-            </a:extLst>
-          </p:cNvPr>
-          <p:cNvSpPr/>
-          <p:nvPr/>
-        </p:nvSpPr>
-        <p:spPr>
-          <a:xfrm>
-            <a:off x="3183417" y="1204587"/>
-            <a:ext cx="8762491" cy="4448826"/>
-          </a:xfrm>
-          <a:prstGeom prst="rect">
-            <a:avLst/>
-          </a:prstGeom>
-        </p:spPr>
-        <p:txBody>
-          <a:bodyPr vert="horz" lIns="0" tIns="45720" rIns="0" bIns="45720" rtlCol="0">
-            <a:normAutofit lnSpcReduction="10000"/>
-          </a:bodyPr>
-          <a:lstStyle/>
-          <a:p>
-            <a:pPr marL="457200" indent="-342900" defTabSz="914400">
-              <a:lnSpc>
-                <a:spcPct val="150000"/>
-              </a:lnSpc>
-              <a:spcAft>
-                <a:spcPts val="600"/>
-              </a:spcAft>
-              <a:buFont typeface="+mj-lt"/>
-              <a:buAutoNum type="arabicPeriod"/>
-            </a:pPr>
-            <a:r>
-              <a:rPr lang="en-US" dirty="0">
-                <a:solidFill>
-                  <a:schemeClr val="tx1">
-                    <a:lumMod val="75000"/>
-                    <a:lumOff val="25000"/>
-                  </a:schemeClr>
-                </a:solidFill>
-              </a:rPr>
-              <a:t>Study overall statewide bicycle crash patterns and trends in North Carolina.</a:t>
-            </a:r>
-          </a:p>
-          <a:p>
-            <a:pPr marL="457200" indent="-342900" defTabSz="914400">
-              <a:lnSpc>
-                <a:spcPct val="150000"/>
-              </a:lnSpc>
-              <a:spcAft>
-                <a:spcPts val="600"/>
-              </a:spcAft>
-              <a:buFont typeface="+mj-lt"/>
-              <a:buAutoNum type="arabicPeriod"/>
-            </a:pPr>
-            <a:r>
-              <a:rPr lang="en-US" dirty="0">
-                <a:solidFill>
-                  <a:schemeClr val="tx1">
-                    <a:lumMod val="75000"/>
-                    <a:lumOff val="25000"/>
-                  </a:schemeClr>
-                </a:solidFill>
-              </a:rPr>
-              <a:t>Perform descriptive  trend  analysis of crashes based on the following factors:</a:t>
-            </a:r>
-          </a:p>
-          <a:p>
-            <a:pPr marL="914400" lvl="1" indent="-342900" defTabSz="914400">
-              <a:spcAft>
-                <a:spcPts val="600"/>
-              </a:spcAft>
-              <a:buFont typeface="Wingdings" panose="05000000000000000000" pitchFamily="2" charset="2"/>
-              <a:buChar char="q"/>
-            </a:pPr>
-            <a:r>
-              <a:rPr lang="en-US" dirty="0">
-                <a:solidFill>
-                  <a:schemeClr val="tx1">
-                    <a:lumMod val="75000"/>
-                    <a:lumOff val="25000"/>
-                  </a:schemeClr>
-                </a:solidFill>
-              </a:rPr>
-              <a:t>Environmental factors</a:t>
-            </a:r>
-          </a:p>
-          <a:p>
-            <a:pPr marL="914400" lvl="1" indent="-342900" defTabSz="914400">
-              <a:spcAft>
-                <a:spcPts val="600"/>
-              </a:spcAft>
-              <a:buFont typeface="Wingdings" panose="05000000000000000000" pitchFamily="2" charset="2"/>
-              <a:buChar char="q"/>
-            </a:pPr>
-            <a:r>
-              <a:rPr lang="en-US" dirty="0">
-                <a:solidFill>
-                  <a:schemeClr val="tx1">
-                    <a:lumMod val="75000"/>
-                    <a:lumOff val="25000"/>
-                  </a:schemeClr>
-                </a:solidFill>
-              </a:rPr>
-              <a:t>Bicyclist-related factors</a:t>
-            </a:r>
-          </a:p>
-          <a:p>
-            <a:pPr marL="914400" lvl="1" indent="-342900" defTabSz="914400">
-              <a:spcAft>
-                <a:spcPts val="600"/>
-              </a:spcAft>
-              <a:buFont typeface="Wingdings" panose="05000000000000000000" pitchFamily="2" charset="2"/>
-              <a:buChar char="q"/>
-            </a:pPr>
-            <a:r>
-              <a:rPr lang="en-US" dirty="0">
-                <a:solidFill>
-                  <a:schemeClr val="tx1">
-                    <a:lumMod val="75000"/>
-                    <a:lumOff val="25000"/>
-                  </a:schemeClr>
-                </a:solidFill>
-              </a:rPr>
-              <a:t>Crash location</a:t>
-            </a:r>
-          </a:p>
-          <a:p>
-            <a:pPr marL="914400" lvl="1" indent="-342900" defTabSz="914400">
-              <a:spcAft>
-                <a:spcPts val="600"/>
-              </a:spcAft>
-              <a:buFont typeface="Wingdings" panose="05000000000000000000" pitchFamily="2" charset="2"/>
-              <a:buChar char="q"/>
-            </a:pPr>
-            <a:r>
-              <a:rPr lang="en-US" dirty="0">
-                <a:solidFill>
-                  <a:schemeClr val="tx1">
-                    <a:lumMod val="75000"/>
-                    <a:lumOff val="25000"/>
-                  </a:schemeClr>
-                </a:solidFill>
-              </a:rPr>
-              <a:t>Motorist / Motor Vehicle-related factors</a:t>
-            </a:r>
-          </a:p>
-          <a:p>
-            <a:pPr marL="914400" lvl="1" indent="-342900" defTabSz="914400">
-              <a:spcAft>
-                <a:spcPts val="600"/>
-              </a:spcAft>
-              <a:buFont typeface="Wingdings" panose="05000000000000000000" pitchFamily="2" charset="2"/>
-              <a:buChar char="q"/>
-            </a:pPr>
-            <a:r>
-              <a:rPr lang="en-US" dirty="0">
-                <a:solidFill>
-                  <a:schemeClr val="tx1">
-                    <a:lumMod val="75000"/>
-                    <a:lumOff val="25000"/>
-                  </a:schemeClr>
-                </a:solidFill>
-              </a:rPr>
-              <a:t>Roadway Characteristics</a:t>
-            </a:r>
-          </a:p>
-          <a:p>
-            <a:pPr marL="457200" indent="-342900" defTabSz="914400">
-              <a:lnSpc>
-                <a:spcPct val="150000"/>
-              </a:lnSpc>
-              <a:spcAft>
-                <a:spcPts val="600"/>
-              </a:spcAft>
-              <a:buFont typeface="+mj-lt"/>
-              <a:buAutoNum type="arabicPeriod"/>
-            </a:pPr>
-            <a:r>
-              <a:rPr lang="en-US" dirty="0">
-                <a:solidFill>
-                  <a:schemeClr val="tx1">
-                    <a:lumMod val="75000"/>
-                    <a:lumOff val="25000"/>
-                  </a:schemeClr>
-                </a:solidFill>
-              </a:rPr>
-              <a:t>Identify bicycle crash hot spots/cities within the state</a:t>
-            </a:r>
-          </a:p>
-          <a:p>
-            <a:pPr marL="457200" indent="-342900" defTabSz="914400">
-              <a:lnSpc>
-                <a:spcPct val="150000"/>
-              </a:lnSpc>
-              <a:spcAft>
-                <a:spcPts val="600"/>
-              </a:spcAft>
-              <a:buFont typeface="+mj-lt"/>
-              <a:buAutoNum type="arabicPeriod"/>
-            </a:pPr>
-            <a:r>
-              <a:rPr lang="en-US" dirty="0">
-                <a:solidFill>
-                  <a:schemeClr val="tx1">
-                    <a:lumMod val="75000"/>
-                    <a:lumOff val="25000"/>
-                  </a:schemeClr>
-                </a:solidFill>
-                <a:highlight>
-                  <a:srgbClr val="FFFF00"/>
-                </a:highlight>
-              </a:rPr>
-              <a:t>Identify danger zones based on crashes that resulted in fatalities</a:t>
-            </a:r>
-          </a:p>
-        </p:txBody>
-      </p:sp>
-    </p:spTree>
-    <p:extLst>
-      <p:ext uri="{BB962C8B-B14F-4D97-AF65-F5344CB8AC3E}">
-        <p14:creationId xmlns:p14="http://schemas.microsoft.com/office/powerpoint/2010/main" val="3591253431"/>
-      </p:ext>
-    </p:extLst>
-  </p:cSld>
-  <p:clrMapOvr>
-    <a:masterClrMapping/>
-  </p:clrMapOvr>
-  <p:transition spd="slow">
-    <p:push/>
-  </p:transition>
-</p:sld>
-</file>
-
 <file path=ppt/slides/slide3.xml><?xml version="1.0" encoding="utf-8"?>
 <p:sld xmlns:a="http://schemas.openxmlformats.org/drawingml/2006/main" xmlns:r="http://schemas.openxmlformats.org/officeDocument/2006/relationships" xmlns:p="http://schemas.openxmlformats.org/presentationml/2006/main">
   <p:cSld>
@@ -15210,7 +14873,7 @@
                   <a:srgbClr val="F3843F"/>
                 </a:solidFill>
               </a:rPr>
-              <a:t>WHAT’S NOT INCLUDED IN THE DATASET</a:t>
+              <a:t>EXCLUSIONS / LIMITATIONS</a:t>
             </a:r>
           </a:p>
           <a:p>
@@ -18469,6 +18132,179 @@
           <p:cNvPr id="2" name="Title 1">
             <a:extLst>
               <a:ext uri="{FF2B5EF4-FFF2-40B4-BE49-F238E27FC236}">
+                <a16:creationId xmlns:a16="http://schemas.microsoft.com/office/drawing/2014/main" id="{EA1CBEB9-A83E-4B76-BF84-6F931310F962}"/>
+              </a:ext>
+            </a:extLst>
+          </p:cNvPr>
+          <p:cNvSpPr>
+            <a:spLocks noGrp="1"/>
+          </p:cNvSpPr>
+          <p:nvPr>
+            <p:ph type="title"/>
+          </p:nvPr>
+        </p:nvSpPr>
+        <p:spPr>
+          <a:xfrm>
+            <a:off x="384810" y="68266"/>
+            <a:ext cx="11501344" cy="789722"/>
+          </a:xfrm>
+        </p:spPr>
+        <p:txBody>
+          <a:bodyPr>
+            <a:normAutofit/>
+          </a:bodyPr>
+          <a:lstStyle/>
+          <a:p>
+            <a:r>
+              <a:rPr lang="en-US" dirty="0"/>
+              <a:t>Bicycle Crash Analysis – </a:t>
+            </a:r>
+            <a:r>
+              <a:rPr lang="en-US" dirty="0">
+                <a:solidFill>
+                  <a:schemeClr val="accent2"/>
+                </a:solidFill>
+              </a:rPr>
+              <a:t>COUNTY HOT SPOTS</a:t>
+            </a:r>
+            <a:endParaRPr lang="en-US" dirty="0"/>
+          </a:p>
+        </p:txBody>
+      </p:sp>
+      <p:sp>
+        <p:nvSpPr>
+          <p:cNvPr id="3" name="Footer Placeholder 2">
+            <a:extLst>
+              <a:ext uri="{FF2B5EF4-FFF2-40B4-BE49-F238E27FC236}">
+                <a16:creationId xmlns:a16="http://schemas.microsoft.com/office/drawing/2014/main" id="{FFA9E2C3-469D-49D8-8968-2A26187EF997}"/>
+              </a:ext>
+            </a:extLst>
+          </p:cNvPr>
+          <p:cNvSpPr>
+            <a:spLocks noGrp="1"/>
+          </p:cNvSpPr>
+          <p:nvPr>
+            <p:ph type="ftr" sz="quarter" idx="11"/>
+          </p:nvPr>
+        </p:nvSpPr>
+        <p:spPr/>
+        <p:txBody>
+          <a:bodyPr/>
+          <a:lstStyle/>
+          <a:p>
+            <a:r>
+              <a:rPr lang="en-US"/>
+              <a:t>Statewide Analysis of Bicycle Crashes in North Carolina (2007-2018)</a:t>
+            </a:r>
+          </a:p>
+        </p:txBody>
+      </p:sp>
+      <p:sp>
+        <p:nvSpPr>
+          <p:cNvPr id="4" name="Slide Number Placeholder 3">
+            <a:extLst>
+              <a:ext uri="{FF2B5EF4-FFF2-40B4-BE49-F238E27FC236}">
+                <a16:creationId xmlns:a16="http://schemas.microsoft.com/office/drawing/2014/main" id="{5D0CE904-68AA-4AE9-972F-3FF455753E3C}"/>
+              </a:ext>
+            </a:extLst>
+          </p:cNvPr>
+          <p:cNvSpPr>
+            <a:spLocks noGrp="1"/>
+          </p:cNvSpPr>
+          <p:nvPr>
+            <p:ph type="sldNum" sz="quarter" idx="12"/>
+          </p:nvPr>
+        </p:nvSpPr>
+        <p:spPr/>
+        <p:txBody>
+          <a:bodyPr/>
+          <a:lstStyle/>
+          <a:p>
+            <a:fld id="{FC0254F6-2034-44F8-8A7C-C71F5A1DE8FB}" type="slidenum">
+              <a:rPr lang="en-US" smtClean="0"/>
+              <a:t>8</a:t>
+            </a:fld>
+            <a:endParaRPr lang="en-US"/>
+          </a:p>
+        </p:txBody>
+      </p:sp>
+      <p:pic>
+        <p:nvPicPr>
+          <p:cNvPr id="5" name="Picture 4">
+            <a:extLst>
+              <a:ext uri="{FF2B5EF4-FFF2-40B4-BE49-F238E27FC236}">
+                <a16:creationId xmlns:a16="http://schemas.microsoft.com/office/drawing/2014/main" id="{7CB29913-8F48-4992-A0FE-36A1DD627028}"/>
+              </a:ext>
+            </a:extLst>
+          </p:cNvPr>
+          <p:cNvPicPr>
+            <a:picLocks noChangeAspect="1"/>
+          </p:cNvPicPr>
+          <p:nvPr/>
+        </p:nvPicPr>
+        <p:blipFill>
+          <a:blip r:embed="rId2"/>
+          <a:stretch>
+            <a:fillRect/>
+          </a:stretch>
+        </p:blipFill>
+        <p:spPr>
+          <a:xfrm>
+            <a:off x="270103" y="1238726"/>
+            <a:ext cx="11501345" cy="4482623"/>
+          </a:xfrm>
+          <a:prstGeom prst="rect">
+            <a:avLst/>
+          </a:prstGeom>
+        </p:spPr>
+      </p:pic>
+    </p:spTree>
+    <p:extLst>
+      <p:ext uri="{BB962C8B-B14F-4D97-AF65-F5344CB8AC3E}">
+        <p14:creationId xmlns:p14="http://schemas.microsoft.com/office/powerpoint/2010/main" val="2366826619"/>
+      </p:ext>
+    </p:extLst>
+  </p:cSld>
+  <p:clrMapOvr>
+    <a:masterClrMapping/>
+  </p:clrMapOvr>
+  <mc:AlternateContent xmlns:mc="http://schemas.openxmlformats.org/markup-compatibility/2006" xmlns:p14="http://schemas.microsoft.com/office/powerpoint/2010/main">
+    <mc:Choice Requires="p14">
+      <p:transition spd="med" p14:dur="700">
+        <p:fade/>
+      </p:transition>
+    </mc:Choice>
+    <mc:Fallback xmlns="">
+      <p:transition spd="med">
+        <p:fade/>
+      </p:transition>
+    </mc:Fallback>
+  </mc:AlternateContent>
+</p:sld>
+</file>
+
+<file path=ppt/slides/slide9.xml><?xml version="1.0" encoding="utf-8"?>
+<p:sld xmlns:a="http://schemas.openxmlformats.org/drawingml/2006/main" xmlns:r="http://schemas.openxmlformats.org/officeDocument/2006/relationships" xmlns:p="http://schemas.openxmlformats.org/presentationml/2006/main">
+  <p:cSld>
+    <p:spTree>
+      <p:nvGrpSpPr>
+        <p:cNvPr id="1" name=""/>
+        <p:cNvGrpSpPr/>
+        <p:nvPr/>
+      </p:nvGrpSpPr>
+      <p:grpSpPr>
+        <a:xfrm>
+          <a:off x="0" y="0"/>
+          <a:ext cx="0" cy="0"/>
+          <a:chOff x="0" y="0"/>
+          <a:chExt cx="0" cy="0"/>
+        </a:xfrm>
+      </p:grpSpPr>
+      <p:sp>
+        <p:nvSpPr>
+          <p:cNvPr id="2" name="Title 1">
+            <a:extLst>
+              <a:ext uri="{FF2B5EF4-FFF2-40B4-BE49-F238E27FC236}">
                 <a16:creationId xmlns:a16="http://schemas.microsoft.com/office/drawing/2014/main" id="{326EB7B5-7CCC-4CBF-BC2C-EE538C2007A0}"/>
               </a:ext>
             </a:extLst>
@@ -18502,7 +18338,7 @@
                   <a:schemeClr val="accent2"/>
                 </a:solidFill>
               </a:rPr>
-              <a:t>Most Fatal Cities</a:t>
+              <a:t>CITY HOT SPOTS</a:t>
             </a:r>
           </a:p>
         </p:txBody>
@@ -18588,7 +18424,7 @@
           <a:p>
             <a:fld id="{FC0254F6-2034-44F8-8A7C-C71F5A1DE8FB}" type="slidenum">
               <a:rPr lang="en-US" smtClean="0"/>
-              <a:t>8</a:t>
+              <a:t>9</a:t>
             </a:fld>
             <a:endParaRPr lang="en-US"/>
           </a:p>
@@ -18607,615 +18443,6 @@
   <p:transition spd="slow">
     <p:push/>
   </p:transition>
-</p:sld>
-</file>
-
-<file path=ppt/slides/slide9.xml><?xml version="1.0" encoding="utf-8"?>
-<p:sld xmlns:a="http://schemas.openxmlformats.org/drawingml/2006/main" xmlns:r="http://schemas.openxmlformats.org/officeDocument/2006/relationships" xmlns:p="http://schemas.openxmlformats.org/presentationml/2006/main">
-  <p:cSld>
-    <p:spTree>
-      <p:nvGrpSpPr>
-        <p:cNvPr id="1" name=""/>
-        <p:cNvGrpSpPr/>
-        <p:nvPr/>
-      </p:nvGrpSpPr>
-      <p:grpSpPr>
-        <a:xfrm>
-          <a:off x="0" y="0"/>
-          <a:ext cx="0" cy="0"/>
-          <a:chOff x="0" y="0"/>
-          <a:chExt cx="0" cy="0"/>
-        </a:xfrm>
-      </p:grpSpPr>
-      <p:sp>
-        <p:nvSpPr>
-          <p:cNvPr id="2" name="Title 1">
-            <a:extLst>
-              <a:ext uri="{FF2B5EF4-FFF2-40B4-BE49-F238E27FC236}">
-                <a16:creationId xmlns:a16="http://schemas.microsoft.com/office/drawing/2014/main" id="{C3232A53-CCD4-4C80-A7B4-CCE3648E1FD4}"/>
-              </a:ext>
-            </a:extLst>
-          </p:cNvPr>
-          <p:cNvSpPr>
-            <a:spLocks noGrp="1"/>
-          </p:cNvSpPr>
-          <p:nvPr>
-            <p:ph type="title"/>
-          </p:nvPr>
-        </p:nvSpPr>
-        <p:spPr/>
-        <p:txBody>
-          <a:bodyPr/>
-          <a:lstStyle/>
-          <a:p>
-            <a:r>
-              <a:rPr lang="en-US" dirty="0"/>
-              <a:t>Bicycle Crash Fatality Analysis – </a:t>
-            </a:r>
-            <a:r>
-              <a:rPr lang="en-US" dirty="0">
-                <a:solidFill>
-                  <a:schemeClr val="accent2"/>
-                </a:solidFill>
-              </a:rPr>
-              <a:t>WHERE?</a:t>
-            </a:r>
-          </a:p>
-        </p:txBody>
-      </p:sp>
-      <p:sp>
-        <p:nvSpPr>
-          <p:cNvPr id="3" name="Footer Placeholder 2">
-            <a:extLst>
-              <a:ext uri="{FF2B5EF4-FFF2-40B4-BE49-F238E27FC236}">
-                <a16:creationId xmlns:a16="http://schemas.microsoft.com/office/drawing/2014/main" id="{84520EB0-EF9A-42CE-8B2D-0FDF93B903A9}"/>
-              </a:ext>
-            </a:extLst>
-          </p:cNvPr>
-          <p:cNvSpPr>
-            <a:spLocks noGrp="1"/>
-          </p:cNvSpPr>
-          <p:nvPr>
-            <p:ph type="ftr" sz="quarter" idx="11"/>
-          </p:nvPr>
-        </p:nvSpPr>
-        <p:spPr/>
-        <p:txBody>
-          <a:bodyPr/>
-          <a:lstStyle/>
-          <a:p>
-            <a:r>
-              <a:rPr lang="en-US"/>
-              <a:t>Statewide Analysis of Bicycle Crashes in North Carolina (2007-2018)</a:t>
-            </a:r>
-          </a:p>
-        </p:txBody>
-      </p:sp>
-      <p:sp>
-        <p:nvSpPr>
-          <p:cNvPr id="4" name="Slide Number Placeholder 3">
-            <a:extLst>
-              <a:ext uri="{FF2B5EF4-FFF2-40B4-BE49-F238E27FC236}">
-                <a16:creationId xmlns:a16="http://schemas.microsoft.com/office/drawing/2014/main" id="{D7F6F7EF-430F-4C94-87DC-36AB170E2760}"/>
-              </a:ext>
-            </a:extLst>
-          </p:cNvPr>
-          <p:cNvSpPr>
-            <a:spLocks noGrp="1"/>
-          </p:cNvSpPr>
-          <p:nvPr>
-            <p:ph type="sldNum" sz="quarter" idx="12"/>
-          </p:nvPr>
-        </p:nvSpPr>
-        <p:spPr/>
-        <p:txBody>
-          <a:bodyPr/>
-          <a:lstStyle/>
-          <a:p>
-            <a:fld id="{FC0254F6-2034-44F8-8A7C-C71F5A1DE8FB}" type="slidenum">
-              <a:rPr lang="en-US" smtClean="0"/>
-              <a:t>9</a:t>
-            </a:fld>
-            <a:endParaRPr lang="en-US"/>
-          </a:p>
-        </p:txBody>
-      </p:sp>
-      <p:cxnSp>
-        <p:nvCxnSpPr>
-          <p:cNvPr id="8" name="Straight Connector 7">
-            <a:extLst>
-              <a:ext uri="{FF2B5EF4-FFF2-40B4-BE49-F238E27FC236}">
-                <a16:creationId xmlns:a16="http://schemas.microsoft.com/office/drawing/2014/main" id="{AEFF3C24-AB71-44E6-A878-32E137252451}"/>
-              </a:ext>
-            </a:extLst>
-          </p:cNvPr>
-          <p:cNvCxnSpPr>
-            <a:cxnSpLocks/>
-          </p:cNvCxnSpPr>
-          <p:nvPr/>
-        </p:nvCxnSpPr>
-        <p:spPr>
-          <a:xfrm>
-            <a:off x="5810976" y="917652"/>
-            <a:ext cx="5135" cy="5083984"/>
-          </a:xfrm>
-          <a:prstGeom prst="line">
-            <a:avLst/>
-          </a:prstGeom>
-          <a:ln>
-            <a:solidFill>
-              <a:schemeClr val="accent2"/>
-            </a:solidFill>
-          </a:ln>
-        </p:spPr>
-        <p:style>
-          <a:lnRef idx="2">
-            <a:schemeClr val="accent1"/>
-          </a:lnRef>
-          <a:fillRef idx="0">
-            <a:schemeClr val="accent1"/>
-          </a:fillRef>
-          <a:effectRef idx="1">
-            <a:schemeClr val="accent1"/>
-          </a:effectRef>
-          <a:fontRef idx="minor">
-            <a:schemeClr val="tx1"/>
-          </a:fontRef>
-        </p:style>
-      </p:cxnSp>
-      <p:sp>
-        <p:nvSpPr>
-          <p:cNvPr id="9" name="Rectangle 8">
-            <a:extLst>
-              <a:ext uri="{FF2B5EF4-FFF2-40B4-BE49-F238E27FC236}">
-                <a16:creationId xmlns:a16="http://schemas.microsoft.com/office/drawing/2014/main" id="{73C09878-A45D-4FD1-9526-E847171FB064}"/>
-              </a:ext>
-            </a:extLst>
-          </p:cNvPr>
-          <p:cNvSpPr/>
-          <p:nvPr/>
-        </p:nvSpPr>
-        <p:spPr>
-          <a:xfrm>
-            <a:off x="384810" y="906845"/>
-            <a:ext cx="5425441" cy="1285288"/>
-          </a:xfrm>
-          <a:prstGeom prst="rect">
-            <a:avLst/>
-          </a:prstGeom>
-        </p:spPr>
-        <p:txBody>
-          <a:bodyPr wrap="square">
-            <a:spAutoFit/>
-          </a:bodyPr>
-          <a:lstStyle/>
-          <a:p>
-            <a:pPr eaLnBrk="0" fontAlgn="base" hangingPunct="0">
-              <a:lnSpc>
-                <a:spcPct val="150000"/>
-              </a:lnSpc>
-              <a:spcBef>
-                <a:spcPct val="0"/>
-              </a:spcBef>
-              <a:spcAft>
-                <a:spcPct val="0"/>
-              </a:spcAft>
-            </a:pPr>
-            <a:r>
-              <a:rPr lang="en-US" altLang="en-US" b="1" u="sng" dirty="0">
-                <a:solidFill>
-                  <a:schemeClr val="accent2"/>
-                </a:solidFill>
-              </a:rPr>
-              <a:t>LOCALITY:</a:t>
-            </a:r>
-          </a:p>
-          <a:p>
-            <a:pPr eaLnBrk="0" fontAlgn="base" hangingPunct="0">
-              <a:lnSpc>
-                <a:spcPct val="150000"/>
-              </a:lnSpc>
-              <a:spcBef>
-                <a:spcPct val="0"/>
-              </a:spcBef>
-              <a:spcAft>
-                <a:spcPct val="0"/>
-              </a:spcAft>
-            </a:pPr>
-            <a:r>
-              <a:rPr lang="en-US" altLang="en-US" b="1" dirty="0"/>
-              <a:t>Most fatal crashes </a:t>
-            </a:r>
-            <a:r>
-              <a:rPr lang="en-US" altLang="en-US" b="1" dirty="0">
-                <a:solidFill>
-                  <a:srgbClr val="F7AB3B"/>
-                </a:solidFill>
-              </a:rPr>
-              <a:t>108(42%) </a:t>
-            </a:r>
-            <a:r>
-              <a:rPr lang="en-US" altLang="en-US" b="1" dirty="0"/>
-              <a:t>occur in </a:t>
-            </a:r>
-            <a:r>
-              <a:rPr lang="en-US" altLang="en-US" b="1" dirty="0">
-                <a:solidFill>
-                  <a:schemeClr val="accent2"/>
-                </a:solidFill>
-              </a:rPr>
-              <a:t>Urban Localities (&gt;70% Developed) </a:t>
-            </a:r>
-            <a:r>
-              <a:rPr lang="en-US" altLang="en-US" b="1" dirty="0"/>
-              <a:t>within the state</a:t>
-            </a:r>
-          </a:p>
-        </p:txBody>
-      </p:sp>
-      <p:sp>
-        <p:nvSpPr>
-          <p:cNvPr id="10" name="Rectangle 9">
-            <a:extLst>
-              <a:ext uri="{FF2B5EF4-FFF2-40B4-BE49-F238E27FC236}">
-                <a16:creationId xmlns:a16="http://schemas.microsoft.com/office/drawing/2014/main" id="{87F19F65-B1A1-4630-8AFD-AC5128DA6529}"/>
-              </a:ext>
-            </a:extLst>
-          </p:cNvPr>
-          <p:cNvSpPr/>
-          <p:nvPr/>
-        </p:nvSpPr>
-        <p:spPr>
-          <a:xfrm>
-            <a:off x="6129122" y="898625"/>
-            <a:ext cx="5735358" cy="1285288"/>
-          </a:xfrm>
-          <a:prstGeom prst="rect">
-            <a:avLst/>
-          </a:prstGeom>
-        </p:spPr>
-        <p:txBody>
-          <a:bodyPr wrap="square">
-            <a:spAutoFit/>
-          </a:bodyPr>
-          <a:lstStyle/>
-          <a:p>
-            <a:pPr eaLnBrk="0" fontAlgn="base" hangingPunct="0">
-              <a:lnSpc>
-                <a:spcPct val="150000"/>
-              </a:lnSpc>
-              <a:spcBef>
-                <a:spcPct val="0"/>
-              </a:spcBef>
-              <a:spcAft>
-                <a:spcPct val="0"/>
-              </a:spcAft>
-            </a:pPr>
-            <a:r>
-              <a:rPr lang="en-US" altLang="en-US" b="1" u="sng" dirty="0">
-                <a:solidFill>
-                  <a:schemeClr val="accent2"/>
-                </a:solidFill>
-              </a:rPr>
-              <a:t>CRASH LOCATION:</a:t>
-            </a:r>
-          </a:p>
-          <a:p>
-            <a:pPr eaLnBrk="0" fontAlgn="base" hangingPunct="0">
-              <a:lnSpc>
-                <a:spcPct val="150000"/>
-              </a:lnSpc>
-              <a:spcBef>
-                <a:spcPct val="0"/>
-              </a:spcBef>
-              <a:spcAft>
-                <a:spcPct val="0"/>
-              </a:spcAft>
-            </a:pPr>
-            <a:r>
-              <a:rPr lang="en-US" altLang="en-US" b="1" dirty="0"/>
-              <a:t>Majority of fatal crashes </a:t>
-            </a:r>
-            <a:r>
-              <a:rPr lang="en-US" altLang="en-US" b="1" dirty="0">
-                <a:solidFill>
-                  <a:srgbClr val="F7AB3B"/>
-                </a:solidFill>
-              </a:rPr>
-              <a:t>195(75%) </a:t>
-            </a:r>
-            <a:r>
-              <a:rPr lang="en-US" altLang="en-US" b="1" dirty="0"/>
-              <a:t>took place at </a:t>
-            </a:r>
-            <a:r>
-              <a:rPr lang="en-US" altLang="en-US" b="1" dirty="0">
-                <a:solidFill>
-                  <a:schemeClr val="accent2"/>
-                </a:solidFill>
-              </a:rPr>
-              <a:t>Non-Intersections </a:t>
-            </a:r>
-          </a:p>
-        </p:txBody>
-      </p:sp>
-      <p:pic>
-        <p:nvPicPr>
-          <p:cNvPr id="14" name="Picture 13">
-            <a:extLst>
-              <a:ext uri="{FF2B5EF4-FFF2-40B4-BE49-F238E27FC236}">
-                <a16:creationId xmlns:a16="http://schemas.microsoft.com/office/drawing/2014/main" id="{1C2F8B6D-7CDF-42B8-BE3D-6D538C228081}"/>
-              </a:ext>
-            </a:extLst>
-          </p:cNvPr>
-          <p:cNvPicPr>
-            <a:picLocks noChangeAspect="1"/>
-          </p:cNvPicPr>
-          <p:nvPr/>
-        </p:nvPicPr>
-        <p:blipFill rotWithShape="1">
-          <a:blip r:embed="rId2"/>
-          <a:srcRect t="2807"/>
-          <a:stretch/>
-        </p:blipFill>
-        <p:spPr>
-          <a:xfrm>
-            <a:off x="152827" y="2924343"/>
-            <a:ext cx="5425441" cy="2641306"/>
-          </a:xfrm>
-          <a:prstGeom prst="rect">
-            <a:avLst/>
-          </a:prstGeom>
-        </p:spPr>
-      </p:pic>
-      <p:pic>
-        <p:nvPicPr>
-          <p:cNvPr id="15" name="Picture 14">
-            <a:extLst>
-              <a:ext uri="{FF2B5EF4-FFF2-40B4-BE49-F238E27FC236}">
-                <a16:creationId xmlns:a16="http://schemas.microsoft.com/office/drawing/2014/main" id="{36890359-CA5A-4A49-A817-3F708E529AAB}"/>
-              </a:ext>
-            </a:extLst>
-          </p:cNvPr>
-          <p:cNvPicPr>
-            <a:picLocks noChangeAspect="1"/>
-          </p:cNvPicPr>
-          <p:nvPr/>
-        </p:nvPicPr>
-        <p:blipFill>
-          <a:blip r:embed="rId3"/>
-          <a:stretch>
-            <a:fillRect/>
-          </a:stretch>
-        </p:blipFill>
-        <p:spPr>
-          <a:xfrm>
-            <a:off x="6428786" y="2768689"/>
-            <a:ext cx="5183557" cy="3178489"/>
-          </a:xfrm>
-          <a:prstGeom prst="rect">
-            <a:avLst/>
-          </a:prstGeom>
-        </p:spPr>
-      </p:pic>
-    </p:spTree>
-    <p:extLst>
-      <p:ext uri="{BB962C8B-B14F-4D97-AF65-F5344CB8AC3E}">
-        <p14:creationId xmlns:p14="http://schemas.microsoft.com/office/powerpoint/2010/main" val="1435363055"/>
-      </p:ext>
-    </p:extLst>
-  </p:cSld>
-  <p:clrMapOvr>
-    <a:masterClrMapping/>
-  </p:clrMapOvr>
-  <p:transition spd="slow">
-    <p:push/>
-  </p:transition>
-  <p:timing>
-    <p:tnLst>
-      <p:par>
-        <p:cTn id="1" dur="indefinite" restart="never" nodeType="tmRoot">
-          <p:childTnLst>
-            <p:seq concurrent="1" nextAc="seek">
-              <p:cTn id="2" dur="indefinite" nodeType="mainSeq">
-                <p:childTnLst>
-                  <p:par>
-                    <p:cTn id="3" fill="hold">
-                      <p:stCondLst>
-                        <p:cond delay="indefinite"/>
-                      </p:stCondLst>
-                      <p:childTnLst>
-                        <p:par>
-                          <p:cTn id="4" fill="hold">
-                            <p:stCondLst>
-                              <p:cond delay="0"/>
-                            </p:stCondLst>
-                            <p:childTnLst>
-                              <p:par>
-                                <p:cTn id="5" presetID="1" presetClass="entr" presetSubtype="0" fill="hold" grpId="0" nodeType="clickEffect">
-                                  <p:stCondLst>
-                                    <p:cond delay="0"/>
-                                  </p:stCondLst>
-                                  <p:childTnLst>
-                                    <p:set>
-                                      <p:cBhvr>
-                                        <p:cTn id="6" dur="1" fill="hold">
-                                          <p:stCondLst>
-                                            <p:cond delay="0"/>
-                                          </p:stCondLst>
-                                        </p:cTn>
-                                        <p:tgtEl>
-                                          <p:spTgt spid="9"/>
-                                        </p:tgtEl>
-                                        <p:attrNameLst>
-                                          <p:attrName>style.visibility</p:attrName>
-                                        </p:attrNameLst>
-                                      </p:cBhvr>
-                                      <p:to>
-                                        <p:strVal val="visible"/>
-                                      </p:to>
-                                    </p:set>
-                                  </p:childTnLst>
-                                </p:cTn>
-                              </p:par>
-                              <p:par>
-                                <p:cTn id="7" presetID="1" presetClass="entr" presetSubtype="0" fill="hold" nodeType="withEffect">
-                                  <p:stCondLst>
-                                    <p:cond delay="0"/>
-                                  </p:stCondLst>
-                                  <p:childTnLst>
-                                    <p:set>
-                                      <p:cBhvr>
-                                        <p:cTn id="8" dur="1" fill="hold">
-                                          <p:stCondLst>
-                                            <p:cond delay="0"/>
-                                          </p:stCondLst>
-                                        </p:cTn>
-                                        <p:tgtEl>
-                                          <p:spTgt spid="14"/>
-                                        </p:tgtEl>
-                                        <p:attrNameLst>
-                                          <p:attrName>style.visibility</p:attrName>
-                                        </p:attrNameLst>
-                                      </p:cBhvr>
-                                      <p:to>
-                                        <p:strVal val="visible"/>
-                                      </p:to>
-                                    </p:set>
-                                  </p:childTnLst>
-                                </p:cTn>
-                              </p:par>
-                            </p:childTnLst>
-                          </p:cTn>
-                        </p:par>
-                      </p:childTnLst>
-                    </p:cTn>
-                  </p:par>
-                  <p:par>
-                    <p:cTn id="9" fill="hold">
-                      <p:stCondLst>
-                        <p:cond delay="indefinite"/>
-                      </p:stCondLst>
-                      <p:childTnLst>
-                        <p:par>
-                          <p:cTn id="10" fill="hold">
-                            <p:stCondLst>
-                              <p:cond delay="0"/>
-                            </p:stCondLst>
-                            <p:childTnLst>
-                              <p:par>
-                                <p:cTn id="11" presetID="1" presetClass="entr" presetSubtype="0" fill="hold" nodeType="clickEffect">
-                                  <p:stCondLst>
-                                    <p:cond delay="0"/>
-                                  </p:stCondLst>
-                                  <p:childTnLst>
-                                    <p:set>
-                                      <p:cBhvr>
-                                        <p:cTn id="12" dur="1" fill="hold">
-                                          <p:stCondLst>
-                                            <p:cond delay="0"/>
-                                          </p:stCondLst>
-                                        </p:cTn>
-                                        <p:tgtEl>
-                                          <p:spTgt spid="8"/>
-                                        </p:tgtEl>
-                                        <p:attrNameLst>
-                                          <p:attrName>style.visibility</p:attrName>
-                                        </p:attrNameLst>
-                                      </p:cBhvr>
-                                      <p:to>
-                                        <p:strVal val="visible"/>
-                                      </p:to>
-                                    </p:set>
-                                  </p:childTnLst>
-                                </p:cTn>
-                              </p:par>
-                              <p:par>
-                                <p:cTn id="13" presetID="1" presetClass="entr" presetSubtype="0" fill="hold" grpId="0" nodeType="withEffect">
-                                  <p:stCondLst>
-                                    <p:cond delay="0"/>
-                                  </p:stCondLst>
-                                  <p:childTnLst>
-                                    <p:set>
-                                      <p:cBhvr>
-                                        <p:cTn id="14" dur="1" fill="hold">
-                                          <p:stCondLst>
-                                            <p:cond delay="0"/>
-                                          </p:stCondLst>
-                                        </p:cTn>
-                                        <p:tgtEl>
-                                          <p:spTgt spid="10"/>
-                                        </p:tgtEl>
-                                        <p:attrNameLst>
-                                          <p:attrName>style.visibility</p:attrName>
-                                        </p:attrNameLst>
-                                      </p:cBhvr>
-                                      <p:to>
-                                        <p:strVal val="visible"/>
-                                      </p:to>
-                                    </p:set>
-                                  </p:childTnLst>
-                                </p:cTn>
-                              </p:par>
-                              <p:par>
-                                <p:cTn id="15" presetID="1" presetClass="entr" presetSubtype="0" fill="hold" nodeType="withEffect">
-                                  <p:stCondLst>
-                                    <p:cond delay="0"/>
-                                  </p:stCondLst>
-                                  <p:childTnLst>
-                                    <p:set>
-                                      <p:cBhvr>
-                                        <p:cTn id="16" dur="1" fill="hold">
-                                          <p:stCondLst>
-                                            <p:cond delay="0"/>
-                                          </p:stCondLst>
-                                        </p:cTn>
-                                        <p:tgtEl>
-                                          <p:spTgt spid="15"/>
-                                        </p:tgtEl>
-                                        <p:attrNameLst>
-                                          <p:attrName>style.visibility</p:attrName>
-                                        </p:attrNameLst>
-                                      </p:cBhvr>
-                                      <p:to>
-                                        <p:strVal val="visible"/>
-                                      </p:to>
-                                    </p:set>
-                                  </p:childTnLst>
-                                </p:cTn>
-                              </p:par>
-                            </p:childTnLst>
-                          </p:cTn>
-                        </p:par>
-                      </p:childTnLst>
-                    </p:cTn>
-                  </p:par>
-                </p:childTnLst>
-              </p:cTn>
-              <p:prevCondLst>
-                <p:cond evt="onPrev" delay="0">
-                  <p:tgtEl>
-                    <p:sldTgt/>
-                  </p:tgtEl>
-                </p:cond>
-              </p:prevCondLst>
-              <p:nextCondLst>
-                <p:cond evt="onNext" delay="0">
-                  <p:tgtEl>
-                    <p:sldTgt/>
-                  </p:tgtEl>
-                </p:cond>
-              </p:nextCondLst>
-            </p:seq>
-          </p:childTnLst>
-        </p:cTn>
-      </p:par>
-    </p:tnLst>
-    <p:bldLst>
-      <p:bldP spid="9" grpId="0"/>
-      <p:bldP spid="10" grpId="0"/>
-    </p:bldLst>
-  </p:timing>
 </p:sld>
 </file>
 

--- a/Project 1 - Group 2 - Statewide Bicycle Crash Analysis.pptx
+++ b/Project 1 - Group 2 - Statewide Bicycle Crash Analysis.pptx
@@ -223,7 +223,7 @@
           <a:p>
             <a:fld id="{FAF253CA-FE4F-4765-B0DD-4162DB93282F}" type="datetimeFigureOut">
               <a:rPr lang="en-US" smtClean="0"/>
-              <a:t>4/17/2020</a:t>
+              <a:t>4/18/2020</a:t>
             </a:fld>
             <a:endParaRPr lang="en-US"/>
           </a:p>
@@ -552,7 +552,7 @@
           <a:p>
             <a:fld id="{7CE90542-9A30-4E29-AA01-78595DCE0BD4}" type="datetime1">
               <a:rPr lang="en-US" smtClean="0"/>
-              <a:t>4/17/2020</a:t>
+              <a:t>4/18/2020</a:t>
             </a:fld>
             <a:endParaRPr lang="en-US"/>
           </a:p>
@@ -738,7 +738,7 @@
           <a:p>
             <a:fld id="{DC16A947-EEA3-483A-98D8-BE9434FC4800}" type="datetime1">
               <a:rPr lang="en-US" smtClean="0"/>
-              <a:t>4/17/2020</a:t>
+              <a:t>4/18/2020</a:t>
             </a:fld>
             <a:endParaRPr lang="en-US"/>
           </a:p>
@@ -1047,7 +1047,7 @@
           <a:p>
             <a:fld id="{F46C4471-FC87-4D66-AD5E-4589409DA5A7}" type="datetime1">
               <a:rPr lang="en-US" smtClean="0"/>
-              <a:t>4/17/2020</a:t>
+              <a:t>4/18/2020</a:t>
             </a:fld>
             <a:endParaRPr lang="en-US"/>
           </a:p>
@@ -1232,7 +1232,7 @@
           <a:p>
             <a:fld id="{29BDE81A-25E8-4BC1-B510-E3F15FB6956E}" type="datetime1">
               <a:rPr lang="en-US" smtClean="0"/>
-              <a:t>4/17/2020</a:t>
+              <a:t>4/18/2020</a:t>
             </a:fld>
             <a:endParaRPr lang="en-US"/>
           </a:p>
@@ -1483,7 +1483,7 @@
           <a:p>
             <a:fld id="{B1CBD8C0-B44F-4380-BAFA-C5D5EF128DE3}" type="datetime1">
               <a:rPr lang="en-US" smtClean="0"/>
-              <a:t>4/17/2020</a:t>
+              <a:t>4/18/2020</a:t>
             </a:fld>
             <a:endParaRPr lang="en-US"/>
           </a:p>
@@ -1783,7 +1783,7 @@
           <a:p>
             <a:fld id="{066AB329-CA81-43EB-B674-21DEFD9388A4}" type="datetime1">
               <a:rPr lang="en-US" smtClean="0"/>
-              <a:t>4/17/2020</a:t>
+              <a:t>4/18/2020</a:t>
             </a:fld>
             <a:endParaRPr lang="en-US" dirty="0"/>
           </a:p>
@@ -11509,49 +11509,6 @@
           </a:p>
         </p:txBody>
       </p:sp>
-      <p:cxnSp>
-        <p:nvCxnSpPr>
-          <p:cNvPr id="14" name="Straight Connector 13">
-            <a:extLst>
-              <a:ext uri="{FF2B5EF4-FFF2-40B4-BE49-F238E27FC236}">
-                <a16:creationId xmlns:a16="http://schemas.microsoft.com/office/drawing/2014/main" id="{31617E05-5DFF-469D-A40F-1500D7421EDB}"/>
-              </a:ext>
-            </a:extLst>
-          </p:cNvPr>
-          <p:cNvCxnSpPr>
-            <a:cxnSpLocks/>
-          </p:cNvCxnSpPr>
-          <p:nvPr/>
-        </p:nvCxnSpPr>
-        <p:spPr>
-          <a:xfrm>
-            <a:off x="5925620" y="972434"/>
-            <a:ext cx="5135" cy="5083984"/>
-          </a:xfrm>
-          <a:prstGeom prst="line">
-            <a:avLst/>
-          </a:prstGeom>
-          <a:ln>
-            <a:solidFill>
-              <a:schemeClr val="accent2"/>
-            </a:solidFill>
-          </a:ln>
-        </p:spPr>
-        <p:style>
-          <a:lnRef idx="2">
-            <a:schemeClr val="accent1"/>
-          </a:lnRef>
-          <a:fillRef idx="0">
-            <a:schemeClr val="accent1"/>
-          </a:fillRef>
-          <a:effectRef idx="1">
-            <a:schemeClr val="accent1"/>
-          </a:effectRef>
-          <a:fontRef idx="minor">
-            <a:schemeClr val="tx1"/>
-          </a:fontRef>
-        </p:style>
-      </p:cxnSp>
     </p:spTree>
     <p:extLst>
       <p:ext uri="{BB962C8B-B14F-4D97-AF65-F5344CB8AC3E}">
@@ -12916,7 +12873,7 @@
                   <a:schemeClr val="accent2"/>
                 </a:solidFill>
               </a:rPr>
-              <a:t>CONCLUSION?</a:t>
+              <a:t>HOW?</a:t>
             </a:r>
             <a:endParaRPr lang="en-US" dirty="0"/>
           </a:p>
@@ -12994,7 +12951,7 @@
         <p:spPr>
           <a:xfrm>
             <a:off x="336680" y="1200883"/>
-            <a:ext cx="10953215" cy="3831818"/>
+            <a:ext cx="10953215" cy="4108817"/>
           </a:xfrm>
           <a:prstGeom prst="rect">
             <a:avLst/>
@@ -13167,7 +13124,7 @@
                   <a:srgbClr val="F7AB3B"/>
                 </a:solidFill>
               </a:rPr>
-              <a:t>in an urban neighborhood</a:t>
+              <a:t>on the local street</a:t>
             </a:r>
           </a:p>
           <a:p>
@@ -13187,7 +13144,7 @@
                   <a:srgbClr val="F7AB3B"/>
                 </a:solidFill>
               </a:rPr>
-              <a:t>while travelling in the travel lane</a:t>
+              <a:t>of an urban neighborhood</a:t>
             </a:r>
           </a:p>
           <a:p>
@@ -13207,7 +13164,7 @@
                   <a:srgbClr val="F7AB3B"/>
                 </a:solidFill>
               </a:rPr>
-              <a:t>in the same direction as the traffic</a:t>
+              <a:t>while travelling in the travel lane</a:t>
             </a:r>
           </a:p>
           <a:p>
@@ -13227,7 +13184,27 @@
                   <a:srgbClr val="F7AB3B"/>
                 </a:solidFill>
               </a:rPr>
-              <a:t>on a local street</a:t>
+              <a:t>of a two-way not-divided road</a:t>
+            </a:r>
+          </a:p>
+          <a:p>
+            <a:pPr marL="742950" lvl="1" indent="-285750" eaLnBrk="0" fontAlgn="base" hangingPunct="0">
+              <a:spcBef>
+                <a:spcPct val="0"/>
+              </a:spcBef>
+              <a:spcAft>
+                <a:spcPct val="0"/>
+              </a:spcAft>
+              <a:buFontTx/>
+              <a:buChar char="-"/>
+            </a:pPr>
+            <a:r>
+              <a:rPr lang="en-US" altLang="en-US" b="1" dirty="0">
+                <a:solidFill>
+                  <a:srgbClr val="F7AB3B"/>
+                </a:solidFill>
+              </a:rPr>
+              <a:t>in the same direction as the traffic</a:t>
             </a:r>
           </a:p>
           <a:p>
@@ -13265,6 +13242,624 @@
   <p:transition spd="slow">
     <p:push/>
   </p:transition>
+  <p:timing>
+    <p:tnLst>
+      <p:par>
+        <p:cTn id="1" dur="indefinite" restart="never" nodeType="tmRoot">
+          <p:childTnLst>
+            <p:seq concurrent="1" nextAc="seek">
+              <p:cTn id="2" dur="indefinite" nodeType="mainSeq">
+                <p:childTnLst>
+                  <p:par>
+                    <p:cTn id="3" fill="hold">
+                      <p:stCondLst>
+                        <p:cond delay="indefinite"/>
+                      </p:stCondLst>
+                      <p:childTnLst>
+                        <p:par>
+                          <p:cTn id="4" fill="hold">
+                            <p:stCondLst>
+                              <p:cond delay="0"/>
+                            </p:stCondLst>
+                            <p:childTnLst>
+                              <p:par>
+                                <p:cTn id="5" presetID="1" presetClass="entr" presetSubtype="0" fill="hold" nodeType="clickEffect">
+                                  <p:stCondLst>
+                                    <p:cond delay="0"/>
+                                  </p:stCondLst>
+                                  <p:childTnLst>
+                                    <p:set>
+                                      <p:cBhvr>
+                                        <p:cTn id="6" dur="1" fill="hold">
+                                          <p:stCondLst>
+                                            <p:cond delay="0"/>
+                                          </p:stCondLst>
+                                        </p:cTn>
+                                        <p:tgtEl>
+                                          <p:spTgt spid="8">
+                                            <p:txEl>
+                                              <p:pRg st="0" end="0"/>
+                                            </p:txEl>
+                                          </p:spTgt>
+                                        </p:tgtEl>
+                                        <p:attrNameLst>
+                                          <p:attrName>style.visibility</p:attrName>
+                                        </p:attrNameLst>
+                                      </p:cBhvr>
+                                      <p:to>
+                                        <p:strVal val="visible"/>
+                                      </p:to>
+                                    </p:set>
+                                  </p:childTnLst>
+                                </p:cTn>
+                              </p:par>
+                            </p:childTnLst>
+                          </p:cTn>
+                        </p:par>
+                      </p:childTnLst>
+                    </p:cTn>
+                  </p:par>
+                  <p:par>
+                    <p:cTn id="7" fill="hold">
+                      <p:stCondLst>
+                        <p:cond delay="indefinite"/>
+                      </p:stCondLst>
+                      <p:childTnLst>
+                        <p:par>
+                          <p:cTn id="8" fill="hold">
+                            <p:stCondLst>
+                              <p:cond delay="0"/>
+                            </p:stCondLst>
+                            <p:childTnLst>
+                              <p:par>
+                                <p:cTn id="9" presetID="1" presetClass="entr" presetSubtype="0" fill="hold" nodeType="clickEffect">
+                                  <p:stCondLst>
+                                    <p:cond delay="0"/>
+                                  </p:stCondLst>
+                                  <p:childTnLst>
+                                    <p:set>
+                                      <p:cBhvr>
+                                        <p:cTn id="10" dur="1" fill="hold">
+                                          <p:stCondLst>
+                                            <p:cond delay="0"/>
+                                          </p:stCondLst>
+                                        </p:cTn>
+                                        <p:tgtEl>
+                                          <p:spTgt spid="8">
+                                            <p:txEl>
+                                              <p:pRg st="1" end="1"/>
+                                            </p:txEl>
+                                          </p:spTgt>
+                                        </p:tgtEl>
+                                        <p:attrNameLst>
+                                          <p:attrName>style.visibility</p:attrName>
+                                        </p:attrNameLst>
+                                      </p:cBhvr>
+                                      <p:to>
+                                        <p:strVal val="visible"/>
+                                      </p:to>
+                                    </p:set>
+                                  </p:childTnLst>
+                                </p:cTn>
+                              </p:par>
+                            </p:childTnLst>
+                          </p:cTn>
+                        </p:par>
+                      </p:childTnLst>
+                    </p:cTn>
+                  </p:par>
+                  <p:par>
+                    <p:cTn id="11" fill="hold">
+                      <p:stCondLst>
+                        <p:cond delay="indefinite"/>
+                      </p:stCondLst>
+                      <p:childTnLst>
+                        <p:par>
+                          <p:cTn id="12" fill="hold">
+                            <p:stCondLst>
+                              <p:cond delay="0"/>
+                            </p:stCondLst>
+                            <p:childTnLst>
+                              <p:par>
+                                <p:cTn id="13" presetID="1" presetClass="entr" presetSubtype="0" fill="hold" nodeType="clickEffect">
+                                  <p:stCondLst>
+                                    <p:cond delay="0"/>
+                                  </p:stCondLst>
+                                  <p:childTnLst>
+                                    <p:set>
+                                      <p:cBhvr>
+                                        <p:cTn id="14" dur="1" fill="hold">
+                                          <p:stCondLst>
+                                            <p:cond delay="0"/>
+                                          </p:stCondLst>
+                                        </p:cTn>
+                                        <p:tgtEl>
+                                          <p:spTgt spid="8">
+                                            <p:txEl>
+                                              <p:pRg st="2" end="2"/>
+                                            </p:txEl>
+                                          </p:spTgt>
+                                        </p:tgtEl>
+                                        <p:attrNameLst>
+                                          <p:attrName>style.visibility</p:attrName>
+                                        </p:attrNameLst>
+                                      </p:cBhvr>
+                                      <p:to>
+                                        <p:strVal val="visible"/>
+                                      </p:to>
+                                    </p:set>
+                                  </p:childTnLst>
+                                </p:cTn>
+                              </p:par>
+                            </p:childTnLst>
+                          </p:cTn>
+                        </p:par>
+                      </p:childTnLst>
+                    </p:cTn>
+                  </p:par>
+                  <p:par>
+                    <p:cTn id="15" fill="hold">
+                      <p:stCondLst>
+                        <p:cond delay="indefinite"/>
+                      </p:stCondLst>
+                      <p:childTnLst>
+                        <p:par>
+                          <p:cTn id="16" fill="hold">
+                            <p:stCondLst>
+                              <p:cond delay="0"/>
+                            </p:stCondLst>
+                            <p:childTnLst>
+                              <p:par>
+                                <p:cTn id="17" presetID="1" presetClass="entr" presetSubtype="0" fill="hold" nodeType="clickEffect">
+                                  <p:stCondLst>
+                                    <p:cond delay="0"/>
+                                  </p:stCondLst>
+                                  <p:childTnLst>
+                                    <p:set>
+                                      <p:cBhvr>
+                                        <p:cTn id="18" dur="1" fill="hold">
+                                          <p:stCondLst>
+                                            <p:cond delay="0"/>
+                                          </p:stCondLst>
+                                        </p:cTn>
+                                        <p:tgtEl>
+                                          <p:spTgt spid="8">
+                                            <p:txEl>
+                                              <p:pRg st="3" end="3"/>
+                                            </p:txEl>
+                                          </p:spTgt>
+                                        </p:tgtEl>
+                                        <p:attrNameLst>
+                                          <p:attrName>style.visibility</p:attrName>
+                                        </p:attrNameLst>
+                                      </p:cBhvr>
+                                      <p:to>
+                                        <p:strVal val="visible"/>
+                                      </p:to>
+                                    </p:set>
+                                  </p:childTnLst>
+                                </p:cTn>
+                              </p:par>
+                            </p:childTnLst>
+                          </p:cTn>
+                        </p:par>
+                      </p:childTnLst>
+                    </p:cTn>
+                  </p:par>
+                  <p:par>
+                    <p:cTn id="19" fill="hold">
+                      <p:stCondLst>
+                        <p:cond delay="indefinite"/>
+                      </p:stCondLst>
+                      <p:childTnLst>
+                        <p:par>
+                          <p:cTn id="20" fill="hold">
+                            <p:stCondLst>
+                              <p:cond delay="0"/>
+                            </p:stCondLst>
+                            <p:childTnLst>
+                              <p:par>
+                                <p:cTn id="21" presetID="1" presetClass="entr" presetSubtype="0" fill="hold" nodeType="clickEffect">
+                                  <p:stCondLst>
+                                    <p:cond delay="0"/>
+                                  </p:stCondLst>
+                                  <p:childTnLst>
+                                    <p:set>
+                                      <p:cBhvr>
+                                        <p:cTn id="22" dur="1" fill="hold">
+                                          <p:stCondLst>
+                                            <p:cond delay="0"/>
+                                          </p:stCondLst>
+                                        </p:cTn>
+                                        <p:tgtEl>
+                                          <p:spTgt spid="8">
+                                            <p:txEl>
+                                              <p:pRg st="5" end="5"/>
+                                            </p:txEl>
+                                          </p:spTgt>
+                                        </p:tgtEl>
+                                        <p:attrNameLst>
+                                          <p:attrName>style.visibility</p:attrName>
+                                        </p:attrNameLst>
+                                      </p:cBhvr>
+                                      <p:to>
+                                        <p:strVal val="visible"/>
+                                      </p:to>
+                                    </p:set>
+                                  </p:childTnLst>
+                                </p:cTn>
+                              </p:par>
+                            </p:childTnLst>
+                          </p:cTn>
+                        </p:par>
+                      </p:childTnLst>
+                    </p:cTn>
+                  </p:par>
+                  <p:par>
+                    <p:cTn id="23" fill="hold">
+                      <p:stCondLst>
+                        <p:cond delay="indefinite"/>
+                      </p:stCondLst>
+                      <p:childTnLst>
+                        <p:par>
+                          <p:cTn id="24" fill="hold">
+                            <p:stCondLst>
+                              <p:cond delay="0"/>
+                            </p:stCondLst>
+                            <p:childTnLst>
+                              <p:par>
+                                <p:cTn id="25" presetID="1" presetClass="entr" presetSubtype="0" fill="hold" nodeType="clickEffect">
+                                  <p:stCondLst>
+                                    <p:cond delay="0"/>
+                                  </p:stCondLst>
+                                  <p:childTnLst>
+                                    <p:set>
+                                      <p:cBhvr>
+                                        <p:cTn id="26" dur="1" fill="hold">
+                                          <p:stCondLst>
+                                            <p:cond delay="0"/>
+                                          </p:stCondLst>
+                                        </p:cTn>
+                                        <p:tgtEl>
+                                          <p:spTgt spid="8">
+                                            <p:txEl>
+                                              <p:pRg st="7" end="7"/>
+                                            </p:txEl>
+                                          </p:spTgt>
+                                        </p:tgtEl>
+                                        <p:attrNameLst>
+                                          <p:attrName>style.visibility</p:attrName>
+                                        </p:attrNameLst>
+                                      </p:cBhvr>
+                                      <p:to>
+                                        <p:strVal val="visible"/>
+                                      </p:to>
+                                    </p:set>
+                                  </p:childTnLst>
+                                </p:cTn>
+                              </p:par>
+                            </p:childTnLst>
+                          </p:cTn>
+                        </p:par>
+                      </p:childTnLst>
+                    </p:cTn>
+                  </p:par>
+                  <p:par>
+                    <p:cTn id="27" fill="hold">
+                      <p:stCondLst>
+                        <p:cond delay="indefinite"/>
+                      </p:stCondLst>
+                      <p:childTnLst>
+                        <p:par>
+                          <p:cTn id="28" fill="hold">
+                            <p:stCondLst>
+                              <p:cond delay="0"/>
+                            </p:stCondLst>
+                            <p:childTnLst>
+                              <p:par>
+                                <p:cTn id="29" presetID="1" presetClass="entr" presetSubtype="0" fill="hold" nodeType="clickEffect">
+                                  <p:stCondLst>
+                                    <p:cond delay="0"/>
+                                  </p:stCondLst>
+                                  <p:childTnLst>
+                                    <p:set>
+                                      <p:cBhvr>
+                                        <p:cTn id="30" dur="1" fill="hold">
+                                          <p:stCondLst>
+                                            <p:cond delay="0"/>
+                                          </p:stCondLst>
+                                        </p:cTn>
+                                        <p:tgtEl>
+                                          <p:spTgt spid="8">
+                                            <p:txEl>
+                                              <p:pRg st="8" end="8"/>
+                                            </p:txEl>
+                                          </p:spTgt>
+                                        </p:tgtEl>
+                                        <p:attrNameLst>
+                                          <p:attrName>style.visibility</p:attrName>
+                                        </p:attrNameLst>
+                                      </p:cBhvr>
+                                      <p:to>
+                                        <p:strVal val="visible"/>
+                                      </p:to>
+                                    </p:set>
+                                  </p:childTnLst>
+                                </p:cTn>
+                              </p:par>
+                            </p:childTnLst>
+                          </p:cTn>
+                        </p:par>
+                      </p:childTnLst>
+                    </p:cTn>
+                  </p:par>
+                  <p:par>
+                    <p:cTn id="31" fill="hold">
+                      <p:stCondLst>
+                        <p:cond delay="indefinite"/>
+                      </p:stCondLst>
+                      <p:childTnLst>
+                        <p:par>
+                          <p:cTn id="32" fill="hold">
+                            <p:stCondLst>
+                              <p:cond delay="0"/>
+                            </p:stCondLst>
+                            <p:childTnLst>
+                              <p:par>
+                                <p:cTn id="33" presetID="1" presetClass="entr" presetSubtype="0" fill="hold" nodeType="clickEffect">
+                                  <p:stCondLst>
+                                    <p:cond delay="0"/>
+                                  </p:stCondLst>
+                                  <p:childTnLst>
+                                    <p:set>
+                                      <p:cBhvr>
+                                        <p:cTn id="34" dur="1" fill="hold">
+                                          <p:stCondLst>
+                                            <p:cond delay="0"/>
+                                          </p:stCondLst>
+                                        </p:cTn>
+                                        <p:tgtEl>
+                                          <p:spTgt spid="8">
+                                            <p:txEl>
+                                              <p:pRg st="9" end="9"/>
+                                            </p:txEl>
+                                          </p:spTgt>
+                                        </p:tgtEl>
+                                        <p:attrNameLst>
+                                          <p:attrName>style.visibility</p:attrName>
+                                        </p:attrNameLst>
+                                      </p:cBhvr>
+                                      <p:to>
+                                        <p:strVal val="visible"/>
+                                      </p:to>
+                                    </p:set>
+                                  </p:childTnLst>
+                                </p:cTn>
+                              </p:par>
+                            </p:childTnLst>
+                          </p:cTn>
+                        </p:par>
+                      </p:childTnLst>
+                    </p:cTn>
+                  </p:par>
+                  <p:par>
+                    <p:cTn id="35" fill="hold">
+                      <p:stCondLst>
+                        <p:cond delay="indefinite"/>
+                      </p:stCondLst>
+                      <p:childTnLst>
+                        <p:par>
+                          <p:cTn id="36" fill="hold">
+                            <p:stCondLst>
+                              <p:cond delay="0"/>
+                            </p:stCondLst>
+                            <p:childTnLst>
+                              <p:par>
+                                <p:cTn id="37" presetID="1" presetClass="entr" presetSubtype="0" fill="hold" nodeType="clickEffect">
+                                  <p:stCondLst>
+                                    <p:cond delay="0"/>
+                                  </p:stCondLst>
+                                  <p:childTnLst>
+                                    <p:set>
+                                      <p:cBhvr>
+                                        <p:cTn id="38" dur="1" fill="hold">
+                                          <p:stCondLst>
+                                            <p:cond delay="0"/>
+                                          </p:stCondLst>
+                                        </p:cTn>
+                                        <p:tgtEl>
+                                          <p:spTgt spid="8">
+                                            <p:txEl>
+                                              <p:pRg st="10" end="10"/>
+                                            </p:txEl>
+                                          </p:spTgt>
+                                        </p:tgtEl>
+                                        <p:attrNameLst>
+                                          <p:attrName>style.visibility</p:attrName>
+                                        </p:attrNameLst>
+                                      </p:cBhvr>
+                                      <p:to>
+                                        <p:strVal val="visible"/>
+                                      </p:to>
+                                    </p:set>
+                                  </p:childTnLst>
+                                </p:cTn>
+                              </p:par>
+                            </p:childTnLst>
+                          </p:cTn>
+                        </p:par>
+                      </p:childTnLst>
+                    </p:cTn>
+                  </p:par>
+                  <p:par>
+                    <p:cTn id="39" fill="hold">
+                      <p:stCondLst>
+                        <p:cond delay="indefinite"/>
+                      </p:stCondLst>
+                      <p:childTnLst>
+                        <p:par>
+                          <p:cTn id="40" fill="hold">
+                            <p:stCondLst>
+                              <p:cond delay="0"/>
+                            </p:stCondLst>
+                            <p:childTnLst>
+                              <p:par>
+                                <p:cTn id="41" presetID="1" presetClass="entr" presetSubtype="0" fill="hold" nodeType="clickEffect">
+                                  <p:stCondLst>
+                                    <p:cond delay="0"/>
+                                  </p:stCondLst>
+                                  <p:childTnLst>
+                                    <p:set>
+                                      <p:cBhvr>
+                                        <p:cTn id="42" dur="1" fill="hold">
+                                          <p:stCondLst>
+                                            <p:cond delay="0"/>
+                                          </p:stCondLst>
+                                        </p:cTn>
+                                        <p:tgtEl>
+                                          <p:spTgt spid="8">
+                                            <p:txEl>
+                                              <p:pRg st="11" end="11"/>
+                                            </p:txEl>
+                                          </p:spTgt>
+                                        </p:tgtEl>
+                                        <p:attrNameLst>
+                                          <p:attrName>style.visibility</p:attrName>
+                                        </p:attrNameLst>
+                                      </p:cBhvr>
+                                      <p:to>
+                                        <p:strVal val="visible"/>
+                                      </p:to>
+                                    </p:set>
+                                  </p:childTnLst>
+                                </p:cTn>
+                              </p:par>
+                            </p:childTnLst>
+                          </p:cTn>
+                        </p:par>
+                      </p:childTnLst>
+                    </p:cTn>
+                  </p:par>
+                  <p:par>
+                    <p:cTn id="43" fill="hold">
+                      <p:stCondLst>
+                        <p:cond delay="indefinite"/>
+                      </p:stCondLst>
+                      <p:childTnLst>
+                        <p:par>
+                          <p:cTn id="44" fill="hold">
+                            <p:stCondLst>
+                              <p:cond delay="0"/>
+                            </p:stCondLst>
+                            <p:childTnLst>
+                              <p:par>
+                                <p:cTn id="45" presetID="1" presetClass="entr" presetSubtype="0" fill="hold" nodeType="clickEffect">
+                                  <p:stCondLst>
+                                    <p:cond delay="0"/>
+                                  </p:stCondLst>
+                                  <p:childTnLst>
+                                    <p:set>
+                                      <p:cBhvr>
+                                        <p:cTn id="46" dur="1" fill="hold">
+                                          <p:stCondLst>
+                                            <p:cond delay="0"/>
+                                          </p:stCondLst>
+                                        </p:cTn>
+                                        <p:tgtEl>
+                                          <p:spTgt spid="8">
+                                            <p:txEl>
+                                              <p:pRg st="12" end="12"/>
+                                            </p:txEl>
+                                          </p:spTgt>
+                                        </p:tgtEl>
+                                        <p:attrNameLst>
+                                          <p:attrName>style.visibility</p:attrName>
+                                        </p:attrNameLst>
+                                      </p:cBhvr>
+                                      <p:to>
+                                        <p:strVal val="visible"/>
+                                      </p:to>
+                                    </p:set>
+                                  </p:childTnLst>
+                                </p:cTn>
+                              </p:par>
+                            </p:childTnLst>
+                          </p:cTn>
+                        </p:par>
+                      </p:childTnLst>
+                    </p:cTn>
+                  </p:par>
+                  <p:par>
+                    <p:cTn id="47" fill="hold">
+                      <p:stCondLst>
+                        <p:cond delay="indefinite"/>
+                      </p:stCondLst>
+                      <p:childTnLst>
+                        <p:par>
+                          <p:cTn id="48" fill="hold">
+                            <p:stCondLst>
+                              <p:cond delay="0"/>
+                            </p:stCondLst>
+                            <p:childTnLst>
+                              <p:par>
+                                <p:cTn id="49" presetID="1" presetClass="entr" presetSubtype="0" fill="hold" nodeType="clickEffect">
+                                  <p:stCondLst>
+                                    <p:cond delay="0"/>
+                                  </p:stCondLst>
+                                  <p:childTnLst>
+                                    <p:set>
+                                      <p:cBhvr>
+                                        <p:cTn id="50" dur="1" fill="hold">
+                                          <p:stCondLst>
+                                            <p:cond delay="0"/>
+                                          </p:stCondLst>
+                                        </p:cTn>
+                                        <p:tgtEl>
+                                          <p:spTgt spid="8">
+                                            <p:txEl>
+                                              <p:pRg st="13" end="13"/>
+                                            </p:txEl>
+                                          </p:spTgt>
+                                        </p:tgtEl>
+                                        <p:attrNameLst>
+                                          <p:attrName>style.visibility</p:attrName>
+                                        </p:attrNameLst>
+                                      </p:cBhvr>
+                                      <p:to>
+                                        <p:strVal val="visible"/>
+                                      </p:to>
+                                    </p:set>
+                                  </p:childTnLst>
+                                </p:cTn>
+                              </p:par>
+                            </p:childTnLst>
+                          </p:cTn>
+                        </p:par>
+                      </p:childTnLst>
+                    </p:cTn>
+                  </p:par>
+                </p:childTnLst>
+              </p:cTn>
+              <p:prevCondLst>
+                <p:cond evt="onPrev" delay="0">
+                  <p:tgtEl>
+                    <p:sldTgt/>
+                  </p:tgtEl>
+                </p:cond>
+              </p:prevCondLst>
+              <p:nextCondLst>
+                <p:cond evt="onNext" delay="0">
+                  <p:tgtEl>
+                    <p:sldTgt/>
+                  </p:tgtEl>
+                </p:cond>
+              </p:nextCondLst>
+            </p:seq>
+          </p:childTnLst>
+        </p:cTn>
+      </p:par>
+    </p:tnLst>
+  </p:timing>
 </p:sld>
 </file>
 
